--- a/images/project_file_flow_diagram.pptx
+++ b/images/project_file_flow_diagram.pptx
@@ -4,9 +4,12 @@
   <p:sldMasterIdLst>
     <p:sldMasterId id="2147483648" r:id="rId1"/>
   </p:sldMasterIdLst>
+  <p:notesMasterIdLst>
+    <p:notesMasterId r:id="rId4"/>
+  </p:notesMasterIdLst>
   <p:sldIdLst>
-    <p:sldId id="256" r:id="rId2"/>
-    <p:sldId id="257" r:id="rId3"/>
+    <p:sldId id="257" r:id="rId2"/>
+    <p:sldId id="258" r:id="rId3"/>
   </p:sldIdLst>
   <p:sldSz cx="12192000" cy="6858000"/>
   <p:notesSz cx="6858000" cy="9144000"/>
@@ -125,6 +128,523 @@
 </p:cmAuthorLst>
 </file>
 
+<file path=ppt/notesMasters/notesMaster1.xml><?xml version="1.0" encoding="utf-8"?>
+<p:notesMaster xmlns:a="http://schemas.openxmlformats.org/drawingml/2006/main" xmlns:r="http://schemas.openxmlformats.org/officeDocument/2006/relationships" xmlns:p="http://schemas.openxmlformats.org/presentationml/2006/main">
+  <p:cSld>
+    <p:bg>
+      <p:bgRef idx="1001">
+        <a:schemeClr val="bg1"/>
+      </p:bgRef>
+    </p:bg>
+    <p:spTree>
+      <p:nvGrpSpPr>
+        <p:cNvPr id="1" name=""/>
+        <p:cNvGrpSpPr/>
+        <p:nvPr/>
+      </p:nvGrpSpPr>
+      <p:grpSpPr>
+        <a:xfrm>
+          <a:off x="0" y="0"/>
+          <a:ext cx="0" cy="0"/>
+          <a:chOff x="0" y="0"/>
+          <a:chExt cx="0" cy="0"/>
+        </a:xfrm>
+      </p:grpSpPr>
+      <p:sp>
+        <p:nvSpPr>
+          <p:cNvPr id="2" name="Header Placeholder 1"/>
+          <p:cNvSpPr>
+            <a:spLocks noGrp="1"/>
+          </p:cNvSpPr>
+          <p:nvPr>
+            <p:ph type="hdr" sz="quarter"/>
+          </p:nvPr>
+        </p:nvSpPr>
+        <p:spPr>
+          <a:xfrm>
+            <a:off x="0" y="0"/>
+            <a:ext cx="2971800" cy="458788"/>
+          </a:xfrm>
+          <a:prstGeom prst="rect">
+            <a:avLst/>
+          </a:prstGeom>
+        </p:spPr>
+        <p:txBody>
+          <a:bodyPr vert="horz" lIns="91440" tIns="45720" rIns="91440" bIns="45720" rtlCol="0"/>
+          <a:lstStyle>
+            <a:lvl1pPr algn="l">
+              <a:defRPr sz="1200"/>
+            </a:lvl1pPr>
+          </a:lstStyle>
+          <a:p>
+            <a:endParaRPr lang="en-US"/>
+          </a:p>
+        </p:txBody>
+      </p:sp>
+      <p:sp>
+        <p:nvSpPr>
+          <p:cNvPr id="3" name="Date Placeholder 2"/>
+          <p:cNvSpPr>
+            <a:spLocks noGrp="1"/>
+          </p:cNvSpPr>
+          <p:nvPr>
+            <p:ph type="dt" idx="1"/>
+          </p:nvPr>
+        </p:nvSpPr>
+        <p:spPr>
+          <a:xfrm>
+            <a:off x="3884613" y="0"/>
+            <a:ext cx="2971800" cy="458788"/>
+          </a:xfrm>
+          <a:prstGeom prst="rect">
+            <a:avLst/>
+          </a:prstGeom>
+        </p:spPr>
+        <p:txBody>
+          <a:bodyPr vert="horz" lIns="91440" tIns="45720" rIns="91440" bIns="45720" rtlCol="0"/>
+          <a:lstStyle>
+            <a:lvl1pPr algn="r">
+              <a:defRPr sz="1200"/>
+            </a:lvl1pPr>
+          </a:lstStyle>
+          <a:p>
+            <a:fld id="{8FE2B474-E812-5843-ACE1-440DA6EE3C7C}" type="datetimeFigureOut">
+              <a:rPr lang="en-US" smtClean="0"/>
+              <a:t>11/9/18</a:t>
+            </a:fld>
+            <a:endParaRPr lang="en-US"/>
+          </a:p>
+        </p:txBody>
+      </p:sp>
+      <p:sp>
+        <p:nvSpPr>
+          <p:cNvPr id="4" name="Slide Image Placeholder 3"/>
+          <p:cNvSpPr>
+            <a:spLocks noGrp="1" noRot="1" noChangeAspect="1"/>
+          </p:cNvSpPr>
+          <p:nvPr>
+            <p:ph type="sldImg" idx="2"/>
+          </p:nvPr>
+        </p:nvSpPr>
+        <p:spPr>
+          <a:xfrm>
+            <a:off x="685800" y="1143000"/>
+            <a:ext cx="5486400" cy="3086100"/>
+          </a:xfrm>
+          <a:prstGeom prst="rect">
+            <a:avLst/>
+          </a:prstGeom>
+          <a:noFill/>
+          <a:ln w="12700">
+            <a:solidFill>
+              <a:prstClr val="black"/>
+            </a:solidFill>
+          </a:ln>
+        </p:spPr>
+        <p:txBody>
+          <a:bodyPr vert="horz" lIns="91440" tIns="45720" rIns="91440" bIns="45720" rtlCol="0" anchor="ctr"/>
+          <a:lstStyle/>
+          <a:p>
+            <a:endParaRPr lang="en-US"/>
+          </a:p>
+        </p:txBody>
+      </p:sp>
+      <p:sp>
+        <p:nvSpPr>
+          <p:cNvPr id="5" name="Notes Placeholder 4"/>
+          <p:cNvSpPr>
+            <a:spLocks noGrp="1"/>
+          </p:cNvSpPr>
+          <p:nvPr>
+            <p:ph type="body" sz="quarter" idx="3"/>
+          </p:nvPr>
+        </p:nvSpPr>
+        <p:spPr>
+          <a:xfrm>
+            <a:off x="685800" y="4400550"/>
+            <a:ext cx="5486400" cy="3600450"/>
+          </a:xfrm>
+          <a:prstGeom prst="rect">
+            <a:avLst/>
+          </a:prstGeom>
+        </p:spPr>
+        <p:txBody>
+          <a:bodyPr vert="horz" lIns="91440" tIns="45720" rIns="91440" bIns="45720" rtlCol="0"/>
+          <a:lstStyle/>
+          <a:p>
+            <a:pPr lvl="0"/>
+            <a:r>
+              <a:rPr lang="en-US"/>
+              <a:t>Edit Master text styles</a:t>
+            </a:r>
+          </a:p>
+          <a:p>
+            <a:pPr lvl="1"/>
+            <a:r>
+              <a:rPr lang="en-US"/>
+              <a:t>Second level</a:t>
+            </a:r>
+          </a:p>
+          <a:p>
+            <a:pPr lvl="2"/>
+            <a:r>
+              <a:rPr lang="en-US"/>
+              <a:t>Third level</a:t>
+            </a:r>
+          </a:p>
+          <a:p>
+            <a:pPr lvl="3"/>
+            <a:r>
+              <a:rPr lang="en-US"/>
+              <a:t>Fourth level</a:t>
+            </a:r>
+          </a:p>
+          <a:p>
+            <a:pPr lvl="4"/>
+            <a:r>
+              <a:rPr lang="en-US"/>
+              <a:t>Fifth level</a:t>
+            </a:r>
+          </a:p>
+        </p:txBody>
+      </p:sp>
+      <p:sp>
+        <p:nvSpPr>
+          <p:cNvPr id="6" name="Footer Placeholder 5"/>
+          <p:cNvSpPr>
+            <a:spLocks noGrp="1"/>
+          </p:cNvSpPr>
+          <p:nvPr>
+            <p:ph type="ftr" sz="quarter" idx="4"/>
+          </p:nvPr>
+        </p:nvSpPr>
+        <p:spPr>
+          <a:xfrm>
+            <a:off x="0" y="8685213"/>
+            <a:ext cx="2971800" cy="458787"/>
+          </a:xfrm>
+          <a:prstGeom prst="rect">
+            <a:avLst/>
+          </a:prstGeom>
+        </p:spPr>
+        <p:txBody>
+          <a:bodyPr vert="horz" lIns="91440" tIns="45720" rIns="91440" bIns="45720" rtlCol="0" anchor="b"/>
+          <a:lstStyle>
+            <a:lvl1pPr algn="l">
+              <a:defRPr sz="1200"/>
+            </a:lvl1pPr>
+          </a:lstStyle>
+          <a:p>
+            <a:endParaRPr lang="en-US"/>
+          </a:p>
+        </p:txBody>
+      </p:sp>
+      <p:sp>
+        <p:nvSpPr>
+          <p:cNvPr id="7" name="Slide Number Placeholder 6"/>
+          <p:cNvSpPr>
+            <a:spLocks noGrp="1"/>
+          </p:cNvSpPr>
+          <p:nvPr>
+            <p:ph type="sldNum" sz="quarter" idx="5"/>
+          </p:nvPr>
+        </p:nvSpPr>
+        <p:spPr>
+          <a:xfrm>
+            <a:off x="3884613" y="8685213"/>
+            <a:ext cx="2971800" cy="458787"/>
+          </a:xfrm>
+          <a:prstGeom prst="rect">
+            <a:avLst/>
+          </a:prstGeom>
+        </p:spPr>
+        <p:txBody>
+          <a:bodyPr vert="horz" lIns="91440" tIns="45720" rIns="91440" bIns="45720" rtlCol="0" anchor="b"/>
+          <a:lstStyle>
+            <a:lvl1pPr algn="r">
+              <a:defRPr sz="1200"/>
+            </a:lvl1pPr>
+          </a:lstStyle>
+          <a:p>
+            <a:fld id="{DBA3A747-105E-B944-AC56-39CAB010B615}" type="slidenum">
+              <a:rPr lang="en-US" smtClean="0"/>
+              <a:t>‹#›</a:t>
+            </a:fld>
+            <a:endParaRPr lang="en-US"/>
+          </a:p>
+        </p:txBody>
+      </p:sp>
+    </p:spTree>
+    <p:extLst>
+      <p:ext uri="{BB962C8B-B14F-4D97-AF65-F5344CB8AC3E}">
+        <p14:creationId xmlns:p14="http://schemas.microsoft.com/office/powerpoint/2010/main" val="1336618908"/>
+      </p:ext>
+    </p:extLst>
+  </p:cSld>
+  <p:clrMap bg1="lt1" tx1="dk1" bg2="lt2" tx2="dk2" accent1="accent1" accent2="accent2" accent3="accent3" accent4="accent4" accent5="accent5" accent6="accent6" hlink="hlink" folHlink="folHlink"/>
+  <p:notesStyle>
+    <a:lvl1pPr marL="0" algn="l" defTabSz="914400" rtl="0" eaLnBrk="1" latinLnBrk="0" hangingPunct="1">
+      <a:defRPr sz="1200" kern="1200">
+        <a:solidFill>
+          <a:schemeClr val="tx1"/>
+        </a:solidFill>
+        <a:latin typeface="+mn-lt"/>
+        <a:ea typeface="+mn-ea"/>
+        <a:cs typeface="+mn-cs"/>
+      </a:defRPr>
+    </a:lvl1pPr>
+    <a:lvl2pPr marL="457200" algn="l" defTabSz="914400" rtl="0" eaLnBrk="1" latinLnBrk="0" hangingPunct="1">
+      <a:defRPr sz="1200" kern="1200">
+        <a:solidFill>
+          <a:schemeClr val="tx1"/>
+        </a:solidFill>
+        <a:latin typeface="+mn-lt"/>
+        <a:ea typeface="+mn-ea"/>
+        <a:cs typeface="+mn-cs"/>
+      </a:defRPr>
+    </a:lvl2pPr>
+    <a:lvl3pPr marL="914400" algn="l" defTabSz="914400" rtl="0" eaLnBrk="1" latinLnBrk="0" hangingPunct="1">
+      <a:defRPr sz="1200" kern="1200">
+        <a:solidFill>
+          <a:schemeClr val="tx1"/>
+        </a:solidFill>
+        <a:latin typeface="+mn-lt"/>
+        <a:ea typeface="+mn-ea"/>
+        <a:cs typeface="+mn-cs"/>
+      </a:defRPr>
+    </a:lvl3pPr>
+    <a:lvl4pPr marL="1371600" algn="l" defTabSz="914400" rtl="0" eaLnBrk="1" latinLnBrk="0" hangingPunct="1">
+      <a:defRPr sz="1200" kern="1200">
+        <a:solidFill>
+          <a:schemeClr val="tx1"/>
+        </a:solidFill>
+        <a:latin typeface="+mn-lt"/>
+        <a:ea typeface="+mn-ea"/>
+        <a:cs typeface="+mn-cs"/>
+      </a:defRPr>
+    </a:lvl4pPr>
+    <a:lvl5pPr marL="1828800" algn="l" defTabSz="914400" rtl="0" eaLnBrk="1" latinLnBrk="0" hangingPunct="1">
+      <a:defRPr sz="1200" kern="1200">
+        <a:solidFill>
+          <a:schemeClr val="tx1"/>
+        </a:solidFill>
+        <a:latin typeface="+mn-lt"/>
+        <a:ea typeface="+mn-ea"/>
+        <a:cs typeface="+mn-cs"/>
+      </a:defRPr>
+    </a:lvl5pPr>
+    <a:lvl6pPr marL="2286000" algn="l" defTabSz="914400" rtl="0" eaLnBrk="1" latinLnBrk="0" hangingPunct="1">
+      <a:defRPr sz="1200" kern="1200">
+        <a:solidFill>
+          <a:schemeClr val="tx1"/>
+        </a:solidFill>
+        <a:latin typeface="+mn-lt"/>
+        <a:ea typeface="+mn-ea"/>
+        <a:cs typeface="+mn-cs"/>
+      </a:defRPr>
+    </a:lvl6pPr>
+    <a:lvl7pPr marL="2743200" algn="l" defTabSz="914400" rtl="0" eaLnBrk="1" latinLnBrk="0" hangingPunct="1">
+      <a:defRPr sz="1200" kern="1200">
+        <a:solidFill>
+          <a:schemeClr val="tx1"/>
+        </a:solidFill>
+        <a:latin typeface="+mn-lt"/>
+        <a:ea typeface="+mn-ea"/>
+        <a:cs typeface="+mn-cs"/>
+      </a:defRPr>
+    </a:lvl7pPr>
+    <a:lvl8pPr marL="3200400" algn="l" defTabSz="914400" rtl="0" eaLnBrk="1" latinLnBrk="0" hangingPunct="1">
+      <a:defRPr sz="1200" kern="1200">
+        <a:solidFill>
+          <a:schemeClr val="tx1"/>
+        </a:solidFill>
+        <a:latin typeface="+mn-lt"/>
+        <a:ea typeface="+mn-ea"/>
+        <a:cs typeface="+mn-cs"/>
+      </a:defRPr>
+    </a:lvl8pPr>
+    <a:lvl9pPr marL="3657600" algn="l" defTabSz="914400" rtl="0" eaLnBrk="1" latinLnBrk="0" hangingPunct="1">
+      <a:defRPr sz="1200" kern="1200">
+        <a:solidFill>
+          <a:schemeClr val="tx1"/>
+        </a:solidFill>
+        <a:latin typeface="+mn-lt"/>
+        <a:ea typeface="+mn-ea"/>
+        <a:cs typeface="+mn-cs"/>
+      </a:defRPr>
+    </a:lvl9pPr>
+  </p:notesStyle>
+</p:notesMaster>
+</file>
+
+<file path=ppt/notesSlides/notesSlide1.xml><?xml version="1.0" encoding="utf-8"?>
+<p:notes xmlns:a="http://schemas.openxmlformats.org/drawingml/2006/main" xmlns:r="http://schemas.openxmlformats.org/officeDocument/2006/relationships" xmlns:p="http://schemas.openxmlformats.org/presentationml/2006/main">
+  <p:cSld>
+    <p:spTree>
+      <p:nvGrpSpPr>
+        <p:cNvPr id="1" name=""/>
+        <p:cNvGrpSpPr/>
+        <p:nvPr/>
+      </p:nvGrpSpPr>
+      <p:grpSpPr>
+        <a:xfrm>
+          <a:off x="0" y="0"/>
+          <a:ext cx="0" cy="0"/>
+          <a:chOff x="0" y="0"/>
+          <a:chExt cx="0" cy="0"/>
+        </a:xfrm>
+      </p:grpSpPr>
+      <p:sp>
+        <p:nvSpPr>
+          <p:cNvPr id="2" name="Slide Image Placeholder 1"/>
+          <p:cNvSpPr>
+            <a:spLocks noGrp="1" noRot="1" noChangeAspect="1"/>
+          </p:cNvSpPr>
+          <p:nvPr>
+            <p:ph type="sldImg"/>
+          </p:nvPr>
+        </p:nvSpPr>
+        <p:spPr/>
+      </p:sp>
+      <p:sp>
+        <p:nvSpPr>
+          <p:cNvPr id="3" name="Notes Placeholder 2"/>
+          <p:cNvSpPr>
+            <a:spLocks noGrp="1"/>
+          </p:cNvSpPr>
+          <p:nvPr>
+            <p:ph type="body" idx="1"/>
+          </p:nvPr>
+        </p:nvSpPr>
+        <p:spPr/>
+        <p:txBody>
+          <a:bodyPr/>
+          <a:lstStyle/>
+          <a:p>
+            <a:endParaRPr lang="en-US" dirty="0"/>
+          </a:p>
+        </p:txBody>
+      </p:sp>
+      <p:sp>
+        <p:nvSpPr>
+          <p:cNvPr id="4" name="Slide Number Placeholder 3"/>
+          <p:cNvSpPr>
+            <a:spLocks noGrp="1"/>
+          </p:cNvSpPr>
+          <p:nvPr>
+            <p:ph type="sldNum" sz="quarter" idx="5"/>
+          </p:nvPr>
+        </p:nvSpPr>
+        <p:spPr/>
+        <p:txBody>
+          <a:bodyPr/>
+          <a:lstStyle/>
+          <a:p>
+            <a:fld id="{DBA3A747-105E-B944-AC56-39CAB010B615}" type="slidenum">
+              <a:rPr lang="en-US" smtClean="0"/>
+              <a:t>1</a:t>
+            </a:fld>
+            <a:endParaRPr lang="en-US"/>
+          </a:p>
+        </p:txBody>
+      </p:sp>
+    </p:spTree>
+    <p:extLst>
+      <p:ext uri="{BB962C8B-B14F-4D97-AF65-F5344CB8AC3E}">
+        <p14:creationId xmlns:p14="http://schemas.microsoft.com/office/powerpoint/2010/main" val="3396428174"/>
+      </p:ext>
+    </p:extLst>
+  </p:cSld>
+  <p:clrMapOvr>
+    <a:masterClrMapping/>
+  </p:clrMapOvr>
+</p:notes>
+</file>
+
+<file path=ppt/notesSlides/notesSlide2.xml><?xml version="1.0" encoding="utf-8"?>
+<p:notes xmlns:a="http://schemas.openxmlformats.org/drawingml/2006/main" xmlns:r="http://schemas.openxmlformats.org/officeDocument/2006/relationships" xmlns:p="http://schemas.openxmlformats.org/presentationml/2006/main">
+  <p:cSld>
+    <p:spTree>
+      <p:nvGrpSpPr>
+        <p:cNvPr id="1" name=""/>
+        <p:cNvGrpSpPr/>
+        <p:nvPr/>
+      </p:nvGrpSpPr>
+      <p:grpSpPr>
+        <a:xfrm>
+          <a:off x="0" y="0"/>
+          <a:ext cx="0" cy="0"/>
+          <a:chOff x="0" y="0"/>
+          <a:chExt cx="0" cy="0"/>
+        </a:xfrm>
+      </p:grpSpPr>
+      <p:sp>
+        <p:nvSpPr>
+          <p:cNvPr id="2" name="Slide Image Placeholder 1"/>
+          <p:cNvSpPr>
+            <a:spLocks noGrp="1" noRot="1" noChangeAspect="1"/>
+          </p:cNvSpPr>
+          <p:nvPr>
+            <p:ph type="sldImg"/>
+          </p:nvPr>
+        </p:nvSpPr>
+        <p:spPr/>
+      </p:sp>
+      <p:sp>
+        <p:nvSpPr>
+          <p:cNvPr id="3" name="Notes Placeholder 2"/>
+          <p:cNvSpPr>
+            <a:spLocks noGrp="1"/>
+          </p:cNvSpPr>
+          <p:nvPr>
+            <p:ph type="body" idx="1"/>
+          </p:nvPr>
+        </p:nvSpPr>
+        <p:spPr/>
+        <p:txBody>
+          <a:bodyPr/>
+          <a:lstStyle/>
+          <a:p>
+            <a:endParaRPr lang="en-US" dirty="0"/>
+          </a:p>
+        </p:txBody>
+      </p:sp>
+      <p:sp>
+        <p:nvSpPr>
+          <p:cNvPr id="4" name="Slide Number Placeholder 3"/>
+          <p:cNvSpPr>
+            <a:spLocks noGrp="1"/>
+          </p:cNvSpPr>
+          <p:nvPr>
+            <p:ph type="sldNum" sz="quarter" idx="5"/>
+          </p:nvPr>
+        </p:nvSpPr>
+        <p:spPr/>
+        <p:txBody>
+          <a:bodyPr/>
+          <a:lstStyle/>
+          <a:p>
+            <a:fld id="{DBA3A747-105E-B944-AC56-39CAB010B615}" type="slidenum">
+              <a:rPr lang="en-US" smtClean="0"/>
+              <a:t>2</a:t>
+            </a:fld>
+            <a:endParaRPr lang="en-US"/>
+          </a:p>
+        </p:txBody>
+      </p:sp>
+    </p:spTree>
+    <p:extLst>
+      <p:ext uri="{BB962C8B-B14F-4D97-AF65-F5344CB8AC3E}">
+        <p14:creationId xmlns:p14="http://schemas.microsoft.com/office/powerpoint/2010/main" val="1411872662"/>
+      </p:ext>
+    </p:extLst>
+  </p:cSld>
+  <p:clrMapOvr>
+    <a:masterClrMapping/>
+  </p:clrMapOvr>
+</p:notes>
+</file>
+
 <file path=ppt/slideLayouts/slideLayout1.xml><?xml version="1.0" encoding="utf-8"?>
 <p:sldLayout xmlns:a="http://schemas.openxmlformats.org/drawingml/2006/main" xmlns:r="http://schemas.openxmlformats.org/officeDocument/2006/relationships" xmlns:p="http://schemas.openxmlformats.org/presentationml/2006/main" type="title" preserve="1">
   <p:cSld name="Title Slide">
@@ -272,7 +792,7 @@
           <a:p>
             <a:fld id="{50C38AD0-C4FF-AF45-A138-96117B098541}" type="datetimeFigureOut">
               <a:rPr lang="en-US" smtClean="0"/>
-              <a:t>9/19/18</a:t>
+              <a:t>11/9/18</a:t>
             </a:fld>
             <a:endParaRPr lang="en-US"/>
           </a:p>
@@ -470,7 +990,7 @@
           <a:p>
             <a:fld id="{50C38AD0-C4FF-AF45-A138-96117B098541}" type="datetimeFigureOut">
               <a:rPr lang="en-US" smtClean="0"/>
-              <a:t>9/19/18</a:t>
+              <a:t>11/9/18</a:t>
             </a:fld>
             <a:endParaRPr lang="en-US"/>
           </a:p>
@@ -678,7 +1198,7 @@
           <a:p>
             <a:fld id="{50C38AD0-C4FF-AF45-A138-96117B098541}" type="datetimeFigureOut">
               <a:rPr lang="en-US" smtClean="0"/>
-              <a:t>9/19/18</a:t>
+              <a:t>11/9/18</a:t>
             </a:fld>
             <a:endParaRPr lang="en-US"/>
           </a:p>
@@ -876,7 +1396,7 @@
           <a:p>
             <a:fld id="{50C38AD0-C4FF-AF45-A138-96117B098541}" type="datetimeFigureOut">
               <a:rPr lang="en-US" smtClean="0"/>
-              <a:t>9/19/18</a:t>
+              <a:t>11/9/18</a:t>
             </a:fld>
             <a:endParaRPr lang="en-US"/>
           </a:p>
@@ -1151,7 +1671,7 @@
           <a:p>
             <a:fld id="{50C38AD0-C4FF-AF45-A138-96117B098541}" type="datetimeFigureOut">
               <a:rPr lang="en-US" smtClean="0"/>
-              <a:t>9/19/18</a:t>
+              <a:t>11/9/18</a:t>
             </a:fld>
             <a:endParaRPr lang="en-US"/>
           </a:p>
@@ -1416,7 +1936,7 @@
           <a:p>
             <a:fld id="{50C38AD0-C4FF-AF45-A138-96117B098541}" type="datetimeFigureOut">
               <a:rPr lang="en-US" smtClean="0"/>
-              <a:t>9/19/18</a:t>
+              <a:t>11/9/18</a:t>
             </a:fld>
             <a:endParaRPr lang="en-US"/>
           </a:p>
@@ -1828,7 +2348,7 @@
           <a:p>
             <a:fld id="{50C38AD0-C4FF-AF45-A138-96117B098541}" type="datetimeFigureOut">
               <a:rPr lang="en-US" smtClean="0"/>
-              <a:t>9/19/18</a:t>
+              <a:t>11/9/18</a:t>
             </a:fld>
             <a:endParaRPr lang="en-US"/>
           </a:p>
@@ -1969,7 +2489,7 @@
           <a:p>
             <a:fld id="{50C38AD0-C4FF-AF45-A138-96117B098541}" type="datetimeFigureOut">
               <a:rPr lang="en-US" smtClean="0"/>
-              <a:t>9/19/18</a:t>
+              <a:t>11/9/18</a:t>
             </a:fld>
             <a:endParaRPr lang="en-US"/>
           </a:p>
@@ -2082,7 +2602,7 @@
           <a:p>
             <a:fld id="{50C38AD0-C4FF-AF45-A138-96117B098541}" type="datetimeFigureOut">
               <a:rPr lang="en-US" smtClean="0"/>
-              <a:t>9/19/18</a:t>
+              <a:t>11/9/18</a:t>
             </a:fld>
             <a:endParaRPr lang="en-US"/>
           </a:p>
@@ -2393,7 +2913,7 @@
           <a:p>
             <a:fld id="{50C38AD0-C4FF-AF45-A138-96117B098541}" type="datetimeFigureOut">
               <a:rPr lang="en-US" smtClean="0"/>
-              <a:t>9/19/18</a:t>
+              <a:t>11/9/18</a:t>
             </a:fld>
             <a:endParaRPr lang="en-US"/>
           </a:p>
@@ -2681,7 +3201,7 @@
           <a:p>
             <a:fld id="{50C38AD0-C4FF-AF45-A138-96117B098541}" type="datetimeFigureOut">
               <a:rPr lang="en-US" smtClean="0"/>
-              <a:t>9/19/18</a:t>
+              <a:t>11/9/18</a:t>
             </a:fld>
             <a:endParaRPr lang="en-US"/>
           </a:p>
@@ -2922,7 +3442,7 @@
           <a:p>
             <a:fld id="{50C38AD0-C4FF-AF45-A138-96117B098541}" type="datetimeFigureOut">
               <a:rPr lang="en-US" smtClean="0"/>
-              <a:t>9/19/18</a:t>
+              <a:t>11/9/18</a:t>
             </a:fld>
             <a:endParaRPr lang="en-US"/>
           </a:p>
@@ -3353,7 +3873,7 @@
         </p:nvSpPr>
         <p:spPr>
           <a:xfrm>
-            <a:off x="2032772" y="452063"/>
+            <a:off x="380144" y="141461"/>
             <a:ext cx="1561672" cy="359595"/>
           </a:xfrm>
           <a:prstGeom prst="rect">
@@ -3398,81 +3918,30 @@
                   <a:schemeClr val="tx1"/>
                 </a:solidFill>
               </a:rPr>
-              <a:t>scores_01.csv</a:t>
-            </a:r>
-          </a:p>
-        </p:txBody>
-      </p:sp>
-      <p:sp>
-        <p:nvSpPr>
-          <p:cNvPr id="5" name="Rectangle 4">
-            <a:extLst>
-              <a:ext uri="{FF2B5EF4-FFF2-40B4-BE49-F238E27FC236}">
-                <a16:creationId xmlns:a16="http://schemas.microsoft.com/office/drawing/2014/main" id="{9E5F0684-240C-0B44-BE49-FBFE8F4EEF4D}"/>
-              </a:ext>
-            </a:extLst>
-          </p:cNvPr>
-          <p:cNvSpPr/>
-          <p:nvPr/>
-        </p:nvSpPr>
-        <p:spPr>
-          <a:xfrm>
-            <a:off x="1801603" y="1268002"/>
-            <a:ext cx="2024009" cy="359595"/>
-          </a:xfrm>
-          <a:prstGeom prst="rect">
-            <a:avLst/>
-          </a:prstGeom>
-          <a:solidFill>
-            <a:schemeClr val="accent1">
-              <a:lumMod val="20000"/>
-              <a:lumOff val="80000"/>
-            </a:schemeClr>
-          </a:solidFill>
-          <a:ln>
-            <a:solidFill>
-              <a:schemeClr val="tx1"/>
-            </a:solidFill>
-          </a:ln>
-        </p:spPr>
-        <p:style>
-          <a:lnRef idx="2">
-            <a:schemeClr val="accent1">
-              <a:shade val="50000"/>
-            </a:schemeClr>
-          </a:lnRef>
-          <a:fillRef idx="1">
-            <a:schemeClr val="accent1"/>
-          </a:fillRef>
-          <a:effectRef idx="0">
-            <a:schemeClr val="accent1"/>
-          </a:effectRef>
-          <a:fontRef idx="minor">
-            <a:schemeClr val="lt1"/>
-          </a:fontRef>
-        </p:style>
-        <p:txBody>
-          <a:bodyPr rtlCol="0" anchor="ctr"/>
-          <a:lstStyle/>
-          <a:p>
-            <a:pPr algn="ctr"/>
-            <a:r>
-              <a:rPr lang="en-US" sz="1100" dirty="0">
+              <a:t>APS Report </a:t>
+            </a:r>
+            <a:r>
+              <a:rPr lang="en-US" sz="1100" dirty="0" err="1">
                 <a:solidFill>
                   <a:schemeClr val="tx1"/>
                 </a:solidFill>
               </a:rPr>
-              <a:t>data_clean_data_01.R</a:t>
-            </a:r>
-          </a:p>
-        </p:txBody>
-      </p:sp>
-      <p:sp>
-        <p:nvSpPr>
-          <p:cNvPr id="6" name="Rectangle 5">
-            <a:extLst>
-              <a:ext uri="{FF2B5EF4-FFF2-40B4-BE49-F238E27FC236}">
-                <a16:creationId xmlns:a16="http://schemas.microsoft.com/office/drawing/2014/main" id="{37413D48-3FB2-7841-9A5D-C81285F0E821}"/>
+              <a:t>Data_UNTHSC_IRB.xlsx</a:t>
+            </a:r>
+            <a:endParaRPr lang="en-US" sz="1100" dirty="0">
+              <a:solidFill>
+                <a:schemeClr val="tx1"/>
+              </a:solidFill>
+            </a:endParaRPr>
+          </a:p>
+        </p:txBody>
+      </p:sp>
+      <p:sp>
+        <p:nvSpPr>
+          <p:cNvPr id="7" name="Rectangle 6">
+            <a:extLst>
+              <a:ext uri="{FF2B5EF4-FFF2-40B4-BE49-F238E27FC236}">
+                <a16:creationId xmlns:a16="http://schemas.microsoft.com/office/drawing/2014/main" id="{E808375F-8897-C945-A485-838B3900B6BF}"/>
               </a:ext>
             </a:extLst>
           </p:cNvPr>
@@ -3481,8 +3950,8 @@
         </p:nvSpPr>
         <p:spPr>
           <a:xfrm>
-            <a:off x="1729683" y="2083941"/>
-            <a:ext cx="2167848" cy="359595"/>
+            <a:off x="3024255" y="139082"/>
+            <a:ext cx="1669512" cy="359595"/>
           </a:xfrm>
           <a:prstGeom prst="rect">
             <a:avLst/>
@@ -3521,204 +3990,12 @@
           <a:p>
             <a:pPr algn="ctr"/>
             <a:r>
-              <a:rPr lang="en-US" sz="1100" dirty="0">
-                <a:solidFill>
-                  <a:schemeClr val="tx1"/>
-                </a:solidFill>
-              </a:rPr>
-              <a:t>scores_clean_01.feather</a:t>
-            </a:r>
-          </a:p>
-        </p:txBody>
-      </p:sp>
-      <p:sp>
-        <p:nvSpPr>
-          <p:cNvPr id="7" name="Rectangle 6">
-            <a:extLst>
-              <a:ext uri="{FF2B5EF4-FFF2-40B4-BE49-F238E27FC236}">
-                <a16:creationId xmlns:a16="http://schemas.microsoft.com/office/drawing/2014/main" id="{E808375F-8897-C945-A485-838B3900B6BF}"/>
-              </a:ext>
-            </a:extLst>
-          </p:cNvPr>
-          <p:cNvSpPr/>
-          <p:nvPr/>
-        </p:nvSpPr>
-        <p:spPr>
-          <a:xfrm>
-            <a:off x="7073796" y="452064"/>
-            <a:ext cx="1561672" cy="359595"/>
-          </a:xfrm>
-          <a:prstGeom prst="rect">
-            <a:avLst/>
-          </a:prstGeom>
-          <a:solidFill>
-            <a:schemeClr val="accent2">
-              <a:lumMod val="20000"/>
-              <a:lumOff val="80000"/>
-            </a:schemeClr>
-          </a:solidFill>
-          <a:ln>
-            <a:solidFill>
-              <a:schemeClr val="tx1"/>
-            </a:solidFill>
-          </a:ln>
-        </p:spPr>
-        <p:style>
-          <a:lnRef idx="2">
-            <a:schemeClr val="accent1">
-              <a:shade val="50000"/>
-            </a:schemeClr>
-          </a:lnRef>
-          <a:fillRef idx="1">
-            <a:schemeClr val="accent1"/>
-          </a:fillRef>
-          <a:effectRef idx="0">
-            <a:schemeClr val="accent1"/>
-          </a:effectRef>
-          <a:fontRef idx="minor">
-            <a:schemeClr val="lt1"/>
-          </a:fontRef>
-        </p:style>
-        <p:txBody>
-          <a:bodyPr rtlCol="0" anchor="ctr"/>
-          <a:lstStyle/>
-          <a:p>
-            <a:pPr algn="ctr"/>
-            <a:r>
-              <a:rPr lang="en-US" sz="1100" dirty="0">
-                <a:solidFill>
-                  <a:schemeClr val="tx1"/>
-                </a:solidFill>
-              </a:rPr>
-              <a:t>scores_02.xlsx</a:t>
-            </a:r>
-          </a:p>
-        </p:txBody>
-      </p:sp>
-      <p:sp>
-        <p:nvSpPr>
-          <p:cNvPr id="8" name="Rectangle 7">
-            <a:extLst>
-              <a:ext uri="{FF2B5EF4-FFF2-40B4-BE49-F238E27FC236}">
-                <a16:creationId xmlns:a16="http://schemas.microsoft.com/office/drawing/2014/main" id="{00584808-D761-2D45-B008-61344C26F513}"/>
-              </a:ext>
-            </a:extLst>
-          </p:cNvPr>
-          <p:cNvSpPr/>
-          <p:nvPr/>
-        </p:nvSpPr>
-        <p:spPr>
-          <a:xfrm>
-            <a:off x="6695364" y="1268002"/>
-            <a:ext cx="2318536" cy="359595"/>
-          </a:xfrm>
-          <a:prstGeom prst="rect">
-            <a:avLst/>
-          </a:prstGeom>
-          <a:solidFill>
-            <a:schemeClr val="accent1">
-              <a:lumMod val="20000"/>
-              <a:lumOff val="80000"/>
-            </a:schemeClr>
-          </a:solidFill>
-          <a:ln>
-            <a:solidFill>
-              <a:schemeClr val="tx1"/>
-            </a:solidFill>
-          </a:ln>
-        </p:spPr>
-        <p:style>
-          <a:lnRef idx="2">
-            <a:schemeClr val="accent1">
-              <a:shade val="50000"/>
-            </a:schemeClr>
-          </a:lnRef>
-          <a:fillRef idx="1">
-            <a:schemeClr val="accent1"/>
-          </a:fillRef>
-          <a:effectRef idx="0">
-            <a:schemeClr val="accent1"/>
-          </a:effectRef>
-          <a:fontRef idx="minor">
-            <a:schemeClr val="lt1"/>
-          </a:fontRef>
-        </p:style>
-        <p:txBody>
-          <a:bodyPr rtlCol="0" anchor="ctr"/>
-          <a:lstStyle/>
-          <a:p>
-            <a:pPr algn="ctr"/>
-            <a:r>
-              <a:rPr lang="en-US" sz="1100" dirty="0">
-                <a:solidFill>
-                  <a:schemeClr val="tx1"/>
-                </a:solidFill>
-              </a:rPr>
-              <a:t>data_clean_data_02.Rmd</a:t>
-            </a:r>
-          </a:p>
-        </p:txBody>
-      </p:sp>
-      <p:sp>
-        <p:nvSpPr>
-          <p:cNvPr id="12" name="Rectangle 11">
-            <a:extLst>
-              <a:ext uri="{FF2B5EF4-FFF2-40B4-BE49-F238E27FC236}">
-                <a16:creationId xmlns:a16="http://schemas.microsoft.com/office/drawing/2014/main" id="{20647A5C-1913-4A47-BE1F-2AD308BE966E}"/>
-              </a:ext>
-            </a:extLst>
-          </p:cNvPr>
-          <p:cNvSpPr/>
-          <p:nvPr/>
-        </p:nvSpPr>
-        <p:spPr>
-          <a:xfrm>
-            <a:off x="2945297" y="2899879"/>
-            <a:ext cx="2024009" cy="359595"/>
-          </a:xfrm>
-          <a:prstGeom prst="rect">
-            <a:avLst/>
-          </a:prstGeom>
-          <a:solidFill>
-            <a:schemeClr val="accent1">
-              <a:lumMod val="20000"/>
-              <a:lumOff val="80000"/>
-            </a:schemeClr>
-          </a:solidFill>
-          <a:ln>
-            <a:solidFill>
-              <a:schemeClr val="tx1"/>
-            </a:solidFill>
-          </a:ln>
-        </p:spPr>
-        <p:style>
-          <a:lnRef idx="2">
-            <a:schemeClr val="accent1">
-              <a:shade val="50000"/>
-            </a:schemeClr>
-          </a:lnRef>
-          <a:fillRef idx="1">
-            <a:schemeClr val="accent1"/>
-          </a:fillRef>
-          <a:effectRef idx="0">
-            <a:schemeClr val="accent1"/>
-          </a:effectRef>
-          <a:fontRef idx="minor">
-            <a:schemeClr val="lt1"/>
-          </a:fontRef>
-        </p:style>
-        <p:txBody>
-          <a:bodyPr rtlCol="0" anchor="ctr"/>
-          <a:lstStyle/>
-          <a:p>
-            <a:pPr algn="ctr"/>
-            <a:r>
               <a:rPr lang="en-US" sz="1100" dirty="0" err="1">
                 <a:solidFill>
                   <a:schemeClr val="tx1"/>
                 </a:solidFill>
               </a:rPr>
-              <a:t>data_append.Rmd</a:t>
+              <a:t>DETECT_DATA_PIVOT.xlsx</a:t>
             </a:r>
             <a:endParaRPr lang="en-US" sz="1100" dirty="0">
               <a:solidFill>
@@ -3730,952 +4007,6 @@
       </p:sp>
       <p:sp>
         <p:nvSpPr>
-          <p:cNvPr id="13" name="Rectangle 12">
-            <a:extLst>
-              <a:ext uri="{FF2B5EF4-FFF2-40B4-BE49-F238E27FC236}">
-                <a16:creationId xmlns:a16="http://schemas.microsoft.com/office/drawing/2014/main" id="{4991692B-1C0E-FD4B-A6ED-5408A3A1578C}"/>
-              </a:ext>
-            </a:extLst>
-          </p:cNvPr>
-          <p:cNvSpPr/>
-          <p:nvPr/>
-        </p:nvSpPr>
-        <p:spPr>
-          <a:xfrm>
-            <a:off x="1486367" y="3715817"/>
-            <a:ext cx="2167848" cy="359595"/>
-          </a:xfrm>
-          <a:prstGeom prst="rect">
-            <a:avLst/>
-          </a:prstGeom>
-          <a:solidFill>
-            <a:schemeClr val="accent2">
-              <a:lumMod val="20000"/>
-              <a:lumOff val="80000"/>
-            </a:schemeClr>
-          </a:solidFill>
-          <a:ln>
-            <a:solidFill>
-              <a:schemeClr val="tx1"/>
-            </a:solidFill>
-          </a:ln>
-        </p:spPr>
-        <p:style>
-          <a:lnRef idx="2">
-            <a:schemeClr val="accent1">
-              <a:shade val="50000"/>
-            </a:schemeClr>
-          </a:lnRef>
-          <a:fillRef idx="1">
-            <a:schemeClr val="accent1"/>
-          </a:fillRef>
-          <a:effectRef idx="0">
-            <a:schemeClr val="accent1"/>
-          </a:effectRef>
-          <a:fontRef idx="minor">
-            <a:schemeClr val="lt1"/>
-          </a:fontRef>
-        </p:style>
-        <p:txBody>
-          <a:bodyPr rtlCol="0" anchor="ctr"/>
-          <a:lstStyle/>
-          <a:p>
-            <a:pPr algn="ctr"/>
-            <a:r>
-              <a:rPr lang="en-US" sz="1100" dirty="0" err="1">
-                <a:solidFill>
-                  <a:schemeClr val="tx1"/>
-                </a:solidFill>
-              </a:rPr>
-              <a:t>all_scores.feather</a:t>
-            </a:r>
-            <a:endParaRPr lang="en-US" sz="1100" dirty="0">
-              <a:solidFill>
-                <a:schemeClr val="tx1"/>
-              </a:solidFill>
-            </a:endParaRPr>
-          </a:p>
-        </p:txBody>
-      </p:sp>
-      <p:sp>
-        <p:nvSpPr>
-          <p:cNvPr id="14" name="Rectangle 13">
-            <a:extLst>
-              <a:ext uri="{FF2B5EF4-FFF2-40B4-BE49-F238E27FC236}">
-                <a16:creationId xmlns:a16="http://schemas.microsoft.com/office/drawing/2014/main" id="{938A5C9F-C2C3-F34B-B499-D306410D9DA4}"/>
-              </a:ext>
-            </a:extLst>
-          </p:cNvPr>
-          <p:cNvSpPr/>
-          <p:nvPr/>
-        </p:nvSpPr>
-        <p:spPr>
-          <a:xfrm>
-            <a:off x="1558286" y="4531755"/>
-            <a:ext cx="2024009" cy="359595"/>
-          </a:xfrm>
-          <a:prstGeom prst="rect">
-            <a:avLst/>
-          </a:prstGeom>
-          <a:solidFill>
-            <a:schemeClr val="accent1">
-              <a:lumMod val="20000"/>
-              <a:lumOff val="80000"/>
-            </a:schemeClr>
-          </a:solidFill>
-          <a:ln>
-            <a:solidFill>
-              <a:schemeClr val="tx1"/>
-            </a:solidFill>
-          </a:ln>
-        </p:spPr>
-        <p:style>
-          <a:lnRef idx="2">
-            <a:schemeClr val="accent1">
-              <a:shade val="50000"/>
-            </a:schemeClr>
-          </a:lnRef>
-          <a:fillRef idx="1">
-            <a:schemeClr val="accent1"/>
-          </a:fillRef>
-          <a:effectRef idx="0">
-            <a:schemeClr val="accent1"/>
-          </a:effectRef>
-          <a:fontRef idx="minor">
-            <a:schemeClr val="lt1"/>
-          </a:fontRef>
-        </p:style>
-        <p:txBody>
-          <a:bodyPr rtlCol="0" anchor="ctr"/>
-          <a:lstStyle/>
-          <a:p>
-            <a:pPr algn="ctr"/>
-            <a:r>
-              <a:rPr lang="en-US" sz="1100" dirty="0" err="1">
-                <a:solidFill>
-                  <a:schemeClr val="tx1"/>
-                </a:solidFill>
-              </a:rPr>
-              <a:t>analysis_descriptive.Rmd</a:t>
-            </a:r>
-            <a:endParaRPr lang="en-US" sz="1100" dirty="0">
-              <a:solidFill>
-                <a:schemeClr val="tx1"/>
-              </a:solidFill>
-            </a:endParaRPr>
-          </a:p>
-        </p:txBody>
-      </p:sp>
-      <p:cxnSp>
-        <p:nvCxnSpPr>
-          <p:cNvPr id="16" name="Straight Arrow Connector 15">
-            <a:extLst>
-              <a:ext uri="{FF2B5EF4-FFF2-40B4-BE49-F238E27FC236}">
-                <a16:creationId xmlns:a16="http://schemas.microsoft.com/office/drawing/2014/main" id="{08973548-03DA-B247-A78F-EA2175DD46C8}"/>
-              </a:ext>
-            </a:extLst>
-          </p:cNvPr>
-          <p:cNvCxnSpPr>
-            <a:stCxn id="4" idx="2"/>
-            <a:endCxn id="5" idx="0"/>
-          </p:cNvCxnSpPr>
-          <p:nvPr/>
-        </p:nvCxnSpPr>
-        <p:spPr>
-          <a:xfrm>
-            <a:off x="2813608" y="811658"/>
-            <a:ext cx="0" cy="456344"/>
-          </a:xfrm>
-          <a:prstGeom prst="straightConnector1">
-            <a:avLst/>
-          </a:prstGeom>
-          <a:ln>
-            <a:tailEnd type="triangle"/>
-          </a:ln>
-        </p:spPr>
-        <p:style>
-          <a:lnRef idx="1">
-            <a:schemeClr val="accent1"/>
-          </a:lnRef>
-          <a:fillRef idx="0">
-            <a:schemeClr val="accent1"/>
-          </a:fillRef>
-          <a:effectRef idx="0">
-            <a:schemeClr val="accent1"/>
-          </a:effectRef>
-          <a:fontRef idx="minor">
-            <a:schemeClr val="tx1"/>
-          </a:fontRef>
-        </p:style>
-      </p:cxnSp>
-      <p:cxnSp>
-        <p:nvCxnSpPr>
-          <p:cNvPr id="18" name="Straight Arrow Connector 17">
-            <a:extLst>
-              <a:ext uri="{FF2B5EF4-FFF2-40B4-BE49-F238E27FC236}">
-                <a16:creationId xmlns:a16="http://schemas.microsoft.com/office/drawing/2014/main" id="{544E269A-6F8F-CF4D-A7DA-4590C503C164}"/>
-              </a:ext>
-            </a:extLst>
-          </p:cNvPr>
-          <p:cNvCxnSpPr>
-            <a:stCxn id="5" idx="2"/>
-            <a:endCxn id="6" idx="0"/>
-          </p:cNvCxnSpPr>
-          <p:nvPr/>
-        </p:nvCxnSpPr>
-        <p:spPr>
-          <a:xfrm flipH="1">
-            <a:off x="2813607" y="1627597"/>
-            <a:ext cx="1" cy="456344"/>
-          </a:xfrm>
-          <a:prstGeom prst="straightConnector1">
-            <a:avLst/>
-          </a:prstGeom>
-          <a:ln>
-            <a:tailEnd type="triangle"/>
-          </a:ln>
-        </p:spPr>
-        <p:style>
-          <a:lnRef idx="1">
-            <a:schemeClr val="accent1"/>
-          </a:lnRef>
-          <a:fillRef idx="0">
-            <a:schemeClr val="accent1"/>
-          </a:fillRef>
-          <a:effectRef idx="0">
-            <a:schemeClr val="accent1"/>
-          </a:effectRef>
-          <a:fontRef idx="minor">
-            <a:schemeClr val="tx1"/>
-          </a:fontRef>
-        </p:style>
-      </p:cxnSp>
-      <p:cxnSp>
-        <p:nvCxnSpPr>
-          <p:cNvPr id="20" name="Elbow Connector 19">
-            <a:extLst>
-              <a:ext uri="{FF2B5EF4-FFF2-40B4-BE49-F238E27FC236}">
-                <a16:creationId xmlns:a16="http://schemas.microsoft.com/office/drawing/2014/main" id="{C44282EF-E47B-E140-AE7F-B330CF2B1B6B}"/>
-              </a:ext>
-            </a:extLst>
-          </p:cNvPr>
-          <p:cNvCxnSpPr>
-            <a:stCxn id="6" idx="2"/>
-            <a:endCxn id="12" idx="0"/>
-          </p:cNvCxnSpPr>
-          <p:nvPr/>
-        </p:nvCxnSpPr>
-        <p:spPr>
-          <a:xfrm rot="16200000" flipH="1">
-            <a:off x="3157283" y="2099859"/>
-            <a:ext cx="456343" cy="1143695"/>
-          </a:xfrm>
-          <a:prstGeom prst="bentConnector3">
-            <a:avLst/>
-          </a:prstGeom>
-          <a:ln>
-            <a:tailEnd type="triangle"/>
-          </a:ln>
-        </p:spPr>
-        <p:style>
-          <a:lnRef idx="1">
-            <a:schemeClr val="accent1"/>
-          </a:lnRef>
-          <a:fillRef idx="0">
-            <a:schemeClr val="accent1"/>
-          </a:fillRef>
-          <a:effectRef idx="0">
-            <a:schemeClr val="accent1"/>
-          </a:effectRef>
-          <a:fontRef idx="minor">
-            <a:schemeClr val="tx1"/>
-          </a:fontRef>
-        </p:style>
-      </p:cxnSp>
-      <p:sp>
-        <p:nvSpPr>
-          <p:cNvPr id="9" name="Rectangle 8">
-            <a:extLst>
-              <a:ext uri="{FF2B5EF4-FFF2-40B4-BE49-F238E27FC236}">
-                <a16:creationId xmlns:a16="http://schemas.microsoft.com/office/drawing/2014/main" id="{3A160782-D0B9-1D4A-88D7-32595FEC6257}"/>
-              </a:ext>
-            </a:extLst>
-          </p:cNvPr>
-          <p:cNvSpPr/>
-          <p:nvPr/>
-        </p:nvSpPr>
-        <p:spPr>
-          <a:xfrm>
-            <a:off x="4678630" y="2083941"/>
-            <a:ext cx="1903719" cy="359595"/>
-          </a:xfrm>
-          <a:prstGeom prst="rect">
-            <a:avLst/>
-          </a:prstGeom>
-          <a:solidFill>
-            <a:schemeClr val="accent2">
-              <a:lumMod val="20000"/>
-              <a:lumOff val="80000"/>
-            </a:schemeClr>
-          </a:solidFill>
-          <a:ln>
-            <a:solidFill>
-              <a:schemeClr val="tx1"/>
-            </a:solidFill>
-          </a:ln>
-        </p:spPr>
-        <p:style>
-          <a:lnRef idx="2">
-            <a:schemeClr val="accent1">
-              <a:shade val="50000"/>
-            </a:schemeClr>
-          </a:lnRef>
-          <a:fillRef idx="1">
-            <a:schemeClr val="accent1"/>
-          </a:fillRef>
-          <a:effectRef idx="0">
-            <a:schemeClr val="accent1"/>
-          </a:effectRef>
-          <a:fontRef idx="minor">
-            <a:schemeClr val="lt1"/>
-          </a:fontRef>
-        </p:style>
-        <p:txBody>
-          <a:bodyPr rtlCol="0" anchor="ctr"/>
-          <a:lstStyle/>
-          <a:p>
-            <a:pPr algn="ctr"/>
-            <a:r>
-              <a:rPr lang="en-US" sz="1100" dirty="0">
-                <a:solidFill>
-                  <a:schemeClr val="tx1"/>
-                </a:solidFill>
-              </a:rPr>
-              <a:t>scores_clean_</a:t>
-            </a:r>
-            <a:r>
-              <a:rPr lang="en-US" sz="1100">
-                <a:solidFill>
-                  <a:schemeClr val="tx1"/>
-                </a:solidFill>
-              </a:rPr>
-              <a:t>02.rds</a:t>
-            </a:r>
-            <a:endParaRPr lang="en-US" sz="1100" dirty="0">
-              <a:solidFill>
-                <a:schemeClr val="tx1"/>
-              </a:solidFill>
-            </a:endParaRPr>
-          </a:p>
-        </p:txBody>
-      </p:sp>
-      <p:sp>
-        <p:nvSpPr>
-          <p:cNvPr id="10" name="Rectangle 9">
-            <a:extLst>
-              <a:ext uri="{FF2B5EF4-FFF2-40B4-BE49-F238E27FC236}">
-                <a16:creationId xmlns:a16="http://schemas.microsoft.com/office/drawing/2014/main" id="{85FE10AC-83B8-B94C-9DD7-CA6A52AFA494}"/>
-              </a:ext>
-            </a:extLst>
-          </p:cNvPr>
-          <p:cNvSpPr/>
-          <p:nvPr/>
-        </p:nvSpPr>
-        <p:spPr>
-          <a:xfrm>
-            <a:off x="6887577" y="2083939"/>
-            <a:ext cx="1934109" cy="359595"/>
-          </a:xfrm>
-          <a:prstGeom prst="rect">
-            <a:avLst/>
-          </a:prstGeom>
-          <a:solidFill>
-            <a:schemeClr val="accent2">
-              <a:lumMod val="20000"/>
-              <a:lumOff val="80000"/>
-            </a:schemeClr>
-          </a:solidFill>
-          <a:ln>
-            <a:solidFill>
-              <a:schemeClr val="tx1"/>
-            </a:solidFill>
-          </a:ln>
-        </p:spPr>
-        <p:style>
-          <a:lnRef idx="2">
-            <a:schemeClr val="accent1">
-              <a:shade val="50000"/>
-            </a:schemeClr>
-          </a:lnRef>
-          <a:fillRef idx="1">
-            <a:schemeClr val="accent1"/>
-          </a:fillRef>
-          <a:effectRef idx="0">
-            <a:schemeClr val="accent1"/>
-          </a:effectRef>
-          <a:fontRef idx="minor">
-            <a:schemeClr val="lt1"/>
-          </a:fontRef>
-        </p:style>
-        <p:txBody>
-          <a:bodyPr rtlCol="0" anchor="ctr"/>
-          <a:lstStyle/>
-          <a:p>
-            <a:pPr algn="ctr"/>
-            <a:r>
-              <a:rPr lang="en-US" sz="1100" dirty="0">
-                <a:solidFill>
-                  <a:schemeClr val="tx1"/>
-                </a:solidFill>
-              </a:rPr>
-              <a:t>scores_clean_02.xlsx</a:t>
-            </a:r>
-          </a:p>
-        </p:txBody>
-      </p:sp>
-      <p:sp>
-        <p:nvSpPr>
-          <p:cNvPr id="21" name="Rectangle 20">
-            <a:extLst>
-              <a:ext uri="{FF2B5EF4-FFF2-40B4-BE49-F238E27FC236}">
-                <a16:creationId xmlns:a16="http://schemas.microsoft.com/office/drawing/2014/main" id="{E2FB0C87-B5EB-7043-A7E0-63DF1347B5AB}"/>
-              </a:ext>
-            </a:extLst>
-          </p:cNvPr>
-          <p:cNvSpPr/>
-          <p:nvPr/>
-        </p:nvSpPr>
-        <p:spPr>
-          <a:xfrm>
-            <a:off x="9126914" y="2083939"/>
-            <a:ext cx="2352792" cy="359595"/>
-          </a:xfrm>
-          <a:prstGeom prst="rect">
-            <a:avLst/>
-          </a:prstGeom>
-          <a:solidFill>
-            <a:schemeClr val="accent6">
-              <a:lumMod val="20000"/>
-              <a:lumOff val="80000"/>
-            </a:schemeClr>
-          </a:solidFill>
-          <a:ln>
-            <a:solidFill>
-              <a:schemeClr val="tx1"/>
-            </a:solidFill>
-          </a:ln>
-        </p:spPr>
-        <p:style>
-          <a:lnRef idx="2">
-            <a:schemeClr val="accent1">
-              <a:shade val="50000"/>
-            </a:schemeClr>
-          </a:lnRef>
-          <a:fillRef idx="1">
-            <a:schemeClr val="accent1"/>
-          </a:fillRef>
-          <a:effectRef idx="0">
-            <a:schemeClr val="accent1"/>
-          </a:effectRef>
-          <a:fontRef idx="minor">
-            <a:schemeClr val="lt1"/>
-          </a:fontRef>
-        </p:style>
-        <p:txBody>
-          <a:bodyPr rtlCol="0" anchor="ctr"/>
-          <a:lstStyle/>
-          <a:p>
-            <a:pPr algn="ctr"/>
-            <a:r>
-              <a:rPr lang="en-US" sz="1100" dirty="0">
-                <a:solidFill>
-                  <a:schemeClr val="tx1"/>
-                </a:solidFill>
-              </a:rPr>
-              <a:t>data_clean_data_02.nb.html</a:t>
-            </a:r>
-          </a:p>
-        </p:txBody>
-      </p:sp>
-      <p:cxnSp>
-        <p:nvCxnSpPr>
-          <p:cNvPr id="27" name="Straight Arrow Connector 26">
-            <a:extLst>
-              <a:ext uri="{FF2B5EF4-FFF2-40B4-BE49-F238E27FC236}">
-                <a16:creationId xmlns:a16="http://schemas.microsoft.com/office/drawing/2014/main" id="{76CF24E3-A1F3-0D4C-BE38-8310A248575C}"/>
-              </a:ext>
-            </a:extLst>
-          </p:cNvPr>
-          <p:cNvCxnSpPr>
-            <a:stCxn id="7" idx="2"/>
-            <a:endCxn id="8" idx="0"/>
-          </p:cNvCxnSpPr>
-          <p:nvPr/>
-        </p:nvCxnSpPr>
-        <p:spPr>
-          <a:xfrm>
-            <a:off x="7854632" y="811659"/>
-            <a:ext cx="0" cy="456343"/>
-          </a:xfrm>
-          <a:prstGeom prst="straightConnector1">
-            <a:avLst/>
-          </a:prstGeom>
-          <a:ln>
-            <a:tailEnd type="triangle"/>
-          </a:ln>
-        </p:spPr>
-        <p:style>
-          <a:lnRef idx="1">
-            <a:schemeClr val="accent1"/>
-          </a:lnRef>
-          <a:fillRef idx="0">
-            <a:schemeClr val="accent1"/>
-          </a:fillRef>
-          <a:effectRef idx="0">
-            <a:schemeClr val="accent1"/>
-          </a:effectRef>
-          <a:fontRef idx="minor">
-            <a:schemeClr val="tx1"/>
-          </a:fontRef>
-        </p:style>
-      </p:cxnSp>
-      <p:cxnSp>
-        <p:nvCxnSpPr>
-          <p:cNvPr id="31" name="Elbow Connector 30">
-            <a:extLst>
-              <a:ext uri="{FF2B5EF4-FFF2-40B4-BE49-F238E27FC236}">
-                <a16:creationId xmlns:a16="http://schemas.microsoft.com/office/drawing/2014/main" id="{0CA76D70-C7D4-D34F-86FF-12A520277CA4}"/>
-              </a:ext>
-            </a:extLst>
-          </p:cNvPr>
-          <p:cNvCxnSpPr>
-            <a:stCxn id="8" idx="2"/>
-            <a:endCxn id="9" idx="0"/>
-          </p:cNvCxnSpPr>
-          <p:nvPr/>
-        </p:nvCxnSpPr>
-        <p:spPr>
-          <a:xfrm rot="5400000">
-            <a:off x="6514389" y="743698"/>
-            <a:ext cx="456344" cy="2224142"/>
-          </a:xfrm>
-          <a:prstGeom prst="bentConnector3">
-            <a:avLst/>
-          </a:prstGeom>
-          <a:ln>
-            <a:tailEnd type="triangle"/>
-          </a:ln>
-        </p:spPr>
-        <p:style>
-          <a:lnRef idx="1">
-            <a:schemeClr val="accent1"/>
-          </a:lnRef>
-          <a:fillRef idx="0">
-            <a:schemeClr val="accent1"/>
-          </a:fillRef>
-          <a:effectRef idx="0">
-            <a:schemeClr val="accent1"/>
-          </a:effectRef>
-          <a:fontRef idx="minor">
-            <a:schemeClr val="tx1"/>
-          </a:fontRef>
-        </p:style>
-      </p:cxnSp>
-      <p:cxnSp>
-        <p:nvCxnSpPr>
-          <p:cNvPr id="33" name="Straight Arrow Connector 32">
-            <a:extLst>
-              <a:ext uri="{FF2B5EF4-FFF2-40B4-BE49-F238E27FC236}">
-                <a16:creationId xmlns:a16="http://schemas.microsoft.com/office/drawing/2014/main" id="{7F72DCA8-7987-AD40-BD5A-EA0EF45A25C9}"/>
-              </a:ext>
-            </a:extLst>
-          </p:cNvPr>
-          <p:cNvCxnSpPr>
-            <a:stCxn id="8" idx="2"/>
-            <a:endCxn id="10" idx="0"/>
-          </p:cNvCxnSpPr>
-          <p:nvPr/>
-        </p:nvCxnSpPr>
-        <p:spPr>
-          <a:xfrm>
-            <a:off x="7854632" y="1627597"/>
-            <a:ext cx="0" cy="456342"/>
-          </a:xfrm>
-          <a:prstGeom prst="straightConnector1">
-            <a:avLst/>
-          </a:prstGeom>
-          <a:ln>
-            <a:tailEnd type="triangle"/>
-          </a:ln>
-        </p:spPr>
-        <p:style>
-          <a:lnRef idx="1">
-            <a:schemeClr val="accent1"/>
-          </a:lnRef>
-          <a:fillRef idx="0">
-            <a:schemeClr val="accent1"/>
-          </a:fillRef>
-          <a:effectRef idx="0">
-            <a:schemeClr val="accent1"/>
-          </a:effectRef>
-          <a:fontRef idx="minor">
-            <a:schemeClr val="tx1"/>
-          </a:fontRef>
-        </p:style>
-      </p:cxnSp>
-      <p:cxnSp>
-        <p:nvCxnSpPr>
-          <p:cNvPr id="36" name="Elbow Connector 35">
-            <a:extLst>
-              <a:ext uri="{FF2B5EF4-FFF2-40B4-BE49-F238E27FC236}">
-                <a16:creationId xmlns:a16="http://schemas.microsoft.com/office/drawing/2014/main" id="{C64AB7C7-47E6-0E45-89F2-32848133F223}"/>
-              </a:ext>
-            </a:extLst>
-          </p:cNvPr>
-          <p:cNvCxnSpPr>
-            <a:stCxn id="8" idx="2"/>
-            <a:endCxn id="21" idx="0"/>
-          </p:cNvCxnSpPr>
-          <p:nvPr/>
-        </p:nvCxnSpPr>
-        <p:spPr>
-          <a:xfrm rot="16200000" flipH="1">
-            <a:off x="8850800" y="631429"/>
-            <a:ext cx="456342" cy="2448678"/>
-          </a:xfrm>
-          <a:prstGeom prst="bentConnector3">
-            <a:avLst/>
-          </a:prstGeom>
-          <a:ln>
-            <a:tailEnd type="triangle"/>
-          </a:ln>
-        </p:spPr>
-        <p:style>
-          <a:lnRef idx="1">
-            <a:schemeClr val="accent1"/>
-          </a:lnRef>
-          <a:fillRef idx="0">
-            <a:schemeClr val="accent1"/>
-          </a:fillRef>
-          <a:effectRef idx="0">
-            <a:schemeClr val="accent1"/>
-          </a:effectRef>
-          <a:fontRef idx="minor">
-            <a:schemeClr val="tx1"/>
-          </a:fontRef>
-        </p:style>
-      </p:cxnSp>
-      <p:cxnSp>
-        <p:nvCxnSpPr>
-          <p:cNvPr id="38" name="Elbow Connector 37">
-            <a:extLst>
-              <a:ext uri="{FF2B5EF4-FFF2-40B4-BE49-F238E27FC236}">
-                <a16:creationId xmlns:a16="http://schemas.microsoft.com/office/drawing/2014/main" id="{0611FCA0-3F38-AB4D-90E7-FF96AA0C5D57}"/>
-              </a:ext>
-            </a:extLst>
-          </p:cNvPr>
-          <p:cNvCxnSpPr>
-            <a:stCxn id="9" idx="2"/>
-            <a:endCxn id="12" idx="0"/>
-          </p:cNvCxnSpPr>
-          <p:nvPr/>
-        </p:nvCxnSpPr>
-        <p:spPr>
-          <a:xfrm rot="5400000">
-            <a:off x="4565725" y="1835113"/>
-            <a:ext cx="456343" cy="1673188"/>
-          </a:xfrm>
-          <a:prstGeom prst="bentConnector3">
-            <a:avLst/>
-          </a:prstGeom>
-          <a:ln>
-            <a:tailEnd type="triangle"/>
-          </a:ln>
-        </p:spPr>
-        <p:style>
-          <a:lnRef idx="1">
-            <a:schemeClr val="accent1"/>
-          </a:lnRef>
-          <a:fillRef idx="0">
-            <a:schemeClr val="accent1"/>
-          </a:fillRef>
-          <a:effectRef idx="0">
-            <a:schemeClr val="accent1"/>
-          </a:effectRef>
-          <a:fontRef idx="minor">
-            <a:schemeClr val="tx1"/>
-          </a:fontRef>
-        </p:style>
-      </p:cxnSp>
-      <p:sp>
-        <p:nvSpPr>
-          <p:cNvPr id="39" name="Rectangle 38">
-            <a:extLst>
-              <a:ext uri="{FF2B5EF4-FFF2-40B4-BE49-F238E27FC236}">
-                <a16:creationId xmlns:a16="http://schemas.microsoft.com/office/drawing/2014/main" id="{E0FD327D-5C55-E843-BE35-CE5DF1722A3E}"/>
-              </a:ext>
-            </a:extLst>
-          </p:cNvPr>
-          <p:cNvSpPr/>
-          <p:nvPr/>
-        </p:nvSpPr>
-        <p:spPr>
-          <a:xfrm>
-            <a:off x="4289499" y="3715816"/>
-            <a:ext cx="2024009" cy="359595"/>
-          </a:xfrm>
-          <a:prstGeom prst="rect">
-            <a:avLst/>
-          </a:prstGeom>
-          <a:solidFill>
-            <a:schemeClr val="accent6">
-              <a:lumMod val="20000"/>
-              <a:lumOff val="80000"/>
-            </a:schemeClr>
-          </a:solidFill>
-          <a:ln>
-            <a:solidFill>
-              <a:schemeClr val="tx1"/>
-            </a:solidFill>
-          </a:ln>
-        </p:spPr>
-        <p:style>
-          <a:lnRef idx="2">
-            <a:schemeClr val="accent1">
-              <a:shade val="50000"/>
-            </a:schemeClr>
-          </a:lnRef>
-          <a:fillRef idx="1">
-            <a:schemeClr val="accent1"/>
-          </a:fillRef>
-          <a:effectRef idx="0">
-            <a:schemeClr val="accent1"/>
-          </a:effectRef>
-          <a:fontRef idx="minor">
-            <a:schemeClr val="lt1"/>
-          </a:fontRef>
-        </p:style>
-        <p:txBody>
-          <a:bodyPr rtlCol="0" anchor="ctr"/>
-          <a:lstStyle/>
-          <a:p>
-            <a:pPr algn="ctr"/>
-            <a:r>
-              <a:rPr lang="en-US" sz="1100" dirty="0" err="1">
-                <a:solidFill>
-                  <a:schemeClr val="tx1"/>
-                </a:solidFill>
-              </a:rPr>
-              <a:t>data_append.nb.html</a:t>
-            </a:r>
-            <a:endParaRPr lang="en-US" sz="1100" dirty="0">
-              <a:solidFill>
-                <a:schemeClr val="tx1"/>
-              </a:solidFill>
-            </a:endParaRPr>
-          </a:p>
-        </p:txBody>
-      </p:sp>
-      <p:sp>
-        <p:nvSpPr>
-          <p:cNvPr id="41" name="Rectangle 40">
-            <a:extLst>
-              <a:ext uri="{FF2B5EF4-FFF2-40B4-BE49-F238E27FC236}">
-                <a16:creationId xmlns:a16="http://schemas.microsoft.com/office/drawing/2014/main" id="{F1C7C770-CEE3-8D4A-9E62-861EE726D010}"/>
-              </a:ext>
-            </a:extLst>
-          </p:cNvPr>
-          <p:cNvSpPr/>
-          <p:nvPr/>
-        </p:nvSpPr>
-        <p:spPr>
-          <a:xfrm>
-            <a:off x="106435" y="5326286"/>
-            <a:ext cx="2024009" cy="359595"/>
-          </a:xfrm>
-          <a:prstGeom prst="rect">
-            <a:avLst/>
-          </a:prstGeom>
-          <a:solidFill>
-            <a:schemeClr val="accent6">
-              <a:lumMod val="20000"/>
-              <a:lumOff val="80000"/>
-            </a:schemeClr>
-          </a:solidFill>
-          <a:ln>
-            <a:solidFill>
-              <a:schemeClr val="tx1"/>
-            </a:solidFill>
-          </a:ln>
-        </p:spPr>
-        <p:style>
-          <a:lnRef idx="2">
-            <a:schemeClr val="accent1">
-              <a:shade val="50000"/>
-            </a:schemeClr>
-          </a:lnRef>
-          <a:fillRef idx="1">
-            <a:schemeClr val="accent1"/>
-          </a:fillRef>
-          <a:effectRef idx="0">
-            <a:schemeClr val="accent1"/>
-          </a:effectRef>
-          <a:fontRef idx="minor">
-            <a:schemeClr val="lt1"/>
-          </a:fontRef>
-        </p:style>
-        <p:txBody>
-          <a:bodyPr rtlCol="0" anchor="ctr"/>
-          <a:lstStyle/>
-          <a:p>
-            <a:pPr algn="ctr"/>
-            <a:r>
-              <a:rPr lang="en-US" sz="1100" dirty="0" err="1">
-                <a:solidFill>
-                  <a:schemeClr val="tx1"/>
-                </a:solidFill>
-              </a:rPr>
-              <a:t>analysis_descriptive.nb.html</a:t>
-            </a:r>
-            <a:endParaRPr lang="en-US" sz="1100" dirty="0">
-              <a:solidFill>
-                <a:schemeClr val="tx1"/>
-              </a:solidFill>
-            </a:endParaRPr>
-          </a:p>
-        </p:txBody>
-      </p:sp>
-      <p:cxnSp>
-        <p:nvCxnSpPr>
-          <p:cNvPr id="43" name="Elbow Connector 42">
-            <a:extLst>
-              <a:ext uri="{FF2B5EF4-FFF2-40B4-BE49-F238E27FC236}">
-                <a16:creationId xmlns:a16="http://schemas.microsoft.com/office/drawing/2014/main" id="{DA74C931-3334-4945-93E6-ED058914FD65}"/>
-              </a:ext>
-            </a:extLst>
-          </p:cNvPr>
-          <p:cNvCxnSpPr>
-            <a:cxnSpLocks/>
-            <a:stCxn id="12" idx="2"/>
-            <a:endCxn id="13" idx="0"/>
-          </p:cNvCxnSpPr>
-          <p:nvPr/>
-        </p:nvCxnSpPr>
-        <p:spPr>
-          <a:xfrm rot="5400000">
-            <a:off x="3035626" y="2794140"/>
-            <a:ext cx="456343" cy="1387011"/>
-          </a:xfrm>
-          <a:prstGeom prst="bentConnector3">
-            <a:avLst>
-              <a:gd name="adj1" fmla="val 50000"/>
-            </a:avLst>
-          </a:prstGeom>
-          <a:ln>
-            <a:tailEnd type="triangle"/>
-          </a:ln>
-        </p:spPr>
-        <p:style>
-          <a:lnRef idx="1">
-            <a:schemeClr val="accent1"/>
-          </a:lnRef>
-          <a:fillRef idx="0">
-            <a:schemeClr val="accent1"/>
-          </a:fillRef>
-          <a:effectRef idx="0">
-            <a:schemeClr val="accent1"/>
-          </a:effectRef>
-          <a:fontRef idx="minor">
-            <a:schemeClr val="tx1"/>
-          </a:fontRef>
-        </p:style>
-      </p:cxnSp>
-      <p:cxnSp>
-        <p:nvCxnSpPr>
-          <p:cNvPr id="47" name="Elbow Connector 46">
-            <a:extLst>
-              <a:ext uri="{FF2B5EF4-FFF2-40B4-BE49-F238E27FC236}">
-                <a16:creationId xmlns:a16="http://schemas.microsoft.com/office/drawing/2014/main" id="{A8ACC068-65A0-4A48-A4F4-14ABE77355D9}"/>
-              </a:ext>
-            </a:extLst>
-          </p:cNvPr>
-          <p:cNvCxnSpPr>
-            <a:stCxn id="12" idx="2"/>
-            <a:endCxn id="39" idx="0"/>
-          </p:cNvCxnSpPr>
-          <p:nvPr/>
-        </p:nvCxnSpPr>
-        <p:spPr>
-          <a:xfrm rot="16200000" flipH="1">
-            <a:off x="4401232" y="2815544"/>
-            <a:ext cx="456342" cy="1344202"/>
-          </a:xfrm>
-          <a:prstGeom prst="bentConnector3">
-            <a:avLst/>
-          </a:prstGeom>
-          <a:ln>
-            <a:tailEnd type="triangle"/>
-          </a:ln>
-        </p:spPr>
-        <p:style>
-          <a:lnRef idx="1">
-            <a:schemeClr val="accent1"/>
-          </a:lnRef>
-          <a:fillRef idx="0">
-            <a:schemeClr val="accent1"/>
-          </a:fillRef>
-          <a:effectRef idx="0">
-            <a:schemeClr val="accent1"/>
-          </a:effectRef>
-          <a:fontRef idx="minor">
-            <a:schemeClr val="tx1"/>
-          </a:fontRef>
-        </p:style>
-      </p:cxnSp>
-      <p:cxnSp>
-        <p:nvCxnSpPr>
-          <p:cNvPr id="49" name="Straight Arrow Connector 48">
-            <a:extLst>
-              <a:ext uri="{FF2B5EF4-FFF2-40B4-BE49-F238E27FC236}">
-                <a16:creationId xmlns:a16="http://schemas.microsoft.com/office/drawing/2014/main" id="{703CBE1C-18D9-9849-B2AB-B2A6AAEA4D42}"/>
-              </a:ext>
-            </a:extLst>
-          </p:cNvPr>
-          <p:cNvCxnSpPr>
-            <a:stCxn id="13" idx="2"/>
-            <a:endCxn id="14" idx="0"/>
-          </p:cNvCxnSpPr>
-          <p:nvPr/>
-        </p:nvCxnSpPr>
-        <p:spPr>
-          <a:xfrm>
-            <a:off x="2570291" y="4075412"/>
-            <a:ext cx="0" cy="456343"/>
-          </a:xfrm>
-          <a:prstGeom prst="straightConnector1">
-            <a:avLst/>
-          </a:prstGeom>
-          <a:ln>
-            <a:tailEnd type="triangle"/>
-          </a:ln>
-        </p:spPr>
-        <p:style>
-          <a:lnRef idx="1">
-            <a:schemeClr val="accent1"/>
-          </a:lnRef>
-          <a:fillRef idx="0">
-            <a:schemeClr val="accent1"/>
-          </a:fillRef>
-          <a:effectRef idx="0">
-            <a:schemeClr val="accent1"/>
-          </a:effectRef>
-          <a:fontRef idx="minor">
-            <a:schemeClr val="tx1"/>
-          </a:fontRef>
-        </p:style>
-      </p:cxnSp>
-      <p:sp>
-        <p:nvSpPr>
           <p:cNvPr id="52" name="TextBox 51">
             <a:extLst>
               <a:ext uri="{FF2B5EF4-FFF2-40B4-BE49-F238E27FC236}">
@@ -4688,7 +4019,7 @@
         </p:nvSpPr>
         <p:spPr>
           <a:xfrm>
-            <a:off x="1652628" y="501055"/>
+            <a:off x="0" y="190453"/>
             <a:ext cx="297950" cy="261610"/>
           </a:xfrm>
           <a:prstGeom prst="rect">
@@ -4711,498 +4042,6 @@
             <a:r>
               <a:rPr lang="en-US" sz="1100" dirty="0"/>
               <a:t>1</a:t>
-            </a:r>
-          </a:p>
-        </p:txBody>
-      </p:sp>
-      <p:sp>
-        <p:nvSpPr>
-          <p:cNvPr id="53" name="TextBox 52">
-            <a:extLst>
-              <a:ext uri="{FF2B5EF4-FFF2-40B4-BE49-F238E27FC236}">
-                <a16:creationId xmlns:a16="http://schemas.microsoft.com/office/drawing/2014/main" id="{CB2E49EE-983B-6345-88E8-76F1AA8E0481}"/>
-              </a:ext>
-            </a:extLst>
-          </p:cNvPr>
-          <p:cNvSpPr txBox="1"/>
-          <p:nvPr/>
-        </p:nvSpPr>
-        <p:spPr>
-          <a:xfrm>
-            <a:off x="6716768" y="501055"/>
-            <a:ext cx="297950" cy="261610"/>
-          </a:xfrm>
-          <a:prstGeom prst="rect">
-            <a:avLst/>
-          </a:prstGeom>
-          <a:noFill/>
-          <a:ln>
-            <a:solidFill>
-              <a:schemeClr val="tx1"/>
-            </a:solidFill>
-          </a:ln>
-        </p:spPr>
-        <p:txBody>
-          <a:bodyPr wrap="square" rtlCol="0">
-            <a:spAutoFit/>
-          </a:bodyPr>
-          <a:lstStyle/>
-          <a:p>
-            <a:pPr algn="ctr"/>
-            <a:r>
-              <a:rPr lang="en-US" sz="1100" dirty="0"/>
-              <a:t>2</a:t>
-            </a:r>
-          </a:p>
-        </p:txBody>
-      </p:sp>
-      <p:sp>
-        <p:nvSpPr>
-          <p:cNvPr id="54" name="TextBox 53">
-            <a:extLst>
-              <a:ext uri="{FF2B5EF4-FFF2-40B4-BE49-F238E27FC236}">
-                <a16:creationId xmlns:a16="http://schemas.microsoft.com/office/drawing/2014/main" id="{4DF0AD55-32D7-454A-85B9-009108A8B27E}"/>
-              </a:ext>
-            </a:extLst>
-          </p:cNvPr>
-          <p:cNvSpPr txBox="1"/>
-          <p:nvPr/>
-        </p:nvSpPr>
-        <p:spPr>
-          <a:xfrm>
-            <a:off x="1425740" y="1316994"/>
-            <a:ext cx="297950" cy="261610"/>
-          </a:xfrm>
-          <a:prstGeom prst="rect">
-            <a:avLst/>
-          </a:prstGeom>
-          <a:noFill/>
-          <a:ln>
-            <a:solidFill>
-              <a:schemeClr val="tx1"/>
-            </a:solidFill>
-          </a:ln>
-        </p:spPr>
-        <p:txBody>
-          <a:bodyPr wrap="square" rtlCol="0">
-            <a:spAutoFit/>
-          </a:bodyPr>
-          <a:lstStyle/>
-          <a:p>
-            <a:pPr algn="ctr"/>
-            <a:r>
-              <a:rPr lang="en-US" sz="1100" dirty="0"/>
-              <a:t>4</a:t>
-            </a:r>
-          </a:p>
-        </p:txBody>
-      </p:sp>
-      <p:sp>
-        <p:nvSpPr>
-          <p:cNvPr id="56" name="TextBox 55">
-            <a:extLst>
-              <a:ext uri="{FF2B5EF4-FFF2-40B4-BE49-F238E27FC236}">
-                <a16:creationId xmlns:a16="http://schemas.microsoft.com/office/drawing/2014/main" id="{514DC511-FE33-E44F-895F-B7DC1D0787A4}"/>
-              </a:ext>
-            </a:extLst>
-          </p:cNvPr>
-          <p:cNvSpPr txBox="1"/>
-          <p:nvPr/>
-        </p:nvSpPr>
-        <p:spPr>
-          <a:xfrm>
-            <a:off x="6382001" y="1326173"/>
-            <a:ext cx="297950" cy="261610"/>
-          </a:xfrm>
-          <a:prstGeom prst="rect">
-            <a:avLst/>
-          </a:prstGeom>
-          <a:noFill/>
-          <a:ln>
-            <a:solidFill>
-              <a:schemeClr val="tx1"/>
-            </a:solidFill>
-          </a:ln>
-        </p:spPr>
-        <p:txBody>
-          <a:bodyPr wrap="square" rtlCol="0">
-            <a:spAutoFit/>
-          </a:bodyPr>
-          <a:lstStyle/>
-          <a:p>
-            <a:pPr algn="ctr"/>
-            <a:r>
-              <a:rPr lang="en-US" sz="1100" dirty="0"/>
-              <a:t>5</a:t>
-            </a:r>
-          </a:p>
-        </p:txBody>
-      </p:sp>
-      <p:sp>
-        <p:nvSpPr>
-          <p:cNvPr id="57" name="TextBox 56">
-            <a:extLst>
-              <a:ext uri="{FF2B5EF4-FFF2-40B4-BE49-F238E27FC236}">
-                <a16:creationId xmlns:a16="http://schemas.microsoft.com/office/drawing/2014/main" id="{28A79F40-E5E4-DE43-833F-EB14870B8295}"/>
-              </a:ext>
-            </a:extLst>
-          </p:cNvPr>
-          <p:cNvSpPr txBox="1"/>
-          <p:nvPr/>
-        </p:nvSpPr>
-        <p:spPr>
-          <a:xfrm>
-            <a:off x="1349539" y="2132933"/>
-            <a:ext cx="297950" cy="261610"/>
-          </a:xfrm>
-          <a:prstGeom prst="rect">
-            <a:avLst/>
-          </a:prstGeom>
-          <a:noFill/>
-          <a:ln>
-            <a:solidFill>
-              <a:schemeClr val="tx1"/>
-            </a:solidFill>
-          </a:ln>
-        </p:spPr>
-        <p:txBody>
-          <a:bodyPr wrap="square" rtlCol="0">
-            <a:spAutoFit/>
-          </a:bodyPr>
-          <a:lstStyle/>
-          <a:p>
-            <a:pPr algn="ctr"/>
-            <a:r>
-              <a:rPr lang="en-US" sz="1100" dirty="0"/>
-              <a:t>6</a:t>
-            </a:r>
-          </a:p>
-        </p:txBody>
-      </p:sp>
-      <p:sp>
-        <p:nvSpPr>
-          <p:cNvPr id="58" name="TextBox 57">
-            <a:extLst>
-              <a:ext uri="{FF2B5EF4-FFF2-40B4-BE49-F238E27FC236}">
-                <a16:creationId xmlns:a16="http://schemas.microsoft.com/office/drawing/2014/main" id="{28DC9926-822B-224D-8C3F-2C8FC08E270B}"/>
-              </a:ext>
-            </a:extLst>
-          </p:cNvPr>
-          <p:cNvSpPr txBox="1"/>
-          <p:nvPr/>
-        </p:nvSpPr>
-        <p:spPr>
-          <a:xfrm>
-            <a:off x="4331453" y="2158570"/>
-            <a:ext cx="297950" cy="261610"/>
-          </a:xfrm>
-          <a:prstGeom prst="rect">
-            <a:avLst/>
-          </a:prstGeom>
-          <a:noFill/>
-          <a:ln>
-            <a:solidFill>
-              <a:schemeClr val="tx1"/>
-            </a:solidFill>
-          </a:ln>
-        </p:spPr>
-        <p:txBody>
-          <a:bodyPr wrap="square" rtlCol="0">
-            <a:spAutoFit/>
-          </a:bodyPr>
-          <a:lstStyle/>
-          <a:p>
-            <a:pPr algn="ctr"/>
-            <a:r>
-              <a:rPr lang="en-US" sz="1100" dirty="0"/>
-              <a:t>7</a:t>
-            </a:r>
-          </a:p>
-        </p:txBody>
-      </p:sp>
-      <p:sp>
-        <p:nvSpPr>
-          <p:cNvPr id="59" name="TextBox 58">
-            <a:extLst>
-              <a:ext uri="{FF2B5EF4-FFF2-40B4-BE49-F238E27FC236}">
-                <a16:creationId xmlns:a16="http://schemas.microsoft.com/office/drawing/2014/main" id="{75FCDC70-FFB8-C845-9E55-D157DE04B2E5}"/>
-              </a:ext>
-            </a:extLst>
-          </p:cNvPr>
-          <p:cNvSpPr txBox="1"/>
-          <p:nvPr/>
-        </p:nvSpPr>
-        <p:spPr>
-          <a:xfrm>
-            <a:off x="7705656" y="2538566"/>
-            <a:ext cx="297950" cy="261610"/>
-          </a:xfrm>
-          <a:prstGeom prst="rect">
-            <a:avLst/>
-          </a:prstGeom>
-          <a:noFill/>
-          <a:ln>
-            <a:solidFill>
-              <a:schemeClr val="tx1"/>
-            </a:solidFill>
-          </a:ln>
-        </p:spPr>
-        <p:txBody>
-          <a:bodyPr wrap="square" rtlCol="0">
-            <a:spAutoFit/>
-          </a:bodyPr>
-          <a:lstStyle/>
-          <a:p>
-            <a:pPr algn="ctr"/>
-            <a:r>
-              <a:rPr lang="en-US" sz="1100" dirty="0"/>
-              <a:t>8</a:t>
-            </a:r>
-          </a:p>
-        </p:txBody>
-      </p:sp>
-      <p:sp>
-        <p:nvSpPr>
-          <p:cNvPr id="60" name="TextBox 59">
-            <a:extLst>
-              <a:ext uri="{FF2B5EF4-FFF2-40B4-BE49-F238E27FC236}">
-                <a16:creationId xmlns:a16="http://schemas.microsoft.com/office/drawing/2014/main" id="{030DE549-73A2-B344-AE39-1A319F97886A}"/>
-              </a:ext>
-            </a:extLst>
-          </p:cNvPr>
-          <p:cNvSpPr txBox="1"/>
-          <p:nvPr/>
-        </p:nvSpPr>
-        <p:spPr>
-          <a:xfrm>
-            <a:off x="10154335" y="2520581"/>
-            <a:ext cx="297950" cy="261610"/>
-          </a:xfrm>
-          <a:prstGeom prst="rect">
-            <a:avLst/>
-          </a:prstGeom>
-          <a:noFill/>
-          <a:ln>
-            <a:solidFill>
-              <a:schemeClr val="tx1"/>
-            </a:solidFill>
-          </a:ln>
-        </p:spPr>
-        <p:txBody>
-          <a:bodyPr wrap="square" rtlCol="0">
-            <a:spAutoFit/>
-          </a:bodyPr>
-          <a:lstStyle/>
-          <a:p>
-            <a:pPr algn="ctr"/>
-            <a:r>
-              <a:rPr lang="en-US" sz="1100" dirty="0"/>
-              <a:t>9</a:t>
-            </a:r>
-          </a:p>
-        </p:txBody>
-      </p:sp>
-      <p:sp>
-        <p:nvSpPr>
-          <p:cNvPr id="61" name="TextBox 60">
-            <a:extLst>
-              <a:ext uri="{FF2B5EF4-FFF2-40B4-BE49-F238E27FC236}">
-                <a16:creationId xmlns:a16="http://schemas.microsoft.com/office/drawing/2014/main" id="{0AC5E098-6420-474D-9B0C-3864622BFC5D}"/>
-              </a:ext>
-            </a:extLst>
-          </p:cNvPr>
-          <p:cNvSpPr txBox="1"/>
-          <p:nvPr/>
-        </p:nvSpPr>
-        <p:spPr>
-          <a:xfrm>
-            <a:off x="2458131" y="2948871"/>
-            <a:ext cx="410108" cy="261610"/>
-          </a:xfrm>
-          <a:prstGeom prst="rect">
-            <a:avLst/>
-          </a:prstGeom>
-          <a:noFill/>
-          <a:ln>
-            <a:solidFill>
-              <a:schemeClr val="tx1"/>
-            </a:solidFill>
-          </a:ln>
-        </p:spPr>
-        <p:txBody>
-          <a:bodyPr wrap="square" rtlCol="0">
-            <a:spAutoFit/>
-          </a:bodyPr>
-          <a:lstStyle/>
-          <a:p>
-            <a:pPr algn="ctr"/>
-            <a:r>
-              <a:rPr lang="en-US" sz="1100" dirty="0"/>
-              <a:t>10</a:t>
-            </a:r>
-          </a:p>
-        </p:txBody>
-      </p:sp>
-      <p:sp>
-        <p:nvSpPr>
-          <p:cNvPr id="62" name="TextBox 61">
-            <a:extLst>
-              <a:ext uri="{FF2B5EF4-FFF2-40B4-BE49-F238E27FC236}">
-                <a16:creationId xmlns:a16="http://schemas.microsoft.com/office/drawing/2014/main" id="{8BD733CA-FF93-894C-90BA-31272FC21DE3}"/>
-              </a:ext>
-            </a:extLst>
-          </p:cNvPr>
-          <p:cNvSpPr txBox="1"/>
-          <p:nvPr/>
-        </p:nvSpPr>
-        <p:spPr>
-          <a:xfrm>
-            <a:off x="982934" y="3754106"/>
-            <a:ext cx="421239" cy="261610"/>
-          </a:xfrm>
-          <a:prstGeom prst="rect">
-            <a:avLst/>
-          </a:prstGeom>
-          <a:noFill/>
-          <a:ln>
-            <a:solidFill>
-              <a:schemeClr val="tx1"/>
-            </a:solidFill>
-          </a:ln>
-        </p:spPr>
-        <p:txBody>
-          <a:bodyPr wrap="square" rtlCol="0">
-            <a:spAutoFit/>
-          </a:bodyPr>
-          <a:lstStyle/>
-          <a:p>
-            <a:pPr algn="ctr"/>
-            <a:r>
-              <a:rPr lang="en-US" sz="1100" dirty="0"/>
-              <a:t>11</a:t>
-            </a:r>
-          </a:p>
-        </p:txBody>
-      </p:sp>
-      <p:sp>
-        <p:nvSpPr>
-          <p:cNvPr id="63" name="TextBox 62">
-            <a:extLst>
-              <a:ext uri="{FF2B5EF4-FFF2-40B4-BE49-F238E27FC236}">
-                <a16:creationId xmlns:a16="http://schemas.microsoft.com/office/drawing/2014/main" id="{438E20AD-AD58-6D40-9E08-0445AF38832E}"/>
-              </a:ext>
-            </a:extLst>
-          </p:cNvPr>
-          <p:cNvSpPr txBox="1"/>
-          <p:nvPr/>
-        </p:nvSpPr>
-        <p:spPr>
-          <a:xfrm>
-            <a:off x="6413680" y="3764808"/>
-            <a:ext cx="452063" cy="261610"/>
-          </a:xfrm>
-          <a:prstGeom prst="rect">
-            <a:avLst/>
-          </a:prstGeom>
-          <a:noFill/>
-          <a:ln>
-            <a:solidFill>
-              <a:schemeClr val="tx1"/>
-            </a:solidFill>
-          </a:ln>
-        </p:spPr>
-        <p:txBody>
-          <a:bodyPr wrap="square" rtlCol="0">
-            <a:spAutoFit/>
-          </a:bodyPr>
-          <a:lstStyle/>
-          <a:p>
-            <a:pPr algn="ctr"/>
-            <a:r>
-              <a:rPr lang="en-US" sz="1100" dirty="0"/>
-              <a:t>12</a:t>
-            </a:r>
-          </a:p>
-        </p:txBody>
-      </p:sp>
-      <p:sp>
-        <p:nvSpPr>
-          <p:cNvPr id="64" name="TextBox 63">
-            <a:extLst>
-              <a:ext uri="{FF2B5EF4-FFF2-40B4-BE49-F238E27FC236}">
-                <a16:creationId xmlns:a16="http://schemas.microsoft.com/office/drawing/2014/main" id="{3FCCF37A-BAB1-C748-9A3B-A3968E0CFA51}"/>
-              </a:ext>
-            </a:extLst>
-          </p:cNvPr>
-          <p:cNvSpPr txBox="1"/>
-          <p:nvPr/>
-        </p:nvSpPr>
-        <p:spPr>
-          <a:xfrm>
-            <a:off x="982934" y="4580747"/>
-            <a:ext cx="421239" cy="261610"/>
-          </a:xfrm>
-          <a:prstGeom prst="rect">
-            <a:avLst/>
-          </a:prstGeom>
-          <a:noFill/>
-          <a:ln>
-            <a:solidFill>
-              <a:schemeClr val="tx1"/>
-            </a:solidFill>
-          </a:ln>
-        </p:spPr>
-        <p:txBody>
-          <a:bodyPr wrap="square" rtlCol="0">
-            <a:spAutoFit/>
-          </a:bodyPr>
-          <a:lstStyle/>
-          <a:p>
-            <a:pPr algn="ctr"/>
-            <a:r>
-              <a:rPr lang="en-US" sz="1100" dirty="0"/>
-              <a:t>13</a:t>
-            </a:r>
-          </a:p>
-        </p:txBody>
-      </p:sp>
-      <p:sp>
-        <p:nvSpPr>
-          <p:cNvPr id="65" name="TextBox 64">
-            <a:extLst>
-              <a:ext uri="{FF2B5EF4-FFF2-40B4-BE49-F238E27FC236}">
-                <a16:creationId xmlns:a16="http://schemas.microsoft.com/office/drawing/2014/main" id="{81849140-1EE7-944E-ADC0-1BC10B4B9569}"/>
-              </a:ext>
-            </a:extLst>
-          </p:cNvPr>
-          <p:cNvSpPr txBox="1"/>
-          <p:nvPr/>
-        </p:nvSpPr>
-        <p:spPr>
-          <a:xfrm>
-            <a:off x="982934" y="5807408"/>
-            <a:ext cx="421239" cy="261610"/>
-          </a:xfrm>
-          <a:prstGeom prst="rect">
-            <a:avLst/>
-          </a:prstGeom>
-          <a:noFill/>
-          <a:ln>
-            <a:solidFill>
-              <a:schemeClr val="tx1"/>
-            </a:solidFill>
-          </a:ln>
-        </p:spPr>
-        <p:txBody>
-          <a:bodyPr wrap="square" rtlCol="0">
-            <a:spAutoFit/>
-          </a:bodyPr>
-          <a:lstStyle/>
-          <a:p>
-            <a:pPr algn="ctr"/>
-            <a:r>
-              <a:rPr lang="en-US" sz="1100" dirty="0"/>
-              <a:t>16</a:t>
             </a:r>
           </a:p>
         </p:txBody>
@@ -5469,10 +4308,10 @@
       </p:grpSp>
       <p:sp>
         <p:nvSpPr>
-          <p:cNvPr id="48" name="Rectangle 47">
-            <a:extLst>
-              <a:ext uri="{FF2B5EF4-FFF2-40B4-BE49-F238E27FC236}">
-                <a16:creationId xmlns:a16="http://schemas.microsoft.com/office/drawing/2014/main" id="{B564587E-3164-A24E-A0BB-EBF29233DEA6}"/>
+          <p:cNvPr id="72" name="Rectangle 71">
+            <a:extLst>
+              <a:ext uri="{FF2B5EF4-FFF2-40B4-BE49-F238E27FC236}">
+                <a16:creationId xmlns:a16="http://schemas.microsoft.com/office/drawing/2014/main" id="{FCC16E27-F142-7F4F-8933-D5819F86E024}"/>
               </a:ext>
             </a:extLst>
           </p:cNvPr>
@@ -5481,202 +4320,8 @@
         </p:nvSpPr>
         <p:spPr>
           <a:xfrm>
-            <a:off x="2267202" y="5326286"/>
-            <a:ext cx="2024009" cy="359595"/>
-          </a:xfrm>
-          <a:prstGeom prst="rect">
-            <a:avLst/>
-          </a:prstGeom>
-          <a:solidFill>
-            <a:schemeClr val="accent6">
-              <a:lumMod val="20000"/>
-              <a:lumOff val="80000"/>
-            </a:schemeClr>
-          </a:solidFill>
-          <a:ln>
-            <a:solidFill>
-              <a:schemeClr val="tx1"/>
-            </a:solidFill>
-          </a:ln>
-        </p:spPr>
-        <p:style>
-          <a:lnRef idx="2">
-            <a:schemeClr val="accent1">
-              <a:shade val="50000"/>
-            </a:schemeClr>
-          </a:lnRef>
-          <a:fillRef idx="1">
-            <a:schemeClr val="accent1"/>
-          </a:fillRef>
-          <a:effectRef idx="0">
-            <a:schemeClr val="accent1"/>
-          </a:effectRef>
-          <a:fontRef idx="minor">
-            <a:schemeClr val="lt1"/>
-          </a:fontRef>
-        </p:style>
-        <p:txBody>
-          <a:bodyPr rtlCol="0" anchor="ctr"/>
-          <a:lstStyle/>
-          <a:p>
-            <a:pPr algn="ctr"/>
-            <a:r>
-              <a:rPr lang="en-US" sz="1100" dirty="0" err="1">
-                <a:solidFill>
-                  <a:schemeClr val="tx1"/>
-                </a:solidFill>
-              </a:rPr>
-              <a:t>histogram.png</a:t>
-            </a:r>
-            <a:endParaRPr lang="en-US" sz="1100" dirty="0">
-              <a:solidFill>
-                <a:schemeClr val="tx1"/>
-              </a:solidFill>
-            </a:endParaRPr>
-          </a:p>
-        </p:txBody>
-      </p:sp>
-      <p:sp>
-        <p:nvSpPr>
-          <p:cNvPr id="50" name="TextBox 49">
-            <a:extLst>
-              <a:ext uri="{FF2B5EF4-FFF2-40B4-BE49-F238E27FC236}">
-                <a16:creationId xmlns:a16="http://schemas.microsoft.com/office/drawing/2014/main" id="{635F46B1-A17E-A048-8F46-2433D07A1A2A}"/>
-              </a:ext>
-            </a:extLst>
-          </p:cNvPr>
-          <p:cNvSpPr txBox="1"/>
-          <p:nvPr/>
-        </p:nvSpPr>
-        <p:spPr>
-          <a:xfrm>
-            <a:off x="3092706" y="5813193"/>
-            <a:ext cx="421239" cy="261610"/>
-          </a:xfrm>
-          <a:prstGeom prst="rect">
-            <a:avLst/>
-          </a:prstGeom>
-          <a:noFill/>
-          <a:ln>
-            <a:solidFill>
-              <a:schemeClr val="tx1"/>
-            </a:solidFill>
-          </a:ln>
-        </p:spPr>
-        <p:txBody>
-          <a:bodyPr wrap="square" rtlCol="0">
-            <a:spAutoFit/>
-          </a:bodyPr>
-          <a:lstStyle/>
-          <a:p>
-            <a:pPr algn="ctr"/>
-            <a:r>
-              <a:rPr lang="en-US" sz="1100" dirty="0"/>
-              <a:t>17</a:t>
-            </a:r>
-          </a:p>
-        </p:txBody>
-      </p:sp>
-      <p:cxnSp>
-        <p:nvCxnSpPr>
-          <p:cNvPr id="11" name="Elbow Connector 10">
-            <a:extLst>
-              <a:ext uri="{FF2B5EF4-FFF2-40B4-BE49-F238E27FC236}">
-                <a16:creationId xmlns:a16="http://schemas.microsoft.com/office/drawing/2014/main" id="{24F3D2A8-FC37-2F48-BA0E-1E39289B2D92}"/>
-              </a:ext>
-            </a:extLst>
-          </p:cNvPr>
-          <p:cNvCxnSpPr>
-            <a:stCxn id="14" idx="2"/>
-            <a:endCxn id="41" idx="0"/>
-          </p:cNvCxnSpPr>
-          <p:nvPr/>
-        </p:nvCxnSpPr>
-        <p:spPr>
-          <a:xfrm rot="5400000">
-            <a:off x="1626898" y="4382893"/>
-            <a:ext cx="434936" cy="1451851"/>
-          </a:xfrm>
-          <a:prstGeom prst="bentConnector3">
-            <a:avLst/>
-          </a:prstGeom>
-          <a:ln>
-            <a:tailEnd type="triangle"/>
-          </a:ln>
-        </p:spPr>
-        <p:style>
-          <a:lnRef idx="1">
-            <a:schemeClr val="accent1"/>
-          </a:lnRef>
-          <a:fillRef idx="0">
-            <a:schemeClr val="accent1"/>
-          </a:fillRef>
-          <a:effectRef idx="0">
-            <a:schemeClr val="accent1"/>
-          </a:effectRef>
-          <a:fontRef idx="minor">
-            <a:schemeClr val="tx1"/>
-          </a:fontRef>
-        </p:style>
-      </p:cxnSp>
-      <p:cxnSp>
-        <p:nvCxnSpPr>
-          <p:cNvPr id="17" name="Elbow Connector 16">
-            <a:extLst>
-              <a:ext uri="{FF2B5EF4-FFF2-40B4-BE49-F238E27FC236}">
-                <a16:creationId xmlns:a16="http://schemas.microsoft.com/office/drawing/2014/main" id="{9F21C1AD-7EFF-464B-81B4-9CAB8AA0991A}"/>
-              </a:ext>
-            </a:extLst>
-          </p:cNvPr>
-          <p:cNvCxnSpPr>
-            <a:stCxn id="14" idx="2"/>
-            <a:endCxn id="48" idx="0"/>
-          </p:cNvCxnSpPr>
-          <p:nvPr/>
-        </p:nvCxnSpPr>
-        <p:spPr>
-          <a:xfrm rot="16200000" flipH="1">
-            <a:off x="2707281" y="4754360"/>
-            <a:ext cx="434936" cy="708916"/>
-          </a:xfrm>
-          <a:prstGeom prst="bentConnector3">
-            <a:avLst/>
-          </a:prstGeom>
-          <a:ln>
-            <a:tailEnd type="triangle"/>
-          </a:ln>
-        </p:spPr>
-        <p:style>
-          <a:lnRef idx="1">
-            <a:schemeClr val="accent1"/>
-          </a:lnRef>
-          <a:fillRef idx="0">
-            <a:schemeClr val="accent1"/>
-          </a:fillRef>
-          <a:effectRef idx="0">
-            <a:schemeClr val="accent1"/>
-          </a:effectRef>
-          <a:fontRef idx="minor">
-            <a:schemeClr val="tx1"/>
-          </a:fontRef>
-        </p:style>
-      </p:cxnSp>
-      <p:sp>
-        <p:nvSpPr>
-          <p:cNvPr id="55" name="Rectangle 54">
-            <a:extLst>
-              <a:ext uri="{FF2B5EF4-FFF2-40B4-BE49-F238E27FC236}">
-                <a16:creationId xmlns:a16="http://schemas.microsoft.com/office/drawing/2014/main" id="{C3A9B973-E18A-7944-A1AF-D53AC503263E}"/>
-              </a:ext>
-            </a:extLst>
-          </p:cNvPr>
-          <p:cNvSpPr/>
-          <p:nvPr/>
-        </p:nvSpPr>
-        <p:spPr>
-          <a:xfrm>
-            <a:off x="6989891" y="4531752"/>
-            <a:ext cx="2024009" cy="359595"/>
+            <a:off x="278668" y="969575"/>
+            <a:ext cx="1764624" cy="359595"/>
           </a:xfrm>
           <a:prstGeom prst="rect">
             <a:avLst/>
@@ -5715,110 +4360,22 @@
           <a:p>
             <a:pPr algn="ctr"/>
             <a:r>
-              <a:rPr lang="en-US" sz="1100" dirty="0" err="1">
+              <a:rPr lang="en-US" sz="1100" dirty="0">
                 <a:solidFill>
                   <a:schemeClr val="tx1"/>
                 </a:solidFill>
               </a:rPr>
-              <a:t>analysis_models.Rmd</a:t>
-            </a:r>
-            <a:endParaRPr lang="en-US" sz="1100" dirty="0">
-              <a:solidFill>
-                <a:schemeClr val="tx1"/>
-              </a:solidFill>
-            </a:endParaRPr>
-          </a:p>
-        </p:txBody>
-      </p:sp>
-      <p:sp>
-        <p:nvSpPr>
-          <p:cNvPr id="66" name="TextBox 65">
-            <a:extLst>
-              <a:ext uri="{FF2B5EF4-FFF2-40B4-BE49-F238E27FC236}">
-                <a16:creationId xmlns:a16="http://schemas.microsoft.com/office/drawing/2014/main" id="{8DC78D6B-6F98-6B4B-B6AA-271B7FE98BBB}"/>
-              </a:ext>
-            </a:extLst>
-          </p:cNvPr>
-          <p:cNvSpPr txBox="1"/>
-          <p:nvPr/>
-        </p:nvSpPr>
-        <p:spPr>
-          <a:xfrm>
-            <a:off x="9119487" y="4580747"/>
-            <a:ext cx="421239" cy="261610"/>
-          </a:xfrm>
-          <a:prstGeom prst="rect">
-            <a:avLst/>
-          </a:prstGeom>
-          <a:noFill/>
-          <a:ln>
-            <a:solidFill>
-              <a:schemeClr val="tx1"/>
-            </a:solidFill>
-          </a:ln>
-        </p:spPr>
-        <p:txBody>
-          <a:bodyPr wrap="square" rtlCol="0">
-            <a:spAutoFit/>
-          </a:bodyPr>
-          <a:lstStyle/>
-          <a:p>
-            <a:pPr algn="ctr"/>
-            <a:r>
-              <a:rPr lang="en-US" sz="1100" dirty="0"/>
-              <a:t>15</a:t>
-            </a:r>
-          </a:p>
-        </p:txBody>
-      </p:sp>
-      <p:cxnSp>
-        <p:nvCxnSpPr>
-          <p:cNvPr id="22" name="Elbow Connector 21">
-            <a:extLst>
-              <a:ext uri="{FF2B5EF4-FFF2-40B4-BE49-F238E27FC236}">
-                <a16:creationId xmlns:a16="http://schemas.microsoft.com/office/drawing/2014/main" id="{9E35BC51-85DC-2B4E-A7EC-6A4F79CE9C7D}"/>
-              </a:ext>
-            </a:extLst>
-          </p:cNvPr>
-          <p:cNvCxnSpPr>
-            <a:stCxn id="13" idx="2"/>
-            <a:endCxn id="55" idx="0"/>
-          </p:cNvCxnSpPr>
-          <p:nvPr/>
-        </p:nvCxnSpPr>
-        <p:spPr>
-          <a:xfrm rot="16200000" flipH="1">
-            <a:off x="5057923" y="1587779"/>
-            <a:ext cx="456340" cy="5431605"/>
-          </a:xfrm>
-          <a:prstGeom prst="bentConnector3">
-            <a:avLst/>
-          </a:prstGeom>
-          <a:ln>
-            <a:tailEnd type="triangle"/>
-          </a:ln>
-        </p:spPr>
-        <p:style>
-          <a:lnRef idx="1">
-            <a:schemeClr val="accent1"/>
-          </a:lnRef>
-          <a:fillRef idx="0">
-            <a:schemeClr val="accent1"/>
-          </a:fillRef>
-          <a:effectRef idx="0">
-            <a:schemeClr val="accent1"/>
-          </a:effectRef>
-          <a:fontRef idx="minor">
-            <a:schemeClr val="tx1"/>
-          </a:fontRef>
-        </p:style>
-      </p:cxnSp>
-      <p:sp>
-        <p:nvSpPr>
-          <p:cNvPr id="67" name="Rectangle 66">
-            <a:extLst>
-              <a:ext uri="{FF2B5EF4-FFF2-40B4-BE49-F238E27FC236}">
-                <a16:creationId xmlns:a16="http://schemas.microsoft.com/office/drawing/2014/main" id="{DB44EF11-0664-884D-83C0-7CAC7EBB7D14}"/>
+              <a:t>data_medstar_compliance_01_import.Rmd</a:t>
+            </a:r>
+          </a:p>
+        </p:txBody>
+      </p:sp>
+      <p:sp>
+        <p:nvSpPr>
+          <p:cNvPr id="73" name="Rectangle 72">
+            <a:extLst>
+              <a:ext uri="{FF2B5EF4-FFF2-40B4-BE49-F238E27FC236}">
+                <a16:creationId xmlns:a16="http://schemas.microsoft.com/office/drawing/2014/main" id="{08C1CA47-7AAD-D744-BD8B-E52C98069724}"/>
               </a:ext>
             </a:extLst>
           </p:cNvPr>
@@ -5827,160 +4384,8 @@
         </p:nvSpPr>
         <p:spPr>
           <a:xfrm>
-            <a:off x="6989891" y="5326286"/>
-            <a:ext cx="2024009" cy="359595"/>
-          </a:xfrm>
-          <a:prstGeom prst="rect">
-            <a:avLst/>
-          </a:prstGeom>
-          <a:solidFill>
-            <a:schemeClr val="accent6">
-              <a:lumMod val="20000"/>
-              <a:lumOff val="80000"/>
-            </a:schemeClr>
-          </a:solidFill>
-          <a:ln>
-            <a:solidFill>
-              <a:schemeClr val="tx1"/>
-            </a:solidFill>
-          </a:ln>
-        </p:spPr>
-        <p:style>
-          <a:lnRef idx="2">
-            <a:schemeClr val="accent1">
-              <a:shade val="50000"/>
-            </a:schemeClr>
-          </a:lnRef>
-          <a:fillRef idx="1">
-            <a:schemeClr val="accent1"/>
-          </a:fillRef>
-          <a:effectRef idx="0">
-            <a:schemeClr val="accent1"/>
-          </a:effectRef>
-          <a:fontRef idx="minor">
-            <a:schemeClr val="lt1"/>
-          </a:fontRef>
-        </p:style>
-        <p:txBody>
-          <a:bodyPr rtlCol="0" anchor="ctr"/>
-          <a:lstStyle/>
-          <a:p>
-            <a:pPr algn="ctr"/>
-            <a:r>
-              <a:rPr lang="en-US" sz="1100" dirty="0" err="1">
-                <a:solidFill>
-                  <a:schemeClr val="tx1"/>
-                </a:solidFill>
-              </a:rPr>
-              <a:t>models.pdf</a:t>
-            </a:r>
-            <a:endParaRPr lang="en-US" sz="1100" dirty="0">
-              <a:solidFill>
-                <a:schemeClr val="tx1"/>
-              </a:solidFill>
-            </a:endParaRPr>
-          </a:p>
-        </p:txBody>
-      </p:sp>
-      <p:sp>
-        <p:nvSpPr>
-          <p:cNvPr id="68" name="TextBox 67">
-            <a:extLst>
-              <a:ext uri="{FF2B5EF4-FFF2-40B4-BE49-F238E27FC236}">
-                <a16:creationId xmlns:a16="http://schemas.microsoft.com/office/drawing/2014/main" id="{A1626FD4-7A89-E44E-A3D0-EACE84AD5ECC}"/>
-              </a:ext>
-            </a:extLst>
-          </p:cNvPr>
-          <p:cNvSpPr txBox="1"/>
-          <p:nvPr/>
-        </p:nvSpPr>
-        <p:spPr>
-          <a:xfrm>
-            <a:off x="7791275" y="5807408"/>
-            <a:ext cx="421239" cy="261610"/>
-          </a:xfrm>
-          <a:prstGeom prst="rect">
-            <a:avLst/>
-          </a:prstGeom>
-          <a:noFill/>
-          <a:ln>
-            <a:solidFill>
-              <a:schemeClr val="tx1"/>
-            </a:solidFill>
-          </a:ln>
-        </p:spPr>
-        <p:txBody>
-          <a:bodyPr wrap="square" rtlCol="0">
-            <a:spAutoFit/>
-          </a:bodyPr>
-          <a:lstStyle/>
-          <a:p>
-            <a:pPr algn="ctr"/>
-            <a:r>
-              <a:rPr lang="en-US" sz="1100" dirty="0"/>
-              <a:t>19</a:t>
-            </a:r>
-          </a:p>
-        </p:txBody>
-      </p:sp>
-      <p:cxnSp>
-        <p:nvCxnSpPr>
-          <p:cNvPr id="24" name="Straight Arrow Connector 23">
-            <a:extLst>
-              <a:ext uri="{FF2B5EF4-FFF2-40B4-BE49-F238E27FC236}">
-                <a16:creationId xmlns:a16="http://schemas.microsoft.com/office/drawing/2014/main" id="{204AD9A8-E7A3-B748-8133-F6282D88AD0F}"/>
-              </a:ext>
-            </a:extLst>
-          </p:cNvPr>
-          <p:cNvCxnSpPr>
-            <a:stCxn id="55" idx="2"/>
-            <a:endCxn id="67" idx="0"/>
-          </p:cNvCxnSpPr>
-          <p:nvPr/>
-        </p:nvCxnSpPr>
-        <p:spPr>
-          <a:xfrm>
-            <a:off x="8001896" y="4891347"/>
-            <a:ext cx="0" cy="434939"/>
-          </a:xfrm>
-          <a:prstGeom prst="straightConnector1">
-            <a:avLst/>
-          </a:prstGeom>
-          <a:ln>
-            <a:tailEnd type="triangle"/>
-          </a:ln>
-        </p:spPr>
-        <p:style>
-          <a:lnRef idx="1">
-            <a:schemeClr val="accent1"/>
-          </a:lnRef>
-          <a:fillRef idx="0">
-            <a:schemeClr val="accent1"/>
-          </a:fillRef>
-          <a:effectRef idx="0">
-            <a:schemeClr val="accent1"/>
-          </a:effectRef>
-          <a:fontRef idx="minor">
-            <a:schemeClr val="tx1"/>
-          </a:fontRef>
-        </p:style>
-      </p:cxnSp>
-      <p:sp>
-        <p:nvSpPr>
-          <p:cNvPr id="69" name="Rectangle 68">
-            <a:extLst>
-              <a:ext uri="{FF2B5EF4-FFF2-40B4-BE49-F238E27FC236}">
-                <a16:creationId xmlns:a16="http://schemas.microsoft.com/office/drawing/2014/main" id="{28FDFFA4-49CB-8848-A6A8-925DDE9DC6EC}"/>
-              </a:ext>
-            </a:extLst>
-          </p:cNvPr>
-          <p:cNvSpPr/>
-          <p:nvPr/>
-        </p:nvSpPr>
-        <p:spPr>
-          <a:xfrm>
-            <a:off x="4557646" y="4531752"/>
-            <a:ext cx="2024009" cy="359595"/>
+            <a:off x="2818772" y="2601411"/>
+            <a:ext cx="2080478" cy="359595"/>
           </a:xfrm>
           <a:prstGeom prst="rect">
             <a:avLst/>
@@ -6024,17 +4429,59 @@
                   <a:schemeClr val="tx1"/>
                 </a:solidFill>
               </a:rPr>
-              <a:t>analysis_table_01.Rmd</a:t>
-            </a:r>
-          </a:p>
-        </p:txBody>
-      </p:sp>
-      <p:sp>
-        <p:nvSpPr>
-          <p:cNvPr id="70" name="Rectangle 69">
-            <a:extLst>
-              <a:ext uri="{FF2B5EF4-FFF2-40B4-BE49-F238E27FC236}">
-                <a16:creationId xmlns:a16="http://schemas.microsoft.com/office/drawing/2014/main" id="{3F919C47-53B8-5C40-843C-747AD8BEE9D6}"/>
+              <a:t>data_medstar_detect_screenings_01_import.Rmd</a:t>
+            </a:r>
+          </a:p>
+        </p:txBody>
+      </p:sp>
+      <p:cxnSp>
+        <p:nvCxnSpPr>
+          <p:cNvPr id="3" name="Straight Arrow Connector 2">
+            <a:extLst>
+              <a:ext uri="{FF2B5EF4-FFF2-40B4-BE49-F238E27FC236}">
+                <a16:creationId xmlns:a16="http://schemas.microsoft.com/office/drawing/2014/main" id="{F3027C6D-7CF8-B44C-968F-B1D16D7C892B}"/>
+              </a:ext>
+            </a:extLst>
+          </p:cNvPr>
+          <p:cNvCxnSpPr>
+            <a:stCxn id="4" idx="2"/>
+            <a:endCxn id="72" idx="0"/>
+          </p:cNvCxnSpPr>
+          <p:nvPr/>
+        </p:nvCxnSpPr>
+        <p:spPr>
+          <a:xfrm>
+            <a:off x="1160980" y="501056"/>
+            <a:ext cx="0" cy="468519"/>
+          </a:xfrm>
+          <a:prstGeom prst="straightConnector1">
+            <a:avLst/>
+          </a:prstGeom>
+          <a:ln>
+            <a:tailEnd type="triangle"/>
+          </a:ln>
+        </p:spPr>
+        <p:style>
+          <a:lnRef idx="1">
+            <a:schemeClr val="accent1"/>
+          </a:lnRef>
+          <a:fillRef idx="0">
+            <a:schemeClr val="accent1"/>
+          </a:fillRef>
+          <a:effectRef idx="0">
+            <a:schemeClr val="accent1"/>
+          </a:effectRef>
+          <a:fontRef idx="minor">
+            <a:schemeClr val="tx1"/>
+          </a:fontRef>
+        </p:style>
+      </p:cxnSp>
+      <p:sp>
+        <p:nvSpPr>
+          <p:cNvPr id="74" name="Rectangle 73">
+            <a:extLst>
+              <a:ext uri="{FF2B5EF4-FFF2-40B4-BE49-F238E27FC236}">
+                <a16:creationId xmlns:a16="http://schemas.microsoft.com/office/drawing/2014/main" id="{723DCE00-CEE0-4A4D-A477-99516614CEBF}"/>
               </a:ext>
             </a:extLst>
           </p:cNvPr>
@@ -6043,14 +4490,14 @@
         </p:nvSpPr>
         <p:spPr>
           <a:xfrm>
-            <a:off x="4563701" y="5326286"/>
-            <a:ext cx="2024009" cy="359595"/>
+            <a:off x="4986899" y="131653"/>
+            <a:ext cx="1863883" cy="359595"/>
           </a:xfrm>
           <a:prstGeom prst="rect">
             <a:avLst/>
           </a:prstGeom>
           <a:solidFill>
-            <a:schemeClr val="accent6">
+            <a:schemeClr val="accent2">
               <a:lumMod val="20000"/>
               <a:lumOff val="80000"/>
             </a:schemeClr>
@@ -6088,141 +4535,17 @@
                   <a:schemeClr val="tx1"/>
                 </a:solidFill>
               </a:rPr>
-              <a:t>analysis_table_01.docx</a:t>
-            </a:r>
-          </a:p>
-        </p:txBody>
-      </p:sp>
-      <p:sp>
-        <p:nvSpPr>
-          <p:cNvPr id="71" name="TextBox 70">
-            <a:extLst>
-              <a:ext uri="{FF2B5EF4-FFF2-40B4-BE49-F238E27FC236}">
-                <a16:creationId xmlns:a16="http://schemas.microsoft.com/office/drawing/2014/main" id="{42465800-F2C2-0F4C-9A11-FE0E29D0360B}"/>
-              </a:ext>
-            </a:extLst>
-          </p:cNvPr>
-          <p:cNvSpPr txBox="1"/>
-          <p:nvPr/>
-        </p:nvSpPr>
-        <p:spPr>
-          <a:xfrm>
-            <a:off x="5389205" y="5813193"/>
-            <a:ext cx="421239" cy="261610"/>
-          </a:xfrm>
-          <a:prstGeom prst="rect">
-            <a:avLst/>
-          </a:prstGeom>
-          <a:noFill/>
-          <a:ln>
-            <a:solidFill>
-              <a:schemeClr val="tx1"/>
-            </a:solidFill>
-          </a:ln>
-        </p:spPr>
-        <p:txBody>
-          <a:bodyPr wrap="square" rtlCol="0">
-            <a:spAutoFit/>
-          </a:bodyPr>
-          <a:lstStyle/>
-          <a:p>
-            <a:pPr algn="ctr"/>
-            <a:r>
-              <a:rPr lang="en-US" sz="1100" dirty="0"/>
-              <a:t>18</a:t>
-            </a:r>
-          </a:p>
-        </p:txBody>
-      </p:sp>
-      <p:cxnSp>
-        <p:nvCxnSpPr>
-          <p:cNvPr id="75" name="Elbow Connector 74">
-            <a:extLst>
-              <a:ext uri="{FF2B5EF4-FFF2-40B4-BE49-F238E27FC236}">
-                <a16:creationId xmlns:a16="http://schemas.microsoft.com/office/drawing/2014/main" id="{E542D8AD-9A68-C54D-B142-89A7803B1577}"/>
-              </a:ext>
-            </a:extLst>
-          </p:cNvPr>
-          <p:cNvCxnSpPr>
-            <a:stCxn id="13" idx="2"/>
-            <a:endCxn id="69" idx="0"/>
-          </p:cNvCxnSpPr>
-          <p:nvPr/>
-        </p:nvCxnSpPr>
-        <p:spPr>
-          <a:xfrm rot="16200000" flipH="1">
-            <a:off x="3841801" y="2803902"/>
-            <a:ext cx="456340" cy="2999360"/>
-          </a:xfrm>
-          <a:prstGeom prst="bentConnector3">
-            <a:avLst/>
-          </a:prstGeom>
-          <a:ln>
-            <a:tailEnd type="triangle"/>
-          </a:ln>
-        </p:spPr>
-        <p:style>
-          <a:lnRef idx="1">
-            <a:schemeClr val="accent1"/>
-          </a:lnRef>
-          <a:fillRef idx="0">
-            <a:schemeClr val="accent1"/>
-          </a:fillRef>
-          <a:effectRef idx="0">
-            <a:schemeClr val="accent1"/>
-          </a:effectRef>
-          <a:fontRef idx="minor">
-            <a:schemeClr val="tx1"/>
-          </a:fontRef>
-        </p:style>
-      </p:cxnSp>
-      <p:sp>
-        <p:nvSpPr>
-          <p:cNvPr id="76" name="TextBox 75">
-            <a:extLst>
-              <a:ext uri="{FF2B5EF4-FFF2-40B4-BE49-F238E27FC236}">
-                <a16:creationId xmlns:a16="http://schemas.microsoft.com/office/drawing/2014/main" id="{846ED188-5177-1842-B959-43B0688F6368}"/>
-              </a:ext>
-            </a:extLst>
-          </p:cNvPr>
-          <p:cNvSpPr txBox="1"/>
-          <p:nvPr/>
-        </p:nvSpPr>
-        <p:spPr>
-          <a:xfrm>
-            <a:off x="4064554" y="4580744"/>
-            <a:ext cx="421239" cy="261610"/>
-          </a:xfrm>
-          <a:prstGeom prst="rect">
-            <a:avLst/>
-          </a:prstGeom>
-          <a:noFill/>
-          <a:ln>
-            <a:solidFill>
-              <a:schemeClr val="tx1"/>
-            </a:solidFill>
-          </a:ln>
-        </p:spPr>
-        <p:txBody>
-          <a:bodyPr wrap="square" rtlCol="0">
-            <a:spAutoFit/>
-          </a:bodyPr>
-          <a:lstStyle/>
-          <a:p>
-            <a:pPr algn="ctr"/>
-            <a:r>
-              <a:rPr lang="en-US" sz="1100" dirty="0"/>
-              <a:t>14</a:t>
-            </a:r>
-          </a:p>
-        </p:txBody>
-      </p:sp>
-      <p:sp>
-        <p:nvSpPr>
-          <p:cNvPr id="77" name="Rectangle 76">
-            <a:extLst>
-              <a:ext uri="{FF2B5EF4-FFF2-40B4-BE49-F238E27FC236}">
-                <a16:creationId xmlns:a16="http://schemas.microsoft.com/office/drawing/2014/main" id="{A85C8FEE-EDD0-C64F-8C86-33096BD8D279}"/>
+              <a:t>DETECT-Patient-Data_2017-07-19_144931.xlsx</a:t>
+            </a:r>
+          </a:p>
+        </p:txBody>
+      </p:sp>
+      <p:sp>
+        <p:nvSpPr>
+          <p:cNvPr id="79" name="Rectangle 78">
+            <a:extLst>
+              <a:ext uri="{FF2B5EF4-FFF2-40B4-BE49-F238E27FC236}">
+                <a16:creationId xmlns:a16="http://schemas.microsoft.com/office/drawing/2014/main" id="{3F2808FB-C16A-E84B-995C-42E290B8435A}"/>
               </a:ext>
             </a:extLst>
           </p:cNvPr>
@@ -6231,8 +4554,8 @@
         </p:nvSpPr>
         <p:spPr>
           <a:xfrm>
-            <a:off x="10914929" y="454218"/>
-            <a:ext cx="1199891" cy="359595"/>
+            <a:off x="5087494" y="2605432"/>
+            <a:ext cx="1662691" cy="359595"/>
           </a:xfrm>
           <a:prstGeom prst="rect">
             <a:avLst/>
@@ -6271,12 +4594,84 @@
           <a:p>
             <a:pPr algn="ctr"/>
             <a:r>
+              <a:rPr lang="en-US" sz="1100" dirty="0">
+                <a:solidFill>
+                  <a:schemeClr val="tx1"/>
+                </a:solidFill>
+              </a:rPr>
+              <a:t>data_medstar_health_01_import.Rmd</a:t>
+            </a:r>
+          </a:p>
+        </p:txBody>
+      </p:sp>
+      <p:sp>
+        <p:nvSpPr>
+          <p:cNvPr id="80" name="Rectangle 79">
+            <a:extLst>
+              <a:ext uri="{FF2B5EF4-FFF2-40B4-BE49-F238E27FC236}">
+                <a16:creationId xmlns:a16="http://schemas.microsoft.com/office/drawing/2014/main" id="{B3A2B186-B254-D848-BA47-2E0CB0B58F8C}"/>
+              </a:ext>
+            </a:extLst>
+          </p:cNvPr>
+          <p:cNvSpPr/>
+          <p:nvPr/>
+        </p:nvSpPr>
+        <p:spPr>
+          <a:xfrm>
+            <a:off x="7762078" y="153157"/>
+            <a:ext cx="2852368" cy="359595"/>
+          </a:xfrm>
+          <a:prstGeom prst="rect">
+            <a:avLst/>
+          </a:prstGeom>
+          <a:solidFill>
+            <a:schemeClr val="accent2">
+              <a:lumMod val="20000"/>
+              <a:lumOff val="80000"/>
+            </a:schemeClr>
+          </a:solidFill>
+          <a:ln>
+            <a:solidFill>
+              <a:schemeClr val="tx1"/>
+            </a:solidFill>
+          </a:ln>
+        </p:spPr>
+        <p:style>
+          <a:lnRef idx="2">
+            <a:schemeClr val="accent1">
+              <a:shade val="50000"/>
+            </a:schemeClr>
+          </a:lnRef>
+          <a:fillRef idx="1">
+            <a:schemeClr val="accent1"/>
+          </a:fillRef>
+          <a:effectRef idx="0">
+            <a:schemeClr val="accent1"/>
+          </a:effectRef>
+          <a:fontRef idx="minor">
+            <a:schemeClr val="lt1"/>
+          </a:fontRef>
+        </p:style>
+        <p:txBody>
+          <a:bodyPr rtlCol="0" anchor="ctr"/>
+          <a:lstStyle/>
+          <a:p>
+            <a:pPr algn="ctr"/>
+            <a:r>
+              <a:rPr lang="en-US" sz="1100" dirty="0">
+                <a:solidFill>
+                  <a:schemeClr val="tx1"/>
+                </a:solidFill>
+              </a:rPr>
+              <a:t>APS In-Home Intakes of Clients Age 65 or Over in Denton Johnson or Tarrant </a:t>
+            </a:r>
+            <a:r>
               <a:rPr lang="en-US" sz="1100" dirty="0" err="1">
                 <a:solidFill>
                   <a:schemeClr val="tx1"/>
                 </a:solidFill>
               </a:rPr>
-              <a:t>python_model.py</a:t>
+              <a:t>Counties.xlsx</a:t>
             </a:r>
             <a:endParaRPr lang="en-US" sz="1100" dirty="0">
               <a:solidFill>
@@ -6288,70 +4683,403 @@
       </p:sp>
       <p:sp>
         <p:nvSpPr>
-          <p:cNvPr id="78" name="TextBox 77">
-            <a:extLst>
-              <a:ext uri="{FF2B5EF4-FFF2-40B4-BE49-F238E27FC236}">
-                <a16:creationId xmlns:a16="http://schemas.microsoft.com/office/drawing/2014/main" id="{88C46E41-E7DE-5446-A5CE-C988819970E6}"/>
-              </a:ext>
-            </a:extLst>
-          </p:cNvPr>
-          <p:cNvSpPr txBox="1"/>
+          <p:cNvPr id="81" name="Rectangle 80">
+            <a:extLst>
+              <a:ext uri="{FF2B5EF4-FFF2-40B4-BE49-F238E27FC236}">
+                <a16:creationId xmlns:a16="http://schemas.microsoft.com/office/drawing/2014/main" id="{55BBB9F8-CC0F-1B49-9D24-171EB4A00E72}"/>
+              </a:ext>
+            </a:extLst>
+          </p:cNvPr>
+          <p:cNvSpPr/>
           <p:nvPr/>
         </p:nvSpPr>
         <p:spPr>
           <a:xfrm>
-            <a:off x="10522127" y="501055"/>
-            <a:ext cx="297950" cy="261610"/>
+            <a:off x="8356916" y="981270"/>
+            <a:ext cx="1662691" cy="359595"/>
           </a:xfrm>
           <a:prstGeom prst="rect">
             <a:avLst/>
           </a:prstGeom>
-          <a:noFill/>
+          <a:solidFill>
+            <a:schemeClr val="accent1">
+              <a:lumMod val="20000"/>
+              <a:lumOff val="80000"/>
+            </a:schemeClr>
+          </a:solidFill>
           <a:ln>
             <a:solidFill>
               <a:schemeClr val="tx1"/>
             </a:solidFill>
           </a:ln>
         </p:spPr>
-        <p:txBody>
-          <a:bodyPr wrap="square" rtlCol="0">
-            <a:spAutoFit/>
-          </a:bodyPr>
+        <p:style>
+          <a:lnRef idx="2">
+            <a:schemeClr val="accent1">
+              <a:shade val="50000"/>
+            </a:schemeClr>
+          </a:lnRef>
+          <a:fillRef idx="1">
+            <a:schemeClr val="accent1"/>
+          </a:fillRef>
+          <a:effectRef idx="0">
+            <a:schemeClr val="accent1"/>
+          </a:effectRef>
+          <a:fontRef idx="minor">
+            <a:schemeClr val="lt1"/>
+          </a:fontRef>
+        </p:style>
+        <p:txBody>
+          <a:bodyPr rtlCol="0" anchor="ctr"/>
           <a:lstStyle/>
           <a:p>
             <a:pPr algn="ctr"/>
             <a:r>
-              <a:rPr lang="en-US" sz="1100" dirty="0"/>
-              <a:t>3</a:t>
+              <a:rPr lang="en-US" sz="1100" dirty="0">
+                <a:solidFill>
+                  <a:schemeClr val="tx1"/>
+                </a:solidFill>
+              </a:rPr>
+              <a:t>data_aps_01_import.Rmd</a:t>
             </a:r>
           </a:p>
         </p:txBody>
       </p:sp>
       <p:cxnSp>
         <p:nvCxnSpPr>
-          <p:cNvPr id="87" name="Elbow Connector 86">
-            <a:extLst>
-              <a:ext uri="{FF2B5EF4-FFF2-40B4-BE49-F238E27FC236}">
-                <a16:creationId xmlns:a16="http://schemas.microsoft.com/office/drawing/2014/main" id="{0F7BE0BF-0679-FD4D-B772-29A3AB1F17AC}"/>
+          <p:cNvPr id="29" name="Straight Arrow Connector 28">
+            <a:extLst>
+              <a:ext uri="{FF2B5EF4-FFF2-40B4-BE49-F238E27FC236}">
+                <a16:creationId xmlns:a16="http://schemas.microsoft.com/office/drawing/2014/main" id="{FC016A70-18BB-E14C-9491-4BD30C5A1A7C}"/>
               </a:ext>
             </a:extLst>
           </p:cNvPr>
           <p:cNvCxnSpPr>
-            <a:cxnSpLocks/>
-            <a:stCxn id="77" idx="2"/>
-            <a:endCxn id="55" idx="0"/>
+            <a:stCxn id="80" idx="2"/>
+            <a:endCxn id="81" idx="0"/>
           </p:cNvCxnSpPr>
           <p:nvPr/>
         </p:nvCxnSpPr>
         <p:spPr>
+          <a:xfrm>
+            <a:off x="9188262" y="512752"/>
+            <a:ext cx="0" cy="468518"/>
+          </a:xfrm>
+          <a:prstGeom prst="straightConnector1">
+            <a:avLst/>
+          </a:prstGeom>
+          <a:ln>
+            <a:tailEnd type="triangle"/>
+          </a:ln>
+        </p:spPr>
+        <p:style>
+          <a:lnRef idx="1">
+            <a:schemeClr val="accent1"/>
+          </a:lnRef>
+          <a:fillRef idx="0">
+            <a:schemeClr val="accent1"/>
+          </a:fillRef>
+          <a:effectRef idx="0">
+            <a:schemeClr val="accent1"/>
+          </a:effectRef>
+          <a:fontRef idx="minor">
+            <a:schemeClr val="tx1"/>
+          </a:fontRef>
+        </p:style>
+      </p:cxnSp>
+      <p:sp>
+        <p:nvSpPr>
+          <p:cNvPr id="82" name="Rectangle 81">
+            <a:extLst>
+              <a:ext uri="{FF2B5EF4-FFF2-40B4-BE49-F238E27FC236}">
+                <a16:creationId xmlns:a16="http://schemas.microsoft.com/office/drawing/2014/main" id="{5B72DB89-5B57-CB4D-96AB-CA75976DBF85}"/>
+              </a:ext>
+            </a:extLst>
+          </p:cNvPr>
+          <p:cNvSpPr/>
+          <p:nvPr/>
+        </p:nvSpPr>
+        <p:spPr>
+          <a:xfrm>
+            <a:off x="1580023" y="1795024"/>
+            <a:ext cx="1387011" cy="359595"/>
+          </a:xfrm>
+          <a:prstGeom prst="rect">
+            <a:avLst/>
+          </a:prstGeom>
+          <a:solidFill>
+            <a:schemeClr val="accent2">
+              <a:lumMod val="20000"/>
+              <a:lumOff val="80000"/>
+            </a:schemeClr>
+          </a:solidFill>
+          <a:ln>
+            <a:solidFill>
+              <a:schemeClr val="tx1"/>
+            </a:solidFill>
+          </a:ln>
+        </p:spPr>
+        <p:style>
+          <a:lnRef idx="2">
+            <a:schemeClr val="accent1">
+              <a:shade val="50000"/>
+            </a:schemeClr>
+          </a:lnRef>
+          <a:fillRef idx="1">
+            <a:schemeClr val="accent1"/>
+          </a:fillRef>
+          <a:effectRef idx="0">
+            <a:schemeClr val="accent1"/>
+          </a:effectRef>
+          <a:fontRef idx="minor">
+            <a:schemeClr val="lt1"/>
+          </a:fontRef>
+        </p:style>
+        <p:txBody>
+          <a:bodyPr rtlCol="0" anchor="ctr"/>
+          <a:lstStyle/>
+          <a:p>
+            <a:pPr algn="ctr"/>
+            <a:r>
+              <a:rPr lang="en-US" sz="1100" dirty="0" err="1">
+                <a:solidFill>
+                  <a:schemeClr val="tx1"/>
+                </a:solidFill>
+              </a:rPr>
+              <a:t>response_ids.feather</a:t>
+            </a:r>
+            <a:endParaRPr lang="en-US" sz="1100" dirty="0">
+              <a:solidFill>
+                <a:schemeClr val="tx1"/>
+              </a:solidFill>
+            </a:endParaRPr>
+          </a:p>
+        </p:txBody>
+      </p:sp>
+      <p:sp>
+        <p:nvSpPr>
+          <p:cNvPr id="83" name="Rectangle 82">
+            <a:extLst>
+              <a:ext uri="{FF2B5EF4-FFF2-40B4-BE49-F238E27FC236}">
+                <a16:creationId xmlns:a16="http://schemas.microsoft.com/office/drawing/2014/main" id="{A94BC529-9CA7-CA4E-BE12-16BBFB2D6A86}"/>
+              </a:ext>
+            </a:extLst>
+          </p:cNvPr>
+          <p:cNvSpPr/>
+          <p:nvPr/>
+        </p:nvSpPr>
+        <p:spPr>
+          <a:xfrm>
+            <a:off x="24419" y="1795024"/>
+            <a:ext cx="1387011" cy="359595"/>
+          </a:xfrm>
+          <a:prstGeom prst="rect">
+            <a:avLst/>
+          </a:prstGeom>
+          <a:solidFill>
+            <a:schemeClr val="accent2">
+              <a:lumMod val="20000"/>
+              <a:lumOff val="80000"/>
+            </a:schemeClr>
+          </a:solidFill>
+          <a:ln>
+            <a:solidFill>
+              <a:schemeClr val="tx1"/>
+            </a:solidFill>
+          </a:ln>
+        </p:spPr>
+        <p:style>
+          <a:lnRef idx="2">
+            <a:schemeClr val="accent1">
+              <a:shade val="50000"/>
+            </a:schemeClr>
+          </a:lnRef>
+          <a:fillRef idx="1">
+            <a:schemeClr val="accent1"/>
+          </a:fillRef>
+          <a:effectRef idx="0">
+            <a:schemeClr val="accent1"/>
+          </a:effectRef>
+          <a:fontRef idx="minor">
+            <a:schemeClr val="lt1"/>
+          </a:fontRef>
+        </p:style>
+        <p:txBody>
+          <a:bodyPr rtlCol="0" anchor="ctr"/>
+          <a:lstStyle/>
+          <a:p>
+            <a:pPr algn="ctr"/>
+            <a:r>
+              <a:rPr lang="en-US" sz="1100" dirty="0" err="1">
+                <a:solidFill>
+                  <a:schemeClr val="tx1"/>
+                </a:solidFill>
+              </a:rPr>
+              <a:t>medstar_compliance.feather</a:t>
+            </a:r>
+            <a:endParaRPr lang="en-US" sz="1100" dirty="0">
+              <a:solidFill>
+                <a:schemeClr val="tx1"/>
+              </a:solidFill>
+            </a:endParaRPr>
+          </a:p>
+        </p:txBody>
+      </p:sp>
+      <p:sp>
+        <p:nvSpPr>
+          <p:cNvPr id="86" name="Rectangle 85">
+            <a:extLst>
+              <a:ext uri="{FF2B5EF4-FFF2-40B4-BE49-F238E27FC236}">
+                <a16:creationId xmlns:a16="http://schemas.microsoft.com/office/drawing/2014/main" id="{1EF0F79A-0146-7D42-8EE4-67C6E64B2073}"/>
+              </a:ext>
+            </a:extLst>
+          </p:cNvPr>
+          <p:cNvSpPr/>
+          <p:nvPr/>
+        </p:nvSpPr>
+        <p:spPr>
+          <a:xfrm>
+            <a:off x="4206" y="2605525"/>
+            <a:ext cx="1764624" cy="359595"/>
+          </a:xfrm>
+          <a:prstGeom prst="rect">
+            <a:avLst/>
+          </a:prstGeom>
+          <a:solidFill>
+            <a:schemeClr val="accent1">
+              <a:lumMod val="20000"/>
+              <a:lumOff val="80000"/>
+            </a:schemeClr>
+          </a:solidFill>
+          <a:ln>
+            <a:solidFill>
+              <a:schemeClr val="tx1"/>
+            </a:solidFill>
+          </a:ln>
+        </p:spPr>
+        <p:style>
+          <a:lnRef idx="2">
+            <a:schemeClr val="accent1">
+              <a:shade val="50000"/>
+            </a:schemeClr>
+          </a:lnRef>
+          <a:fillRef idx="1">
+            <a:schemeClr val="accent1"/>
+          </a:fillRef>
+          <a:effectRef idx="0">
+            <a:schemeClr val="accent1"/>
+          </a:effectRef>
+          <a:fontRef idx="minor">
+            <a:schemeClr val="lt1"/>
+          </a:fontRef>
+        </p:style>
+        <p:txBody>
+          <a:bodyPr rtlCol="0" anchor="ctr"/>
+          <a:lstStyle/>
+          <a:p>
+            <a:pPr algn="ctr"/>
+            <a:r>
+              <a:rPr lang="en-US" sz="1100" dirty="0">
+                <a:solidFill>
+                  <a:schemeClr val="tx1"/>
+                </a:solidFill>
+              </a:rPr>
+              <a:t>data_medstar_compliance_02_deidentify.Rmd</a:t>
+            </a:r>
+          </a:p>
+        </p:txBody>
+      </p:sp>
+      <p:sp>
+        <p:nvSpPr>
+          <p:cNvPr id="89" name="Rectangle 88">
+            <a:extLst>
+              <a:ext uri="{FF2B5EF4-FFF2-40B4-BE49-F238E27FC236}">
+                <a16:creationId xmlns:a16="http://schemas.microsoft.com/office/drawing/2014/main" id="{2CAC5257-A68E-C946-B322-984D414A1DAF}"/>
+              </a:ext>
+            </a:extLst>
+          </p:cNvPr>
+          <p:cNvSpPr/>
+          <p:nvPr/>
+        </p:nvSpPr>
+        <p:spPr>
+          <a:xfrm>
+            <a:off x="5846" y="3448586"/>
+            <a:ext cx="1387011" cy="359595"/>
+          </a:xfrm>
+          <a:prstGeom prst="rect">
+            <a:avLst/>
+          </a:prstGeom>
+          <a:solidFill>
+            <a:schemeClr val="accent2">
+              <a:lumMod val="20000"/>
+              <a:lumOff val="80000"/>
+            </a:schemeClr>
+          </a:solidFill>
+          <a:ln>
+            <a:solidFill>
+              <a:schemeClr val="tx1"/>
+            </a:solidFill>
+          </a:ln>
+        </p:spPr>
+        <p:style>
+          <a:lnRef idx="2">
+            <a:schemeClr val="accent1">
+              <a:shade val="50000"/>
+            </a:schemeClr>
+          </a:lnRef>
+          <a:fillRef idx="1">
+            <a:schemeClr val="accent1"/>
+          </a:fillRef>
+          <a:effectRef idx="0">
+            <a:schemeClr val="accent1"/>
+          </a:effectRef>
+          <a:fontRef idx="minor">
+            <a:schemeClr val="lt1"/>
+          </a:fontRef>
+        </p:style>
+        <p:txBody>
+          <a:bodyPr rtlCol="0" anchor="ctr"/>
+          <a:lstStyle/>
+          <a:p>
+            <a:pPr algn="ctr"/>
+            <a:r>
+              <a:rPr lang="en-US" sz="1100" dirty="0" err="1">
+                <a:solidFill>
+                  <a:schemeClr val="tx1"/>
+                </a:solidFill>
+              </a:rPr>
+              <a:t>medstar_compliance_deidentified.csv</a:t>
+            </a:r>
+            <a:endParaRPr lang="en-US" sz="1100" dirty="0">
+              <a:solidFill>
+                <a:schemeClr val="tx1"/>
+              </a:solidFill>
+            </a:endParaRPr>
+          </a:p>
+        </p:txBody>
+      </p:sp>
+      <p:cxnSp>
+        <p:nvCxnSpPr>
+          <p:cNvPr id="91" name="Elbow Connector 90">
+            <a:extLst>
+              <a:ext uri="{FF2B5EF4-FFF2-40B4-BE49-F238E27FC236}">
+                <a16:creationId xmlns:a16="http://schemas.microsoft.com/office/drawing/2014/main" id="{845010CE-2939-7747-B3A3-C7AE388E49B3}"/>
+              </a:ext>
+            </a:extLst>
+          </p:cNvPr>
+          <p:cNvCxnSpPr>
+            <a:stCxn id="86" idx="2"/>
+            <a:endCxn id="89" idx="0"/>
+          </p:cNvCxnSpPr>
+          <p:nvPr/>
+        </p:nvCxnSpPr>
+        <p:spPr>
           <a:xfrm rot="5400000">
-            <a:off x="7899417" y="916293"/>
-            <a:ext cx="3717939" cy="3512979"/>
+            <a:off x="551202" y="3113270"/>
+            <a:ext cx="483466" cy="187166"/>
           </a:xfrm>
           <a:prstGeom prst="bentConnector3">
-            <a:avLst>
-              <a:gd name="adj1" fmla="val 93790"/>
-            </a:avLst>
+            <a:avLst/>
           </a:prstGeom>
           <a:ln>
             <a:tailEnd type="triangle"/>
@@ -6374,23 +5102,1785 @@
       </p:cxnSp>
       <p:cxnSp>
         <p:nvCxnSpPr>
-          <p:cNvPr id="92" name="Straight Arrow Connector 91">
-            <a:extLst>
-              <a:ext uri="{FF2B5EF4-FFF2-40B4-BE49-F238E27FC236}">
-                <a16:creationId xmlns:a16="http://schemas.microsoft.com/office/drawing/2014/main" id="{7399FF9E-87F0-E742-940C-D3678142F4BE}"/>
+          <p:cNvPr id="94" name="Elbow Connector 93">
+            <a:extLst>
+              <a:ext uri="{FF2B5EF4-FFF2-40B4-BE49-F238E27FC236}">
+                <a16:creationId xmlns:a16="http://schemas.microsoft.com/office/drawing/2014/main" id="{18CFA234-0B01-A448-B730-3E7545240FE8}"/>
               </a:ext>
             </a:extLst>
           </p:cNvPr>
           <p:cNvCxnSpPr>
-            <a:stCxn id="69" idx="2"/>
-            <a:endCxn id="70" idx="0"/>
+            <a:stCxn id="86" idx="2"/>
+            <a:endCxn id="90" idx="0"/>
           </p:cNvCxnSpPr>
           <p:nvPr/>
         </p:nvCxnSpPr>
         <p:spPr>
+          <a:xfrm rot="16200000" flipH="1">
+            <a:off x="1305805" y="2545833"/>
+            <a:ext cx="483464" cy="1322038"/>
+          </a:xfrm>
+          <a:prstGeom prst="bentConnector3">
+            <a:avLst/>
+          </a:prstGeom>
+          <a:ln>
+            <a:tailEnd type="triangle"/>
+          </a:ln>
+        </p:spPr>
+        <p:style>
+          <a:lnRef idx="1">
+            <a:schemeClr val="accent1"/>
+          </a:lnRef>
+          <a:fillRef idx="0">
+            <a:schemeClr val="accent1"/>
+          </a:fillRef>
+          <a:effectRef idx="0">
+            <a:schemeClr val="accent1"/>
+          </a:effectRef>
+          <a:fontRef idx="minor">
+            <a:schemeClr val="tx1"/>
+          </a:fontRef>
+        </p:style>
+      </p:cxnSp>
+      <p:sp>
+        <p:nvSpPr>
+          <p:cNvPr id="108" name="Rectangle 107">
+            <a:extLst>
+              <a:ext uri="{FF2B5EF4-FFF2-40B4-BE49-F238E27FC236}">
+                <a16:creationId xmlns:a16="http://schemas.microsoft.com/office/drawing/2014/main" id="{69C643E7-E7AF-474F-98EE-F06A0DF04FE8}"/>
+              </a:ext>
+            </a:extLst>
+          </p:cNvPr>
+          <p:cNvSpPr/>
+          <p:nvPr/>
+        </p:nvSpPr>
+        <p:spPr>
           <a:xfrm>
-            <a:off x="5569651" y="4891347"/>
-            <a:ext cx="6055" cy="434939"/>
+            <a:off x="3024255" y="3448583"/>
+            <a:ext cx="1669512" cy="359595"/>
+          </a:xfrm>
+          <a:prstGeom prst="rect">
+            <a:avLst/>
+          </a:prstGeom>
+          <a:solidFill>
+            <a:schemeClr val="accent2">
+              <a:lumMod val="20000"/>
+              <a:lumOff val="80000"/>
+            </a:schemeClr>
+          </a:solidFill>
+          <a:ln>
+            <a:solidFill>
+              <a:schemeClr val="tx1"/>
+            </a:solidFill>
+          </a:ln>
+        </p:spPr>
+        <p:style>
+          <a:lnRef idx="2">
+            <a:schemeClr val="accent1">
+              <a:shade val="50000"/>
+            </a:schemeClr>
+          </a:lnRef>
+          <a:fillRef idx="1">
+            <a:schemeClr val="accent1"/>
+          </a:fillRef>
+          <a:effectRef idx="0">
+            <a:schemeClr val="accent1"/>
+          </a:effectRef>
+          <a:fontRef idx="minor">
+            <a:schemeClr val="lt1"/>
+          </a:fontRef>
+        </p:style>
+        <p:txBody>
+          <a:bodyPr rtlCol="0" anchor="ctr"/>
+          <a:lstStyle/>
+          <a:p>
+            <a:pPr algn="ctr"/>
+            <a:r>
+              <a:rPr lang="en-US" sz="1100" dirty="0" err="1">
+                <a:solidFill>
+                  <a:schemeClr val="tx1"/>
+                </a:solidFill>
+              </a:rPr>
+              <a:t>medstar_detect.feather</a:t>
+            </a:r>
+            <a:endParaRPr lang="en-US" sz="1100" dirty="0">
+              <a:solidFill>
+                <a:schemeClr val="tx1"/>
+              </a:solidFill>
+            </a:endParaRPr>
+          </a:p>
+        </p:txBody>
+      </p:sp>
+      <p:cxnSp>
+        <p:nvCxnSpPr>
+          <p:cNvPr id="113" name="Straight Arrow Connector 112">
+            <a:extLst>
+              <a:ext uri="{FF2B5EF4-FFF2-40B4-BE49-F238E27FC236}">
+                <a16:creationId xmlns:a16="http://schemas.microsoft.com/office/drawing/2014/main" id="{B27F98B6-6374-664A-B4F6-0C719AC61FC7}"/>
+              </a:ext>
+            </a:extLst>
+          </p:cNvPr>
+          <p:cNvCxnSpPr>
+            <a:stCxn id="74" idx="2"/>
+            <a:endCxn id="79" idx="0"/>
+          </p:cNvCxnSpPr>
+          <p:nvPr/>
+        </p:nvCxnSpPr>
+        <p:spPr>
+          <a:xfrm flipH="1">
+            <a:off x="5918840" y="491248"/>
+            <a:ext cx="1" cy="2114184"/>
+          </a:xfrm>
+          <a:prstGeom prst="straightConnector1">
+            <a:avLst/>
+          </a:prstGeom>
+          <a:ln>
+            <a:tailEnd type="triangle"/>
+          </a:ln>
+        </p:spPr>
+        <p:style>
+          <a:lnRef idx="1">
+            <a:schemeClr val="accent1"/>
+          </a:lnRef>
+          <a:fillRef idx="0">
+            <a:schemeClr val="accent1"/>
+          </a:fillRef>
+          <a:effectRef idx="0">
+            <a:schemeClr val="accent1"/>
+          </a:effectRef>
+          <a:fontRef idx="minor">
+            <a:schemeClr val="tx1"/>
+          </a:fontRef>
+        </p:style>
+      </p:cxnSp>
+      <p:cxnSp>
+        <p:nvCxnSpPr>
+          <p:cNvPr id="123" name="Elbow Connector 122">
+            <a:extLst>
+              <a:ext uri="{FF2B5EF4-FFF2-40B4-BE49-F238E27FC236}">
+                <a16:creationId xmlns:a16="http://schemas.microsoft.com/office/drawing/2014/main" id="{AC129749-74FF-4F4E-822E-83FC6BD402EA}"/>
+              </a:ext>
+            </a:extLst>
+          </p:cNvPr>
+          <p:cNvCxnSpPr>
+            <a:stCxn id="72" idx="2"/>
+            <a:endCxn id="83" idx="0"/>
+          </p:cNvCxnSpPr>
+          <p:nvPr/>
+        </p:nvCxnSpPr>
+        <p:spPr>
+          <a:xfrm rot="5400000">
+            <a:off x="706526" y="1340570"/>
+            <a:ext cx="465854" cy="443055"/>
+          </a:xfrm>
+          <a:prstGeom prst="bentConnector3">
+            <a:avLst/>
+          </a:prstGeom>
+          <a:ln>
+            <a:tailEnd type="triangle"/>
+          </a:ln>
+        </p:spPr>
+        <p:style>
+          <a:lnRef idx="1">
+            <a:schemeClr val="accent1"/>
+          </a:lnRef>
+          <a:fillRef idx="0">
+            <a:schemeClr val="accent1"/>
+          </a:fillRef>
+          <a:effectRef idx="0">
+            <a:schemeClr val="accent1"/>
+          </a:effectRef>
+          <a:fontRef idx="minor">
+            <a:schemeClr val="tx1"/>
+          </a:fontRef>
+        </p:style>
+      </p:cxnSp>
+      <p:cxnSp>
+        <p:nvCxnSpPr>
+          <p:cNvPr id="129" name="Elbow Connector 128">
+            <a:extLst>
+              <a:ext uri="{FF2B5EF4-FFF2-40B4-BE49-F238E27FC236}">
+                <a16:creationId xmlns:a16="http://schemas.microsoft.com/office/drawing/2014/main" id="{64CA426E-7437-D94E-9E8F-10110C751DCA}"/>
+              </a:ext>
+            </a:extLst>
+          </p:cNvPr>
+          <p:cNvCxnSpPr>
+            <a:stCxn id="83" idx="2"/>
+            <a:endCxn id="86" idx="0"/>
+          </p:cNvCxnSpPr>
+          <p:nvPr/>
+        </p:nvCxnSpPr>
+        <p:spPr>
+          <a:xfrm rot="16200000" flipH="1">
+            <a:off x="576768" y="2295775"/>
+            <a:ext cx="450906" cy="168593"/>
+          </a:xfrm>
+          <a:prstGeom prst="bentConnector3">
+            <a:avLst/>
+          </a:prstGeom>
+          <a:ln>
+            <a:tailEnd type="triangle"/>
+          </a:ln>
+        </p:spPr>
+        <p:style>
+          <a:lnRef idx="1">
+            <a:schemeClr val="accent1"/>
+          </a:lnRef>
+          <a:fillRef idx="0">
+            <a:schemeClr val="accent1"/>
+          </a:fillRef>
+          <a:effectRef idx="0">
+            <a:schemeClr val="accent1"/>
+          </a:effectRef>
+          <a:fontRef idx="minor">
+            <a:schemeClr val="tx1"/>
+          </a:fontRef>
+        </p:style>
+      </p:cxnSp>
+      <p:cxnSp>
+        <p:nvCxnSpPr>
+          <p:cNvPr id="133" name="Elbow Connector 132">
+            <a:extLst>
+              <a:ext uri="{FF2B5EF4-FFF2-40B4-BE49-F238E27FC236}">
+                <a16:creationId xmlns:a16="http://schemas.microsoft.com/office/drawing/2014/main" id="{46CD9EDE-D943-1B4D-AA39-7E9D6674E8C6}"/>
+              </a:ext>
+            </a:extLst>
+          </p:cNvPr>
+          <p:cNvCxnSpPr>
+            <a:stCxn id="72" idx="2"/>
+            <a:endCxn id="82" idx="0"/>
+          </p:cNvCxnSpPr>
+          <p:nvPr/>
+        </p:nvCxnSpPr>
+        <p:spPr>
+          <a:xfrm rot="16200000" flipH="1">
+            <a:off x="1484327" y="1005822"/>
+            <a:ext cx="465854" cy="1112549"/>
+          </a:xfrm>
+          <a:prstGeom prst="bentConnector3">
+            <a:avLst/>
+          </a:prstGeom>
+          <a:ln>
+            <a:tailEnd type="triangle"/>
+          </a:ln>
+        </p:spPr>
+        <p:style>
+          <a:lnRef idx="1">
+            <a:schemeClr val="accent1"/>
+          </a:lnRef>
+          <a:fillRef idx="0">
+            <a:schemeClr val="accent1"/>
+          </a:fillRef>
+          <a:effectRef idx="0">
+            <a:schemeClr val="accent1"/>
+          </a:effectRef>
+          <a:fontRef idx="minor">
+            <a:schemeClr val="tx1"/>
+          </a:fontRef>
+        </p:style>
+      </p:cxnSp>
+      <p:cxnSp>
+        <p:nvCxnSpPr>
+          <p:cNvPr id="140" name="Elbow Connector 139">
+            <a:extLst>
+              <a:ext uri="{FF2B5EF4-FFF2-40B4-BE49-F238E27FC236}">
+                <a16:creationId xmlns:a16="http://schemas.microsoft.com/office/drawing/2014/main" id="{3DD49759-4F3F-7842-9805-7BF6A2D4F972}"/>
+              </a:ext>
+            </a:extLst>
+          </p:cNvPr>
+          <p:cNvCxnSpPr>
+            <a:stCxn id="82" idx="2"/>
+            <a:endCxn id="73" idx="0"/>
+          </p:cNvCxnSpPr>
+          <p:nvPr/>
+        </p:nvCxnSpPr>
+        <p:spPr>
+          <a:xfrm rot="16200000" flipH="1">
+            <a:off x="2842874" y="1585274"/>
+            <a:ext cx="446792" cy="1585482"/>
+          </a:xfrm>
+          <a:prstGeom prst="bentConnector3">
+            <a:avLst/>
+          </a:prstGeom>
+          <a:ln>
+            <a:tailEnd type="triangle"/>
+          </a:ln>
+        </p:spPr>
+        <p:style>
+          <a:lnRef idx="1">
+            <a:schemeClr val="accent1"/>
+          </a:lnRef>
+          <a:fillRef idx="0">
+            <a:schemeClr val="accent1"/>
+          </a:fillRef>
+          <a:effectRef idx="0">
+            <a:schemeClr val="accent1"/>
+          </a:effectRef>
+          <a:fontRef idx="minor">
+            <a:schemeClr val="tx1"/>
+          </a:fontRef>
+        </p:style>
+      </p:cxnSp>
+      <p:cxnSp>
+        <p:nvCxnSpPr>
+          <p:cNvPr id="142" name="Straight Arrow Connector 141">
+            <a:extLst>
+              <a:ext uri="{FF2B5EF4-FFF2-40B4-BE49-F238E27FC236}">
+                <a16:creationId xmlns:a16="http://schemas.microsoft.com/office/drawing/2014/main" id="{14A689C8-E292-4945-81E5-C49660111868}"/>
+              </a:ext>
+            </a:extLst>
+          </p:cNvPr>
+          <p:cNvCxnSpPr>
+            <a:stCxn id="7" idx="2"/>
+            <a:endCxn id="73" idx="0"/>
+          </p:cNvCxnSpPr>
+          <p:nvPr/>
+        </p:nvCxnSpPr>
+        <p:spPr>
+          <a:xfrm>
+            <a:off x="3859011" y="498677"/>
+            <a:ext cx="0" cy="2102734"/>
+          </a:xfrm>
+          <a:prstGeom prst="straightConnector1">
+            <a:avLst/>
+          </a:prstGeom>
+          <a:ln>
+            <a:tailEnd type="triangle"/>
+          </a:ln>
+        </p:spPr>
+        <p:style>
+          <a:lnRef idx="1">
+            <a:schemeClr val="accent1"/>
+          </a:lnRef>
+          <a:fillRef idx="0">
+            <a:schemeClr val="accent1"/>
+          </a:fillRef>
+          <a:effectRef idx="0">
+            <a:schemeClr val="accent1"/>
+          </a:effectRef>
+          <a:fontRef idx="minor">
+            <a:schemeClr val="tx1"/>
+          </a:fontRef>
+        </p:style>
+      </p:cxnSp>
+      <p:cxnSp>
+        <p:nvCxnSpPr>
+          <p:cNvPr id="144" name="Straight Arrow Connector 143">
+            <a:extLst>
+              <a:ext uri="{FF2B5EF4-FFF2-40B4-BE49-F238E27FC236}">
+                <a16:creationId xmlns:a16="http://schemas.microsoft.com/office/drawing/2014/main" id="{BC1A9A62-A138-E64B-B314-AAAC64B07B05}"/>
+              </a:ext>
+            </a:extLst>
+          </p:cNvPr>
+          <p:cNvCxnSpPr>
+            <a:stCxn id="73" idx="2"/>
+            <a:endCxn id="108" idx="0"/>
+          </p:cNvCxnSpPr>
+          <p:nvPr/>
+        </p:nvCxnSpPr>
+        <p:spPr>
+          <a:xfrm>
+            <a:off x="3859011" y="2961006"/>
+            <a:ext cx="0" cy="487577"/>
+          </a:xfrm>
+          <a:prstGeom prst="straightConnector1">
+            <a:avLst/>
+          </a:prstGeom>
+          <a:ln>
+            <a:tailEnd type="triangle"/>
+          </a:ln>
+        </p:spPr>
+        <p:style>
+          <a:lnRef idx="1">
+            <a:schemeClr val="accent1"/>
+          </a:lnRef>
+          <a:fillRef idx="0">
+            <a:schemeClr val="accent1"/>
+          </a:fillRef>
+          <a:effectRef idx="0">
+            <a:schemeClr val="accent1"/>
+          </a:effectRef>
+          <a:fontRef idx="minor">
+            <a:schemeClr val="tx1"/>
+          </a:fontRef>
+        </p:style>
+      </p:cxnSp>
+      <p:cxnSp>
+        <p:nvCxnSpPr>
+          <p:cNvPr id="146" name="Elbow Connector 145">
+            <a:extLst>
+              <a:ext uri="{FF2B5EF4-FFF2-40B4-BE49-F238E27FC236}">
+                <a16:creationId xmlns:a16="http://schemas.microsoft.com/office/drawing/2014/main" id="{B22A7AB4-026D-614F-8377-04AFB7453BC8}"/>
+              </a:ext>
+            </a:extLst>
+          </p:cNvPr>
+          <p:cNvCxnSpPr>
+            <a:stCxn id="82" idx="2"/>
+            <a:endCxn id="79" idx="0"/>
+          </p:cNvCxnSpPr>
+          <p:nvPr/>
+        </p:nvCxnSpPr>
+        <p:spPr>
+          <a:xfrm rot="16200000" flipH="1">
+            <a:off x="3870778" y="557369"/>
+            <a:ext cx="450813" cy="3645311"/>
+          </a:xfrm>
+          <a:prstGeom prst="bentConnector3">
+            <a:avLst/>
+          </a:prstGeom>
+          <a:ln>
+            <a:tailEnd type="triangle"/>
+          </a:ln>
+        </p:spPr>
+        <p:style>
+          <a:lnRef idx="1">
+            <a:schemeClr val="accent1"/>
+          </a:lnRef>
+          <a:fillRef idx="0">
+            <a:schemeClr val="accent1"/>
+          </a:fillRef>
+          <a:effectRef idx="0">
+            <a:schemeClr val="accent1"/>
+          </a:effectRef>
+          <a:fontRef idx="minor">
+            <a:schemeClr val="tx1"/>
+          </a:fontRef>
+        </p:style>
+      </p:cxnSp>
+      <p:sp>
+        <p:nvSpPr>
+          <p:cNvPr id="147" name="Rectangle 146">
+            <a:extLst>
+              <a:ext uri="{FF2B5EF4-FFF2-40B4-BE49-F238E27FC236}">
+                <a16:creationId xmlns:a16="http://schemas.microsoft.com/office/drawing/2014/main" id="{49E50B93-BA68-3946-ABD3-572EB7F8F2DC}"/>
+              </a:ext>
+            </a:extLst>
+          </p:cNvPr>
+          <p:cNvSpPr/>
+          <p:nvPr/>
+        </p:nvSpPr>
+        <p:spPr>
+          <a:xfrm>
+            <a:off x="5080673" y="3448582"/>
+            <a:ext cx="1669512" cy="359595"/>
+          </a:xfrm>
+          <a:prstGeom prst="rect">
+            <a:avLst/>
+          </a:prstGeom>
+          <a:solidFill>
+            <a:schemeClr val="accent2">
+              <a:lumMod val="20000"/>
+              <a:lumOff val="80000"/>
+            </a:schemeClr>
+          </a:solidFill>
+          <a:ln>
+            <a:solidFill>
+              <a:schemeClr val="tx1"/>
+            </a:solidFill>
+          </a:ln>
+        </p:spPr>
+        <p:style>
+          <a:lnRef idx="2">
+            <a:schemeClr val="accent1">
+              <a:shade val="50000"/>
+            </a:schemeClr>
+          </a:lnRef>
+          <a:fillRef idx="1">
+            <a:schemeClr val="accent1"/>
+          </a:fillRef>
+          <a:effectRef idx="0">
+            <a:schemeClr val="accent1"/>
+          </a:effectRef>
+          <a:fontRef idx="minor">
+            <a:schemeClr val="lt1"/>
+          </a:fontRef>
+        </p:style>
+        <p:txBody>
+          <a:bodyPr rtlCol="0" anchor="ctr"/>
+          <a:lstStyle/>
+          <a:p>
+            <a:pPr algn="ctr"/>
+            <a:r>
+              <a:rPr lang="en-US" sz="1100" dirty="0" err="1">
+                <a:solidFill>
+                  <a:schemeClr val="tx1"/>
+                </a:solidFill>
+              </a:rPr>
+              <a:t>medstar_health.feather</a:t>
+            </a:r>
+            <a:endParaRPr lang="en-US" sz="1100" dirty="0">
+              <a:solidFill>
+                <a:schemeClr val="tx1"/>
+              </a:solidFill>
+            </a:endParaRPr>
+          </a:p>
+        </p:txBody>
+      </p:sp>
+      <p:cxnSp>
+        <p:nvCxnSpPr>
+          <p:cNvPr id="149" name="Straight Arrow Connector 148">
+            <a:extLst>
+              <a:ext uri="{FF2B5EF4-FFF2-40B4-BE49-F238E27FC236}">
+                <a16:creationId xmlns:a16="http://schemas.microsoft.com/office/drawing/2014/main" id="{BD05C671-3F06-784E-AF3A-EBBB65FE1977}"/>
+              </a:ext>
+            </a:extLst>
+          </p:cNvPr>
+          <p:cNvCxnSpPr>
+            <a:stCxn id="79" idx="2"/>
+            <a:endCxn id="147" idx="0"/>
+          </p:cNvCxnSpPr>
+          <p:nvPr/>
+        </p:nvCxnSpPr>
+        <p:spPr>
+          <a:xfrm flipH="1">
+            <a:off x="5915429" y="2965027"/>
+            <a:ext cx="3411" cy="483555"/>
+          </a:xfrm>
+          <a:prstGeom prst="straightConnector1">
+            <a:avLst/>
+          </a:prstGeom>
+          <a:ln>
+            <a:tailEnd type="triangle"/>
+          </a:ln>
+        </p:spPr>
+        <p:style>
+          <a:lnRef idx="1">
+            <a:schemeClr val="accent1"/>
+          </a:lnRef>
+          <a:fillRef idx="0">
+            <a:schemeClr val="accent1"/>
+          </a:fillRef>
+          <a:effectRef idx="0">
+            <a:schemeClr val="accent1"/>
+          </a:effectRef>
+          <a:fontRef idx="minor">
+            <a:schemeClr val="tx1"/>
+          </a:fontRef>
+        </p:style>
+      </p:cxnSp>
+      <p:sp>
+        <p:nvSpPr>
+          <p:cNvPr id="150" name="Rectangle 149">
+            <a:extLst>
+              <a:ext uri="{FF2B5EF4-FFF2-40B4-BE49-F238E27FC236}">
+                <a16:creationId xmlns:a16="http://schemas.microsoft.com/office/drawing/2014/main" id="{F8C39AA5-26AC-5E4E-8931-8AF5E30CDA7A}"/>
+              </a:ext>
+            </a:extLst>
+          </p:cNvPr>
+          <p:cNvSpPr/>
+          <p:nvPr/>
+        </p:nvSpPr>
+        <p:spPr>
+          <a:xfrm>
+            <a:off x="3537963" y="4172160"/>
+            <a:ext cx="2554612" cy="359595"/>
+          </a:xfrm>
+          <a:prstGeom prst="rect">
+            <a:avLst/>
+          </a:prstGeom>
+          <a:solidFill>
+            <a:schemeClr val="accent1">
+              <a:lumMod val="20000"/>
+              <a:lumOff val="80000"/>
+            </a:schemeClr>
+          </a:solidFill>
+          <a:ln>
+            <a:solidFill>
+              <a:schemeClr val="tx1"/>
+            </a:solidFill>
+          </a:ln>
+        </p:spPr>
+        <p:style>
+          <a:lnRef idx="2">
+            <a:schemeClr val="accent1">
+              <a:shade val="50000"/>
+            </a:schemeClr>
+          </a:lnRef>
+          <a:fillRef idx="1">
+            <a:schemeClr val="accent1"/>
+          </a:fillRef>
+          <a:effectRef idx="0">
+            <a:schemeClr val="accent1"/>
+          </a:effectRef>
+          <a:fontRef idx="minor">
+            <a:schemeClr val="lt1"/>
+          </a:fontRef>
+        </p:style>
+        <p:txBody>
+          <a:bodyPr rtlCol="0" anchor="ctr"/>
+          <a:lstStyle/>
+          <a:p>
+            <a:pPr algn="ctr"/>
+            <a:r>
+              <a:rPr lang="en-US" sz="1100" dirty="0">
+                <a:solidFill>
+                  <a:schemeClr val="tx1"/>
+                </a:solidFill>
+              </a:rPr>
+              <a:t>data_medstar_complete_01_merge.Rmd</a:t>
+            </a:r>
+          </a:p>
+        </p:txBody>
+      </p:sp>
+      <p:cxnSp>
+        <p:nvCxnSpPr>
+          <p:cNvPr id="152" name="Elbow Connector 151">
+            <a:extLst>
+              <a:ext uri="{FF2B5EF4-FFF2-40B4-BE49-F238E27FC236}">
+                <a16:creationId xmlns:a16="http://schemas.microsoft.com/office/drawing/2014/main" id="{40386164-9432-4344-810C-DEA30BCF1095}"/>
+              </a:ext>
+            </a:extLst>
+          </p:cNvPr>
+          <p:cNvCxnSpPr>
+            <a:stCxn id="108" idx="2"/>
+            <a:endCxn id="150" idx="0"/>
+          </p:cNvCxnSpPr>
+          <p:nvPr/>
+        </p:nvCxnSpPr>
+        <p:spPr>
+          <a:xfrm rot="16200000" flipH="1">
+            <a:off x="4155149" y="3512040"/>
+            <a:ext cx="363982" cy="956258"/>
+          </a:xfrm>
+          <a:prstGeom prst="bentConnector3">
+            <a:avLst/>
+          </a:prstGeom>
+          <a:ln>
+            <a:tailEnd type="triangle"/>
+          </a:ln>
+        </p:spPr>
+        <p:style>
+          <a:lnRef idx="1">
+            <a:schemeClr val="accent1"/>
+          </a:lnRef>
+          <a:fillRef idx="0">
+            <a:schemeClr val="accent1"/>
+          </a:fillRef>
+          <a:effectRef idx="0">
+            <a:schemeClr val="accent1"/>
+          </a:effectRef>
+          <a:fontRef idx="minor">
+            <a:schemeClr val="tx1"/>
+          </a:fontRef>
+        </p:style>
+      </p:cxnSp>
+      <p:cxnSp>
+        <p:nvCxnSpPr>
+          <p:cNvPr id="154" name="Elbow Connector 153">
+            <a:extLst>
+              <a:ext uri="{FF2B5EF4-FFF2-40B4-BE49-F238E27FC236}">
+                <a16:creationId xmlns:a16="http://schemas.microsoft.com/office/drawing/2014/main" id="{9B98925A-F6CE-9E40-8104-81B31938E344}"/>
+              </a:ext>
+            </a:extLst>
+          </p:cNvPr>
+          <p:cNvCxnSpPr>
+            <a:stCxn id="147" idx="2"/>
+            <a:endCxn id="150" idx="0"/>
+          </p:cNvCxnSpPr>
+          <p:nvPr/>
+        </p:nvCxnSpPr>
+        <p:spPr>
+          <a:xfrm rot="5400000">
+            <a:off x="5183358" y="3440088"/>
+            <a:ext cx="363983" cy="1100160"/>
+          </a:xfrm>
+          <a:prstGeom prst="bentConnector3">
+            <a:avLst/>
+          </a:prstGeom>
+          <a:ln>
+            <a:tailEnd type="triangle"/>
+          </a:ln>
+        </p:spPr>
+        <p:style>
+          <a:lnRef idx="1">
+            <a:schemeClr val="accent1"/>
+          </a:lnRef>
+          <a:fillRef idx="0">
+            <a:schemeClr val="accent1"/>
+          </a:fillRef>
+          <a:effectRef idx="0">
+            <a:schemeClr val="accent1"/>
+          </a:effectRef>
+          <a:fontRef idx="minor">
+            <a:schemeClr val="tx1"/>
+          </a:fontRef>
+        </p:style>
+      </p:cxnSp>
+      <p:sp>
+        <p:nvSpPr>
+          <p:cNvPr id="155" name="Rectangle 154">
+            <a:extLst>
+              <a:ext uri="{FF2B5EF4-FFF2-40B4-BE49-F238E27FC236}">
+                <a16:creationId xmlns:a16="http://schemas.microsoft.com/office/drawing/2014/main" id="{7F03C1E2-5164-9347-AE1F-F2A4BB75D0AF}"/>
+              </a:ext>
+            </a:extLst>
+          </p:cNvPr>
+          <p:cNvSpPr/>
+          <p:nvPr/>
+        </p:nvSpPr>
+        <p:spPr>
+          <a:xfrm>
+            <a:off x="3919762" y="4895392"/>
+            <a:ext cx="1791014" cy="359595"/>
+          </a:xfrm>
+          <a:prstGeom prst="rect">
+            <a:avLst/>
+          </a:prstGeom>
+          <a:solidFill>
+            <a:schemeClr val="accent2">
+              <a:lumMod val="20000"/>
+              <a:lumOff val="80000"/>
+            </a:schemeClr>
+          </a:solidFill>
+          <a:ln>
+            <a:solidFill>
+              <a:schemeClr val="tx1"/>
+            </a:solidFill>
+          </a:ln>
+        </p:spPr>
+        <p:style>
+          <a:lnRef idx="2">
+            <a:schemeClr val="accent1">
+              <a:shade val="50000"/>
+            </a:schemeClr>
+          </a:lnRef>
+          <a:fillRef idx="1">
+            <a:schemeClr val="accent1"/>
+          </a:fillRef>
+          <a:effectRef idx="0">
+            <a:schemeClr val="accent1"/>
+          </a:effectRef>
+          <a:fontRef idx="minor">
+            <a:schemeClr val="lt1"/>
+          </a:fontRef>
+        </p:style>
+        <p:txBody>
+          <a:bodyPr rtlCol="0" anchor="ctr"/>
+          <a:lstStyle/>
+          <a:p>
+            <a:pPr algn="ctr"/>
+            <a:r>
+              <a:rPr lang="en-US" sz="1100" dirty="0" err="1">
+                <a:solidFill>
+                  <a:schemeClr val="tx1"/>
+                </a:solidFill>
+              </a:rPr>
+              <a:t>medstar_complete.feather</a:t>
+            </a:r>
+            <a:endParaRPr lang="en-US" sz="1100" dirty="0">
+              <a:solidFill>
+                <a:schemeClr val="tx1"/>
+              </a:solidFill>
+            </a:endParaRPr>
+          </a:p>
+        </p:txBody>
+      </p:sp>
+      <p:cxnSp>
+        <p:nvCxnSpPr>
+          <p:cNvPr id="157" name="Straight Arrow Connector 156">
+            <a:extLst>
+              <a:ext uri="{FF2B5EF4-FFF2-40B4-BE49-F238E27FC236}">
+                <a16:creationId xmlns:a16="http://schemas.microsoft.com/office/drawing/2014/main" id="{01A67BC9-F0E1-9A4B-82C8-14AF25EFF7B3}"/>
+              </a:ext>
+            </a:extLst>
+          </p:cNvPr>
+          <p:cNvCxnSpPr>
+            <a:stCxn id="150" idx="2"/>
+            <a:endCxn id="155" idx="0"/>
+          </p:cNvCxnSpPr>
+          <p:nvPr/>
+        </p:nvCxnSpPr>
+        <p:spPr>
+          <a:xfrm>
+            <a:off x="4815269" y="4531755"/>
+            <a:ext cx="0" cy="363637"/>
+          </a:xfrm>
+          <a:prstGeom prst="straightConnector1">
+            <a:avLst/>
+          </a:prstGeom>
+          <a:ln>
+            <a:tailEnd type="triangle"/>
+          </a:ln>
+        </p:spPr>
+        <p:style>
+          <a:lnRef idx="1">
+            <a:schemeClr val="accent1"/>
+          </a:lnRef>
+          <a:fillRef idx="0">
+            <a:schemeClr val="accent1"/>
+          </a:fillRef>
+          <a:effectRef idx="0">
+            <a:schemeClr val="accent1"/>
+          </a:effectRef>
+          <a:fontRef idx="minor">
+            <a:schemeClr val="tx1"/>
+          </a:fontRef>
+        </p:style>
+      </p:cxnSp>
+      <p:sp>
+        <p:nvSpPr>
+          <p:cNvPr id="158" name="Rectangle 157">
+            <a:extLst>
+              <a:ext uri="{FF2B5EF4-FFF2-40B4-BE49-F238E27FC236}">
+                <a16:creationId xmlns:a16="http://schemas.microsoft.com/office/drawing/2014/main" id="{44F03AFF-082E-DF41-A880-9384C50077F3}"/>
+              </a:ext>
+            </a:extLst>
+          </p:cNvPr>
+          <p:cNvSpPr/>
+          <p:nvPr/>
+        </p:nvSpPr>
+        <p:spPr>
+          <a:xfrm>
+            <a:off x="6687404" y="1795022"/>
+            <a:ext cx="1291264" cy="359595"/>
+          </a:xfrm>
+          <a:prstGeom prst="rect">
+            <a:avLst/>
+          </a:prstGeom>
+          <a:solidFill>
+            <a:schemeClr val="accent2">
+              <a:lumMod val="20000"/>
+              <a:lumOff val="80000"/>
+            </a:schemeClr>
+          </a:solidFill>
+          <a:ln>
+            <a:solidFill>
+              <a:schemeClr val="tx1"/>
+            </a:solidFill>
+          </a:ln>
+        </p:spPr>
+        <p:style>
+          <a:lnRef idx="2">
+            <a:schemeClr val="accent1">
+              <a:shade val="50000"/>
+            </a:schemeClr>
+          </a:lnRef>
+          <a:fillRef idx="1">
+            <a:schemeClr val="accent1"/>
+          </a:fillRef>
+          <a:effectRef idx="0">
+            <a:schemeClr val="accent1"/>
+          </a:effectRef>
+          <a:fontRef idx="minor">
+            <a:schemeClr val="lt1"/>
+          </a:fontRef>
+        </p:style>
+        <p:txBody>
+          <a:bodyPr rtlCol="0" anchor="ctr"/>
+          <a:lstStyle/>
+          <a:p>
+            <a:pPr algn="ctr"/>
+            <a:r>
+              <a:rPr lang="en-US" sz="1100" dirty="0" err="1">
+                <a:solidFill>
+                  <a:schemeClr val="tx1"/>
+                </a:solidFill>
+              </a:rPr>
+              <a:t>client_data.feather</a:t>
+            </a:r>
+            <a:endParaRPr lang="en-US" sz="1100" dirty="0">
+              <a:solidFill>
+                <a:schemeClr val="tx1"/>
+              </a:solidFill>
+            </a:endParaRPr>
+          </a:p>
+        </p:txBody>
+      </p:sp>
+      <p:sp>
+        <p:nvSpPr>
+          <p:cNvPr id="159" name="Rectangle 158">
+            <a:extLst>
+              <a:ext uri="{FF2B5EF4-FFF2-40B4-BE49-F238E27FC236}">
+                <a16:creationId xmlns:a16="http://schemas.microsoft.com/office/drawing/2014/main" id="{522FC733-1B49-4643-88C9-9FEB5D8A368F}"/>
+              </a:ext>
+            </a:extLst>
+          </p:cNvPr>
+          <p:cNvSpPr/>
+          <p:nvPr/>
+        </p:nvSpPr>
+        <p:spPr>
+          <a:xfrm>
+            <a:off x="8101599" y="1795021"/>
+            <a:ext cx="1291264" cy="359595"/>
+          </a:xfrm>
+          <a:prstGeom prst="rect">
+            <a:avLst/>
+          </a:prstGeom>
+          <a:solidFill>
+            <a:schemeClr val="accent2">
+              <a:lumMod val="20000"/>
+              <a:lumOff val="80000"/>
+            </a:schemeClr>
+          </a:solidFill>
+          <a:ln>
+            <a:solidFill>
+              <a:schemeClr val="tx1"/>
+            </a:solidFill>
+          </a:ln>
+        </p:spPr>
+        <p:style>
+          <a:lnRef idx="2">
+            <a:schemeClr val="accent1">
+              <a:shade val="50000"/>
+            </a:schemeClr>
+          </a:lnRef>
+          <a:fillRef idx="1">
+            <a:schemeClr val="accent1"/>
+          </a:fillRef>
+          <a:effectRef idx="0">
+            <a:schemeClr val="accent1"/>
+          </a:effectRef>
+          <a:fontRef idx="minor">
+            <a:schemeClr val="lt1"/>
+          </a:fontRef>
+        </p:style>
+        <p:txBody>
+          <a:bodyPr rtlCol="0" anchor="ctr"/>
+          <a:lstStyle/>
+          <a:p>
+            <a:pPr algn="ctr"/>
+            <a:r>
+              <a:rPr lang="en-US" sz="1100" dirty="0" err="1">
+                <a:solidFill>
+                  <a:schemeClr val="tx1"/>
+                </a:solidFill>
+              </a:rPr>
+              <a:t>allegations.feather</a:t>
+            </a:r>
+            <a:endParaRPr lang="en-US" sz="1100" dirty="0">
+              <a:solidFill>
+                <a:schemeClr val="tx1"/>
+              </a:solidFill>
+            </a:endParaRPr>
+          </a:p>
+        </p:txBody>
+      </p:sp>
+      <p:sp>
+        <p:nvSpPr>
+          <p:cNvPr id="160" name="Rectangle 159">
+            <a:extLst>
+              <a:ext uri="{FF2B5EF4-FFF2-40B4-BE49-F238E27FC236}">
+                <a16:creationId xmlns:a16="http://schemas.microsoft.com/office/drawing/2014/main" id="{303D8A20-9E57-4F4D-81FA-1BF3EBB1A23B}"/>
+              </a:ext>
+            </a:extLst>
+          </p:cNvPr>
+          <p:cNvSpPr/>
+          <p:nvPr/>
+        </p:nvSpPr>
+        <p:spPr>
+          <a:xfrm>
+            <a:off x="9515794" y="1792927"/>
+            <a:ext cx="1098652" cy="359595"/>
+          </a:xfrm>
+          <a:prstGeom prst="rect">
+            <a:avLst/>
+          </a:prstGeom>
+          <a:solidFill>
+            <a:schemeClr val="accent2">
+              <a:lumMod val="20000"/>
+              <a:lumOff val="80000"/>
+            </a:schemeClr>
+          </a:solidFill>
+          <a:ln>
+            <a:solidFill>
+              <a:schemeClr val="tx1"/>
+            </a:solidFill>
+          </a:ln>
+        </p:spPr>
+        <p:style>
+          <a:lnRef idx="2">
+            <a:schemeClr val="accent1">
+              <a:shade val="50000"/>
+            </a:schemeClr>
+          </a:lnRef>
+          <a:fillRef idx="1">
+            <a:schemeClr val="accent1"/>
+          </a:fillRef>
+          <a:effectRef idx="0">
+            <a:schemeClr val="accent1"/>
+          </a:effectRef>
+          <a:fontRef idx="minor">
+            <a:schemeClr val="lt1"/>
+          </a:fontRef>
+        </p:style>
+        <p:txBody>
+          <a:bodyPr rtlCol="0" anchor="ctr"/>
+          <a:lstStyle/>
+          <a:p>
+            <a:pPr algn="ctr"/>
+            <a:r>
+              <a:rPr lang="en-US" sz="1100" dirty="0" err="1">
+                <a:solidFill>
+                  <a:schemeClr val="tx1"/>
+                </a:solidFill>
+              </a:rPr>
+              <a:t>closure.feather</a:t>
+            </a:r>
+            <a:endParaRPr lang="en-US" sz="1100" dirty="0">
+              <a:solidFill>
+                <a:schemeClr val="tx1"/>
+              </a:solidFill>
+            </a:endParaRPr>
+          </a:p>
+        </p:txBody>
+      </p:sp>
+      <p:sp>
+        <p:nvSpPr>
+          <p:cNvPr id="161" name="Rectangle 160">
+            <a:extLst>
+              <a:ext uri="{FF2B5EF4-FFF2-40B4-BE49-F238E27FC236}">
+                <a16:creationId xmlns:a16="http://schemas.microsoft.com/office/drawing/2014/main" id="{673D0193-BE63-6E41-AA5B-D266097DF22D}"/>
+              </a:ext>
+            </a:extLst>
+          </p:cNvPr>
+          <p:cNvSpPr/>
+          <p:nvPr/>
+        </p:nvSpPr>
+        <p:spPr>
+          <a:xfrm>
+            <a:off x="10737376" y="1792926"/>
+            <a:ext cx="1262839" cy="359595"/>
+          </a:xfrm>
+          <a:prstGeom prst="rect">
+            <a:avLst/>
+          </a:prstGeom>
+          <a:solidFill>
+            <a:schemeClr val="accent2">
+              <a:lumMod val="20000"/>
+              <a:lumOff val="80000"/>
+            </a:schemeClr>
+          </a:solidFill>
+          <a:ln>
+            <a:solidFill>
+              <a:schemeClr val="tx1"/>
+            </a:solidFill>
+          </a:ln>
+        </p:spPr>
+        <p:style>
+          <a:lnRef idx="2">
+            <a:schemeClr val="accent1">
+              <a:shade val="50000"/>
+            </a:schemeClr>
+          </a:lnRef>
+          <a:fillRef idx="1">
+            <a:schemeClr val="accent1"/>
+          </a:fillRef>
+          <a:effectRef idx="0">
+            <a:schemeClr val="accent1"/>
+          </a:effectRef>
+          <a:fontRef idx="minor">
+            <a:schemeClr val="lt1"/>
+          </a:fontRef>
+        </p:style>
+        <p:txBody>
+          <a:bodyPr rtlCol="0" anchor="ctr"/>
+          <a:lstStyle/>
+          <a:p>
+            <a:pPr algn="ctr"/>
+            <a:r>
+              <a:rPr lang="en-US" sz="1100" dirty="0" err="1">
+                <a:solidFill>
+                  <a:schemeClr val="tx1"/>
+                </a:solidFill>
+              </a:rPr>
+              <a:t>disposition.feather</a:t>
+            </a:r>
+            <a:endParaRPr lang="en-US" sz="1100" dirty="0">
+              <a:solidFill>
+                <a:schemeClr val="tx1"/>
+              </a:solidFill>
+            </a:endParaRPr>
+          </a:p>
+        </p:txBody>
+      </p:sp>
+      <p:cxnSp>
+        <p:nvCxnSpPr>
+          <p:cNvPr id="163" name="Elbow Connector 162">
+            <a:extLst>
+              <a:ext uri="{FF2B5EF4-FFF2-40B4-BE49-F238E27FC236}">
+                <a16:creationId xmlns:a16="http://schemas.microsoft.com/office/drawing/2014/main" id="{EA2BB82C-59E4-FD4A-BB5B-04A8D117585A}"/>
+              </a:ext>
+            </a:extLst>
+          </p:cNvPr>
+          <p:cNvCxnSpPr>
+            <a:stCxn id="81" idx="2"/>
+            <a:endCxn id="158" idx="0"/>
+          </p:cNvCxnSpPr>
+          <p:nvPr/>
+        </p:nvCxnSpPr>
+        <p:spPr>
+          <a:xfrm rot="5400000">
+            <a:off x="8033571" y="640330"/>
+            <a:ext cx="454157" cy="1855226"/>
+          </a:xfrm>
+          <a:prstGeom prst="bentConnector3">
+            <a:avLst/>
+          </a:prstGeom>
+          <a:ln>
+            <a:tailEnd type="triangle"/>
+          </a:ln>
+        </p:spPr>
+        <p:style>
+          <a:lnRef idx="1">
+            <a:schemeClr val="accent1"/>
+          </a:lnRef>
+          <a:fillRef idx="0">
+            <a:schemeClr val="accent1"/>
+          </a:fillRef>
+          <a:effectRef idx="0">
+            <a:schemeClr val="accent1"/>
+          </a:effectRef>
+          <a:fontRef idx="minor">
+            <a:schemeClr val="tx1"/>
+          </a:fontRef>
+        </p:style>
+      </p:cxnSp>
+      <p:cxnSp>
+        <p:nvCxnSpPr>
+          <p:cNvPr id="165" name="Elbow Connector 164">
+            <a:extLst>
+              <a:ext uri="{FF2B5EF4-FFF2-40B4-BE49-F238E27FC236}">
+                <a16:creationId xmlns:a16="http://schemas.microsoft.com/office/drawing/2014/main" id="{908549B4-1C54-714A-A5A7-11CA7C0407CE}"/>
+              </a:ext>
+            </a:extLst>
+          </p:cNvPr>
+          <p:cNvCxnSpPr>
+            <a:stCxn id="81" idx="2"/>
+            <a:endCxn id="159" idx="0"/>
+          </p:cNvCxnSpPr>
+          <p:nvPr/>
+        </p:nvCxnSpPr>
+        <p:spPr>
+          <a:xfrm rot="5400000">
+            <a:off x="8740669" y="1347428"/>
+            <a:ext cx="454156" cy="441031"/>
+          </a:xfrm>
+          <a:prstGeom prst="bentConnector3">
+            <a:avLst/>
+          </a:prstGeom>
+          <a:ln>
+            <a:tailEnd type="triangle"/>
+          </a:ln>
+        </p:spPr>
+        <p:style>
+          <a:lnRef idx="1">
+            <a:schemeClr val="accent1"/>
+          </a:lnRef>
+          <a:fillRef idx="0">
+            <a:schemeClr val="accent1"/>
+          </a:fillRef>
+          <a:effectRef idx="0">
+            <a:schemeClr val="accent1"/>
+          </a:effectRef>
+          <a:fontRef idx="minor">
+            <a:schemeClr val="tx1"/>
+          </a:fontRef>
+        </p:style>
+      </p:cxnSp>
+      <p:cxnSp>
+        <p:nvCxnSpPr>
+          <p:cNvPr id="167" name="Elbow Connector 166">
+            <a:extLst>
+              <a:ext uri="{FF2B5EF4-FFF2-40B4-BE49-F238E27FC236}">
+                <a16:creationId xmlns:a16="http://schemas.microsoft.com/office/drawing/2014/main" id="{B7842AC4-D5DA-1248-9A84-226E67CD1DFE}"/>
+              </a:ext>
+            </a:extLst>
+          </p:cNvPr>
+          <p:cNvCxnSpPr>
+            <a:stCxn id="81" idx="2"/>
+            <a:endCxn id="160" idx="0"/>
+          </p:cNvCxnSpPr>
+          <p:nvPr/>
+        </p:nvCxnSpPr>
+        <p:spPr>
+          <a:xfrm rot="16200000" flipH="1">
+            <a:off x="9400660" y="1128467"/>
+            <a:ext cx="452062" cy="876858"/>
+          </a:xfrm>
+          <a:prstGeom prst="bentConnector3">
+            <a:avLst/>
+          </a:prstGeom>
+          <a:ln>
+            <a:tailEnd type="triangle"/>
+          </a:ln>
+        </p:spPr>
+        <p:style>
+          <a:lnRef idx="1">
+            <a:schemeClr val="accent1"/>
+          </a:lnRef>
+          <a:fillRef idx="0">
+            <a:schemeClr val="accent1"/>
+          </a:fillRef>
+          <a:effectRef idx="0">
+            <a:schemeClr val="accent1"/>
+          </a:effectRef>
+          <a:fontRef idx="minor">
+            <a:schemeClr val="tx1"/>
+          </a:fontRef>
+        </p:style>
+      </p:cxnSp>
+      <p:cxnSp>
+        <p:nvCxnSpPr>
+          <p:cNvPr id="169" name="Elbow Connector 168">
+            <a:extLst>
+              <a:ext uri="{FF2B5EF4-FFF2-40B4-BE49-F238E27FC236}">
+                <a16:creationId xmlns:a16="http://schemas.microsoft.com/office/drawing/2014/main" id="{D0C10965-986C-824A-A434-4503EBF45968}"/>
+              </a:ext>
+            </a:extLst>
+          </p:cNvPr>
+          <p:cNvCxnSpPr>
+            <a:stCxn id="81" idx="2"/>
+            <a:endCxn id="161" idx="0"/>
+          </p:cNvCxnSpPr>
+          <p:nvPr/>
+        </p:nvCxnSpPr>
+        <p:spPr>
+          <a:xfrm rot="16200000" flipH="1">
+            <a:off x="10052499" y="476628"/>
+            <a:ext cx="452061" cy="2180534"/>
+          </a:xfrm>
+          <a:prstGeom prst="bentConnector3">
+            <a:avLst/>
+          </a:prstGeom>
+          <a:ln>
+            <a:tailEnd type="triangle"/>
+          </a:ln>
+        </p:spPr>
+        <p:style>
+          <a:lnRef idx="1">
+            <a:schemeClr val="accent1"/>
+          </a:lnRef>
+          <a:fillRef idx="0">
+            <a:schemeClr val="accent1"/>
+          </a:fillRef>
+          <a:effectRef idx="0">
+            <a:schemeClr val="accent1"/>
+          </a:effectRef>
+          <a:fontRef idx="minor">
+            <a:schemeClr val="tx1"/>
+          </a:fontRef>
+        </p:style>
+      </p:cxnSp>
+      <p:sp>
+        <p:nvSpPr>
+          <p:cNvPr id="170" name="Rectangle 169">
+            <a:extLst>
+              <a:ext uri="{FF2B5EF4-FFF2-40B4-BE49-F238E27FC236}">
+                <a16:creationId xmlns:a16="http://schemas.microsoft.com/office/drawing/2014/main" id="{8824FD08-8F57-5244-8D81-31D180365A6C}"/>
+              </a:ext>
+            </a:extLst>
+          </p:cNvPr>
+          <p:cNvSpPr/>
+          <p:nvPr/>
+        </p:nvSpPr>
+        <p:spPr>
+          <a:xfrm>
+            <a:off x="5986984" y="5607010"/>
+            <a:ext cx="2692103" cy="359595"/>
+          </a:xfrm>
+          <a:prstGeom prst="rect">
+            <a:avLst/>
+          </a:prstGeom>
+          <a:solidFill>
+            <a:schemeClr val="accent1">
+              <a:lumMod val="20000"/>
+              <a:lumOff val="80000"/>
+            </a:schemeClr>
+          </a:solidFill>
+          <a:ln>
+            <a:solidFill>
+              <a:schemeClr val="tx1"/>
+            </a:solidFill>
+          </a:ln>
+        </p:spPr>
+        <p:style>
+          <a:lnRef idx="2">
+            <a:schemeClr val="accent1">
+              <a:shade val="50000"/>
+            </a:schemeClr>
+          </a:lnRef>
+          <a:fillRef idx="1">
+            <a:schemeClr val="accent1"/>
+          </a:fillRef>
+          <a:effectRef idx="0">
+            <a:schemeClr val="accent1"/>
+          </a:effectRef>
+          <a:fontRef idx="minor">
+            <a:schemeClr val="lt1"/>
+          </a:fontRef>
+        </p:style>
+        <p:txBody>
+          <a:bodyPr rtlCol="0" anchor="ctr"/>
+          <a:lstStyle/>
+          <a:p>
+            <a:pPr algn="ctr"/>
+            <a:r>
+              <a:rPr lang="en-US" sz="1100" dirty="0">
+                <a:solidFill>
+                  <a:schemeClr val="tx1"/>
+                </a:solidFill>
+              </a:rPr>
+              <a:t>data_medstar_aps_merged_01_merge.Rmd</a:t>
+            </a:r>
+          </a:p>
+        </p:txBody>
+      </p:sp>
+      <p:cxnSp>
+        <p:nvCxnSpPr>
+          <p:cNvPr id="172" name="Elbow Connector 171">
+            <a:extLst>
+              <a:ext uri="{FF2B5EF4-FFF2-40B4-BE49-F238E27FC236}">
+                <a16:creationId xmlns:a16="http://schemas.microsoft.com/office/drawing/2014/main" id="{359C8F58-CB38-3246-80F1-BB8554718DFE}"/>
+              </a:ext>
+            </a:extLst>
+          </p:cNvPr>
+          <p:cNvCxnSpPr>
+            <a:cxnSpLocks/>
+            <a:stCxn id="155" idx="2"/>
+            <a:endCxn id="170" idx="0"/>
+          </p:cNvCxnSpPr>
+          <p:nvPr/>
+        </p:nvCxnSpPr>
+        <p:spPr>
+          <a:xfrm rot="16200000" flipH="1">
+            <a:off x="5898141" y="4172114"/>
+            <a:ext cx="352023" cy="2517767"/>
+          </a:xfrm>
+          <a:prstGeom prst="bentConnector3">
+            <a:avLst>
+              <a:gd name="adj1" fmla="val 50000"/>
+            </a:avLst>
+          </a:prstGeom>
+          <a:ln>
+            <a:tailEnd type="triangle"/>
+          </a:ln>
+        </p:spPr>
+        <p:style>
+          <a:lnRef idx="1">
+            <a:schemeClr val="accent1"/>
+          </a:lnRef>
+          <a:fillRef idx="0">
+            <a:schemeClr val="accent1"/>
+          </a:fillRef>
+          <a:effectRef idx="0">
+            <a:schemeClr val="accent1"/>
+          </a:effectRef>
+          <a:fontRef idx="minor">
+            <a:schemeClr val="tx1"/>
+          </a:fontRef>
+        </p:style>
+      </p:cxnSp>
+      <p:cxnSp>
+        <p:nvCxnSpPr>
+          <p:cNvPr id="183" name="Elbow Connector 182">
+            <a:extLst>
+              <a:ext uri="{FF2B5EF4-FFF2-40B4-BE49-F238E27FC236}">
+                <a16:creationId xmlns:a16="http://schemas.microsoft.com/office/drawing/2014/main" id="{15DAB329-12E9-054D-AFA1-F703C9FD877A}"/>
+              </a:ext>
+            </a:extLst>
+          </p:cNvPr>
+          <p:cNvCxnSpPr>
+            <a:cxnSpLocks/>
+            <a:stCxn id="159" idx="2"/>
+            <a:endCxn id="170" idx="0"/>
+          </p:cNvCxnSpPr>
+          <p:nvPr/>
+        </p:nvCxnSpPr>
+        <p:spPr>
+          <a:xfrm rot="5400000">
+            <a:off x="6313937" y="3173716"/>
+            <a:ext cx="3452394" cy="1414195"/>
+          </a:xfrm>
+          <a:prstGeom prst="bentConnector3">
+            <a:avLst>
+              <a:gd name="adj1" fmla="val 50000"/>
+            </a:avLst>
+          </a:prstGeom>
+          <a:ln>
+            <a:tailEnd type="triangle"/>
+          </a:ln>
+        </p:spPr>
+        <p:style>
+          <a:lnRef idx="1">
+            <a:schemeClr val="accent1"/>
+          </a:lnRef>
+          <a:fillRef idx="0">
+            <a:schemeClr val="accent1"/>
+          </a:fillRef>
+          <a:effectRef idx="0">
+            <a:schemeClr val="accent1"/>
+          </a:effectRef>
+          <a:fontRef idx="minor">
+            <a:schemeClr val="tx1"/>
+          </a:fontRef>
+        </p:style>
+      </p:cxnSp>
+      <p:cxnSp>
+        <p:nvCxnSpPr>
+          <p:cNvPr id="186" name="Elbow Connector 185">
+            <a:extLst>
+              <a:ext uri="{FF2B5EF4-FFF2-40B4-BE49-F238E27FC236}">
+                <a16:creationId xmlns:a16="http://schemas.microsoft.com/office/drawing/2014/main" id="{175207CF-576F-0F4A-A22B-3AAC95CACEB1}"/>
+              </a:ext>
+            </a:extLst>
+          </p:cNvPr>
+          <p:cNvCxnSpPr>
+            <a:stCxn id="160" idx="2"/>
+          </p:cNvCxnSpPr>
+          <p:nvPr/>
+        </p:nvCxnSpPr>
+        <p:spPr>
+          <a:xfrm rot="5400000">
+            <a:off x="6967431" y="2520935"/>
+            <a:ext cx="3466102" cy="2729276"/>
+          </a:xfrm>
+          <a:prstGeom prst="bentConnector3">
+            <a:avLst/>
+          </a:prstGeom>
+          <a:ln>
+            <a:tailEnd type="triangle"/>
+          </a:ln>
+        </p:spPr>
+        <p:style>
+          <a:lnRef idx="1">
+            <a:schemeClr val="accent1"/>
+          </a:lnRef>
+          <a:fillRef idx="0">
+            <a:schemeClr val="accent1"/>
+          </a:fillRef>
+          <a:effectRef idx="0">
+            <a:schemeClr val="accent1"/>
+          </a:effectRef>
+          <a:fontRef idx="minor">
+            <a:schemeClr val="tx1"/>
+          </a:fontRef>
+        </p:style>
+      </p:cxnSp>
+      <p:cxnSp>
+        <p:nvCxnSpPr>
+          <p:cNvPr id="188" name="Elbow Connector 187">
+            <a:extLst>
+              <a:ext uri="{FF2B5EF4-FFF2-40B4-BE49-F238E27FC236}">
+                <a16:creationId xmlns:a16="http://schemas.microsoft.com/office/drawing/2014/main" id="{80F79231-989F-F74E-B30E-321B1A7FF9C2}"/>
+              </a:ext>
+            </a:extLst>
+          </p:cNvPr>
+          <p:cNvCxnSpPr>
+            <a:cxnSpLocks/>
+            <a:stCxn id="161" idx="2"/>
+            <a:endCxn id="170" idx="0"/>
+          </p:cNvCxnSpPr>
+          <p:nvPr/>
+        </p:nvCxnSpPr>
+        <p:spPr>
+          <a:xfrm rot="5400000">
+            <a:off x="7623672" y="1861885"/>
+            <a:ext cx="3454489" cy="4035760"/>
+          </a:xfrm>
+          <a:prstGeom prst="bentConnector3">
+            <a:avLst/>
+          </a:prstGeom>
+          <a:ln>
+            <a:tailEnd type="triangle"/>
+          </a:ln>
+        </p:spPr>
+        <p:style>
+          <a:lnRef idx="1">
+            <a:schemeClr val="accent1"/>
+          </a:lnRef>
+          <a:fillRef idx="0">
+            <a:schemeClr val="accent1"/>
+          </a:fillRef>
+          <a:effectRef idx="0">
+            <a:schemeClr val="accent1"/>
+          </a:effectRef>
+          <a:fontRef idx="minor">
+            <a:schemeClr val="tx1"/>
+          </a:fontRef>
+        </p:style>
+      </p:cxnSp>
+      <p:cxnSp>
+        <p:nvCxnSpPr>
+          <p:cNvPr id="15" name="Straight Arrow Connector 14">
+            <a:extLst>
+              <a:ext uri="{FF2B5EF4-FFF2-40B4-BE49-F238E27FC236}">
+                <a16:creationId xmlns:a16="http://schemas.microsoft.com/office/drawing/2014/main" id="{047C6E70-AEBC-444F-88EC-10D13CB87EF2}"/>
+              </a:ext>
+            </a:extLst>
+          </p:cNvPr>
+          <p:cNvCxnSpPr>
+            <a:stCxn id="158" idx="2"/>
+            <a:endCxn id="170" idx="0"/>
+          </p:cNvCxnSpPr>
+          <p:nvPr/>
+        </p:nvCxnSpPr>
+        <p:spPr>
+          <a:xfrm>
+            <a:off x="7333036" y="2154617"/>
+            <a:ext cx="0" cy="3452393"/>
+          </a:xfrm>
+          <a:prstGeom prst="straightConnector1">
+            <a:avLst/>
+          </a:prstGeom>
+          <a:ln>
+            <a:tailEnd type="triangle"/>
+          </a:ln>
+        </p:spPr>
+        <p:style>
+          <a:lnRef idx="1">
+            <a:schemeClr val="accent1"/>
+          </a:lnRef>
+          <a:fillRef idx="0">
+            <a:schemeClr val="accent1"/>
+          </a:fillRef>
+          <a:effectRef idx="0">
+            <a:schemeClr val="accent1"/>
+          </a:effectRef>
+          <a:fontRef idx="minor">
+            <a:schemeClr val="tx1"/>
+          </a:fontRef>
+        </p:style>
+      </p:cxnSp>
+      <p:cxnSp>
+        <p:nvCxnSpPr>
+          <p:cNvPr id="5" name="Straight Arrow Connector 4">
+            <a:extLst>
+              <a:ext uri="{FF2B5EF4-FFF2-40B4-BE49-F238E27FC236}">
+                <a16:creationId xmlns:a16="http://schemas.microsoft.com/office/drawing/2014/main" id="{A70E8735-9092-6D41-AA4B-8B04C2864CFC}"/>
+              </a:ext>
+            </a:extLst>
+          </p:cNvPr>
+          <p:cNvCxnSpPr>
+            <a:cxnSpLocks/>
+            <a:stCxn id="170" idx="2"/>
+          </p:cNvCxnSpPr>
+          <p:nvPr/>
+        </p:nvCxnSpPr>
+        <p:spPr>
+          <a:xfrm flipH="1">
+            <a:off x="7333035" y="5966605"/>
+            <a:ext cx="1" cy="317738"/>
+          </a:xfrm>
+          <a:prstGeom prst="straightConnector1">
+            <a:avLst/>
+          </a:prstGeom>
+          <a:ln>
+            <a:tailEnd type="triangle"/>
+          </a:ln>
+        </p:spPr>
+        <p:style>
+          <a:lnRef idx="1">
+            <a:schemeClr val="accent1"/>
+          </a:lnRef>
+          <a:fillRef idx="0">
+            <a:schemeClr val="accent1"/>
+          </a:fillRef>
+          <a:effectRef idx="0">
+            <a:schemeClr val="accent1"/>
+          </a:effectRef>
+          <a:fontRef idx="minor">
+            <a:schemeClr val="tx1"/>
+          </a:fontRef>
+        </p:style>
+      </p:cxnSp>
+      <p:cxnSp>
+        <p:nvCxnSpPr>
+          <p:cNvPr id="6" name="Elbow Connector 5">
+            <a:extLst>
+              <a:ext uri="{FF2B5EF4-FFF2-40B4-BE49-F238E27FC236}">
+                <a16:creationId xmlns:a16="http://schemas.microsoft.com/office/drawing/2014/main" id="{A130D16A-B8EF-0A45-84B0-377801D87115}"/>
+              </a:ext>
+            </a:extLst>
+          </p:cNvPr>
+          <p:cNvCxnSpPr>
+            <a:stCxn id="82" idx="2"/>
+            <a:endCxn id="170" idx="1"/>
+          </p:cNvCxnSpPr>
+          <p:nvPr/>
+        </p:nvCxnSpPr>
+        <p:spPr>
+          <a:xfrm rot="16200000" flipH="1">
+            <a:off x="2314162" y="2113985"/>
+            <a:ext cx="3632189" cy="3713455"/>
+          </a:xfrm>
+          <a:prstGeom prst="bentConnector2">
+            <a:avLst/>
+          </a:prstGeom>
+          <a:ln>
+            <a:tailEnd type="triangle"/>
+          </a:ln>
+        </p:spPr>
+        <p:style>
+          <a:lnRef idx="1">
+            <a:schemeClr val="accent1"/>
+          </a:lnRef>
+          <a:fillRef idx="0">
+            <a:schemeClr val="accent1"/>
+          </a:fillRef>
+          <a:effectRef idx="0">
+            <a:schemeClr val="accent1"/>
+          </a:effectRef>
+          <a:fontRef idx="minor">
+            <a:schemeClr val="tx1"/>
+          </a:fontRef>
+        </p:style>
+      </p:cxnSp>
+      <p:sp>
+        <p:nvSpPr>
+          <p:cNvPr id="90" name="Rectangle 89">
+            <a:extLst>
+              <a:ext uri="{FF2B5EF4-FFF2-40B4-BE49-F238E27FC236}">
+                <a16:creationId xmlns:a16="http://schemas.microsoft.com/office/drawing/2014/main" id="{22DB5B27-C281-AC43-B56B-D20BB9612022}"/>
+              </a:ext>
+            </a:extLst>
+          </p:cNvPr>
+          <p:cNvSpPr/>
+          <p:nvPr/>
+        </p:nvSpPr>
+        <p:spPr>
+          <a:xfrm>
+            <a:off x="1495172" y="3448584"/>
+            <a:ext cx="1426768" cy="359595"/>
+          </a:xfrm>
+          <a:prstGeom prst="rect">
+            <a:avLst/>
+          </a:prstGeom>
+          <a:solidFill>
+            <a:schemeClr val="accent2">
+              <a:lumMod val="20000"/>
+              <a:lumOff val="80000"/>
+            </a:schemeClr>
+          </a:solidFill>
+          <a:ln>
+            <a:solidFill>
+              <a:schemeClr val="tx1"/>
+            </a:solidFill>
+          </a:ln>
+        </p:spPr>
+        <p:style>
+          <a:lnRef idx="2">
+            <a:schemeClr val="accent1">
+              <a:shade val="50000"/>
+            </a:schemeClr>
+          </a:lnRef>
+          <a:fillRef idx="1">
+            <a:schemeClr val="accent1"/>
+          </a:fillRef>
+          <a:effectRef idx="0">
+            <a:schemeClr val="accent1"/>
+          </a:effectRef>
+          <a:fontRef idx="minor">
+            <a:schemeClr val="lt1"/>
+          </a:fontRef>
+        </p:style>
+        <p:txBody>
+          <a:bodyPr rtlCol="0" anchor="ctr"/>
+          <a:lstStyle/>
+          <a:p>
+            <a:pPr algn="ctr"/>
+            <a:r>
+              <a:rPr lang="en-US" sz="1100" dirty="0" err="1">
+                <a:solidFill>
+                  <a:schemeClr val="tx1"/>
+                </a:solidFill>
+              </a:rPr>
+              <a:t>medstar_compliance_deidentified.feather</a:t>
+            </a:r>
+            <a:endParaRPr lang="en-US" sz="1100" dirty="0">
+              <a:solidFill>
+                <a:schemeClr val="tx1"/>
+              </a:solidFill>
+            </a:endParaRPr>
+          </a:p>
+        </p:txBody>
+      </p:sp>
+      <p:sp>
+        <p:nvSpPr>
+          <p:cNvPr id="61" name="Rectangle 60">
+            <a:extLst>
+              <a:ext uri="{FF2B5EF4-FFF2-40B4-BE49-F238E27FC236}">
+                <a16:creationId xmlns:a16="http://schemas.microsoft.com/office/drawing/2014/main" id="{EFFE9886-351D-ED42-83F3-809847FB1A1D}"/>
+              </a:ext>
+            </a:extLst>
+          </p:cNvPr>
+          <p:cNvSpPr/>
+          <p:nvPr/>
+        </p:nvSpPr>
+        <p:spPr>
+          <a:xfrm>
+            <a:off x="6372930" y="6284343"/>
+            <a:ext cx="1920209" cy="359595"/>
+          </a:xfrm>
+          <a:prstGeom prst="rect">
+            <a:avLst/>
+          </a:prstGeom>
+          <a:solidFill>
+            <a:schemeClr val="accent2">
+              <a:lumMod val="20000"/>
+              <a:lumOff val="80000"/>
+            </a:schemeClr>
+          </a:solidFill>
+          <a:ln>
+            <a:solidFill>
+              <a:schemeClr val="tx1"/>
+            </a:solidFill>
+          </a:ln>
+        </p:spPr>
+        <p:style>
+          <a:lnRef idx="2">
+            <a:schemeClr val="accent1">
+              <a:shade val="50000"/>
+            </a:schemeClr>
+          </a:lnRef>
+          <a:fillRef idx="1">
+            <a:schemeClr val="accent1"/>
+          </a:fillRef>
+          <a:effectRef idx="0">
+            <a:schemeClr val="accent1"/>
+          </a:effectRef>
+          <a:fontRef idx="minor">
+            <a:schemeClr val="lt1"/>
+          </a:fontRef>
+        </p:style>
+        <p:txBody>
+          <a:bodyPr rtlCol="0" anchor="ctr"/>
+          <a:lstStyle/>
+          <a:p>
+            <a:pPr algn="ctr"/>
+            <a:r>
+              <a:rPr lang="en-US" sz="1100" dirty="0" err="1">
+                <a:solidFill>
+                  <a:schemeClr val="tx1"/>
+                </a:solidFill>
+              </a:rPr>
+              <a:t>medstar_aps_merged.feather</a:t>
+            </a:r>
+            <a:endParaRPr lang="en-US" sz="1100" dirty="0">
+              <a:solidFill>
+                <a:schemeClr val="tx1"/>
+              </a:solidFill>
+            </a:endParaRPr>
+          </a:p>
+        </p:txBody>
+      </p:sp>
+      <p:cxnSp>
+        <p:nvCxnSpPr>
+          <p:cNvPr id="9" name="Straight Arrow Connector 8">
+            <a:extLst>
+              <a:ext uri="{FF2B5EF4-FFF2-40B4-BE49-F238E27FC236}">
+                <a16:creationId xmlns:a16="http://schemas.microsoft.com/office/drawing/2014/main" id="{A24351A2-1DEF-B24B-90A4-F868BC049037}"/>
+              </a:ext>
+            </a:extLst>
+          </p:cNvPr>
+          <p:cNvCxnSpPr>
+            <a:stCxn id="61" idx="2"/>
+          </p:cNvCxnSpPr>
+          <p:nvPr/>
+        </p:nvCxnSpPr>
+        <p:spPr>
+          <a:xfrm flipH="1">
+            <a:off x="7333034" y="6643938"/>
+            <a:ext cx="1" cy="214062"/>
           </a:xfrm>
           <a:prstGeom prst="straightConnector1">
             <a:avLst/>
@@ -6417,7 +6907,7 @@
     </p:spTree>
     <p:extLst>
       <p:ext uri="{BB962C8B-B14F-4D97-AF65-F5344CB8AC3E}">
-        <p14:creationId xmlns:p14="http://schemas.microsoft.com/office/powerpoint/2010/main" val="1185531105"/>
+        <p14:creationId xmlns:p14="http://schemas.microsoft.com/office/powerpoint/2010/main" val="98969616"/>
       </p:ext>
     </p:extLst>
   </p:cSld>
@@ -6444,193 +6934,6 @@
           <a:chExt cx="0" cy="0"/>
         </a:xfrm>
       </p:grpSpPr>
-      <p:sp>
-        <p:nvSpPr>
-          <p:cNvPr id="4" name="Rectangle 3">
-            <a:extLst>
-              <a:ext uri="{FF2B5EF4-FFF2-40B4-BE49-F238E27FC236}">
-                <a16:creationId xmlns:a16="http://schemas.microsoft.com/office/drawing/2014/main" id="{AF1FD249-1A74-B642-A997-0EF5C299465A}"/>
-              </a:ext>
-            </a:extLst>
-          </p:cNvPr>
-          <p:cNvSpPr/>
-          <p:nvPr/>
-        </p:nvSpPr>
-        <p:spPr>
-          <a:xfrm>
-            <a:off x="380144" y="141461"/>
-            <a:ext cx="1561672" cy="359595"/>
-          </a:xfrm>
-          <a:prstGeom prst="rect">
-            <a:avLst/>
-          </a:prstGeom>
-          <a:solidFill>
-            <a:schemeClr val="accent2">
-              <a:lumMod val="20000"/>
-              <a:lumOff val="80000"/>
-            </a:schemeClr>
-          </a:solidFill>
-          <a:ln>
-            <a:solidFill>
-              <a:schemeClr val="tx1"/>
-            </a:solidFill>
-          </a:ln>
-        </p:spPr>
-        <p:style>
-          <a:lnRef idx="2">
-            <a:schemeClr val="accent1">
-              <a:shade val="50000"/>
-            </a:schemeClr>
-          </a:lnRef>
-          <a:fillRef idx="1">
-            <a:schemeClr val="accent1"/>
-          </a:fillRef>
-          <a:effectRef idx="0">
-            <a:schemeClr val="accent1"/>
-          </a:effectRef>
-          <a:fontRef idx="minor">
-            <a:schemeClr val="lt1"/>
-          </a:fontRef>
-        </p:style>
-        <p:txBody>
-          <a:bodyPr rtlCol="0" anchor="ctr"/>
-          <a:lstStyle/>
-          <a:p>
-            <a:pPr algn="ctr"/>
-            <a:r>
-              <a:rPr lang="en-US" sz="1100" dirty="0">
-                <a:solidFill>
-                  <a:schemeClr val="tx1"/>
-                </a:solidFill>
-              </a:rPr>
-              <a:t>APS Report </a:t>
-            </a:r>
-            <a:r>
-              <a:rPr lang="en-US" sz="1100" dirty="0" err="1">
-                <a:solidFill>
-                  <a:schemeClr val="tx1"/>
-                </a:solidFill>
-              </a:rPr>
-              <a:t>Data_UNTHSC_IRB.xlsx</a:t>
-            </a:r>
-            <a:endParaRPr lang="en-US" sz="1100" dirty="0">
-              <a:solidFill>
-                <a:schemeClr val="tx1"/>
-              </a:solidFill>
-            </a:endParaRPr>
-          </a:p>
-        </p:txBody>
-      </p:sp>
-      <p:sp>
-        <p:nvSpPr>
-          <p:cNvPr id="7" name="Rectangle 6">
-            <a:extLst>
-              <a:ext uri="{FF2B5EF4-FFF2-40B4-BE49-F238E27FC236}">
-                <a16:creationId xmlns:a16="http://schemas.microsoft.com/office/drawing/2014/main" id="{E808375F-8897-C945-A485-838B3900B6BF}"/>
-              </a:ext>
-            </a:extLst>
-          </p:cNvPr>
-          <p:cNvSpPr/>
-          <p:nvPr/>
-        </p:nvSpPr>
-        <p:spPr>
-          <a:xfrm>
-            <a:off x="3024255" y="139082"/>
-            <a:ext cx="1669512" cy="359595"/>
-          </a:xfrm>
-          <a:prstGeom prst="rect">
-            <a:avLst/>
-          </a:prstGeom>
-          <a:solidFill>
-            <a:schemeClr val="accent2">
-              <a:lumMod val="20000"/>
-              <a:lumOff val="80000"/>
-            </a:schemeClr>
-          </a:solidFill>
-          <a:ln>
-            <a:solidFill>
-              <a:schemeClr val="tx1"/>
-            </a:solidFill>
-          </a:ln>
-        </p:spPr>
-        <p:style>
-          <a:lnRef idx="2">
-            <a:schemeClr val="accent1">
-              <a:shade val="50000"/>
-            </a:schemeClr>
-          </a:lnRef>
-          <a:fillRef idx="1">
-            <a:schemeClr val="accent1"/>
-          </a:fillRef>
-          <a:effectRef idx="0">
-            <a:schemeClr val="accent1"/>
-          </a:effectRef>
-          <a:fontRef idx="minor">
-            <a:schemeClr val="lt1"/>
-          </a:fontRef>
-        </p:style>
-        <p:txBody>
-          <a:bodyPr rtlCol="0" anchor="ctr"/>
-          <a:lstStyle/>
-          <a:p>
-            <a:pPr algn="ctr"/>
-            <a:r>
-              <a:rPr lang="en-US" sz="1100" dirty="0" err="1">
-                <a:solidFill>
-                  <a:schemeClr val="tx1"/>
-                </a:solidFill>
-              </a:rPr>
-              <a:t>DETECT_DATA_PIVOT.xlsx</a:t>
-            </a:r>
-            <a:endParaRPr lang="en-US" sz="1100" dirty="0">
-              <a:solidFill>
-                <a:schemeClr val="tx1"/>
-              </a:solidFill>
-            </a:endParaRPr>
-          </a:p>
-        </p:txBody>
-      </p:sp>
-      <p:sp>
-        <p:nvSpPr>
-          <p:cNvPr id="52" name="TextBox 51">
-            <a:extLst>
-              <a:ext uri="{FF2B5EF4-FFF2-40B4-BE49-F238E27FC236}">
-                <a16:creationId xmlns:a16="http://schemas.microsoft.com/office/drawing/2014/main" id="{243B2E37-9861-2F40-B61A-3C73ACEEB57D}"/>
-              </a:ext>
-            </a:extLst>
-          </p:cNvPr>
-          <p:cNvSpPr txBox="1"/>
-          <p:nvPr/>
-        </p:nvSpPr>
-        <p:spPr>
-          <a:xfrm>
-            <a:off x="0" y="190453"/>
-            <a:ext cx="297950" cy="261610"/>
-          </a:xfrm>
-          <a:prstGeom prst="rect">
-            <a:avLst/>
-          </a:prstGeom>
-          <a:noFill/>
-          <a:ln>
-            <a:solidFill>
-              <a:schemeClr val="tx1"/>
-            </a:solidFill>
-          </a:ln>
-        </p:spPr>
-        <p:txBody>
-          <a:bodyPr wrap="square" rtlCol="0">
-            <a:spAutoFit/>
-          </a:bodyPr>
-          <a:lstStyle/>
-          <a:p>
-            <a:pPr algn="ctr"/>
-            <a:r>
-              <a:rPr lang="en-US" sz="1100" dirty="0"/>
-              <a:t>1</a:t>
-            </a:r>
-          </a:p>
-        </p:txBody>
-      </p:sp>
       <p:grpSp>
         <p:nvGrpSpPr>
           <p:cNvPr id="40" name="Group 39">
@@ -6891,12 +7194,53 @@
           </p:txBody>
         </p:sp>
       </p:grpSp>
-      <p:sp>
-        <p:nvSpPr>
-          <p:cNvPr id="72" name="Rectangle 71">
-            <a:extLst>
-              <a:ext uri="{FF2B5EF4-FFF2-40B4-BE49-F238E27FC236}">
-                <a16:creationId xmlns:a16="http://schemas.microsoft.com/office/drawing/2014/main" id="{FCC16E27-F142-7F4F-8933-D5819F86E024}"/>
+      <p:cxnSp>
+        <p:nvCxnSpPr>
+          <p:cNvPr id="6" name="Straight Arrow Connector 5">
+            <a:extLst>
+              <a:ext uri="{FF2B5EF4-FFF2-40B4-BE49-F238E27FC236}">
+                <a16:creationId xmlns:a16="http://schemas.microsoft.com/office/drawing/2014/main" id="{3EA5D72D-001A-9840-A3DD-ACCBF2BCAA4B}"/>
+              </a:ext>
+            </a:extLst>
+          </p:cNvPr>
+          <p:cNvCxnSpPr>
+            <a:cxnSpLocks/>
+          </p:cNvCxnSpPr>
+          <p:nvPr/>
+        </p:nvCxnSpPr>
+        <p:spPr>
+          <a:xfrm>
+            <a:off x="7333035" y="6820"/>
+            <a:ext cx="0" cy="214062"/>
+          </a:xfrm>
+          <a:prstGeom prst="straightConnector1">
+            <a:avLst/>
+          </a:prstGeom>
+          <a:ln>
+            <a:tailEnd type="triangle"/>
+          </a:ln>
+        </p:spPr>
+        <p:style>
+          <a:lnRef idx="1">
+            <a:schemeClr val="accent1"/>
+          </a:lnRef>
+          <a:fillRef idx="0">
+            <a:schemeClr val="accent1"/>
+          </a:fillRef>
+          <a:effectRef idx="0">
+            <a:schemeClr val="accent1"/>
+          </a:effectRef>
+          <a:fontRef idx="minor">
+            <a:schemeClr val="tx1"/>
+          </a:fontRef>
+        </p:style>
+      </p:cxnSp>
+      <p:sp>
+        <p:nvSpPr>
+          <p:cNvPr id="60" name="Rectangle 59">
+            <a:extLst>
+              <a:ext uri="{FF2B5EF4-FFF2-40B4-BE49-F238E27FC236}">
+                <a16:creationId xmlns:a16="http://schemas.microsoft.com/office/drawing/2014/main" id="{194A951D-09D3-3F44-B933-1950A3E3C3BA}"/>
               </a:ext>
             </a:extLst>
           </p:cNvPr>
@@ -6905,8 +7249,8 @@
         </p:nvSpPr>
         <p:spPr>
           <a:xfrm>
-            <a:off x="278668" y="969575"/>
-            <a:ext cx="1764624" cy="359595"/>
+            <a:off x="5019568" y="1497396"/>
+            <a:ext cx="3742644" cy="359595"/>
           </a:xfrm>
           <a:prstGeom prst="rect">
             <a:avLst/>
@@ -6950,17 +7294,17 @@
                   <a:schemeClr val="tx1"/>
                 </a:solidFill>
               </a:rPr>
-              <a:t>data_medstar_compliance_01_import.Rmd</a:t>
-            </a:r>
-          </a:p>
-        </p:txBody>
-      </p:sp>
-      <p:sp>
-        <p:nvSpPr>
-          <p:cNvPr id="73" name="Rectangle 72">
-            <a:extLst>
-              <a:ext uri="{FF2B5EF4-FFF2-40B4-BE49-F238E27FC236}">
-                <a16:creationId xmlns:a16="http://schemas.microsoft.com/office/drawing/2014/main" id="{08C1CA47-7AAD-D744-BD8B-E52C98069724}"/>
+              <a:t>data_medstar_aps_merged_03_preprocess_for_analysis.Rmd</a:t>
+            </a:r>
+          </a:p>
+        </p:txBody>
+      </p:sp>
+      <p:sp>
+        <p:nvSpPr>
+          <p:cNvPr id="9" name="Rectangle 8">
+            <a:extLst>
+              <a:ext uri="{FF2B5EF4-FFF2-40B4-BE49-F238E27FC236}">
+                <a16:creationId xmlns:a16="http://schemas.microsoft.com/office/drawing/2014/main" id="{7B0B09FF-7B84-A048-940A-E8401565A58F}"/>
               </a:ext>
             </a:extLst>
           </p:cNvPr>
@@ -6969,8 +7313,8 @@
         </p:nvSpPr>
         <p:spPr>
           <a:xfrm>
-            <a:off x="2818772" y="2601411"/>
-            <a:ext cx="2080478" cy="359595"/>
+            <a:off x="5862405" y="220882"/>
+            <a:ext cx="2941260" cy="359595"/>
           </a:xfrm>
           <a:prstGeom prst="rect">
             <a:avLst/>
@@ -7014,59 +7358,17 @@
                   <a:schemeClr val="tx1"/>
                 </a:solidFill>
               </a:rPr>
-              <a:t>data_medstar_detect_screenings_01_import.Rmd</a:t>
-            </a:r>
-          </a:p>
-        </p:txBody>
-      </p:sp>
-      <p:cxnSp>
-        <p:nvCxnSpPr>
-          <p:cNvPr id="3" name="Straight Arrow Connector 2">
-            <a:extLst>
-              <a:ext uri="{FF2B5EF4-FFF2-40B4-BE49-F238E27FC236}">
-                <a16:creationId xmlns:a16="http://schemas.microsoft.com/office/drawing/2014/main" id="{F3027C6D-7CF8-B44C-968F-B1D16D7C892B}"/>
-              </a:ext>
-            </a:extLst>
-          </p:cNvPr>
-          <p:cNvCxnSpPr>
-            <a:stCxn id="4" idx="2"/>
-            <a:endCxn id="72" idx="0"/>
-          </p:cNvCxnSpPr>
-          <p:nvPr/>
-        </p:nvCxnSpPr>
-        <p:spPr>
-          <a:xfrm>
-            <a:off x="1160980" y="501056"/>
-            <a:ext cx="0" cy="468519"/>
-          </a:xfrm>
-          <a:prstGeom prst="straightConnector1">
-            <a:avLst/>
-          </a:prstGeom>
-          <a:ln>
-            <a:tailEnd type="triangle"/>
-          </a:ln>
-        </p:spPr>
-        <p:style>
-          <a:lnRef idx="1">
-            <a:schemeClr val="accent1"/>
-          </a:lnRef>
-          <a:fillRef idx="0">
-            <a:schemeClr val="accent1"/>
-          </a:fillRef>
-          <a:effectRef idx="0">
-            <a:schemeClr val="accent1"/>
-          </a:effectRef>
-          <a:fontRef idx="minor">
-            <a:schemeClr val="tx1"/>
-          </a:fontRef>
-        </p:style>
-      </p:cxnSp>
-      <p:sp>
-        <p:nvSpPr>
-          <p:cNvPr id="74" name="Rectangle 73">
-            <a:extLst>
-              <a:ext uri="{FF2B5EF4-FFF2-40B4-BE49-F238E27FC236}">
-                <a16:creationId xmlns:a16="http://schemas.microsoft.com/office/drawing/2014/main" id="{723DCE00-CEE0-4A4D-A477-99516614CEBF}"/>
+              <a:t>data_medstar_aps_merged_02_deidentify.Rmd</a:t>
+            </a:r>
+          </a:p>
+        </p:txBody>
+      </p:sp>
+      <p:sp>
+        <p:nvSpPr>
+          <p:cNvPr id="10" name="Rectangle 9">
+            <a:extLst>
+              <a:ext uri="{FF2B5EF4-FFF2-40B4-BE49-F238E27FC236}">
+                <a16:creationId xmlns:a16="http://schemas.microsoft.com/office/drawing/2014/main" id="{6913B50E-5CE0-7D46-A6A5-84D5279621E7}"/>
               </a:ext>
             </a:extLst>
           </p:cNvPr>
@@ -7075,8 +7377,8 @@
         </p:nvSpPr>
         <p:spPr>
           <a:xfrm>
-            <a:off x="4986899" y="131653"/>
-            <a:ext cx="1863883" cy="359595"/>
+            <a:off x="429318" y="220882"/>
+            <a:ext cx="1387011" cy="359595"/>
           </a:xfrm>
           <a:prstGeom prst="rect">
             <a:avLst/>
@@ -7115,22 +7417,202 @@
           <a:p>
             <a:pPr algn="ctr"/>
             <a:r>
+              <a:rPr lang="en-US" sz="1100" dirty="0" err="1">
+                <a:solidFill>
+                  <a:schemeClr val="tx1"/>
+                </a:solidFill>
+              </a:rPr>
+              <a:t>response_ids.feather</a:t>
+            </a:r>
+            <a:endParaRPr lang="en-US" sz="1100" dirty="0">
+              <a:solidFill>
+                <a:schemeClr val="tx1"/>
+              </a:solidFill>
+            </a:endParaRPr>
+          </a:p>
+        </p:txBody>
+      </p:sp>
+      <p:cxnSp>
+        <p:nvCxnSpPr>
+          <p:cNvPr id="3" name="Straight Arrow Connector 2">
+            <a:extLst>
+              <a:ext uri="{FF2B5EF4-FFF2-40B4-BE49-F238E27FC236}">
+                <a16:creationId xmlns:a16="http://schemas.microsoft.com/office/drawing/2014/main" id="{ECCD1A00-360A-C04F-9313-26151CBA004F}"/>
+              </a:ext>
+            </a:extLst>
+          </p:cNvPr>
+          <p:cNvCxnSpPr>
+            <a:stCxn id="10" idx="3"/>
+            <a:endCxn id="9" idx="1"/>
+          </p:cNvCxnSpPr>
+          <p:nvPr/>
+        </p:nvCxnSpPr>
+        <p:spPr>
+          <a:xfrm>
+            <a:off x="1816329" y="400680"/>
+            <a:ext cx="4046076" cy="0"/>
+          </a:xfrm>
+          <a:prstGeom prst="straightConnector1">
+            <a:avLst/>
+          </a:prstGeom>
+          <a:ln>
+            <a:tailEnd type="triangle"/>
+          </a:ln>
+        </p:spPr>
+        <p:style>
+          <a:lnRef idx="1">
+            <a:schemeClr val="accent1"/>
+          </a:lnRef>
+          <a:fillRef idx="0">
+            <a:schemeClr val="accent1"/>
+          </a:fillRef>
+          <a:effectRef idx="0">
+            <a:schemeClr val="accent1"/>
+          </a:effectRef>
+          <a:fontRef idx="minor">
+            <a:schemeClr val="tx1"/>
+          </a:fontRef>
+        </p:style>
+      </p:cxnSp>
+      <p:sp>
+        <p:nvSpPr>
+          <p:cNvPr id="14" name="Rectangle 13">
+            <a:extLst>
+              <a:ext uri="{FF2B5EF4-FFF2-40B4-BE49-F238E27FC236}">
+                <a16:creationId xmlns:a16="http://schemas.microsoft.com/office/drawing/2014/main" id="{97C22AC1-DE13-8C43-B67A-19A9E7B33BBE}"/>
+              </a:ext>
+            </a:extLst>
+          </p:cNvPr>
+          <p:cNvSpPr/>
+          <p:nvPr/>
+        </p:nvSpPr>
+        <p:spPr>
+          <a:xfrm>
+            <a:off x="9418047" y="859140"/>
+            <a:ext cx="2263599" cy="359595"/>
+          </a:xfrm>
+          <a:prstGeom prst="rect">
+            <a:avLst/>
+          </a:prstGeom>
+          <a:solidFill>
+            <a:schemeClr val="accent2">
+              <a:lumMod val="20000"/>
+              <a:lumOff val="80000"/>
+            </a:schemeClr>
+          </a:solidFill>
+          <a:ln>
+            <a:solidFill>
+              <a:schemeClr val="tx1"/>
+            </a:solidFill>
+          </a:ln>
+        </p:spPr>
+        <p:style>
+          <a:lnRef idx="2">
+            <a:schemeClr val="accent1">
+              <a:shade val="50000"/>
+            </a:schemeClr>
+          </a:lnRef>
+          <a:fillRef idx="1">
+            <a:schemeClr val="accent1"/>
+          </a:fillRef>
+          <a:effectRef idx="0">
+            <a:schemeClr val="accent1"/>
+          </a:effectRef>
+          <a:fontRef idx="minor">
+            <a:schemeClr val="lt1"/>
+          </a:fontRef>
+        </p:style>
+        <p:txBody>
+          <a:bodyPr rtlCol="0" anchor="ctr"/>
+          <a:lstStyle/>
+          <a:p>
+            <a:pPr algn="ctr"/>
+            <a:r>
+              <a:rPr lang="en-US" sz="1100" dirty="0" err="1">
+                <a:solidFill>
+                  <a:schemeClr val="tx1"/>
+                </a:solidFill>
+              </a:rPr>
+              <a:t>responses_screenings_validation.csv</a:t>
+            </a:r>
+            <a:endParaRPr lang="en-US" sz="1100" dirty="0">
+              <a:solidFill>
+                <a:schemeClr val="tx1"/>
+              </a:solidFill>
+            </a:endParaRPr>
+          </a:p>
+        </p:txBody>
+      </p:sp>
+      <p:sp>
+        <p:nvSpPr>
+          <p:cNvPr id="15" name="Rectangle 14">
+            <a:extLst>
+              <a:ext uri="{FF2B5EF4-FFF2-40B4-BE49-F238E27FC236}">
+                <a16:creationId xmlns:a16="http://schemas.microsoft.com/office/drawing/2014/main" id="{23C33E6F-F4F1-994B-B980-E24514FB2543}"/>
+              </a:ext>
+            </a:extLst>
+          </p:cNvPr>
+          <p:cNvSpPr/>
+          <p:nvPr/>
+        </p:nvSpPr>
+        <p:spPr>
+          <a:xfrm>
+            <a:off x="5950479" y="859656"/>
+            <a:ext cx="1676400" cy="359595"/>
+          </a:xfrm>
+          <a:prstGeom prst="rect">
+            <a:avLst/>
+          </a:prstGeom>
+          <a:solidFill>
+            <a:schemeClr val="accent2">
+              <a:lumMod val="20000"/>
+              <a:lumOff val="80000"/>
+            </a:schemeClr>
+          </a:solidFill>
+          <a:ln>
+            <a:solidFill>
+              <a:schemeClr val="tx1"/>
+            </a:solidFill>
+          </a:ln>
+        </p:spPr>
+        <p:style>
+          <a:lnRef idx="2">
+            <a:schemeClr val="accent1">
+              <a:shade val="50000"/>
+            </a:schemeClr>
+          </a:lnRef>
+          <a:fillRef idx="1">
+            <a:schemeClr val="accent1"/>
+          </a:fillRef>
+          <a:effectRef idx="0">
+            <a:schemeClr val="accent1"/>
+          </a:effectRef>
+          <a:fontRef idx="minor">
+            <a:schemeClr val="lt1"/>
+          </a:fontRef>
+        </p:style>
+        <p:txBody>
+          <a:bodyPr rtlCol="0" anchor="ctr"/>
+          <a:lstStyle/>
+          <a:p>
+            <a:pPr algn="ctr"/>
+            <a:r>
               <a:rPr lang="en-US" sz="1100" dirty="0">
                 <a:solidFill>
                   <a:schemeClr val="tx1"/>
                 </a:solidFill>
               </a:rPr>
-              <a:t>DETECT-Patient-Data_2017-07-19_144931.xlsx</a:t>
-            </a:r>
-          </a:p>
-        </p:txBody>
-      </p:sp>
-      <p:sp>
-        <p:nvSpPr>
-          <p:cNvPr id="79" name="Rectangle 78">
-            <a:extLst>
-              <a:ext uri="{FF2B5EF4-FFF2-40B4-BE49-F238E27FC236}">
-                <a16:creationId xmlns:a16="http://schemas.microsoft.com/office/drawing/2014/main" id="{3F2808FB-C16A-E84B-995C-42E290B8435A}"/>
+              <a:t>detect_5wk_1.feather</a:t>
+            </a:r>
+          </a:p>
+        </p:txBody>
+      </p:sp>
+      <p:sp>
+        <p:nvSpPr>
+          <p:cNvPr id="16" name="Rectangle 15">
+            <a:extLst>
+              <a:ext uri="{FF2B5EF4-FFF2-40B4-BE49-F238E27FC236}">
+                <a16:creationId xmlns:a16="http://schemas.microsoft.com/office/drawing/2014/main" id="{3FFCB26C-D871-DE45-889B-FB59DFBB2350}"/>
               </a:ext>
             </a:extLst>
           </p:cNvPr>
@@ -7139,8 +7621,221 @@
         </p:nvSpPr>
         <p:spPr>
           <a:xfrm>
-            <a:off x="5087494" y="2605432"/>
-            <a:ext cx="1662691" cy="359595"/>
+            <a:off x="7686030" y="859140"/>
+            <a:ext cx="1676400" cy="359595"/>
+          </a:xfrm>
+          <a:prstGeom prst="rect">
+            <a:avLst/>
+          </a:prstGeom>
+          <a:solidFill>
+            <a:schemeClr val="accent2">
+              <a:lumMod val="20000"/>
+              <a:lumOff val="80000"/>
+            </a:schemeClr>
+          </a:solidFill>
+          <a:ln>
+            <a:solidFill>
+              <a:schemeClr val="tx1"/>
+            </a:solidFill>
+          </a:ln>
+        </p:spPr>
+        <p:style>
+          <a:lnRef idx="2">
+            <a:schemeClr val="accent1">
+              <a:shade val="50000"/>
+            </a:schemeClr>
+          </a:lnRef>
+          <a:fillRef idx="1">
+            <a:schemeClr val="accent1"/>
+          </a:fillRef>
+          <a:effectRef idx="0">
+            <a:schemeClr val="accent1"/>
+          </a:effectRef>
+          <a:fontRef idx="minor">
+            <a:schemeClr val="lt1"/>
+          </a:fontRef>
+        </p:style>
+        <p:txBody>
+          <a:bodyPr rtlCol="0" anchor="ctr"/>
+          <a:lstStyle/>
+          <a:p>
+            <a:pPr algn="ctr"/>
+            <a:r>
+              <a:rPr lang="en-US" sz="1100" dirty="0">
+                <a:solidFill>
+                  <a:schemeClr val="tx1"/>
+                </a:solidFill>
+              </a:rPr>
+              <a:t>detect_5wk_1.csv</a:t>
+            </a:r>
+          </a:p>
+        </p:txBody>
+      </p:sp>
+      <p:cxnSp>
+        <p:nvCxnSpPr>
+          <p:cNvPr id="12" name="Elbow Connector 11">
+            <a:extLst>
+              <a:ext uri="{FF2B5EF4-FFF2-40B4-BE49-F238E27FC236}">
+                <a16:creationId xmlns:a16="http://schemas.microsoft.com/office/drawing/2014/main" id="{E54AE3C3-3C1A-004F-8AE7-32C65B599C6F}"/>
+              </a:ext>
+            </a:extLst>
+          </p:cNvPr>
+          <p:cNvCxnSpPr>
+            <a:stCxn id="9" idx="2"/>
+            <a:endCxn id="16" idx="0"/>
+          </p:cNvCxnSpPr>
+          <p:nvPr/>
+        </p:nvCxnSpPr>
+        <p:spPr>
+          <a:xfrm rot="16200000" flipH="1">
+            <a:off x="7789301" y="124210"/>
+            <a:ext cx="278663" cy="1191195"/>
+          </a:xfrm>
+          <a:prstGeom prst="bentConnector3">
+            <a:avLst/>
+          </a:prstGeom>
+          <a:ln>
+            <a:tailEnd type="triangle"/>
+          </a:ln>
+        </p:spPr>
+        <p:style>
+          <a:lnRef idx="1">
+            <a:schemeClr val="accent1"/>
+          </a:lnRef>
+          <a:fillRef idx="0">
+            <a:schemeClr val="accent1"/>
+          </a:fillRef>
+          <a:effectRef idx="0">
+            <a:schemeClr val="accent1"/>
+          </a:effectRef>
+          <a:fontRef idx="minor">
+            <a:schemeClr val="tx1"/>
+          </a:fontRef>
+        </p:style>
+      </p:cxnSp>
+      <p:cxnSp>
+        <p:nvCxnSpPr>
+          <p:cNvPr id="19" name="Elbow Connector 18">
+            <a:extLst>
+              <a:ext uri="{FF2B5EF4-FFF2-40B4-BE49-F238E27FC236}">
+                <a16:creationId xmlns:a16="http://schemas.microsoft.com/office/drawing/2014/main" id="{3B94C11E-46A7-1A48-BDCD-F33EB2002BF3}"/>
+              </a:ext>
+            </a:extLst>
+          </p:cNvPr>
+          <p:cNvCxnSpPr>
+            <a:cxnSpLocks/>
+            <a:stCxn id="9" idx="2"/>
+            <a:endCxn id="14" idx="0"/>
+          </p:cNvCxnSpPr>
+          <p:nvPr/>
+        </p:nvCxnSpPr>
+        <p:spPr>
+          <a:xfrm rot="16200000" flipH="1">
+            <a:off x="8802110" y="-888598"/>
+            <a:ext cx="278663" cy="3216812"/>
+          </a:xfrm>
+          <a:prstGeom prst="bentConnector3">
+            <a:avLst/>
+          </a:prstGeom>
+          <a:ln>
+            <a:tailEnd type="triangle"/>
+          </a:ln>
+        </p:spPr>
+        <p:style>
+          <a:lnRef idx="1">
+            <a:schemeClr val="accent1"/>
+          </a:lnRef>
+          <a:fillRef idx="0">
+            <a:schemeClr val="accent1"/>
+          </a:fillRef>
+          <a:effectRef idx="0">
+            <a:schemeClr val="accent1"/>
+          </a:effectRef>
+          <a:fontRef idx="minor">
+            <a:schemeClr val="tx1"/>
+          </a:fontRef>
+        </p:style>
+      </p:cxnSp>
+      <p:sp>
+        <p:nvSpPr>
+          <p:cNvPr id="29" name="Rectangle 28">
+            <a:extLst>
+              <a:ext uri="{FF2B5EF4-FFF2-40B4-BE49-F238E27FC236}">
+                <a16:creationId xmlns:a16="http://schemas.microsoft.com/office/drawing/2014/main" id="{E439EC78-DE78-A44D-A8D3-C94BB25627C9}"/>
+              </a:ext>
+            </a:extLst>
+          </p:cNvPr>
+          <p:cNvSpPr/>
+          <p:nvPr/>
+        </p:nvSpPr>
+        <p:spPr>
+          <a:xfrm>
+            <a:off x="8161" y="3405361"/>
+            <a:ext cx="3730314" cy="359595"/>
+          </a:xfrm>
+          <a:prstGeom prst="rect">
+            <a:avLst/>
+          </a:prstGeom>
+          <a:solidFill>
+            <a:schemeClr val="accent6">
+              <a:lumMod val="20000"/>
+              <a:lumOff val="80000"/>
+            </a:schemeClr>
+          </a:solidFill>
+          <a:ln>
+            <a:solidFill>
+              <a:schemeClr val="tx1"/>
+            </a:solidFill>
+          </a:ln>
+        </p:spPr>
+        <p:style>
+          <a:lnRef idx="2">
+            <a:schemeClr val="accent1">
+              <a:shade val="50000"/>
+            </a:schemeClr>
+          </a:lnRef>
+          <a:fillRef idx="1">
+            <a:schemeClr val="accent1"/>
+          </a:fillRef>
+          <a:effectRef idx="0">
+            <a:schemeClr val="accent1"/>
+          </a:effectRef>
+          <a:fontRef idx="minor">
+            <a:schemeClr val="lt1"/>
+          </a:fontRef>
+        </p:style>
+        <p:txBody>
+          <a:bodyPr rtlCol="0" anchor="ctr"/>
+          <a:lstStyle/>
+          <a:p>
+            <a:pPr algn="ctr"/>
+            <a:r>
+              <a:rPr lang="en-US" sz="1100" dirty="0">
+                <a:solidFill>
+                  <a:schemeClr val="tx1"/>
+                </a:solidFill>
+              </a:rPr>
+              <a:t>fig_detect_5wk_screening_and_reporting_flow_diagram.jpg</a:t>
+            </a:r>
+          </a:p>
+        </p:txBody>
+      </p:sp>
+      <p:sp>
+        <p:nvSpPr>
+          <p:cNvPr id="36" name="Rectangle 35">
+            <a:extLst>
+              <a:ext uri="{FF2B5EF4-FFF2-40B4-BE49-F238E27FC236}">
+                <a16:creationId xmlns:a16="http://schemas.microsoft.com/office/drawing/2014/main" id="{5F16A66C-2F0D-BA4E-B941-DC699B089F7D}"/>
+              </a:ext>
+            </a:extLst>
+          </p:cNvPr>
+          <p:cNvSpPr/>
+          <p:nvPr/>
+        </p:nvSpPr>
+        <p:spPr>
+          <a:xfrm>
+            <a:off x="8907694" y="1506297"/>
+            <a:ext cx="3284306" cy="359595"/>
           </a:xfrm>
           <a:prstGeom prst="rect">
             <a:avLst/>
@@ -7179,22 +7874,154 @@
           <a:p>
             <a:pPr algn="ctr"/>
             <a:r>
-              <a:rPr lang="en-US" sz="1100" dirty="0">
+              <a:rPr lang="en-US" sz="1100" dirty="0" err="1">
                 <a:solidFill>
                   <a:schemeClr val="tx1"/>
                 </a:solidFill>
               </a:rPr>
-              <a:t>data_medstar_health_01_import.Rmd</a:t>
-            </a:r>
-          </a:p>
-        </p:txBody>
-      </p:sp>
-      <p:sp>
-        <p:nvSpPr>
-          <p:cNvPr id="80" name="Rectangle 79">
-            <a:extLst>
-              <a:ext uri="{FF2B5EF4-FFF2-40B4-BE49-F238E27FC236}">
-                <a16:creationId xmlns:a16="http://schemas.microsoft.com/office/drawing/2014/main" id="{B3A2B186-B254-D848-BA47-2E0CB0B58F8C}"/>
+              <a:t>fig_responses_screenings_validation_line_graph.Rmd</a:t>
+            </a:r>
+            <a:endParaRPr lang="en-US" sz="1100" dirty="0">
+              <a:solidFill>
+                <a:schemeClr val="tx1"/>
+              </a:solidFill>
+            </a:endParaRPr>
+          </a:p>
+        </p:txBody>
+      </p:sp>
+      <p:cxnSp>
+        <p:nvCxnSpPr>
+          <p:cNvPr id="31" name="Straight Arrow Connector 30">
+            <a:extLst>
+              <a:ext uri="{FF2B5EF4-FFF2-40B4-BE49-F238E27FC236}">
+                <a16:creationId xmlns:a16="http://schemas.microsoft.com/office/drawing/2014/main" id="{2FE661E6-5302-FF46-B024-C46B97E56C9C}"/>
+              </a:ext>
+            </a:extLst>
+          </p:cNvPr>
+          <p:cNvCxnSpPr>
+            <a:cxnSpLocks/>
+            <a:stCxn id="14" idx="2"/>
+            <a:endCxn id="36" idx="0"/>
+          </p:cNvCxnSpPr>
+          <p:nvPr/>
+        </p:nvCxnSpPr>
+        <p:spPr>
+          <a:xfrm>
+            <a:off x="10549847" y="1218735"/>
+            <a:ext cx="0" cy="287562"/>
+          </a:xfrm>
+          <a:prstGeom prst="straightConnector1">
+            <a:avLst/>
+          </a:prstGeom>
+          <a:ln>
+            <a:tailEnd type="triangle"/>
+          </a:ln>
+        </p:spPr>
+        <p:style>
+          <a:lnRef idx="1">
+            <a:schemeClr val="accent1"/>
+          </a:lnRef>
+          <a:fillRef idx="0">
+            <a:schemeClr val="accent1"/>
+          </a:fillRef>
+          <a:effectRef idx="0">
+            <a:schemeClr val="accent1"/>
+          </a:effectRef>
+          <a:fontRef idx="minor">
+            <a:schemeClr val="tx1"/>
+          </a:fontRef>
+        </p:style>
+      </p:cxnSp>
+      <p:cxnSp>
+        <p:nvCxnSpPr>
+          <p:cNvPr id="47" name="Elbow Connector 46">
+            <a:extLst>
+              <a:ext uri="{FF2B5EF4-FFF2-40B4-BE49-F238E27FC236}">
+                <a16:creationId xmlns:a16="http://schemas.microsoft.com/office/drawing/2014/main" id="{E6E89683-4CFB-3A4C-8D3D-6E85DC3DCCD9}"/>
+              </a:ext>
+            </a:extLst>
+          </p:cNvPr>
+          <p:cNvCxnSpPr>
+            <a:stCxn id="9" idx="2"/>
+            <a:endCxn id="15" idx="0"/>
+          </p:cNvCxnSpPr>
+          <p:nvPr/>
+        </p:nvCxnSpPr>
+        <p:spPr>
+          <a:xfrm rot="5400000">
+            <a:off x="6921268" y="447888"/>
+            <a:ext cx="279179" cy="544356"/>
+          </a:xfrm>
+          <a:prstGeom prst="bentConnector3">
+            <a:avLst/>
+          </a:prstGeom>
+          <a:ln>
+            <a:tailEnd type="triangle"/>
+          </a:ln>
+        </p:spPr>
+        <p:style>
+          <a:lnRef idx="1">
+            <a:schemeClr val="accent1"/>
+          </a:lnRef>
+          <a:fillRef idx="0">
+            <a:schemeClr val="accent1"/>
+          </a:fillRef>
+          <a:effectRef idx="0">
+            <a:schemeClr val="accent1"/>
+          </a:effectRef>
+          <a:fontRef idx="minor">
+            <a:schemeClr val="tx1"/>
+          </a:fontRef>
+        </p:style>
+      </p:cxnSp>
+      <p:cxnSp>
+        <p:nvCxnSpPr>
+          <p:cNvPr id="49" name="Elbow Connector 48">
+            <a:extLst>
+              <a:ext uri="{FF2B5EF4-FFF2-40B4-BE49-F238E27FC236}">
+                <a16:creationId xmlns:a16="http://schemas.microsoft.com/office/drawing/2014/main" id="{9546376F-07BF-1347-B194-B3BB98DA4AE6}"/>
+              </a:ext>
+            </a:extLst>
+          </p:cNvPr>
+          <p:cNvCxnSpPr>
+            <a:stCxn id="15" idx="2"/>
+            <a:endCxn id="60" idx="0"/>
+          </p:cNvCxnSpPr>
+          <p:nvPr/>
+        </p:nvCxnSpPr>
+        <p:spPr>
+          <a:xfrm rot="16200000" flipH="1">
+            <a:off x="6700712" y="1307217"/>
+            <a:ext cx="278145" cy="102211"/>
+          </a:xfrm>
+          <a:prstGeom prst="bentConnector3">
+            <a:avLst/>
+          </a:prstGeom>
+          <a:ln>
+            <a:tailEnd type="triangle"/>
+          </a:ln>
+        </p:spPr>
+        <p:style>
+          <a:lnRef idx="1">
+            <a:schemeClr val="accent1"/>
+          </a:lnRef>
+          <a:fillRef idx="0">
+            <a:schemeClr val="accent1"/>
+          </a:fillRef>
+          <a:effectRef idx="0">
+            <a:schemeClr val="accent1"/>
+          </a:effectRef>
+          <a:fontRef idx="minor">
+            <a:schemeClr val="tx1"/>
+          </a:fontRef>
+        </p:style>
+      </p:cxnSp>
+      <p:sp>
+        <p:nvSpPr>
+          <p:cNvPr id="51" name="Rectangle 50">
+            <a:extLst>
+              <a:ext uri="{FF2B5EF4-FFF2-40B4-BE49-F238E27FC236}">
+                <a16:creationId xmlns:a16="http://schemas.microsoft.com/office/drawing/2014/main" id="{FD9E4922-B048-9A4D-B421-8D9809F5EC1D}"/>
               </a:ext>
             </a:extLst>
           </p:cNvPr>
@@ -7203,8 +8030,119 @@
         </p:nvSpPr>
         <p:spPr>
           <a:xfrm>
-            <a:off x="7762078" y="153157"/>
-            <a:ext cx="2852368" cy="359595"/>
+            <a:off x="8907694" y="2135651"/>
+            <a:ext cx="3284306" cy="359595"/>
+          </a:xfrm>
+          <a:prstGeom prst="rect">
+            <a:avLst/>
+          </a:prstGeom>
+          <a:solidFill>
+            <a:schemeClr val="accent6">
+              <a:lumMod val="20000"/>
+              <a:lumOff val="80000"/>
+            </a:schemeClr>
+          </a:solidFill>
+          <a:ln>
+            <a:solidFill>
+              <a:schemeClr val="tx1"/>
+            </a:solidFill>
+          </a:ln>
+        </p:spPr>
+        <p:style>
+          <a:lnRef idx="2">
+            <a:schemeClr val="accent1">
+              <a:shade val="50000"/>
+            </a:schemeClr>
+          </a:lnRef>
+          <a:fillRef idx="1">
+            <a:schemeClr val="accent1"/>
+          </a:fillRef>
+          <a:effectRef idx="0">
+            <a:schemeClr val="accent1"/>
+          </a:effectRef>
+          <a:fontRef idx="minor">
+            <a:schemeClr val="lt1"/>
+          </a:fontRef>
+        </p:style>
+        <p:txBody>
+          <a:bodyPr rtlCol="0" anchor="ctr"/>
+          <a:lstStyle/>
+          <a:p>
+            <a:pPr algn="ctr"/>
+            <a:r>
+              <a:rPr lang="en-US" sz="1100" dirty="0" err="1">
+                <a:solidFill>
+                  <a:schemeClr val="tx1"/>
+                </a:solidFill>
+              </a:rPr>
+              <a:t>fig_responses_screenings_validation_line_graph.jpeg</a:t>
+            </a:r>
+            <a:endParaRPr lang="en-US" sz="1100" dirty="0">
+              <a:solidFill>
+                <a:schemeClr val="tx1"/>
+              </a:solidFill>
+            </a:endParaRPr>
+          </a:p>
+        </p:txBody>
+      </p:sp>
+      <p:cxnSp>
+        <p:nvCxnSpPr>
+          <p:cNvPr id="52" name="Straight Arrow Connector 51">
+            <a:extLst>
+              <a:ext uri="{FF2B5EF4-FFF2-40B4-BE49-F238E27FC236}">
+                <a16:creationId xmlns:a16="http://schemas.microsoft.com/office/drawing/2014/main" id="{83D714BC-5F3B-CA49-BDA0-A6D6D80F8628}"/>
+              </a:ext>
+            </a:extLst>
+          </p:cNvPr>
+          <p:cNvCxnSpPr>
+            <a:stCxn id="36" idx="2"/>
+            <a:endCxn id="51" idx="0"/>
+          </p:cNvCxnSpPr>
+          <p:nvPr/>
+        </p:nvCxnSpPr>
+        <p:spPr>
+          <a:xfrm>
+            <a:off x="10549847" y="1865892"/>
+            <a:ext cx="0" cy="269759"/>
+          </a:xfrm>
+          <a:prstGeom prst="straightConnector1">
+            <a:avLst/>
+          </a:prstGeom>
+          <a:ln>
+            <a:tailEnd type="triangle"/>
+          </a:ln>
+        </p:spPr>
+        <p:style>
+          <a:lnRef idx="1">
+            <a:schemeClr val="accent1"/>
+          </a:lnRef>
+          <a:fillRef idx="0">
+            <a:schemeClr val="accent1"/>
+          </a:fillRef>
+          <a:effectRef idx="0">
+            <a:schemeClr val="accent1"/>
+          </a:effectRef>
+          <a:fontRef idx="minor">
+            <a:schemeClr val="tx1"/>
+          </a:fontRef>
+        </p:style>
+      </p:cxnSp>
+      <p:sp>
+        <p:nvSpPr>
+          <p:cNvPr id="56" name="Rectangle 55">
+            <a:extLst>
+              <a:ext uri="{FF2B5EF4-FFF2-40B4-BE49-F238E27FC236}">
+                <a16:creationId xmlns:a16="http://schemas.microsoft.com/office/drawing/2014/main" id="{1AF02504-A0B1-1144-92D1-651CDBED0A39}"/>
+              </a:ext>
+            </a:extLst>
+          </p:cNvPr>
+          <p:cNvSpPr/>
+          <p:nvPr/>
+        </p:nvSpPr>
+        <p:spPr>
+          <a:xfrm>
+            <a:off x="5257800" y="2135652"/>
+            <a:ext cx="1676400" cy="359595"/>
           </a:xfrm>
           <a:prstGeom prst="rect">
             <a:avLst/>
@@ -7248,30 +8186,59 @@
                   <a:schemeClr val="tx1"/>
                 </a:solidFill>
               </a:rPr>
-              <a:t>APS In-Home Intakes of Clients Age 65 or Over in Denton Johnson or Tarrant </a:t>
-            </a:r>
-            <a:r>
-              <a:rPr lang="en-US" sz="1100" dirty="0" err="1">
-                <a:solidFill>
-                  <a:schemeClr val="tx1"/>
-                </a:solidFill>
-              </a:rPr>
-              <a:t>Counties.xlsx</a:t>
-            </a:r>
-            <a:endParaRPr lang="en-US" sz="1100" dirty="0">
-              <a:solidFill>
-                <a:schemeClr val="tx1"/>
-              </a:solidFill>
-            </a:endParaRPr>
-          </a:p>
-        </p:txBody>
-      </p:sp>
-      <p:sp>
-        <p:nvSpPr>
-          <p:cNvPr id="81" name="Rectangle 80">
-            <a:extLst>
-              <a:ext uri="{FF2B5EF4-FFF2-40B4-BE49-F238E27FC236}">
-                <a16:creationId xmlns:a16="http://schemas.microsoft.com/office/drawing/2014/main" id="{55BBB9F8-CC0F-1B49-9D24-171EB4A00E72}"/>
+              <a:t>detect_5wk.feather</a:t>
+            </a:r>
+          </a:p>
+        </p:txBody>
+      </p:sp>
+      <p:cxnSp>
+        <p:nvCxnSpPr>
+          <p:cNvPr id="59" name="Elbow Connector 58">
+            <a:extLst>
+              <a:ext uri="{FF2B5EF4-FFF2-40B4-BE49-F238E27FC236}">
+                <a16:creationId xmlns:a16="http://schemas.microsoft.com/office/drawing/2014/main" id="{294455CC-5983-BE4E-8A53-5AF219BF7FB4}"/>
+              </a:ext>
+            </a:extLst>
+          </p:cNvPr>
+          <p:cNvCxnSpPr>
+            <a:stCxn id="60" idx="2"/>
+            <a:endCxn id="56" idx="0"/>
+          </p:cNvCxnSpPr>
+          <p:nvPr/>
+        </p:nvCxnSpPr>
+        <p:spPr>
+          <a:xfrm rot="5400000">
+            <a:off x="6354115" y="1598876"/>
+            <a:ext cx="278661" cy="794890"/>
+          </a:xfrm>
+          <a:prstGeom prst="bentConnector3">
+            <a:avLst/>
+          </a:prstGeom>
+          <a:ln>
+            <a:tailEnd type="triangle"/>
+          </a:ln>
+        </p:spPr>
+        <p:style>
+          <a:lnRef idx="1">
+            <a:schemeClr val="accent1"/>
+          </a:lnRef>
+          <a:fillRef idx="0">
+            <a:schemeClr val="accent1"/>
+          </a:fillRef>
+          <a:effectRef idx="0">
+            <a:schemeClr val="accent1"/>
+          </a:effectRef>
+          <a:fontRef idx="minor">
+            <a:schemeClr val="tx1"/>
+          </a:fontRef>
+        </p:style>
+      </p:cxnSp>
+      <p:sp>
+        <p:nvSpPr>
+          <p:cNvPr id="63" name="Rectangle 62">
+            <a:extLst>
+              <a:ext uri="{FF2B5EF4-FFF2-40B4-BE49-F238E27FC236}">
+                <a16:creationId xmlns:a16="http://schemas.microsoft.com/office/drawing/2014/main" id="{EDD27890-3D0F-164A-8800-09C5C850899B}"/>
               </a:ext>
             </a:extLst>
           </p:cNvPr>
@@ -7280,8 +8247,8 @@
         </p:nvSpPr>
         <p:spPr>
           <a:xfrm>
-            <a:off x="8356916" y="981270"/>
-            <a:ext cx="1662691" cy="359595"/>
+            <a:off x="1995" y="2773908"/>
+            <a:ext cx="3742646" cy="359595"/>
           </a:xfrm>
           <a:prstGeom prst="rect">
             <a:avLst/>
@@ -7325,30 +8292,30 @@
                   <a:schemeClr val="tx1"/>
                 </a:solidFill>
               </a:rPr>
-              <a:t>data_aps_01_import.Rmd</a:t>
+              <a:t>fig_detect_5wk_screening_and_reporting_flow_diagram.Rmd</a:t>
             </a:r>
           </a:p>
         </p:txBody>
       </p:sp>
       <p:cxnSp>
         <p:nvCxnSpPr>
-          <p:cNvPr id="29" name="Straight Arrow Connector 28">
-            <a:extLst>
-              <a:ext uri="{FF2B5EF4-FFF2-40B4-BE49-F238E27FC236}">
-                <a16:creationId xmlns:a16="http://schemas.microsoft.com/office/drawing/2014/main" id="{FC016A70-18BB-E14C-9491-4BD30C5A1A7C}"/>
+          <p:cNvPr id="65" name="Straight Arrow Connector 64">
+            <a:extLst>
+              <a:ext uri="{FF2B5EF4-FFF2-40B4-BE49-F238E27FC236}">
+                <a16:creationId xmlns:a16="http://schemas.microsoft.com/office/drawing/2014/main" id="{E992FCB4-D8E0-DB41-9CF4-6AC63F43399A}"/>
               </a:ext>
             </a:extLst>
           </p:cNvPr>
           <p:cNvCxnSpPr>
-            <a:stCxn id="80" idx="2"/>
-            <a:endCxn id="81" idx="0"/>
+            <a:stCxn id="63" idx="2"/>
+            <a:endCxn id="29" idx="0"/>
           </p:cNvCxnSpPr>
           <p:nvPr/>
         </p:nvCxnSpPr>
         <p:spPr>
           <a:xfrm>
-            <a:off x="9188262" y="512752"/>
-            <a:ext cx="0" cy="468518"/>
+            <a:off x="1873318" y="3133503"/>
+            <a:ext cx="0" cy="271858"/>
           </a:xfrm>
           <a:prstGeom prst="straightConnector1">
             <a:avLst/>
@@ -7372,12 +8339,54 @@
           </a:fontRef>
         </p:style>
       </p:cxnSp>
-      <p:sp>
-        <p:nvSpPr>
-          <p:cNvPr id="82" name="Rectangle 81">
-            <a:extLst>
-              <a:ext uri="{FF2B5EF4-FFF2-40B4-BE49-F238E27FC236}">
-                <a16:creationId xmlns:a16="http://schemas.microsoft.com/office/drawing/2014/main" id="{5B72DB89-5B57-CB4D-96AB-CA75976DBF85}"/>
+      <p:cxnSp>
+        <p:nvCxnSpPr>
+          <p:cNvPr id="68" name="Elbow Connector 67">
+            <a:extLst>
+              <a:ext uri="{FF2B5EF4-FFF2-40B4-BE49-F238E27FC236}">
+                <a16:creationId xmlns:a16="http://schemas.microsoft.com/office/drawing/2014/main" id="{ECDD09C3-FD22-6949-B55A-5A5E19149450}"/>
+              </a:ext>
+            </a:extLst>
+          </p:cNvPr>
+          <p:cNvCxnSpPr>
+            <a:stCxn id="56" idx="2"/>
+            <a:endCxn id="63" idx="0"/>
+          </p:cNvCxnSpPr>
+          <p:nvPr/>
+        </p:nvCxnSpPr>
+        <p:spPr>
+          <a:xfrm rot="5400000">
+            <a:off x="3845329" y="523236"/>
+            <a:ext cx="278661" cy="4222682"/>
+          </a:xfrm>
+          <a:prstGeom prst="bentConnector3">
+            <a:avLst/>
+          </a:prstGeom>
+          <a:ln>
+            <a:tailEnd type="triangle"/>
+          </a:ln>
+        </p:spPr>
+        <p:style>
+          <a:lnRef idx="1">
+            <a:schemeClr val="accent1"/>
+          </a:lnRef>
+          <a:fillRef idx="0">
+            <a:schemeClr val="accent1"/>
+          </a:fillRef>
+          <a:effectRef idx="0">
+            <a:schemeClr val="accent1"/>
+          </a:effectRef>
+          <a:fontRef idx="minor">
+            <a:schemeClr val="tx1"/>
+          </a:fontRef>
+        </p:style>
+      </p:cxnSp>
+      <p:sp>
+        <p:nvSpPr>
+          <p:cNvPr id="69" name="Rectangle 68">
+            <a:extLst>
+              <a:ext uri="{FF2B5EF4-FFF2-40B4-BE49-F238E27FC236}">
+                <a16:creationId xmlns:a16="http://schemas.microsoft.com/office/drawing/2014/main" id="{6C70DA3E-D16E-9D45-ACF6-50BCC7DE31B1}"/>
               </a:ext>
             </a:extLst>
           </p:cNvPr>
@@ -7386,146 +8395,8 @@
         </p:nvSpPr>
         <p:spPr>
           <a:xfrm>
-            <a:off x="1580023" y="1795024"/>
-            <a:ext cx="1387011" cy="359595"/>
-          </a:xfrm>
-          <a:prstGeom prst="rect">
-            <a:avLst/>
-          </a:prstGeom>
-          <a:solidFill>
-            <a:schemeClr val="accent2">
-              <a:lumMod val="20000"/>
-              <a:lumOff val="80000"/>
-            </a:schemeClr>
-          </a:solidFill>
-          <a:ln>
-            <a:solidFill>
-              <a:schemeClr val="tx1"/>
-            </a:solidFill>
-          </a:ln>
-        </p:spPr>
-        <p:style>
-          <a:lnRef idx="2">
-            <a:schemeClr val="accent1">
-              <a:shade val="50000"/>
-            </a:schemeClr>
-          </a:lnRef>
-          <a:fillRef idx="1">
-            <a:schemeClr val="accent1"/>
-          </a:fillRef>
-          <a:effectRef idx="0">
-            <a:schemeClr val="accent1"/>
-          </a:effectRef>
-          <a:fontRef idx="minor">
-            <a:schemeClr val="lt1"/>
-          </a:fontRef>
-        </p:style>
-        <p:txBody>
-          <a:bodyPr rtlCol="0" anchor="ctr"/>
-          <a:lstStyle/>
-          <a:p>
-            <a:pPr algn="ctr"/>
-            <a:r>
-              <a:rPr lang="en-US" sz="1100" dirty="0" err="1">
-                <a:solidFill>
-                  <a:schemeClr val="tx1"/>
-                </a:solidFill>
-              </a:rPr>
-              <a:t>response_ids.feather</a:t>
-            </a:r>
-            <a:endParaRPr lang="en-US" sz="1100" dirty="0">
-              <a:solidFill>
-                <a:schemeClr val="tx1"/>
-              </a:solidFill>
-            </a:endParaRPr>
-          </a:p>
-        </p:txBody>
-      </p:sp>
-      <p:sp>
-        <p:nvSpPr>
-          <p:cNvPr id="83" name="Rectangle 82">
-            <a:extLst>
-              <a:ext uri="{FF2B5EF4-FFF2-40B4-BE49-F238E27FC236}">
-                <a16:creationId xmlns:a16="http://schemas.microsoft.com/office/drawing/2014/main" id="{A94BC529-9CA7-CA4E-BE12-16BBFB2D6A86}"/>
-              </a:ext>
-            </a:extLst>
-          </p:cNvPr>
-          <p:cNvSpPr/>
-          <p:nvPr/>
-        </p:nvSpPr>
-        <p:spPr>
-          <a:xfrm>
-            <a:off x="24419" y="1795024"/>
-            <a:ext cx="1387011" cy="359595"/>
-          </a:xfrm>
-          <a:prstGeom prst="rect">
-            <a:avLst/>
-          </a:prstGeom>
-          <a:solidFill>
-            <a:schemeClr val="accent2">
-              <a:lumMod val="20000"/>
-              <a:lumOff val="80000"/>
-            </a:schemeClr>
-          </a:solidFill>
-          <a:ln>
-            <a:solidFill>
-              <a:schemeClr val="tx1"/>
-            </a:solidFill>
-          </a:ln>
-        </p:spPr>
-        <p:style>
-          <a:lnRef idx="2">
-            <a:schemeClr val="accent1">
-              <a:shade val="50000"/>
-            </a:schemeClr>
-          </a:lnRef>
-          <a:fillRef idx="1">
-            <a:schemeClr val="accent1"/>
-          </a:fillRef>
-          <a:effectRef idx="0">
-            <a:schemeClr val="accent1"/>
-          </a:effectRef>
-          <a:fontRef idx="minor">
-            <a:schemeClr val="lt1"/>
-          </a:fontRef>
-        </p:style>
-        <p:txBody>
-          <a:bodyPr rtlCol="0" anchor="ctr"/>
-          <a:lstStyle/>
-          <a:p>
-            <a:pPr algn="ctr"/>
-            <a:r>
-              <a:rPr lang="en-US" sz="1100" dirty="0" err="1">
-                <a:solidFill>
-                  <a:schemeClr val="tx1"/>
-                </a:solidFill>
-              </a:rPr>
-              <a:t>medstar_compliance.feather</a:t>
-            </a:r>
-            <a:endParaRPr lang="en-US" sz="1100" dirty="0">
-              <a:solidFill>
-                <a:schemeClr val="tx1"/>
-              </a:solidFill>
-            </a:endParaRPr>
-          </a:p>
-        </p:txBody>
-      </p:sp>
-      <p:sp>
-        <p:nvSpPr>
-          <p:cNvPr id="86" name="Rectangle 85">
-            <a:extLst>
-              <a:ext uri="{FF2B5EF4-FFF2-40B4-BE49-F238E27FC236}">
-                <a16:creationId xmlns:a16="http://schemas.microsoft.com/office/drawing/2014/main" id="{1EF0F79A-0146-7D42-8EE4-67C6E64B2073}"/>
-              </a:ext>
-            </a:extLst>
-          </p:cNvPr>
-          <p:cNvSpPr/>
-          <p:nvPr/>
-        </p:nvSpPr>
-        <p:spPr>
-          <a:xfrm>
-            <a:off x="4206" y="2605525"/>
-            <a:ext cx="1764624" cy="359595"/>
+            <a:off x="3839367" y="2773907"/>
+            <a:ext cx="2530611" cy="359595"/>
           </a:xfrm>
           <a:prstGeom prst="rect">
             <a:avLst/>
@@ -7569,1756 +8440,32 @@
                   <a:schemeClr val="tx1"/>
                 </a:solidFill>
               </a:rPr>
-              <a:t>data_medstar_compliance_02_deidentify.Rmd</a:t>
-            </a:r>
-          </a:p>
-        </p:txBody>
-      </p:sp>
-      <p:sp>
-        <p:nvSpPr>
-          <p:cNvPr id="89" name="Rectangle 88">
-            <a:extLst>
-              <a:ext uri="{FF2B5EF4-FFF2-40B4-BE49-F238E27FC236}">
-                <a16:creationId xmlns:a16="http://schemas.microsoft.com/office/drawing/2014/main" id="{2CAC5257-A68E-C946-B322-984D414A1DAF}"/>
-              </a:ext>
-            </a:extLst>
-          </p:cNvPr>
-          <p:cNvSpPr/>
-          <p:nvPr/>
-        </p:nvSpPr>
-        <p:spPr>
-          <a:xfrm>
-            <a:off x="5846" y="3448586"/>
-            <a:ext cx="1387011" cy="359595"/>
-          </a:xfrm>
-          <a:prstGeom prst="rect">
-            <a:avLst/>
-          </a:prstGeom>
-          <a:solidFill>
-            <a:schemeClr val="accent2">
-              <a:lumMod val="20000"/>
-              <a:lumOff val="80000"/>
-            </a:schemeClr>
-          </a:solidFill>
-          <a:ln>
-            <a:solidFill>
-              <a:schemeClr val="tx1"/>
-            </a:solidFill>
-          </a:ln>
-        </p:spPr>
-        <p:style>
-          <a:lnRef idx="2">
-            <a:schemeClr val="accent1">
-              <a:shade val="50000"/>
-            </a:schemeClr>
-          </a:lnRef>
-          <a:fillRef idx="1">
-            <a:schemeClr val="accent1"/>
-          </a:fillRef>
-          <a:effectRef idx="0">
-            <a:schemeClr val="accent1"/>
-          </a:effectRef>
-          <a:fontRef idx="minor">
-            <a:schemeClr val="lt1"/>
-          </a:fontRef>
-        </p:style>
-        <p:txBody>
-          <a:bodyPr rtlCol="0" anchor="ctr"/>
-          <a:lstStyle/>
-          <a:p>
-            <a:pPr algn="ctr"/>
-            <a:r>
-              <a:rPr lang="en-US" sz="1100" dirty="0" err="1">
-                <a:solidFill>
-                  <a:schemeClr val="tx1"/>
-                </a:solidFill>
-              </a:rPr>
-              <a:t>medstar_compliance_deidentified.csv</a:t>
-            </a:r>
-            <a:endParaRPr lang="en-US" sz="1100" dirty="0">
-              <a:solidFill>
-                <a:schemeClr val="tx1"/>
-              </a:solidFill>
-            </a:endParaRPr>
-          </a:p>
-        </p:txBody>
-      </p:sp>
-      <p:sp>
-        <p:nvSpPr>
-          <p:cNvPr id="90" name="Rectangle 89">
-            <a:extLst>
-              <a:ext uri="{FF2B5EF4-FFF2-40B4-BE49-F238E27FC236}">
-                <a16:creationId xmlns:a16="http://schemas.microsoft.com/office/drawing/2014/main" id="{22DB5B27-C281-AC43-B56B-D20BB9612022}"/>
-              </a:ext>
-            </a:extLst>
-          </p:cNvPr>
-          <p:cNvSpPr/>
-          <p:nvPr/>
-        </p:nvSpPr>
-        <p:spPr>
-          <a:xfrm>
-            <a:off x="1495172" y="3448584"/>
-            <a:ext cx="1426768" cy="359595"/>
-          </a:xfrm>
-          <a:prstGeom prst="rect">
-            <a:avLst/>
-          </a:prstGeom>
-          <a:solidFill>
-            <a:schemeClr val="accent2">
-              <a:lumMod val="20000"/>
-              <a:lumOff val="80000"/>
-            </a:schemeClr>
-          </a:solidFill>
-          <a:ln>
-            <a:solidFill>
-              <a:schemeClr val="tx1"/>
-            </a:solidFill>
-          </a:ln>
-        </p:spPr>
-        <p:style>
-          <a:lnRef idx="2">
-            <a:schemeClr val="accent1">
-              <a:shade val="50000"/>
-            </a:schemeClr>
-          </a:lnRef>
-          <a:fillRef idx="1">
-            <a:schemeClr val="accent1"/>
-          </a:fillRef>
-          <a:effectRef idx="0">
-            <a:schemeClr val="accent1"/>
-          </a:effectRef>
-          <a:fontRef idx="minor">
-            <a:schemeClr val="lt1"/>
-          </a:fontRef>
-        </p:style>
-        <p:txBody>
-          <a:bodyPr rtlCol="0" anchor="ctr"/>
-          <a:lstStyle/>
-          <a:p>
-            <a:pPr algn="ctr"/>
-            <a:r>
-              <a:rPr lang="en-US" sz="1100" dirty="0" err="1">
-                <a:solidFill>
-                  <a:schemeClr val="tx1"/>
-                </a:solidFill>
-              </a:rPr>
-              <a:t>medstar_compliance_deidentified.feather</a:t>
-            </a:r>
-            <a:endParaRPr lang="en-US" sz="1100" dirty="0">
-              <a:solidFill>
-                <a:schemeClr val="tx1"/>
-              </a:solidFill>
-            </a:endParaRPr>
+              <a:t>analysis_detect_5wk_01_feasibility.Rmd</a:t>
+            </a:r>
           </a:p>
         </p:txBody>
       </p:sp>
       <p:cxnSp>
         <p:nvCxnSpPr>
-          <p:cNvPr id="91" name="Elbow Connector 90">
-            <a:extLst>
-              <a:ext uri="{FF2B5EF4-FFF2-40B4-BE49-F238E27FC236}">
-                <a16:creationId xmlns:a16="http://schemas.microsoft.com/office/drawing/2014/main" id="{845010CE-2939-7747-B3A3-C7AE388E49B3}"/>
+          <p:cNvPr id="71" name="Elbow Connector 70">
+            <a:extLst>
+              <a:ext uri="{FF2B5EF4-FFF2-40B4-BE49-F238E27FC236}">
+                <a16:creationId xmlns:a16="http://schemas.microsoft.com/office/drawing/2014/main" id="{8E6412AC-F6D3-674D-A017-BEE4A15FDC05}"/>
               </a:ext>
             </a:extLst>
           </p:cNvPr>
           <p:cNvCxnSpPr>
-            <a:stCxn id="86" idx="2"/>
-            <a:endCxn id="89" idx="0"/>
+            <a:stCxn id="56" idx="2"/>
+            <a:endCxn id="69" idx="0"/>
           </p:cNvCxnSpPr>
           <p:nvPr/>
         </p:nvCxnSpPr>
         <p:spPr>
           <a:xfrm rot="5400000">
-            <a:off x="551202" y="3113270"/>
-            <a:ext cx="483466" cy="187166"/>
+            <a:off x="5461007" y="2138914"/>
+            <a:ext cx="278660" cy="991327"/>
           </a:xfrm>
           <a:prstGeom prst="bentConnector3">
-            <a:avLst/>
-          </a:prstGeom>
-          <a:ln>
-            <a:tailEnd type="triangle"/>
-          </a:ln>
-        </p:spPr>
-        <p:style>
-          <a:lnRef idx="1">
-            <a:schemeClr val="accent1"/>
-          </a:lnRef>
-          <a:fillRef idx="0">
-            <a:schemeClr val="accent1"/>
-          </a:fillRef>
-          <a:effectRef idx="0">
-            <a:schemeClr val="accent1"/>
-          </a:effectRef>
-          <a:fontRef idx="minor">
-            <a:schemeClr val="tx1"/>
-          </a:fontRef>
-        </p:style>
-      </p:cxnSp>
-      <p:cxnSp>
-        <p:nvCxnSpPr>
-          <p:cNvPr id="94" name="Elbow Connector 93">
-            <a:extLst>
-              <a:ext uri="{FF2B5EF4-FFF2-40B4-BE49-F238E27FC236}">
-                <a16:creationId xmlns:a16="http://schemas.microsoft.com/office/drawing/2014/main" id="{18CFA234-0B01-A448-B730-3E7545240FE8}"/>
-              </a:ext>
-            </a:extLst>
-          </p:cNvPr>
-          <p:cNvCxnSpPr>
-            <a:stCxn id="86" idx="2"/>
-            <a:endCxn id="90" idx="0"/>
-          </p:cNvCxnSpPr>
-          <p:nvPr/>
-        </p:nvCxnSpPr>
-        <p:spPr>
-          <a:xfrm rot="16200000" flipH="1">
-            <a:off x="1305805" y="2545833"/>
-            <a:ext cx="483464" cy="1322038"/>
-          </a:xfrm>
-          <a:prstGeom prst="bentConnector3">
-            <a:avLst/>
-          </a:prstGeom>
-          <a:ln>
-            <a:tailEnd type="triangle"/>
-          </a:ln>
-        </p:spPr>
-        <p:style>
-          <a:lnRef idx="1">
-            <a:schemeClr val="accent1"/>
-          </a:lnRef>
-          <a:fillRef idx="0">
-            <a:schemeClr val="accent1"/>
-          </a:fillRef>
-          <a:effectRef idx="0">
-            <a:schemeClr val="accent1"/>
-          </a:effectRef>
-          <a:fontRef idx="minor">
-            <a:schemeClr val="tx1"/>
-          </a:fontRef>
-        </p:style>
-      </p:cxnSp>
-      <p:sp>
-        <p:nvSpPr>
-          <p:cNvPr id="108" name="Rectangle 107">
-            <a:extLst>
-              <a:ext uri="{FF2B5EF4-FFF2-40B4-BE49-F238E27FC236}">
-                <a16:creationId xmlns:a16="http://schemas.microsoft.com/office/drawing/2014/main" id="{69C643E7-E7AF-474F-98EE-F06A0DF04FE8}"/>
-              </a:ext>
-            </a:extLst>
-          </p:cNvPr>
-          <p:cNvSpPr/>
-          <p:nvPr/>
-        </p:nvSpPr>
-        <p:spPr>
-          <a:xfrm>
-            <a:off x="3024255" y="3448583"/>
-            <a:ext cx="1669512" cy="359595"/>
-          </a:xfrm>
-          <a:prstGeom prst="rect">
-            <a:avLst/>
-          </a:prstGeom>
-          <a:solidFill>
-            <a:schemeClr val="accent2">
-              <a:lumMod val="20000"/>
-              <a:lumOff val="80000"/>
-            </a:schemeClr>
-          </a:solidFill>
-          <a:ln>
-            <a:solidFill>
-              <a:schemeClr val="tx1"/>
-            </a:solidFill>
-          </a:ln>
-        </p:spPr>
-        <p:style>
-          <a:lnRef idx="2">
-            <a:schemeClr val="accent1">
-              <a:shade val="50000"/>
-            </a:schemeClr>
-          </a:lnRef>
-          <a:fillRef idx="1">
-            <a:schemeClr val="accent1"/>
-          </a:fillRef>
-          <a:effectRef idx="0">
-            <a:schemeClr val="accent1"/>
-          </a:effectRef>
-          <a:fontRef idx="minor">
-            <a:schemeClr val="lt1"/>
-          </a:fontRef>
-        </p:style>
-        <p:txBody>
-          <a:bodyPr rtlCol="0" anchor="ctr"/>
-          <a:lstStyle/>
-          <a:p>
-            <a:pPr algn="ctr"/>
-            <a:r>
-              <a:rPr lang="en-US" sz="1100" dirty="0" err="1">
-                <a:solidFill>
-                  <a:schemeClr val="tx1"/>
-                </a:solidFill>
-              </a:rPr>
-              <a:t>medstar_detect.feather</a:t>
-            </a:r>
-            <a:endParaRPr lang="en-US" sz="1100" dirty="0">
-              <a:solidFill>
-                <a:schemeClr val="tx1"/>
-              </a:solidFill>
-            </a:endParaRPr>
-          </a:p>
-        </p:txBody>
-      </p:sp>
-      <p:cxnSp>
-        <p:nvCxnSpPr>
-          <p:cNvPr id="113" name="Straight Arrow Connector 112">
-            <a:extLst>
-              <a:ext uri="{FF2B5EF4-FFF2-40B4-BE49-F238E27FC236}">
-                <a16:creationId xmlns:a16="http://schemas.microsoft.com/office/drawing/2014/main" id="{B27F98B6-6374-664A-B4F6-0C719AC61FC7}"/>
-              </a:ext>
-            </a:extLst>
-          </p:cNvPr>
-          <p:cNvCxnSpPr>
-            <a:stCxn id="74" idx="2"/>
-            <a:endCxn id="79" idx="0"/>
-          </p:cNvCxnSpPr>
-          <p:nvPr/>
-        </p:nvCxnSpPr>
-        <p:spPr>
-          <a:xfrm flipH="1">
-            <a:off x="5918840" y="491248"/>
-            <a:ext cx="1" cy="2114184"/>
-          </a:xfrm>
-          <a:prstGeom prst="straightConnector1">
-            <a:avLst/>
-          </a:prstGeom>
-          <a:ln>
-            <a:tailEnd type="triangle"/>
-          </a:ln>
-        </p:spPr>
-        <p:style>
-          <a:lnRef idx="1">
-            <a:schemeClr val="accent1"/>
-          </a:lnRef>
-          <a:fillRef idx="0">
-            <a:schemeClr val="accent1"/>
-          </a:fillRef>
-          <a:effectRef idx="0">
-            <a:schemeClr val="accent1"/>
-          </a:effectRef>
-          <a:fontRef idx="minor">
-            <a:schemeClr val="tx1"/>
-          </a:fontRef>
-        </p:style>
-      </p:cxnSp>
-      <p:cxnSp>
-        <p:nvCxnSpPr>
-          <p:cNvPr id="123" name="Elbow Connector 122">
-            <a:extLst>
-              <a:ext uri="{FF2B5EF4-FFF2-40B4-BE49-F238E27FC236}">
-                <a16:creationId xmlns:a16="http://schemas.microsoft.com/office/drawing/2014/main" id="{AC129749-74FF-4F4E-822E-83FC6BD402EA}"/>
-              </a:ext>
-            </a:extLst>
-          </p:cNvPr>
-          <p:cNvCxnSpPr>
-            <a:stCxn id="72" idx="2"/>
-            <a:endCxn id="83" idx="0"/>
-          </p:cNvCxnSpPr>
-          <p:nvPr/>
-        </p:nvCxnSpPr>
-        <p:spPr>
-          <a:xfrm rot="5400000">
-            <a:off x="706526" y="1340570"/>
-            <a:ext cx="465854" cy="443055"/>
-          </a:xfrm>
-          <a:prstGeom prst="bentConnector3">
-            <a:avLst/>
-          </a:prstGeom>
-          <a:ln>
-            <a:tailEnd type="triangle"/>
-          </a:ln>
-        </p:spPr>
-        <p:style>
-          <a:lnRef idx="1">
-            <a:schemeClr val="accent1"/>
-          </a:lnRef>
-          <a:fillRef idx="0">
-            <a:schemeClr val="accent1"/>
-          </a:fillRef>
-          <a:effectRef idx="0">
-            <a:schemeClr val="accent1"/>
-          </a:effectRef>
-          <a:fontRef idx="minor">
-            <a:schemeClr val="tx1"/>
-          </a:fontRef>
-        </p:style>
-      </p:cxnSp>
-      <p:cxnSp>
-        <p:nvCxnSpPr>
-          <p:cNvPr id="129" name="Elbow Connector 128">
-            <a:extLst>
-              <a:ext uri="{FF2B5EF4-FFF2-40B4-BE49-F238E27FC236}">
-                <a16:creationId xmlns:a16="http://schemas.microsoft.com/office/drawing/2014/main" id="{64CA426E-7437-D94E-9E8F-10110C751DCA}"/>
-              </a:ext>
-            </a:extLst>
-          </p:cNvPr>
-          <p:cNvCxnSpPr>
-            <a:stCxn id="83" idx="2"/>
-            <a:endCxn id="86" idx="0"/>
-          </p:cNvCxnSpPr>
-          <p:nvPr/>
-        </p:nvCxnSpPr>
-        <p:spPr>
-          <a:xfrm rot="16200000" flipH="1">
-            <a:off x="576768" y="2295775"/>
-            <a:ext cx="450906" cy="168593"/>
-          </a:xfrm>
-          <a:prstGeom prst="bentConnector3">
-            <a:avLst/>
-          </a:prstGeom>
-          <a:ln>
-            <a:tailEnd type="triangle"/>
-          </a:ln>
-        </p:spPr>
-        <p:style>
-          <a:lnRef idx="1">
-            <a:schemeClr val="accent1"/>
-          </a:lnRef>
-          <a:fillRef idx="0">
-            <a:schemeClr val="accent1"/>
-          </a:fillRef>
-          <a:effectRef idx="0">
-            <a:schemeClr val="accent1"/>
-          </a:effectRef>
-          <a:fontRef idx="minor">
-            <a:schemeClr val="tx1"/>
-          </a:fontRef>
-        </p:style>
-      </p:cxnSp>
-      <p:cxnSp>
-        <p:nvCxnSpPr>
-          <p:cNvPr id="133" name="Elbow Connector 132">
-            <a:extLst>
-              <a:ext uri="{FF2B5EF4-FFF2-40B4-BE49-F238E27FC236}">
-                <a16:creationId xmlns:a16="http://schemas.microsoft.com/office/drawing/2014/main" id="{46CD9EDE-D943-1B4D-AA39-7E9D6674E8C6}"/>
-              </a:ext>
-            </a:extLst>
-          </p:cNvPr>
-          <p:cNvCxnSpPr>
-            <a:stCxn id="72" idx="2"/>
-            <a:endCxn id="82" idx="0"/>
-          </p:cNvCxnSpPr>
-          <p:nvPr/>
-        </p:nvCxnSpPr>
-        <p:spPr>
-          <a:xfrm rot="16200000" flipH="1">
-            <a:off x="1484327" y="1005822"/>
-            <a:ext cx="465854" cy="1112549"/>
-          </a:xfrm>
-          <a:prstGeom prst="bentConnector3">
-            <a:avLst/>
-          </a:prstGeom>
-          <a:ln>
-            <a:tailEnd type="triangle"/>
-          </a:ln>
-        </p:spPr>
-        <p:style>
-          <a:lnRef idx="1">
-            <a:schemeClr val="accent1"/>
-          </a:lnRef>
-          <a:fillRef idx="0">
-            <a:schemeClr val="accent1"/>
-          </a:fillRef>
-          <a:effectRef idx="0">
-            <a:schemeClr val="accent1"/>
-          </a:effectRef>
-          <a:fontRef idx="minor">
-            <a:schemeClr val="tx1"/>
-          </a:fontRef>
-        </p:style>
-      </p:cxnSp>
-      <p:cxnSp>
-        <p:nvCxnSpPr>
-          <p:cNvPr id="140" name="Elbow Connector 139">
-            <a:extLst>
-              <a:ext uri="{FF2B5EF4-FFF2-40B4-BE49-F238E27FC236}">
-                <a16:creationId xmlns:a16="http://schemas.microsoft.com/office/drawing/2014/main" id="{3DD49759-4F3F-7842-9805-7BF6A2D4F972}"/>
-              </a:ext>
-            </a:extLst>
-          </p:cNvPr>
-          <p:cNvCxnSpPr>
-            <a:stCxn id="82" idx="2"/>
-            <a:endCxn id="73" idx="0"/>
-          </p:cNvCxnSpPr>
-          <p:nvPr/>
-        </p:nvCxnSpPr>
-        <p:spPr>
-          <a:xfrm rot="16200000" flipH="1">
-            <a:off x="2842874" y="1585274"/>
-            <a:ext cx="446792" cy="1585482"/>
-          </a:xfrm>
-          <a:prstGeom prst="bentConnector3">
-            <a:avLst/>
-          </a:prstGeom>
-          <a:ln>
-            <a:tailEnd type="triangle"/>
-          </a:ln>
-        </p:spPr>
-        <p:style>
-          <a:lnRef idx="1">
-            <a:schemeClr val="accent1"/>
-          </a:lnRef>
-          <a:fillRef idx="0">
-            <a:schemeClr val="accent1"/>
-          </a:fillRef>
-          <a:effectRef idx="0">
-            <a:schemeClr val="accent1"/>
-          </a:effectRef>
-          <a:fontRef idx="minor">
-            <a:schemeClr val="tx1"/>
-          </a:fontRef>
-        </p:style>
-      </p:cxnSp>
-      <p:cxnSp>
-        <p:nvCxnSpPr>
-          <p:cNvPr id="142" name="Straight Arrow Connector 141">
-            <a:extLst>
-              <a:ext uri="{FF2B5EF4-FFF2-40B4-BE49-F238E27FC236}">
-                <a16:creationId xmlns:a16="http://schemas.microsoft.com/office/drawing/2014/main" id="{14A689C8-E292-4945-81E5-C49660111868}"/>
-              </a:ext>
-            </a:extLst>
-          </p:cNvPr>
-          <p:cNvCxnSpPr>
-            <a:stCxn id="7" idx="2"/>
-            <a:endCxn id="73" idx="0"/>
-          </p:cNvCxnSpPr>
-          <p:nvPr/>
-        </p:nvCxnSpPr>
-        <p:spPr>
-          <a:xfrm>
-            <a:off x="3859011" y="498677"/>
-            <a:ext cx="0" cy="2102734"/>
-          </a:xfrm>
-          <a:prstGeom prst="straightConnector1">
-            <a:avLst/>
-          </a:prstGeom>
-          <a:ln>
-            <a:tailEnd type="triangle"/>
-          </a:ln>
-        </p:spPr>
-        <p:style>
-          <a:lnRef idx="1">
-            <a:schemeClr val="accent1"/>
-          </a:lnRef>
-          <a:fillRef idx="0">
-            <a:schemeClr val="accent1"/>
-          </a:fillRef>
-          <a:effectRef idx="0">
-            <a:schemeClr val="accent1"/>
-          </a:effectRef>
-          <a:fontRef idx="minor">
-            <a:schemeClr val="tx1"/>
-          </a:fontRef>
-        </p:style>
-      </p:cxnSp>
-      <p:cxnSp>
-        <p:nvCxnSpPr>
-          <p:cNvPr id="144" name="Straight Arrow Connector 143">
-            <a:extLst>
-              <a:ext uri="{FF2B5EF4-FFF2-40B4-BE49-F238E27FC236}">
-                <a16:creationId xmlns:a16="http://schemas.microsoft.com/office/drawing/2014/main" id="{BC1A9A62-A138-E64B-B314-AAAC64B07B05}"/>
-              </a:ext>
-            </a:extLst>
-          </p:cNvPr>
-          <p:cNvCxnSpPr>
-            <a:stCxn id="73" idx="2"/>
-            <a:endCxn id="108" idx="0"/>
-          </p:cNvCxnSpPr>
-          <p:nvPr/>
-        </p:nvCxnSpPr>
-        <p:spPr>
-          <a:xfrm>
-            <a:off x="3859011" y="2961006"/>
-            <a:ext cx="0" cy="487577"/>
-          </a:xfrm>
-          <a:prstGeom prst="straightConnector1">
-            <a:avLst/>
-          </a:prstGeom>
-          <a:ln>
-            <a:tailEnd type="triangle"/>
-          </a:ln>
-        </p:spPr>
-        <p:style>
-          <a:lnRef idx="1">
-            <a:schemeClr val="accent1"/>
-          </a:lnRef>
-          <a:fillRef idx="0">
-            <a:schemeClr val="accent1"/>
-          </a:fillRef>
-          <a:effectRef idx="0">
-            <a:schemeClr val="accent1"/>
-          </a:effectRef>
-          <a:fontRef idx="minor">
-            <a:schemeClr val="tx1"/>
-          </a:fontRef>
-        </p:style>
-      </p:cxnSp>
-      <p:cxnSp>
-        <p:nvCxnSpPr>
-          <p:cNvPr id="146" name="Elbow Connector 145">
-            <a:extLst>
-              <a:ext uri="{FF2B5EF4-FFF2-40B4-BE49-F238E27FC236}">
-                <a16:creationId xmlns:a16="http://schemas.microsoft.com/office/drawing/2014/main" id="{B22A7AB4-026D-614F-8377-04AFB7453BC8}"/>
-              </a:ext>
-            </a:extLst>
-          </p:cNvPr>
-          <p:cNvCxnSpPr>
-            <a:stCxn id="82" idx="2"/>
-            <a:endCxn id="79" idx="0"/>
-          </p:cNvCxnSpPr>
-          <p:nvPr/>
-        </p:nvCxnSpPr>
-        <p:spPr>
-          <a:xfrm rot="16200000" flipH="1">
-            <a:off x="3870778" y="557369"/>
-            <a:ext cx="450813" cy="3645311"/>
-          </a:xfrm>
-          <a:prstGeom prst="bentConnector3">
-            <a:avLst/>
-          </a:prstGeom>
-          <a:ln>
-            <a:tailEnd type="triangle"/>
-          </a:ln>
-        </p:spPr>
-        <p:style>
-          <a:lnRef idx="1">
-            <a:schemeClr val="accent1"/>
-          </a:lnRef>
-          <a:fillRef idx="0">
-            <a:schemeClr val="accent1"/>
-          </a:fillRef>
-          <a:effectRef idx="0">
-            <a:schemeClr val="accent1"/>
-          </a:effectRef>
-          <a:fontRef idx="minor">
-            <a:schemeClr val="tx1"/>
-          </a:fontRef>
-        </p:style>
-      </p:cxnSp>
-      <p:sp>
-        <p:nvSpPr>
-          <p:cNvPr id="147" name="Rectangle 146">
-            <a:extLst>
-              <a:ext uri="{FF2B5EF4-FFF2-40B4-BE49-F238E27FC236}">
-                <a16:creationId xmlns:a16="http://schemas.microsoft.com/office/drawing/2014/main" id="{49E50B93-BA68-3946-ABD3-572EB7F8F2DC}"/>
-              </a:ext>
-            </a:extLst>
-          </p:cNvPr>
-          <p:cNvSpPr/>
-          <p:nvPr/>
-        </p:nvSpPr>
-        <p:spPr>
-          <a:xfrm>
-            <a:off x="5080673" y="3448582"/>
-            <a:ext cx="1669512" cy="359595"/>
-          </a:xfrm>
-          <a:prstGeom prst="rect">
-            <a:avLst/>
-          </a:prstGeom>
-          <a:solidFill>
-            <a:schemeClr val="accent2">
-              <a:lumMod val="20000"/>
-              <a:lumOff val="80000"/>
-            </a:schemeClr>
-          </a:solidFill>
-          <a:ln>
-            <a:solidFill>
-              <a:schemeClr val="tx1"/>
-            </a:solidFill>
-          </a:ln>
-        </p:spPr>
-        <p:style>
-          <a:lnRef idx="2">
-            <a:schemeClr val="accent1">
-              <a:shade val="50000"/>
-            </a:schemeClr>
-          </a:lnRef>
-          <a:fillRef idx="1">
-            <a:schemeClr val="accent1"/>
-          </a:fillRef>
-          <a:effectRef idx="0">
-            <a:schemeClr val="accent1"/>
-          </a:effectRef>
-          <a:fontRef idx="minor">
-            <a:schemeClr val="lt1"/>
-          </a:fontRef>
-        </p:style>
-        <p:txBody>
-          <a:bodyPr rtlCol="0" anchor="ctr"/>
-          <a:lstStyle/>
-          <a:p>
-            <a:pPr algn="ctr"/>
-            <a:r>
-              <a:rPr lang="en-US" sz="1100" dirty="0" err="1">
-                <a:solidFill>
-                  <a:schemeClr val="tx1"/>
-                </a:solidFill>
-              </a:rPr>
-              <a:t>medstar_health.feather</a:t>
-            </a:r>
-            <a:endParaRPr lang="en-US" sz="1100" dirty="0">
-              <a:solidFill>
-                <a:schemeClr val="tx1"/>
-              </a:solidFill>
-            </a:endParaRPr>
-          </a:p>
-        </p:txBody>
-      </p:sp>
-      <p:cxnSp>
-        <p:nvCxnSpPr>
-          <p:cNvPr id="149" name="Straight Arrow Connector 148">
-            <a:extLst>
-              <a:ext uri="{FF2B5EF4-FFF2-40B4-BE49-F238E27FC236}">
-                <a16:creationId xmlns:a16="http://schemas.microsoft.com/office/drawing/2014/main" id="{BD05C671-3F06-784E-AF3A-EBBB65FE1977}"/>
-              </a:ext>
-            </a:extLst>
-          </p:cNvPr>
-          <p:cNvCxnSpPr>
-            <a:stCxn id="79" idx="2"/>
-            <a:endCxn id="147" idx="0"/>
-          </p:cNvCxnSpPr>
-          <p:nvPr/>
-        </p:nvCxnSpPr>
-        <p:spPr>
-          <a:xfrm flipH="1">
-            <a:off x="5915429" y="2965027"/>
-            <a:ext cx="3411" cy="483555"/>
-          </a:xfrm>
-          <a:prstGeom prst="straightConnector1">
-            <a:avLst/>
-          </a:prstGeom>
-          <a:ln>
-            <a:tailEnd type="triangle"/>
-          </a:ln>
-        </p:spPr>
-        <p:style>
-          <a:lnRef idx="1">
-            <a:schemeClr val="accent1"/>
-          </a:lnRef>
-          <a:fillRef idx="0">
-            <a:schemeClr val="accent1"/>
-          </a:fillRef>
-          <a:effectRef idx="0">
-            <a:schemeClr val="accent1"/>
-          </a:effectRef>
-          <a:fontRef idx="minor">
-            <a:schemeClr val="tx1"/>
-          </a:fontRef>
-        </p:style>
-      </p:cxnSp>
-      <p:sp>
-        <p:nvSpPr>
-          <p:cNvPr id="150" name="Rectangle 149">
-            <a:extLst>
-              <a:ext uri="{FF2B5EF4-FFF2-40B4-BE49-F238E27FC236}">
-                <a16:creationId xmlns:a16="http://schemas.microsoft.com/office/drawing/2014/main" id="{F8C39AA5-26AC-5E4E-8931-8AF5E30CDA7A}"/>
-              </a:ext>
-            </a:extLst>
-          </p:cNvPr>
-          <p:cNvSpPr/>
-          <p:nvPr/>
-        </p:nvSpPr>
-        <p:spPr>
-          <a:xfrm>
-            <a:off x="3537963" y="4172160"/>
-            <a:ext cx="2554612" cy="359595"/>
-          </a:xfrm>
-          <a:prstGeom prst="rect">
-            <a:avLst/>
-          </a:prstGeom>
-          <a:solidFill>
-            <a:schemeClr val="accent1">
-              <a:lumMod val="20000"/>
-              <a:lumOff val="80000"/>
-            </a:schemeClr>
-          </a:solidFill>
-          <a:ln>
-            <a:solidFill>
-              <a:schemeClr val="tx1"/>
-            </a:solidFill>
-          </a:ln>
-        </p:spPr>
-        <p:style>
-          <a:lnRef idx="2">
-            <a:schemeClr val="accent1">
-              <a:shade val="50000"/>
-            </a:schemeClr>
-          </a:lnRef>
-          <a:fillRef idx="1">
-            <a:schemeClr val="accent1"/>
-          </a:fillRef>
-          <a:effectRef idx="0">
-            <a:schemeClr val="accent1"/>
-          </a:effectRef>
-          <a:fontRef idx="minor">
-            <a:schemeClr val="lt1"/>
-          </a:fontRef>
-        </p:style>
-        <p:txBody>
-          <a:bodyPr rtlCol="0" anchor="ctr"/>
-          <a:lstStyle/>
-          <a:p>
-            <a:pPr algn="ctr"/>
-            <a:r>
-              <a:rPr lang="en-US" sz="1100" dirty="0">
-                <a:solidFill>
-                  <a:schemeClr val="tx1"/>
-                </a:solidFill>
-              </a:rPr>
-              <a:t>data_medstar_complete_01_merge.Rmd</a:t>
-            </a:r>
-          </a:p>
-        </p:txBody>
-      </p:sp>
-      <p:cxnSp>
-        <p:nvCxnSpPr>
-          <p:cNvPr id="152" name="Elbow Connector 151">
-            <a:extLst>
-              <a:ext uri="{FF2B5EF4-FFF2-40B4-BE49-F238E27FC236}">
-                <a16:creationId xmlns:a16="http://schemas.microsoft.com/office/drawing/2014/main" id="{40386164-9432-4344-810C-DEA30BCF1095}"/>
-              </a:ext>
-            </a:extLst>
-          </p:cNvPr>
-          <p:cNvCxnSpPr>
-            <a:stCxn id="108" idx="2"/>
-            <a:endCxn id="150" idx="0"/>
-          </p:cNvCxnSpPr>
-          <p:nvPr/>
-        </p:nvCxnSpPr>
-        <p:spPr>
-          <a:xfrm rot="16200000" flipH="1">
-            <a:off x="4155149" y="3512040"/>
-            <a:ext cx="363982" cy="956258"/>
-          </a:xfrm>
-          <a:prstGeom prst="bentConnector3">
-            <a:avLst/>
-          </a:prstGeom>
-          <a:ln>
-            <a:tailEnd type="triangle"/>
-          </a:ln>
-        </p:spPr>
-        <p:style>
-          <a:lnRef idx="1">
-            <a:schemeClr val="accent1"/>
-          </a:lnRef>
-          <a:fillRef idx="0">
-            <a:schemeClr val="accent1"/>
-          </a:fillRef>
-          <a:effectRef idx="0">
-            <a:schemeClr val="accent1"/>
-          </a:effectRef>
-          <a:fontRef idx="minor">
-            <a:schemeClr val="tx1"/>
-          </a:fontRef>
-        </p:style>
-      </p:cxnSp>
-      <p:cxnSp>
-        <p:nvCxnSpPr>
-          <p:cNvPr id="154" name="Elbow Connector 153">
-            <a:extLst>
-              <a:ext uri="{FF2B5EF4-FFF2-40B4-BE49-F238E27FC236}">
-                <a16:creationId xmlns:a16="http://schemas.microsoft.com/office/drawing/2014/main" id="{9B98925A-F6CE-9E40-8104-81B31938E344}"/>
-              </a:ext>
-            </a:extLst>
-          </p:cNvPr>
-          <p:cNvCxnSpPr>
-            <a:stCxn id="147" idx="2"/>
-            <a:endCxn id="150" idx="0"/>
-          </p:cNvCxnSpPr>
-          <p:nvPr/>
-        </p:nvCxnSpPr>
-        <p:spPr>
-          <a:xfrm rot="5400000">
-            <a:off x="5183358" y="3440088"/>
-            <a:ext cx="363983" cy="1100160"/>
-          </a:xfrm>
-          <a:prstGeom prst="bentConnector3">
-            <a:avLst/>
-          </a:prstGeom>
-          <a:ln>
-            <a:tailEnd type="triangle"/>
-          </a:ln>
-        </p:spPr>
-        <p:style>
-          <a:lnRef idx="1">
-            <a:schemeClr val="accent1"/>
-          </a:lnRef>
-          <a:fillRef idx="0">
-            <a:schemeClr val="accent1"/>
-          </a:fillRef>
-          <a:effectRef idx="0">
-            <a:schemeClr val="accent1"/>
-          </a:effectRef>
-          <a:fontRef idx="minor">
-            <a:schemeClr val="tx1"/>
-          </a:fontRef>
-        </p:style>
-      </p:cxnSp>
-      <p:sp>
-        <p:nvSpPr>
-          <p:cNvPr id="155" name="Rectangle 154">
-            <a:extLst>
-              <a:ext uri="{FF2B5EF4-FFF2-40B4-BE49-F238E27FC236}">
-                <a16:creationId xmlns:a16="http://schemas.microsoft.com/office/drawing/2014/main" id="{7F03C1E2-5164-9347-AE1F-F2A4BB75D0AF}"/>
-              </a:ext>
-            </a:extLst>
-          </p:cNvPr>
-          <p:cNvSpPr/>
-          <p:nvPr/>
-        </p:nvSpPr>
-        <p:spPr>
-          <a:xfrm>
-            <a:off x="3919762" y="4895392"/>
-            <a:ext cx="1791014" cy="359595"/>
-          </a:xfrm>
-          <a:prstGeom prst="rect">
-            <a:avLst/>
-          </a:prstGeom>
-          <a:solidFill>
-            <a:schemeClr val="accent2">
-              <a:lumMod val="20000"/>
-              <a:lumOff val="80000"/>
-            </a:schemeClr>
-          </a:solidFill>
-          <a:ln>
-            <a:solidFill>
-              <a:schemeClr val="tx1"/>
-            </a:solidFill>
-          </a:ln>
-        </p:spPr>
-        <p:style>
-          <a:lnRef idx="2">
-            <a:schemeClr val="accent1">
-              <a:shade val="50000"/>
-            </a:schemeClr>
-          </a:lnRef>
-          <a:fillRef idx="1">
-            <a:schemeClr val="accent1"/>
-          </a:fillRef>
-          <a:effectRef idx="0">
-            <a:schemeClr val="accent1"/>
-          </a:effectRef>
-          <a:fontRef idx="minor">
-            <a:schemeClr val="lt1"/>
-          </a:fontRef>
-        </p:style>
-        <p:txBody>
-          <a:bodyPr rtlCol="0" anchor="ctr"/>
-          <a:lstStyle/>
-          <a:p>
-            <a:pPr algn="ctr"/>
-            <a:r>
-              <a:rPr lang="en-US" sz="1100" dirty="0" err="1">
-                <a:solidFill>
-                  <a:schemeClr val="tx1"/>
-                </a:solidFill>
-              </a:rPr>
-              <a:t>medstar_complete.feather</a:t>
-            </a:r>
-            <a:endParaRPr lang="en-US" sz="1100" dirty="0">
-              <a:solidFill>
-                <a:schemeClr val="tx1"/>
-              </a:solidFill>
-            </a:endParaRPr>
-          </a:p>
-        </p:txBody>
-      </p:sp>
-      <p:cxnSp>
-        <p:nvCxnSpPr>
-          <p:cNvPr id="157" name="Straight Arrow Connector 156">
-            <a:extLst>
-              <a:ext uri="{FF2B5EF4-FFF2-40B4-BE49-F238E27FC236}">
-                <a16:creationId xmlns:a16="http://schemas.microsoft.com/office/drawing/2014/main" id="{01A67BC9-F0E1-9A4B-82C8-14AF25EFF7B3}"/>
-              </a:ext>
-            </a:extLst>
-          </p:cNvPr>
-          <p:cNvCxnSpPr>
-            <a:stCxn id="150" idx="2"/>
-            <a:endCxn id="155" idx="0"/>
-          </p:cNvCxnSpPr>
-          <p:nvPr/>
-        </p:nvCxnSpPr>
-        <p:spPr>
-          <a:xfrm>
-            <a:off x="4815269" y="4531755"/>
-            <a:ext cx="0" cy="363637"/>
-          </a:xfrm>
-          <a:prstGeom prst="straightConnector1">
-            <a:avLst/>
-          </a:prstGeom>
-          <a:ln>
-            <a:tailEnd type="triangle"/>
-          </a:ln>
-        </p:spPr>
-        <p:style>
-          <a:lnRef idx="1">
-            <a:schemeClr val="accent1"/>
-          </a:lnRef>
-          <a:fillRef idx="0">
-            <a:schemeClr val="accent1"/>
-          </a:fillRef>
-          <a:effectRef idx="0">
-            <a:schemeClr val="accent1"/>
-          </a:effectRef>
-          <a:fontRef idx="minor">
-            <a:schemeClr val="tx1"/>
-          </a:fontRef>
-        </p:style>
-      </p:cxnSp>
-      <p:sp>
-        <p:nvSpPr>
-          <p:cNvPr id="158" name="Rectangle 157">
-            <a:extLst>
-              <a:ext uri="{FF2B5EF4-FFF2-40B4-BE49-F238E27FC236}">
-                <a16:creationId xmlns:a16="http://schemas.microsoft.com/office/drawing/2014/main" id="{44F03AFF-082E-DF41-A880-9384C50077F3}"/>
-              </a:ext>
-            </a:extLst>
-          </p:cNvPr>
-          <p:cNvSpPr/>
-          <p:nvPr/>
-        </p:nvSpPr>
-        <p:spPr>
-          <a:xfrm>
-            <a:off x="6687404" y="1795022"/>
-            <a:ext cx="1291264" cy="359595"/>
-          </a:xfrm>
-          <a:prstGeom prst="rect">
-            <a:avLst/>
-          </a:prstGeom>
-          <a:solidFill>
-            <a:schemeClr val="accent2">
-              <a:lumMod val="20000"/>
-              <a:lumOff val="80000"/>
-            </a:schemeClr>
-          </a:solidFill>
-          <a:ln>
-            <a:solidFill>
-              <a:schemeClr val="tx1"/>
-            </a:solidFill>
-          </a:ln>
-        </p:spPr>
-        <p:style>
-          <a:lnRef idx="2">
-            <a:schemeClr val="accent1">
-              <a:shade val="50000"/>
-            </a:schemeClr>
-          </a:lnRef>
-          <a:fillRef idx="1">
-            <a:schemeClr val="accent1"/>
-          </a:fillRef>
-          <a:effectRef idx="0">
-            <a:schemeClr val="accent1"/>
-          </a:effectRef>
-          <a:fontRef idx="minor">
-            <a:schemeClr val="lt1"/>
-          </a:fontRef>
-        </p:style>
-        <p:txBody>
-          <a:bodyPr rtlCol="0" anchor="ctr"/>
-          <a:lstStyle/>
-          <a:p>
-            <a:pPr algn="ctr"/>
-            <a:r>
-              <a:rPr lang="en-US" sz="1100" dirty="0" err="1">
-                <a:solidFill>
-                  <a:schemeClr val="tx1"/>
-                </a:solidFill>
-              </a:rPr>
-              <a:t>client_data.feather</a:t>
-            </a:r>
-            <a:endParaRPr lang="en-US" sz="1100" dirty="0">
-              <a:solidFill>
-                <a:schemeClr val="tx1"/>
-              </a:solidFill>
-            </a:endParaRPr>
-          </a:p>
-        </p:txBody>
-      </p:sp>
-      <p:sp>
-        <p:nvSpPr>
-          <p:cNvPr id="159" name="Rectangle 158">
-            <a:extLst>
-              <a:ext uri="{FF2B5EF4-FFF2-40B4-BE49-F238E27FC236}">
-                <a16:creationId xmlns:a16="http://schemas.microsoft.com/office/drawing/2014/main" id="{522FC733-1B49-4643-88C9-9FEB5D8A368F}"/>
-              </a:ext>
-            </a:extLst>
-          </p:cNvPr>
-          <p:cNvSpPr/>
-          <p:nvPr/>
-        </p:nvSpPr>
-        <p:spPr>
-          <a:xfrm>
-            <a:off x="8101599" y="1795021"/>
-            <a:ext cx="1291264" cy="359595"/>
-          </a:xfrm>
-          <a:prstGeom prst="rect">
-            <a:avLst/>
-          </a:prstGeom>
-          <a:solidFill>
-            <a:schemeClr val="accent2">
-              <a:lumMod val="20000"/>
-              <a:lumOff val="80000"/>
-            </a:schemeClr>
-          </a:solidFill>
-          <a:ln>
-            <a:solidFill>
-              <a:schemeClr val="tx1"/>
-            </a:solidFill>
-          </a:ln>
-        </p:spPr>
-        <p:style>
-          <a:lnRef idx="2">
-            <a:schemeClr val="accent1">
-              <a:shade val="50000"/>
-            </a:schemeClr>
-          </a:lnRef>
-          <a:fillRef idx="1">
-            <a:schemeClr val="accent1"/>
-          </a:fillRef>
-          <a:effectRef idx="0">
-            <a:schemeClr val="accent1"/>
-          </a:effectRef>
-          <a:fontRef idx="minor">
-            <a:schemeClr val="lt1"/>
-          </a:fontRef>
-        </p:style>
-        <p:txBody>
-          <a:bodyPr rtlCol="0" anchor="ctr"/>
-          <a:lstStyle/>
-          <a:p>
-            <a:pPr algn="ctr"/>
-            <a:r>
-              <a:rPr lang="en-US" sz="1100" dirty="0" err="1">
-                <a:solidFill>
-                  <a:schemeClr val="tx1"/>
-                </a:solidFill>
-              </a:rPr>
-              <a:t>allegations.feather</a:t>
-            </a:r>
-            <a:endParaRPr lang="en-US" sz="1100" dirty="0">
-              <a:solidFill>
-                <a:schemeClr val="tx1"/>
-              </a:solidFill>
-            </a:endParaRPr>
-          </a:p>
-        </p:txBody>
-      </p:sp>
-      <p:sp>
-        <p:nvSpPr>
-          <p:cNvPr id="160" name="Rectangle 159">
-            <a:extLst>
-              <a:ext uri="{FF2B5EF4-FFF2-40B4-BE49-F238E27FC236}">
-                <a16:creationId xmlns:a16="http://schemas.microsoft.com/office/drawing/2014/main" id="{303D8A20-9E57-4F4D-81FA-1BF3EBB1A23B}"/>
-              </a:ext>
-            </a:extLst>
-          </p:cNvPr>
-          <p:cNvSpPr/>
-          <p:nvPr/>
-        </p:nvSpPr>
-        <p:spPr>
-          <a:xfrm>
-            <a:off x="9515794" y="1792927"/>
-            <a:ext cx="1098652" cy="359595"/>
-          </a:xfrm>
-          <a:prstGeom prst="rect">
-            <a:avLst/>
-          </a:prstGeom>
-          <a:solidFill>
-            <a:schemeClr val="accent2">
-              <a:lumMod val="20000"/>
-              <a:lumOff val="80000"/>
-            </a:schemeClr>
-          </a:solidFill>
-          <a:ln>
-            <a:solidFill>
-              <a:schemeClr val="tx1"/>
-            </a:solidFill>
-          </a:ln>
-        </p:spPr>
-        <p:style>
-          <a:lnRef idx="2">
-            <a:schemeClr val="accent1">
-              <a:shade val="50000"/>
-            </a:schemeClr>
-          </a:lnRef>
-          <a:fillRef idx="1">
-            <a:schemeClr val="accent1"/>
-          </a:fillRef>
-          <a:effectRef idx="0">
-            <a:schemeClr val="accent1"/>
-          </a:effectRef>
-          <a:fontRef idx="minor">
-            <a:schemeClr val="lt1"/>
-          </a:fontRef>
-        </p:style>
-        <p:txBody>
-          <a:bodyPr rtlCol="0" anchor="ctr"/>
-          <a:lstStyle/>
-          <a:p>
-            <a:pPr algn="ctr"/>
-            <a:r>
-              <a:rPr lang="en-US" sz="1100" dirty="0" err="1">
-                <a:solidFill>
-                  <a:schemeClr val="tx1"/>
-                </a:solidFill>
-              </a:rPr>
-              <a:t>closure.feather</a:t>
-            </a:r>
-            <a:endParaRPr lang="en-US" sz="1100" dirty="0">
-              <a:solidFill>
-                <a:schemeClr val="tx1"/>
-              </a:solidFill>
-            </a:endParaRPr>
-          </a:p>
-        </p:txBody>
-      </p:sp>
-      <p:sp>
-        <p:nvSpPr>
-          <p:cNvPr id="161" name="Rectangle 160">
-            <a:extLst>
-              <a:ext uri="{FF2B5EF4-FFF2-40B4-BE49-F238E27FC236}">
-                <a16:creationId xmlns:a16="http://schemas.microsoft.com/office/drawing/2014/main" id="{673D0193-BE63-6E41-AA5B-D266097DF22D}"/>
-              </a:ext>
-            </a:extLst>
-          </p:cNvPr>
-          <p:cNvSpPr/>
-          <p:nvPr/>
-        </p:nvSpPr>
-        <p:spPr>
-          <a:xfrm>
-            <a:off x="10737376" y="1792926"/>
-            <a:ext cx="1262839" cy="359595"/>
-          </a:xfrm>
-          <a:prstGeom prst="rect">
-            <a:avLst/>
-          </a:prstGeom>
-          <a:solidFill>
-            <a:schemeClr val="accent2">
-              <a:lumMod val="20000"/>
-              <a:lumOff val="80000"/>
-            </a:schemeClr>
-          </a:solidFill>
-          <a:ln>
-            <a:solidFill>
-              <a:schemeClr val="tx1"/>
-            </a:solidFill>
-          </a:ln>
-        </p:spPr>
-        <p:style>
-          <a:lnRef idx="2">
-            <a:schemeClr val="accent1">
-              <a:shade val="50000"/>
-            </a:schemeClr>
-          </a:lnRef>
-          <a:fillRef idx="1">
-            <a:schemeClr val="accent1"/>
-          </a:fillRef>
-          <a:effectRef idx="0">
-            <a:schemeClr val="accent1"/>
-          </a:effectRef>
-          <a:fontRef idx="minor">
-            <a:schemeClr val="lt1"/>
-          </a:fontRef>
-        </p:style>
-        <p:txBody>
-          <a:bodyPr rtlCol="0" anchor="ctr"/>
-          <a:lstStyle/>
-          <a:p>
-            <a:pPr algn="ctr"/>
-            <a:r>
-              <a:rPr lang="en-US" sz="1100" dirty="0" err="1">
-                <a:solidFill>
-                  <a:schemeClr val="tx1"/>
-                </a:solidFill>
-              </a:rPr>
-              <a:t>disposition.feather</a:t>
-            </a:r>
-            <a:endParaRPr lang="en-US" sz="1100" dirty="0">
-              <a:solidFill>
-                <a:schemeClr val="tx1"/>
-              </a:solidFill>
-            </a:endParaRPr>
-          </a:p>
-        </p:txBody>
-      </p:sp>
-      <p:cxnSp>
-        <p:nvCxnSpPr>
-          <p:cNvPr id="163" name="Elbow Connector 162">
-            <a:extLst>
-              <a:ext uri="{FF2B5EF4-FFF2-40B4-BE49-F238E27FC236}">
-                <a16:creationId xmlns:a16="http://schemas.microsoft.com/office/drawing/2014/main" id="{EA2BB82C-59E4-FD4A-BB5B-04A8D117585A}"/>
-              </a:ext>
-            </a:extLst>
-          </p:cNvPr>
-          <p:cNvCxnSpPr>
-            <a:stCxn id="81" idx="2"/>
-            <a:endCxn id="158" idx="0"/>
-          </p:cNvCxnSpPr>
-          <p:nvPr/>
-        </p:nvCxnSpPr>
-        <p:spPr>
-          <a:xfrm rot="5400000">
-            <a:off x="8033571" y="640330"/>
-            <a:ext cx="454157" cy="1855226"/>
-          </a:xfrm>
-          <a:prstGeom prst="bentConnector3">
-            <a:avLst/>
-          </a:prstGeom>
-          <a:ln>
-            <a:tailEnd type="triangle"/>
-          </a:ln>
-        </p:spPr>
-        <p:style>
-          <a:lnRef idx="1">
-            <a:schemeClr val="accent1"/>
-          </a:lnRef>
-          <a:fillRef idx="0">
-            <a:schemeClr val="accent1"/>
-          </a:fillRef>
-          <a:effectRef idx="0">
-            <a:schemeClr val="accent1"/>
-          </a:effectRef>
-          <a:fontRef idx="minor">
-            <a:schemeClr val="tx1"/>
-          </a:fontRef>
-        </p:style>
-      </p:cxnSp>
-      <p:cxnSp>
-        <p:nvCxnSpPr>
-          <p:cNvPr id="165" name="Elbow Connector 164">
-            <a:extLst>
-              <a:ext uri="{FF2B5EF4-FFF2-40B4-BE49-F238E27FC236}">
-                <a16:creationId xmlns:a16="http://schemas.microsoft.com/office/drawing/2014/main" id="{908549B4-1C54-714A-A5A7-11CA7C0407CE}"/>
-              </a:ext>
-            </a:extLst>
-          </p:cNvPr>
-          <p:cNvCxnSpPr>
-            <a:stCxn id="81" idx="2"/>
-            <a:endCxn id="159" idx="0"/>
-          </p:cNvCxnSpPr>
-          <p:nvPr/>
-        </p:nvCxnSpPr>
-        <p:spPr>
-          <a:xfrm rot="5400000">
-            <a:off x="8740669" y="1347428"/>
-            <a:ext cx="454156" cy="441031"/>
-          </a:xfrm>
-          <a:prstGeom prst="bentConnector3">
-            <a:avLst/>
-          </a:prstGeom>
-          <a:ln>
-            <a:tailEnd type="triangle"/>
-          </a:ln>
-        </p:spPr>
-        <p:style>
-          <a:lnRef idx="1">
-            <a:schemeClr val="accent1"/>
-          </a:lnRef>
-          <a:fillRef idx="0">
-            <a:schemeClr val="accent1"/>
-          </a:fillRef>
-          <a:effectRef idx="0">
-            <a:schemeClr val="accent1"/>
-          </a:effectRef>
-          <a:fontRef idx="minor">
-            <a:schemeClr val="tx1"/>
-          </a:fontRef>
-        </p:style>
-      </p:cxnSp>
-      <p:cxnSp>
-        <p:nvCxnSpPr>
-          <p:cNvPr id="167" name="Elbow Connector 166">
-            <a:extLst>
-              <a:ext uri="{FF2B5EF4-FFF2-40B4-BE49-F238E27FC236}">
-                <a16:creationId xmlns:a16="http://schemas.microsoft.com/office/drawing/2014/main" id="{B7842AC4-D5DA-1248-9A84-226E67CD1DFE}"/>
-              </a:ext>
-            </a:extLst>
-          </p:cNvPr>
-          <p:cNvCxnSpPr>
-            <a:stCxn id="81" idx="2"/>
-            <a:endCxn id="160" idx="0"/>
-          </p:cNvCxnSpPr>
-          <p:nvPr/>
-        </p:nvCxnSpPr>
-        <p:spPr>
-          <a:xfrm rot="16200000" flipH="1">
-            <a:off x="9400660" y="1128467"/>
-            <a:ext cx="452062" cy="876858"/>
-          </a:xfrm>
-          <a:prstGeom prst="bentConnector3">
-            <a:avLst/>
-          </a:prstGeom>
-          <a:ln>
-            <a:tailEnd type="triangle"/>
-          </a:ln>
-        </p:spPr>
-        <p:style>
-          <a:lnRef idx="1">
-            <a:schemeClr val="accent1"/>
-          </a:lnRef>
-          <a:fillRef idx="0">
-            <a:schemeClr val="accent1"/>
-          </a:fillRef>
-          <a:effectRef idx="0">
-            <a:schemeClr val="accent1"/>
-          </a:effectRef>
-          <a:fontRef idx="minor">
-            <a:schemeClr val="tx1"/>
-          </a:fontRef>
-        </p:style>
-      </p:cxnSp>
-      <p:cxnSp>
-        <p:nvCxnSpPr>
-          <p:cNvPr id="169" name="Elbow Connector 168">
-            <a:extLst>
-              <a:ext uri="{FF2B5EF4-FFF2-40B4-BE49-F238E27FC236}">
-                <a16:creationId xmlns:a16="http://schemas.microsoft.com/office/drawing/2014/main" id="{D0C10965-986C-824A-A434-4503EBF45968}"/>
-              </a:ext>
-            </a:extLst>
-          </p:cNvPr>
-          <p:cNvCxnSpPr>
-            <a:stCxn id="81" idx="2"/>
-            <a:endCxn id="161" idx="0"/>
-          </p:cNvCxnSpPr>
-          <p:nvPr/>
-        </p:nvCxnSpPr>
-        <p:spPr>
-          <a:xfrm rot="16200000" flipH="1">
-            <a:off x="10052499" y="476628"/>
-            <a:ext cx="452061" cy="2180534"/>
-          </a:xfrm>
-          <a:prstGeom prst="bentConnector3">
-            <a:avLst/>
-          </a:prstGeom>
-          <a:ln>
-            <a:tailEnd type="triangle"/>
-          </a:ln>
-        </p:spPr>
-        <p:style>
-          <a:lnRef idx="1">
-            <a:schemeClr val="accent1"/>
-          </a:lnRef>
-          <a:fillRef idx="0">
-            <a:schemeClr val="accent1"/>
-          </a:fillRef>
-          <a:effectRef idx="0">
-            <a:schemeClr val="accent1"/>
-          </a:effectRef>
-          <a:fontRef idx="minor">
-            <a:schemeClr val="tx1"/>
-          </a:fontRef>
-        </p:style>
-      </p:cxnSp>
-      <p:sp>
-        <p:nvSpPr>
-          <p:cNvPr id="170" name="Rectangle 169">
-            <a:extLst>
-              <a:ext uri="{FF2B5EF4-FFF2-40B4-BE49-F238E27FC236}">
-                <a16:creationId xmlns:a16="http://schemas.microsoft.com/office/drawing/2014/main" id="{8824FD08-8F57-5244-8D81-31D180365A6C}"/>
-              </a:ext>
-            </a:extLst>
-          </p:cNvPr>
-          <p:cNvSpPr/>
-          <p:nvPr/>
-        </p:nvSpPr>
-        <p:spPr>
-          <a:xfrm>
-            <a:off x="5986984" y="5607010"/>
-            <a:ext cx="2692103" cy="359595"/>
-          </a:xfrm>
-          <a:prstGeom prst="rect">
-            <a:avLst/>
-          </a:prstGeom>
-          <a:solidFill>
-            <a:schemeClr val="accent1">
-              <a:lumMod val="20000"/>
-              <a:lumOff val="80000"/>
-            </a:schemeClr>
-          </a:solidFill>
-          <a:ln>
-            <a:solidFill>
-              <a:schemeClr val="tx1"/>
-            </a:solidFill>
-          </a:ln>
-        </p:spPr>
-        <p:style>
-          <a:lnRef idx="2">
-            <a:schemeClr val="accent1">
-              <a:shade val="50000"/>
-            </a:schemeClr>
-          </a:lnRef>
-          <a:fillRef idx="1">
-            <a:schemeClr val="accent1"/>
-          </a:fillRef>
-          <a:effectRef idx="0">
-            <a:schemeClr val="accent1"/>
-          </a:effectRef>
-          <a:fontRef idx="minor">
-            <a:schemeClr val="lt1"/>
-          </a:fontRef>
-        </p:style>
-        <p:txBody>
-          <a:bodyPr rtlCol="0" anchor="ctr"/>
-          <a:lstStyle/>
-          <a:p>
-            <a:pPr algn="ctr"/>
-            <a:r>
-              <a:rPr lang="en-US" sz="1100" dirty="0">
-                <a:solidFill>
-                  <a:schemeClr val="tx1"/>
-                </a:solidFill>
-              </a:rPr>
-              <a:t>data_medstar_aps_merged_01_merge.Rmd</a:t>
-            </a:r>
-          </a:p>
-        </p:txBody>
-      </p:sp>
-      <p:cxnSp>
-        <p:nvCxnSpPr>
-          <p:cNvPr id="172" name="Elbow Connector 171">
-            <a:extLst>
-              <a:ext uri="{FF2B5EF4-FFF2-40B4-BE49-F238E27FC236}">
-                <a16:creationId xmlns:a16="http://schemas.microsoft.com/office/drawing/2014/main" id="{359C8F58-CB38-3246-80F1-BB8554718DFE}"/>
-              </a:ext>
-            </a:extLst>
-          </p:cNvPr>
-          <p:cNvCxnSpPr>
-            <a:cxnSpLocks/>
-            <a:stCxn id="155" idx="2"/>
-            <a:endCxn id="170" idx="0"/>
-          </p:cNvCxnSpPr>
-          <p:nvPr/>
-        </p:nvCxnSpPr>
-        <p:spPr>
-          <a:xfrm rot="16200000" flipH="1">
-            <a:off x="5898141" y="4172114"/>
-            <a:ext cx="352023" cy="2517767"/>
-          </a:xfrm>
-          <a:prstGeom prst="bentConnector3">
-            <a:avLst>
-              <a:gd name="adj1" fmla="val 50000"/>
-            </a:avLst>
-          </a:prstGeom>
-          <a:ln>
-            <a:tailEnd type="triangle"/>
-          </a:ln>
-        </p:spPr>
-        <p:style>
-          <a:lnRef idx="1">
-            <a:schemeClr val="accent1"/>
-          </a:lnRef>
-          <a:fillRef idx="0">
-            <a:schemeClr val="accent1"/>
-          </a:fillRef>
-          <a:effectRef idx="0">
-            <a:schemeClr val="accent1"/>
-          </a:effectRef>
-          <a:fontRef idx="minor">
-            <a:schemeClr val="tx1"/>
-          </a:fontRef>
-        </p:style>
-      </p:cxnSp>
-      <p:cxnSp>
-        <p:nvCxnSpPr>
-          <p:cNvPr id="183" name="Elbow Connector 182">
-            <a:extLst>
-              <a:ext uri="{FF2B5EF4-FFF2-40B4-BE49-F238E27FC236}">
-                <a16:creationId xmlns:a16="http://schemas.microsoft.com/office/drawing/2014/main" id="{15DAB329-12E9-054D-AFA1-F703C9FD877A}"/>
-              </a:ext>
-            </a:extLst>
-          </p:cNvPr>
-          <p:cNvCxnSpPr>
-            <a:cxnSpLocks/>
-            <a:stCxn id="159" idx="2"/>
-            <a:endCxn id="170" idx="0"/>
-          </p:cNvCxnSpPr>
-          <p:nvPr/>
-        </p:nvCxnSpPr>
-        <p:spPr>
-          <a:xfrm rot="5400000">
-            <a:off x="6313937" y="3173716"/>
-            <a:ext cx="3452394" cy="1414195"/>
-          </a:xfrm>
-          <a:prstGeom prst="bentConnector3">
-            <a:avLst>
-              <a:gd name="adj1" fmla="val 50000"/>
-            </a:avLst>
-          </a:prstGeom>
-          <a:ln>
-            <a:tailEnd type="triangle"/>
-          </a:ln>
-        </p:spPr>
-        <p:style>
-          <a:lnRef idx="1">
-            <a:schemeClr val="accent1"/>
-          </a:lnRef>
-          <a:fillRef idx="0">
-            <a:schemeClr val="accent1"/>
-          </a:fillRef>
-          <a:effectRef idx="0">
-            <a:schemeClr val="accent1"/>
-          </a:effectRef>
-          <a:fontRef idx="minor">
-            <a:schemeClr val="tx1"/>
-          </a:fontRef>
-        </p:style>
-      </p:cxnSp>
-      <p:cxnSp>
-        <p:nvCxnSpPr>
-          <p:cNvPr id="186" name="Elbow Connector 185">
-            <a:extLst>
-              <a:ext uri="{FF2B5EF4-FFF2-40B4-BE49-F238E27FC236}">
-                <a16:creationId xmlns:a16="http://schemas.microsoft.com/office/drawing/2014/main" id="{175207CF-576F-0F4A-A22B-3AAC95CACEB1}"/>
-              </a:ext>
-            </a:extLst>
-          </p:cNvPr>
-          <p:cNvCxnSpPr>
-            <a:stCxn id="160" idx="2"/>
-          </p:cNvCxnSpPr>
-          <p:nvPr/>
-        </p:nvCxnSpPr>
-        <p:spPr>
-          <a:xfrm rot="5400000">
-            <a:off x="6967431" y="2520935"/>
-            <a:ext cx="3466102" cy="2729276"/>
-          </a:xfrm>
-          <a:prstGeom prst="bentConnector3">
-            <a:avLst/>
-          </a:prstGeom>
-          <a:ln>
-            <a:tailEnd type="triangle"/>
-          </a:ln>
-        </p:spPr>
-        <p:style>
-          <a:lnRef idx="1">
-            <a:schemeClr val="accent1"/>
-          </a:lnRef>
-          <a:fillRef idx="0">
-            <a:schemeClr val="accent1"/>
-          </a:fillRef>
-          <a:effectRef idx="0">
-            <a:schemeClr val="accent1"/>
-          </a:effectRef>
-          <a:fontRef idx="minor">
-            <a:schemeClr val="tx1"/>
-          </a:fontRef>
-        </p:style>
-      </p:cxnSp>
-      <p:cxnSp>
-        <p:nvCxnSpPr>
-          <p:cNvPr id="188" name="Elbow Connector 187">
-            <a:extLst>
-              <a:ext uri="{FF2B5EF4-FFF2-40B4-BE49-F238E27FC236}">
-                <a16:creationId xmlns:a16="http://schemas.microsoft.com/office/drawing/2014/main" id="{80F79231-989F-F74E-B30E-321B1A7FF9C2}"/>
-              </a:ext>
-            </a:extLst>
-          </p:cNvPr>
-          <p:cNvCxnSpPr>
-            <a:cxnSpLocks/>
-            <a:stCxn id="161" idx="2"/>
-            <a:endCxn id="170" idx="0"/>
-          </p:cNvCxnSpPr>
-          <p:nvPr/>
-        </p:nvCxnSpPr>
-        <p:spPr>
-          <a:xfrm rot="5400000">
-            <a:off x="7623672" y="1861885"/>
-            <a:ext cx="3454489" cy="4035760"/>
-          </a:xfrm>
-          <a:prstGeom prst="bentConnector3">
-            <a:avLst/>
-          </a:prstGeom>
-          <a:ln>
-            <a:tailEnd type="triangle"/>
-          </a:ln>
-        </p:spPr>
-        <p:style>
-          <a:lnRef idx="1">
-            <a:schemeClr val="accent1"/>
-          </a:lnRef>
-          <a:fillRef idx="0">
-            <a:schemeClr val="accent1"/>
-          </a:fillRef>
-          <a:effectRef idx="0">
-            <a:schemeClr val="accent1"/>
-          </a:effectRef>
-          <a:fontRef idx="minor">
-            <a:schemeClr val="tx1"/>
-          </a:fontRef>
-        </p:style>
-      </p:cxnSp>
-      <p:cxnSp>
-        <p:nvCxnSpPr>
-          <p:cNvPr id="190" name="Elbow Connector 189">
-            <a:extLst>
-              <a:ext uri="{FF2B5EF4-FFF2-40B4-BE49-F238E27FC236}">
-                <a16:creationId xmlns:a16="http://schemas.microsoft.com/office/drawing/2014/main" id="{43057915-FE0D-B340-B158-6445B9FA866C}"/>
-              </a:ext>
-            </a:extLst>
-          </p:cNvPr>
-          <p:cNvCxnSpPr>
-            <a:cxnSpLocks/>
-            <a:stCxn id="82" idx="2"/>
-            <a:endCxn id="170" idx="0"/>
-          </p:cNvCxnSpPr>
-          <p:nvPr/>
-        </p:nvCxnSpPr>
-        <p:spPr>
-          <a:xfrm rot="16200000" flipH="1">
-            <a:off x="3077087" y="1351060"/>
-            <a:ext cx="3452391" cy="5059507"/>
-          </a:xfrm>
-          <a:prstGeom prst="bentConnector3">
-            <a:avLst>
-              <a:gd name="adj1" fmla="val 6551"/>
-            </a:avLst>
-          </a:prstGeom>
-          <a:ln>
-            <a:tailEnd type="triangle"/>
-          </a:ln>
-        </p:spPr>
-        <p:style>
-          <a:lnRef idx="1">
-            <a:schemeClr val="accent1"/>
-          </a:lnRef>
-          <a:fillRef idx="0">
-            <a:schemeClr val="accent1"/>
-          </a:fillRef>
-          <a:effectRef idx="0">
-            <a:schemeClr val="accent1"/>
-          </a:effectRef>
-          <a:fontRef idx="minor">
-            <a:schemeClr val="tx1"/>
-          </a:fontRef>
-        </p:style>
-      </p:cxnSp>
-      <p:cxnSp>
-        <p:nvCxnSpPr>
-          <p:cNvPr id="15" name="Straight Arrow Connector 14">
-            <a:extLst>
-              <a:ext uri="{FF2B5EF4-FFF2-40B4-BE49-F238E27FC236}">
-                <a16:creationId xmlns:a16="http://schemas.microsoft.com/office/drawing/2014/main" id="{047C6E70-AEBC-444F-88EC-10D13CB87EF2}"/>
-              </a:ext>
-            </a:extLst>
-          </p:cNvPr>
-          <p:cNvCxnSpPr>
-            <a:stCxn id="158" idx="2"/>
-            <a:endCxn id="170" idx="0"/>
-          </p:cNvCxnSpPr>
-          <p:nvPr/>
-        </p:nvCxnSpPr>
-        <p:spPr>
-          <a:xfrm>
-            <a:off x="7333036" y="2154617"/>
-            <a:ext cx="0" cy="3452393"/>
-          </a:xfrm>
-          <a:prstGeom prst="straightConnector1">
             <a:avLst/>
           </a:prstGeom>
           <a:ln>
@@ -9343,7 +8490,7 @@
     </p:spTree>
     <p:extLst>
       <p:ext uri="{BB962C8B-B14F-4D97-AF65-F5344CB8AC3E}">
-        <p14:creationId xmlns:p14="http://schemas.microsoft.com/office/powerpoint/2010/main" val="98969616"/>
+        <p14:creationId xmlns:p14="http://schemas.microsoft.com/office/powerpoint/2010/main" val="144529519"/>
       </p:ext>
     </p:extLst>
   </p:cSld>
@@ -9646,4 +8793,299 @@
     </a:ext>
   </a:extLst>
 </a:theme>
+</file>
+
+<file path=ppt/theme/theme2.xml><?xml version="1.0" encoding="utf-8"?>
+<a:theme xmlns:a="http://schemas.openxmlformats.org/drawingml/2006/main" name="Office Theme">
+  <a:themeElements>
+    <a:clrScheme name="Office">
+      <a:dk1>
+        <a:sysClr val="windowText" lastClr="000000"/>
+      </a:dk1>
+      <a:lt1>
+        <a:sysClr val="window" lastClr="FFFFFF"/>
+      </a:lt1>
+      <a:dk2>
+        <a:srgbClr val="44546A"/>
+      </a:dk2>
+      <a:lt2>
+        <a:srgbClr val="E7E6E6"/>
+      </a:lt2>
+      <a:accent1>
+        <a:srgbClr val="4472C4"/>
+      </a:accent1>
+      <a:accent2>
+        <a:srgbClr val="ED7D31"/>
+      </a:accent2>
+      <a:accent3>
+        <a:srgbClr val="A5A5A5"/>
+      </a:accent3>
+      <a:accent4>
+        <a:srgbClr val="FFC000"/>
+      </a:accent4>
+      <a:accent5>
+        <a:srgbClr val="5B9BD5"/>
+      </a:accent5>
+      <a:accent6>
+        <a:srgbClr val="70AD47"/>
+      </a:accent6>
+      <a:hlink>
+        <a:srgbClr val="0563C1"/>
+      </a:hlink>
+      <a:folHlink>
+        <a:srgbClr val="954F72"/>
+      </a:folHlink>
+    </a:clrScheme>
+    <a:fontScheme name="Office">
+      <a:majorFont>
+        <a:latin typeface="Calibri Light" panose="020F0302020204030204"/>
+        <a:ea typeface=""/>
+        <a:cs typeface=""/>
+        <a:font script="Jpan" typeface="游ゴシック Light"/>
+        <a:font script="Hang" typeface="맑은 고딕"/>
+        <a:font script="Hans" typeface="等线 Light"/>
+        <a:font script="Hant" typeface="新細明體"/>
+        <a:font script="Arab" typeface="Times New Roman"/>
+        <a:font script="Hebr" typeface="Times New Roman"/>
+        <a:font script="Thai" typeface="Angsana New"/>
+        <a:font script="Ethi" typeface="Nyala"/>
+        <a:font script="Beng" typeface="Vrinda"/>
+        <a:font script="Gujr" typeface="Shruti"/>
+        <a:font script="Khmr" typeface="MoolBoran"/>
+        <a:font script="Knda" typeface="Tunga"/>
+        <a:font script="Guru" typeface="Raavi"/>
+        <a:font script="Cans" typeface="Euphemia"/>
+        <a:font script="Cher" typeface="Plantagenet Cherokee"/>
+        <a:font script="Yiii" typeface="Microsoft Yi Baiti"/>
+        <a:font script="Tibt" typeface="Microsoft Himalaya"/>
+        <a:font script="Thaa" typeface="MV Boli"/>
+        <a:font script="Deva" typeface="Mangal"/>
+        <a:font script="Telu" typeface="Gautami"/>
+        <a:font script="Taml" typeface="Latha"/>
+        <a:font script="Syrc" typeface="Estrangelo Edessa"/>
+        <a:font script="Orya" typeface="Kalinga"/>
+        <a:font script="Mlym" typeface="Kartika"/>
+        <a:font script="Laoo" typeface="DokChampa"/>
+        <a:font script="Sinh" typeface="Iskoola Pota"/>
+        <a:font script="Mong" typeface="Mongolian Baiti"/>
+        <a:font script="Viet" typeface="Times New Roman"/>
+        <a:font script="Uigh" typeface="Microsoft Uighur"/>
+        <a:font script="Geor" typeface="Sylfaen"/>
+        <a:font script="Armn" typeface="Arial"/>
+        <a:font script="Bugi" typeface="Leelawadee UI"/>
+        <a:font script="Bopo" typeface="Microsoft JhengHei"/>
+        <a:font script="Java" typeface="Javanese Text"/>
+        <a:font script="Lisu" typeface="Segoe UI"/>
+        <a:font script="Mymr" typeface="Myanmar Text"/>
+        <a:font script="Nkoo" typeface="Ebrima"/>
+        <a:font script="Olck" typeface="Nirmala UI"/>
+        <a:font script="Osma" typeface="Ebrima"/>
+        <a:font script="Phag" typeface="Phagspa"/>
+        <a:font script="Syrn" typeface="Estrangelo Edessa"/>
+        <a:font script="Syrj" typeface="Estrangelo Edessa"/>
+        <a:font script="Syre" typeface="Estrangelo Edessa"/>
+        <a:font script="Sora" typeface="Nirmala UI"/>
+        <a:font script="Tale" typeface="Microsoft Tai Le"/>
+        <a:font script="Talu" typeface="Microsoft New Tai Lue"/>
+        <a:font script="Tfng" typeface="Ebrima"/>
+      </a:majorFont>
+      <a:minorFont>
+        <a:latin typeface="Calibri" panose="020F0502020204030204"/>
+        <a:ea typeface=""/>
+        <a:cs typeface=""/>
+        <a:font script="Jpan" typeface="游ゴシック"/>
+        <a:font script="Hang" typeface="맑은 고딕"/>
+        <a:font script="Hans" typeface="等线"/>
+        <a:font script="Hant" typeface="新細明體"/>
+        <a:font script="Arab" typeface="Arial"/>
+        <a:font script="Hebr" typeface="Arial"/>
+        <a:font script="Thai" typeface="Cordia New"/>
+        <a:font script="Ethi" typeface="Nyala"/>
+        <a:font script="Beng" typeface="Vrinda"/>
+        <a:font script="Gujr" typeface="Shruti"/>
+        <a:font script="Khmr" typeface="DaunPenh"/>
+        <a:font script="Knda" typeface="Tunga"/>
+        <a:font script="Guru" typeface="Raavi"/>
+        <a:font script="Cans" typeface="Euphemia"/>
+        <a:font script="Cher" typeface="Plantagenet Cherokee"/>
+        <a:font script="Yiii" typeface="Microsoft Yi Baiti"/>
+        <a:font script="Tibt" typeface="Microsoft Himalaya"/>
+        <a:font script="Thaa" typeface="MV Boli"/>
+        <a:font script="Deva" typeface="Mangal"/>
+        <a:font script="Telu" typeface="Gautami"/>
+        <a:font script="Taml" typeface="Latha"/>
+        <a:font script="Syrc" typeface="Estrangelo Edessa"/>
+        <a:font script="Orya" typeface="Kalinga"/>
+        <a:font script="Mlym" typeface="Kartika"/>
+        <a:font script="Laoo" typeface="DokChampa"/>
+        <a:font script="Sinh" typeface="Iskoola Pota"/>
+        <a:font script="Mong" typeface="Mongolian Baiti"/>
+        <a:font script="Viet" typeface="Arial"/>
+        <a:font script="Uigh" typeface="Microsoft Uighur"/>
+        <a:font script="Geor" typeface="Sylfaen"/>
+        <a:font script="Armn" typeface="Arial"/>
+        <a:font script="Bugi" typeface="Leelawadee UI"/>
+        <a:font script="Bopo" typeface="Microsoft JhengHei"/>
+        <a:font script="Java" typeface="Javanese Text"/>
+        <a:font script="Lisu" typeface="Segoe UI"/>
+        <a:font script="Mymr" typeface="Myanmar Text"/>
+        <a:font script="Nkoo" typeface="Ebrima"/>
+        <a:font script="Olck" typeface="Nirmala UI"/>
+        <a:font script="Osma" typeface="Ebrima"/>
+        <a:font script="Phag" typeface="Phagspa"/>
+        <a:font script="Syrn" typeface="Estrangelo Edessa"/>
+        <a:font script="Syrj" typeface="Estrangelo Edessa"/>
+        <a:font script="Syre" typeface="Estrangelo Edessa"/>
+        <a:font script="Sora" typeface="Nirmala UI"/>
+        <a:font script="Tale" typeface="Microsoft Tai Le"/>
+        <a:font script="Talu" typeface="Microsoft New Tai Lue"/>
+        <a:font script="Tfng" typeface="Ebrima"/>
+      </a:minorFont>
+    </a:fontScheme>
+    <a:fmtScheme name="Office">
+      <a:fillStyleLst>
+        <a:solidFill>
+          <a:schemeClr val="phClr"/>
+        </a:solidFill>
+        <a:gradFill rotWithShape="1">
+          <a:gsLst>
+            <a:gs pos="0">
+              <a:schemeClr val="phClr">
+                <a:lumMod val="110000"/>
+                <a:satMod val="105000"/>
+                <a:tint val="67000"/>
+              </a:schemeClr>
+            </a:gs>
+            <a:gs pos="50000">
+              <a:schemeClr val="phClr">
+                <a:lumMod val="105000"/>
+                <a:satMod val="103000"/>
+                <a:tint val="73000"/>
+              </a:schemeClr>
+            </a:gs>
+            <a:gs pos="100000">
+              <a:schemeClr val="phClr">
+                <a:lumMod val="105000"/>
+                <a:satMod val="109000"/>
+                <a:tint val="81000"/>
+              </a:schemeClr>
+            </a:gs>
+          </a:gsLst>
+          <a:lin ang="5400000" scaled="0"/>
+        </a:gradFill>
+        <a:gradFill rotWithShape="1">
+          <a:gsLst>
+            <a:gs pos="0">
+              <a:schemeClr val="phClr">
+                <a:satMod val="103000"/>
+                <a:lumMod val="102000"/>
+                <a:tint val="94000"/>
+              </a:schemeClr>
+            </a:gs>
+            <a:gs pos="50000">
+              <a:schemeClr val="phClr">
+                <a:satMod val="110000"/>
+                <a:lumMod val="100000"/>
+                <a:shade val="100000"/>
+              </a:schemeClr>
+            </a:gs>
+            <a:gs pos="100000">
+              <a:schemeClr val="phClr">
+                <a:lumMod val="99000"/>
+                <a:satMod val="120000"/>
+                <a:shade val="78000"/>
+              </a:schemeClr>
+            </a:gs>
+          </a:gsLst>
+          <a:lin ang="5400000" scaled="0"/>
+        </a:gradFill>
+      </a:fillStyleLst>
+      <a:lnStyleLst>
+        <a:ln w="6350" cap="flat" cmpd="sng" algn="ctr">
+          <a:solidFill>
+            <a:schemeClr val="phClr"/>
+          </a:solidFill>
+          <a:prstDash val="solid"/>
+          <a:miter lim="800000"/>
+        </a:ln>
+        <a:ln w="12700" cap="flat" cmpd="sng" algn="ctr">
+          <a:solidFill>
+            <a:schemeClr val="phClr"/>
+          </a:solidFill>
+          <a:prstDash val="solid"/>
+          <a:miter lim="800000"/>
+        </a:ln>
+        <a:ln w="19050" cap="flat" cmpd="sng" algn="ctr">
+          <a:solidFill>
+            <a:schemeClr val="phClr"/>
+          </a:solidFill>
+          <a:prstDash val="solid"/>
+          <a:miter lim="800000"/>
+        </a:ln>
+      </a:lnStyleLst>
+      <a:effectStyleLst>
+        <a:effectStyle>
+          <a:effectLst/>
+        </a:effectStyle>
+        <a:effectStyle>
+          <a:effectLst/>
+        </a:effectStyle>
+        <a:effectStyle>
+          <a:effectLst>
+            <a:outerShdw blurRad="57150" dist="19050" dir="5400000" algn="ctr" rotWithShape="0">
+              <a:srgbClr val="000000">
+                <a:alpha val="63000"/>
+              </a:srgbClr>
+            </a:outerShdw>
+          </a:effectLst>
+        </a:effectStyle>
+      </a:effectStyleLst>
+      <a:bgFillStyleLst>
+        <a:solidFill>
+          <a:schemeClr val="phClr"/>
+        </a:solidFill>
+        <a:solidFill>
+          <a:schemeClr val="phClr">
+            <a:tint val="95000"/>
+            <a:satMod val="170000"/>
+          </a:schemeClr>
+        </a:solidFill>
+        <a:gradFill rotWithShape="1">
+          <a:gsLst>
+            <a:gs pos="0">
+              <a:schemeClr val="phClr">
+                <a:tint val="93000"/>
+                <a:satMod val="150000"/>
+                <a:shade val="98000"/>
+                <a:lumMod val="102000"/>
+              </a:schemeClr>
+            </a:gs>
+            <a:gs pos="50000">
+              <a:schemeClr val="phClr">
+                <a:tint val="98000"/>
+                <a:satMod val="130000"/>
+                <a:shade val="90000"/>
+                <a:lumMod val="103000"/>
+              </a:schemeClr>
+            </a:gs>
+            <a:gs pos="100000">
+              <a:schemeClr val="phClr">
+                <a:shade val="63000"/>
+                <a:satMod val="120000"/>
+              </a:schemeClr>
+            </a:gs>
+          </a:gsLst>
+          <a:lin ang="5400000" scaled="0"/>
+        </a:gradFill>
+      </a:bgFillStyleLst>
+    </a:fmtScheme>
+  </a:themeElements>
+  <a:objectDefaults/>
+  <a:extraClrSchemeLst/>
+  <a:extLst>
+    <a:ext uri="{05A4C25C-085E-4340-85A3-A5531E510DB2}">
+      <thm15:themeFamily xmlns:thm15="http://schemas.microsoft.com/office/thememl/2012/main" name="Office Theme" id="{62F939B6-93AF-4DB8-9C6B-D6C7DFDC589F}" vid="{4A3C46E8-61CC-4603-A589-7422A47A8E4A}"/>
+    </a:ext>
+  </a:extLst>
+</a:theme>
 </file>
--- a/images/project_file_flow_diagram.pptx
+++ b/images/project_file_flow_diagram.pptx
@@ -210,7 +210,7 @@
           <a:p>
             <a:fld id="{8FE2B474-E812-5843-ACE1-440DA6EE3C7C}" type="datetimeFigureOut">
               <a:rPr lang="en-US" smtClean="0"/>
-              <a:t>11/9/18</a:t>
+              <a:t>11/13/18</a:t>
             </a:fld>
             <a:endParaRPr lang="en-US"/>
           </a:p>
@@ -792,7 +792,7 @@
           <a:p>
             <a:fld id="{50C38AD0-C4FF-AF45-A138-96117B098541}" type="datetimeFigureOut">
               <a:rPr lang="en-US" smtClean="0"/>
-              <a:t>11/9/18</a:t>
+              <a:t>11/13/18</a:t>
             </a:fld>
             <a:endParaRPr lang="en-US"/>
           </a:p>
@@ -990,7 +990,7 @@
           <a:p>
             <a:fld id="{50C38AD0-C4FF-AF45-A138-96117B098541}" type="datetimeFigureOut">
               <a:rPr lang="en-US" smtClean="0"/>
-              <a:t>11/9/18</a:t>
+              <a:t>11/13/18</a:t>
             </a:fld>
             <a:endParaRPr lang="en-US"/>
           </a:p>
@@ -1198,7 +1198,7 @@
           <a:p>
             <a:fld id="{50C38AD0-C4FF-AF45-A138-96117B098541}" type="datetimeFigureOut">
               <a:rPr lang="en-US" smtClean="0"/>
-              <a:t>11/9/18</a:t>
+              <a:t>11/13/18</a:t>
             </a:fld>
             <a:endParaRPr lang="en-US"/>
           </a:p>
@@ -1396,7 +1396,7 @@
           <a:p>
             <a:fld id="{50C38AD0-C4FF-AF45-A138-96117B098541}" type="datetimeFigureOut">
               <a:rPr lang="en-US" smtClean="0"/>
-              <a:t>11/9/18</a:t>
+              <a:t>11/13/18</a:t>
             </a:fld>
             <a:endParaRPr lang="en-US"/>
           </a:p>
@@ -1671,7 +1671,7 @@
           <a:p>
             <a:fld id="{50C38AD0-C4FF-AF45-A138-96117B098541}" type="datetimeFigureOut">
               <a:rPr lang="en-US" smtClean="0"/>
-              <a:t>11/9/18</a:t>
+              <a:t>11/13/18</a:t>
             </a:fld>
             <a:endParaRPr lang="en-US"/>
           </a:p>
@@ -1936,7 +1936,7 @@
           <a:p>
             <a:fld id="{50C38AD0-C4FF-AF45-A138-96117B098541}" type="datetimeFigureOut">
               <a:rPr lang="en-US" smtClean="0"/>
-              <a:t>11/9/18</a:t>
+              <a:t>11/13/18</a:t>
             </a:fld>
             <a:endParaRPr lang="en-US"/>
           </a:p>
@@ -2348,7 +2348,7 @@
           <a:p>
             <a:fld id="{50C38AD0-C4FF-AF45-A138-96117B098541}" type="datetimeFigureOut">
               <a:rPr lang="en-US" smtClean="0"/>
-              <a:t>11/9/18</a:t>
+              <a:t>11/13/18</a:t>
             </a:fld>
             <a:endParaRPr lang="en-US"/>
           </a:p>
@@ -2489,7 +2489,7 @@
           <a:p>
             <a:fld id="{50C38AD0-C4FF-AF45-A138-96117B098541}" type="datetimeFigureOut">
               <a:rPr lang="en-US" smtClean="0"/>
-              <a:t>11/9/18</a:t>
+              <a:t>11/13/18</a:t>
             </a:fld>
             <a:endParaRPr lang="en-US"/>
           </a:p>
@@ -2602,7 +2602,7 @@
           <a:p>
             <a:fld id="{50C38AD0-C4FF-AF45-A138-96117B098541}" type="datetimeFigureOut">
               <a:rPr lang="en-US" smtClean="0"/>
-              <a:t>11/9/18</a:t>
+              <a:t>11/13/18</a:t>
             </a:fld>
             <a:endParaRPr lang="en-US"/>
           </a:p>
@@ -2913,7 +2913,7 @@
           <a:p>
             <a:fld id="{50C38AD0-C4FF-AF45-A138-96117B098541}" type="datetimeFigureOut">
               <a:rPr lang="en-US" smtClean="0"/>
-              <a:t>11/9/18</a:t>
+              <a:t>11/13/18</a:t>
             </a:fld>
             <a:endParaRPr lang="en-US"/>
           </a:p>
@@ -3201,7 +3201,7 @@
           <a:p>
             <a:fld id="{50C38AD0-C4FF-AF45-A138-96117B098541}" type="datetimeFigureOut">
               <a:rPr lang="en-US" smtClean="0"/>
-              <a:t>11/9/18</a:t>
+              <a:t>11/13/18</a:t>
             </a:fld>
             <a:endParaRPr lang="en-US"/>
           </a:p>
@@ -3442,7 +3442,7 @@
           <a:p>
             <a:fld id="{50C38AD0-C4FF-AF45-A138-96117B098541}" type="datetimeFigureOut">
               <a:rPr lang="en-US" smtClean="0"/>
-              <a:t>11/9/18</a:t>
+              <a:t>11/13/18</a:t>
             </a:fld>
             <a:endParaRPr lang="en-US"/>
           </a:p>
@@ -8466,6 +8466,448 @@
             <a:ext cx="278660" cy="991327"/>
           </a:xfrm>
           <a:prstGeom prst="bentConnector3">
+            <a:avLst/>
+          </a:prstGeom>
+          <a:ln>
+            <a:tailEnd type="triangle"/>
+          </a:ln>
+        </p:spPr>
+        <p:style>
+          <a:lnRef idx="1">
+            <a:schemeClr val="accent1"/>
+          </a:lnRef>
+          <a:fillRef idx="0">
+            <a:schemeClr val="accent1"/>
+          </a:fillRef>
+          <a:effectRef idx="0">
+            <a:schemeClr val="accent1"/>
+          </a:effectRef>
+          <a:fontRef idx="minor">
+            <a:schemeClr val="tx1"/>
+          </a:fontRef>
+        </p:style>
+      </p:cxnSp>
+      <p:sp>
+        <p:nvSpPr>
+          <p:cNvPr id="32" name="Rectangle 31">
+            <a:extLst>
+              <a:ext uri="{FF2B5EF4-FFF2-40B4-BE49-F238E27FC236}">
+                <a16:creationId xmlns:a16="http://schemas.microsoft.com/office/drawing/2014/main" id="{20FE9A9C-FA42-9C46-8FDE-7EBCA2C4E8FA}"/>
+              </a:ext>
+            </a:extLst>
+          </p:cNvPr>
+          <p:cNvSpPr/>
+          <p:nvPr/>
+        </p:nvSpPr>
+        <p:spPr>
+          <a:xfrm>
+            <a:off x="6464704" y="2773907"/>
+            <a:ext cx="2238721" cy="359595"/>
+          </a:xfrm>
+          <a:prstGeom prst="rect">
+            <a:avLst/>
+          </a:prstGeom>
+          <a:solidFill>
+            <a:schemeClr val="accent1">
+              <a:lumMod val="20000"/>
+              <a:lumOff val="80000"/>
+            </a:schemeClr>
+          </a:solidFill>
+          <a:ln>
+            <a:solidFill>
+              <a:schemeClr val="tx1"/>
+            </a:solidFill>
+          </a:ln>
+        </p:spPr>
+        <p:style>
+          <a:lnRef idx="2">
+            <a:schemeClr val="accent1">
+              <a:shade val="50000"/>
+            </a:schemeClr>
+          </a:lnRef>
+          <a:fillRef idx="1">
+            <a:schemeClr val="accent1"/>
+          </a:fillRef>
+          <a:effectRef idx="0">
+            <a:schemeClr val="accent1"/>
+          </a:effectRef>
+          <a:fontRef idx="minor">
+            <a:schemeClr val="lt1"/>
+          </a:fontRef>
+        </p:style>
+        <p:txBody>
+          <a:bodyPr rtlCol="0" anchor="ctr"/>
+          <a:lstStyle/>
+          <a:p>
+            <a:pPr algn="ctr"/>
+            <a:r>
+              <a:rPr lang="en-US" sz="1100" dirty="0" err="1">
+                <a:solidFill>
+                  <a:schemeClr val="tx1"/>
+                </a:solidFill>
+              </a:rPr>
+              <a:t>table_item_response_patterns.Rmd</a:t>
+            </a:r>
+            <a:endParaRPr lang="en-US" sz="1100" dirty="0">
+              <a:solidFill>
+                <a:schemeClr val="tx1"/>
+              </a:solidFill>
+            </a:endParaRPr>
+          </a:p>
+        </p:txBody>
+      </p:sp>
+      <p:sp>
+        <p:nvSpPr>
+          <p:cNvPr id="33" name="Rectangle 32">
+            <a:extLst>
+              <a:ext uri="{FF2B5EF4-FFF2-40B4-BE49-F238E27FC236}">
+                <a16:creationId xmlns:a16="http://schemas.microsoft.com/office/drawing/2014/main" id="{634E61C0-4C61-9F42-A9A7-ED9F4CCFFFF0}"/>
+              </a:ext>
+            </a:extLst>
+          </p:cNvPr>
+          <p:cNvSpPr/>
+          <p:nvPr/>
+        </p:nvSpPr>
+        <p:spPr>
+          <a:xfrm>
+            <a:off x="8798152" y="2765005"/>
+            <a:ext cx="1933580" cy="359595"/>
+          </a:xfrm>
+          <a:prstGeom prst="rect">
+            <a:avLst/>
+          </a:prstGeom>
+          <a:solidFill>
+            <a:schemeClr val="accent1">
+              <a:lumMod val="20000"/>
+              <a:lumOff val="80000"/>
+            </a:schemeClr>
+          </a:solidFill>
+          <a:ln>
+            <a:solidFill>
+              <a:schemeClr val="tx1"/>
+            </a:solidFill>
+          </a:ln>
+        </p:spPr>
+        <p:style>
+          <a:lnRef idx="2">
+            <a:schemeClr val="accent1">
+              <a:shade val="50000"/>
+            </a:schemeClr>
+          </a:lnRef>
+          <a:fillRef idx="1">
+            <a:schemeClr val="accent1"/>
+          </a:fillRef>
+          <a:effectRef idx="0">
+            <a:schemeClr val="accent1"/>
+          </a:effectRef>
+          <a:fontRef idx="minor">
+            <a:schemeClr val="lt1"/>
+          </a:fontRef>
+        </p:style>
+        <p:txBody>
+          <a:bodyPr rtlCol="0" anchor="ctr"/>
+          <a:lstStyle/>
+          <a:p>
+            <a:pPr algn="ctr"/>
+            <a:r>
+              <a:rPr lang="en-US" sz="1100" dirty="0" err="1">
+                <a:solidFill>
+                  <a:schemeClr val="tx1"/>
+                </a:solidFill>
+              </a:rPr>
+              <a:t>table_reporting_patterns.Rmd</a:t>
+            </a:r>
+            <a:endParaRPr lang="en-US" sz="1100" dirty="0">
+              <a:solidFill>
+                <a:schemeClr val="tx1"/>
+              </a:solidFill>
+            </a:endParaRPr>
+          </a:p>
+        </p:txBody>
+      </p:sp>
+      <p:cxnSp>
+        <p:nvCxnSpPr>
+          <p:cNvPr id="4" name="Elbow Connector 3">
+            <a:extLst>
+              <a:ext uri="{FF2B5EF4-FFF2-40B4-BE49-F238E27FC236}">
+                <a16:creationId xmlns:a16="http://schemas.microsoft.com/office/drawing/2014/main" id="{0239B887-24D2-7C47-AFA2-BD913F0CCEF0}"/>
+              </a:ext>
+            </a:extLst>
+          </p:cNvPr>
+          <p:cNvCxnSpPr>
+            <a:stCxn id="56" idx="2"/>
+            <a:endCxn id="32" idx="0"/>
+          </p:cNvCxnSpPr>
+          <p:nvPr/>
+        </p:nvCxnSpPr>
+        <p:spPr>
+          <a:xfrm rot="16200000" flipH="1">
+            <a:off x="6700702" y="1890544"/>
+            <a:ext cx="278660" cy="1488065"/>
+          </a:xfrm>
+          <a:prstGeom prst="bentConnector3">
+            <a:avLst/>
+          </a:prstGeom>
+          <a:ln>
+            <a:tailEnd type="triangle"/>
+          </a:ln>
+        </p:spPr>
+        <p:style>
+          <a:lnRef idx="1">
+            <a:schemeClr val="accent1"/>
+          </a:lnRef>
+          <a:fillRef idx="0">
+            <a:schemeClr val="accent1"/>
+          </a:fillRef>
+          <a:effectRef idx="0">
+            <a:schemeClr val="accent1"/>
+          </a:effectRef>
+          <a:fontRef idx="minor">
+            <a:schemeClr val="tx1"/>
+          </a:fontRef>
+        </p:style>
+      </p:cxnSp>
+      <p:cxnSp>
+        <p:nvCxnSpPr>
+          <p:cNvPr id="7" name="Elbow Connector 6">
+            <a:extLst>
+              <a:ext uri="{FF2B5EF4-FFF2-40B4-BE49-F238E27FC236}">
+                <a16:creationId xmlns:a16="http://schemas.microsoft.com/office/drawing/2014/main" id="{BECC7DEF-8BDC-E845-95CE-6625D7CA7573}"/>
+              </a:ext>
+            </a:extLst>
+          </p:cNvPr>
+          <p:cNvCxnSpPr>
+            <a:stCxn id="56" idx="2"/>
+            <a:endCxn id="33" idx="0"/>
+          </p:cNvCxnSpPr>
+          <p:nvPr/>
+        </p:nvCxnSpPr>
+        <p:spPr>
+          <a:xfrm rot="16200000" flipH="1">
+            <a:off x="7795592" y="795655"/>
+            <a:ext cx="269758" cy="3668942"/>
+          </a:xfrm>
+          <a:prstGeom prst="bentConnector3">
+            <a:avLst/>
+          </a:prstGeom>
+          <a:ln>
+            <a:tailEnd type="triangle"/>
+          </a:ln>
+        </p:spPr>
+        <p:style>
+          <a:lnRef idx="1">
+            <a:schemeClr val="accent1"/>
+          </a:lnRef>
+          <a:fillRef idx="0">
+            <a:schemeClr val="accent1"/>
+          </a:fillRef>
+          <a:effectRef idx="0">
+            <a:schemeClr val="accent1"/>
+          </a:effectRef>
+          <a:fontRef idx="minor">
+            <a:schemeClr val="tx1"/>
+          </a:fontRef>
+        </p:style>
+      </p:cxnSp>
+      <p:sp>
+        <p:nvSpPr>
+          <p:cNvPr id="35" name="Rectangle 34">
+            <a:extLst>
+              <a:ext uri="{FF2B5EF4-FFF2-40B4-BE49-F238E27FC236}">
+                <a16:creationId xmlns:a16="http://schemas.microsoft.com/office/drawing/2014/main" id="{E4471AE2-81CA-5D46-9293-78F35C44291C}"/>
+              </a:ext>
+            </a:extLst>
+          </p:cNvPr>
+          <p:cNvSpPr/>
+          <p:nvPr/>
+        </p:nvSpPr>
+        <p:spPr>
+          <a:xfrm>
+            <a:off x="6464703" y="3403260"/>
+            <a:ext cx="2238721" cy="359595"/>
+          </a:xfrm>
+          <a:prstGeom prst="rect">
+            <a:avLst/>
+          </a:prstGeom>
+          <a:solidFill>
+            <a:schemeClr val="accent6">
+              <a:lumMod val="20000"/>
+              <a:lumOff val="80000"/>
+            </a:schemeClr>
+          </a:solidFill>
+          <a:ln>
+            <a:solidFill>
+              <a:schemeClr val="tx1"/>
+            </a:solidFill>
+          </a:ln>
+        </p:spPr>
+        <p:style>
+          <a:lnRef idx="2">
+            <a:schemeClr val="accent1">
+              <a:shade val="50000"/>
+            </a:schemeClr>
+          </a:lnRef>
+          <a:fillRef idx="1">
+            <a:schemeClr val="accent1"/>
+          </a:fillRef>
+          <a:effectRef idx="0">
+            <a:schemeClr val="accent1"/>
+          </a:effectRef>
+          <a:fontRef idx="minor">
+            <a:schemeClr val="lt1"/>
+          </a:fontRef>
+        </p:style>
+        <p:txBody>
+          <a:bodyPr rtlCol="0" anchor="ctr"/>
+          <a:lstStyle/>
+          <a:p>
+            <a:pPr algn="ctr"/>
+            <a:r>
+              <a:rPr lang="en-US" sz="1100" dirty="0" err="1">
+                <a:solidFill>
+                  <a:schemeClr val="tx1"/>
+                </a:solidFill>
+              </a:rPr>
+              <a:t>table_item_response_patterns.docx</a:t>
+            </a:r>
+            <a:endParaRPr lang="en-US" sz="1100" dirty="0">
+              <a:solidFill>
+                <a:schemeClr val="tx1"/>
+              </a:solidFill>
+            </a:endParaRPr>
+          </a:p>
+        </p:txBody>
+      </p:sp>
+      <p:sp>
+        <p:nvSpPr>
+          <p:cNvPr id="37" name="Rectangle 36">
+            <a:extLst>
+              <a:ext uri="{FF2B5EF4-FFF2-40B4-BE49-F238E27FC236}">
+                <a16:creationId xmlns:a16="http://schemas.microsoft.com/office/drawing/2014/main" id="{18E15EAC-2BF2-7144-BED3-DB34EDCC4EAF}"/>
+              </a:ext>
+            </a:extLst>
+          </p:cNvPr>
+          <p:cNvSpPr/>
+          <p:nvPr/>
+        </p:nvSpPr>
+        <p:spPr>
+          <a:xfrm>
+            <a:off x="8798152" y="3410498"/>
+            <a:ext cx="1933580" cy="359595"/>
+          </a:xfrm>
+          <a:prstGeom prst="rect">
+            <a:avLst/>
+          </a:prstGeom>
+          <a:solidFill>
+            <a:schemeClr val="accent6">
+              <a:lumMod val="20000"/>
+              <a:lumOff val="80000"/>
+            </a:schemeClr>
+          </a:solidFill>
+          <a:ln>
+            <a:solidFill>
+              <a:schemeClr val="tx1"/>
+            </a:solidFill>
+          </a:ln>
+        </p:spPr>
+        <p:style>
+          <a:lnRef idx="2">
+            <a:schemeClr val="accent1">
+              <a:shade val="50000"/>
+            </a:schemeClr>
+          </a:lnRef>
+          <a:fillRef idx="1">
+            <a:schemeClr val="accent1"/>
+          </a:fillRef>
+          <a:effectRef idx="0">
+            <a:schemeClr val="accent1"/>
+          </a:effectRef>
+          <a:fontRef idx="minor">
+            <a:schemeClr val="lt1"/>
+          </a:fontRef>
+        </p:style>
+        <p:txBody>
+          <a:bodyPr rtlCol="0" anchor="ctr"/>
+          <a:lstStyle/>
+          <a:p>
+            <a:pPr algn="ctr"/>
+            <a:r>
+              <a:rPr lang="en-US" sz="1100" dirty="0" err="1">
+                <a:solidFill>
+                  <a:schemeClr val="tx1"/>
+                </a:solidFill>
+              </a:rPr>
+              <a:t>table_reporting_patterns.docx</a:t>
+            </a:r>
+            <a:endParaRPr lang="en-US" sz="1100" dirty="0">
+              <a:solidFill>
+                <a:schemeClr val="tx1"/>
+              </a:solidFill>
+            </a:endParaRPr>
+          </a:p>
+        </p:txBody>
+      </p:sp>
+      <p:cxnSp>
+        <p:nvCxnSpPr>
+          <p:cNvPr id="5" name="Straight Arrow Connector 4">
+            <a:extLst>
+              <a:ext uri="{FF2B5EF4-FFF2-40B4-BE49-F238E27FC236}">
+                <a16:creationId xmlns:a16="http://schemas.microsoft.com/office/drawing/2014/main" id="{90B3395E-0F02-9148-AF66-D1DEC198A4BE}"/>
+              </a:ext>
+            </a:extLst>
+          </p:cNvPr>
+          <p:cNvCxnSpPr>
+            <a:stCxn id="32" idx="2"/>
+          </p:cNvCxnSpPr>
+          <p:nvPr/>
+        </p:nvCxnSpPr>
+        <p:spPr>
+          <a:xfrm flipH="1">
+            <a:off x="7584063" y="3133502"/>
+            <a:ext cx="2" cy="269758"/>
+          </a:xfrm>
+          <a:prstGeom prst="straightConnector1">
+            <a:avLst/>
+          </a:prstGeom>
+          <a:ln>
+            <a:tailEnd type="triangle"/>
+          </a:ln>
+        </p:spPr>
+        <p:style>
+          <a:lnRef idx="1">
+            <a:schemeClr val="accent1"/>
+          </a:lnRef>
+          <a:fillRef idx="0">
+            <a:schemeClr val="accent1"/>
+          </a:fillRef>
+          <a:effectRef idx="0">
+            <a:schemeClr val="accent1"/>
+          </a:effectRef>
+          <a:fontRef idx="minor">
+            <a:schemeClr val="tx1"/>
+          </a:fontRef>
+        </p:style>
+      </p:cxnSp>
+      <p:cxnSp>
+        <p:nvCxnSpPr>
+          <p:cNvPr id="11" name="Straight Arrow Connector 10">
+            <a:extLst>
+              <a:ext uri="{FF2B5EF4-FFF2-40B4-BE49-F238E27FC236}">
+                <a16:creationId xmlns:a16="http://schemas.microsoft.com/office/drawing/2014/main" id="{DA6C22A1-501E-394E-985E-FAD7670F913C}"/>
+              </a:ext>
+            </a:extLst>
+          </p:cNvPr>
+          <p:cNvCxnSpPr>
+            <a:stCxn id="33" idx="2"/>
+          </p:cNvCxnSpPr>
+          <p:nvPr/>
+        </p:nvCxnSpPr>
+        <p:spPr>
+          <a:xfrm>
+            <a:off x="9764942" y="3124600"/>
+            <a:ext cx="0" cy="269759"/>
+          </a:xfrm>
+          <a:prstGeom prst="straightConnector1">
             <a:avLst/>
           </a:prstGeom>
           <a:ln>

--- a/images/project_file_flow_diagram.pptx
+++ b/images/project_file_flow_diagram.pptx
@@ -210,7 +210,7 @@
           <a:p>
             <a:fld id="{8FE2B474-E812-5843-ACE1-440DA6EE3C7C}" type="datetimeFigureOut">
               <a:rPr lang="en-US" smtClean="0"/>
-              <a:t>11/13/18</a:t>
+              <a:t>11/19/18</a:t>
             </a:fld>
             <a:endParaRPr lang="en-US"/>
           </a:p>
@@ -792,7 +792,7 @@
           <a:p>
             <a:fld id="{50C38AD0-C4FF-AF45-A138-96117B098541}" type="datetimeFigureOut">
               <a:rPr lang="en-US" smtClean="0"/>
-              <a:t>11/13/18</a:t>
+              <a:t>11/19/18</a:t>
             </a:fld>
             <a:endParaRPr lang="en-US"/>
           </a:p>
@@ -990,7 +990,7 @@
           <a:p>
             <a:fld id="{50C38AD0-C4FF-AF45-A138-96117B098541}" type="datetimeFigureOut">
               <a:rPr lang="en-US" smtClean="0"/>
-              <a:t>11/13/18</a:t>
+              <a:t>11/19/18</a:t>
             </a:fld>
             <a:endParaRPr lang="en-US"/>
           </a:p>
@@ -1198,7 +1198,7 @@
           <a:p>
             <a:fld id="{50C38AD0-C4FF-AF45-A138-96117B098541}" type="datetimeFigureOut">
               <a:rPr lang="en-US" smtClean="0"/>
-              <a:t>11/13/18</a:t>
+              <a:t>11/19/18</a:t>
             </a:fld>
             <a:endParaRPr lang="en-US"/>
           </a:p>
@@ -1396,7 +1396,7 @@
           <a:p>
             <a:fld id="{50C38AD0-C4FF-AF45-A138-96117B098541}" type="datetimeFigureOut">
               <a:rPr lang="en-US" smtClean="0"/>
-              <a:t>11/13/18</a:t>
+              <a:t>11/19/18</a:t>
             </a:fld>
             <a:endParaRPr lang="en-US"/>
           </a:p>
@@ -1671,7 +1671,7 @@
           <a:p>
             <a:fld id="{50C38AD0-C4FF-AF45-A138-96117B098541}" type="datetimeFigureOut">
               <a:rPr lang="en-US" smtClean="0"/>
-              <a:t>11/13/18</a:t>
+              <a:t>11/19/18</a:t>
             </a:fld>
             <a:endParaRPr lang="en-US"/>
           </a:p>
@@ -1936,7 +1936,7 @@
           <a:p>
             <a:fld id="{50C38AD0-C4FF-AF45-A138-96117B098541}" type="datetimeFigureOut">
               <a:rPr lang="en-US" smtClean="0"/>
-              <a:t>11/13/18</a:t>
+              <a:t>11/19/18</a:t>
             </a:fld>
             <a:endParaRPr lang="en-US"/>
           </a:p>
@@ -2348,7 +2348,7 @@
           <a:p>
             <a:fld id="{50C38AD0-C4FF-AF45-A138-96117B098541}" type="datetimeFigureOut">
               <a:rPr lang="en-US" smtClean="0"/>
-              <a:t>11/13/18</a:t>
+              <a:t>11/19/18</a:t>
             </a:fld>
             <a:endParaRPr lang="en-US"/>
           </a:p>
@@ -2489,7 +2489,7 @@
           <a:p>
             <a:fld id="{50C38AD0-C4FF-AF45-A138-96117B098541}" type="datetimeFigureOut">
               <a:rPr lang="en-US" smtClean="0"/>
-              <a:t>11/13/18</a:t>
+              <a:t>11/19/18</a:t>
             </a:fld>
             <a:endParaRPr lang="en-US"/>
           </a:p>
@@ -2602,7 +2602,7 @@
           <a:p>
             <a:fld id="{50C38AD0-C4FF-AF45-A138-96117B098541}" type="datetimeFigureOut">
               <a:rPr lang="en-US" smtClean="0"/>
-              <a:t>11/13/18</a:t>
+              <a:t>11/19/18</a:t>
             </a:fld>
             <a:endParaRPr lang="en-US"/>
           </a:p>
@@ -2913,7 +2913,7 @@
           <a:p>
             <a:fld id="{50C38AD0-C4FF-AF45-A138-96117B098541}" type="datetimeFigureOut">
               <a:rPr lang="en-US" smtClean="0"/>
-              <a:t>11/13/18</a:t>
+              <a:t>11/19/18</a:t>
             </a:fld>
             <a:endParaRPr lang="en-US"/>
           </a:p>
@@ -3201,7 +3201,7 @@
           <a:p>
             <a:fld id="{50C38AD0-C4FF-AF45-A138-96117B098541}" type="datetimeFigureOut">
               <a:rPr lang="en-US" smtClean="0"/>
-              <a:t>11/13/18</a:t>
+              <a:t>11/19/18</a:t>
             </a:fld>
             <a:endParaRPr lang="en-US"/>
           </a:p>
@@ -3442,7 +3442,7 @@
           <a:p>
             <a:fld id="{50C38AD0-C4FF-AF45-A138-96117B098541}" type="datetimeFigureOut">
               <a:rPr lang="en-US" smtClean="0"/>
-              <a:t>11/13/18</a:t>
+              <a:t>11/19/18</a:t>
             </a:fld>
             <a:endParaRPr lang="en-US"/>
           </a:p>
@@ -7758,10 +7758,10 @@
       </p:cxnSp>
       <p:sp>
         <p:nvSpPr>
-          <p:cNvPr id="29" name="Rectangle 28">
-            <a:extLst>
-              <a:ext uri="{FF2B5EF4-FFF2-40B4-BE49-F238E27FC236}">
-                <a16:creationId xmlns:a16="http://schemas.microsoft.com/office/drawing/2014/main" id="{E439EC78-DE78-A44D-A8D3-C94BB25627C9}"/>
+          <p:cNvPr id="36" name="Rectangle 35">
+            <a:extLst>
+              <a:ext uri="{FF2B5EF4-FFF2-40B4-BE49-F238E27FC236}">
+                <a16:creationId xmlns:a16="http://schemas.microsoft.com/office/drawing/2014/main" id="{5F16A66C-2F0D-BA4E-B941-DC699B089F7D}"/>
               </a:ext>
             </a:extLst>
           </p:cNvPr>
@@ -7770,8 +7770,204 @@
         </p:nvSpPr>
         <p:spPr>
           <a:xfrm>
-            <a:off x="8161" y="3405361"/>
-            <a:ext cx="3730314" cy="359595"/>
+            <a:off x="8907694" y="1506297"/>
+            <a:ext cx="3284306" cy="359595"/>
+          </a:xfrm>
+          <a:prstGeom prst="rect">
+            <a:avLst/>
+          </a:prstGeom>
+          <a:solidFill>
+            <a:schemeClr val="accent1">
+              <a:lumMod val="20000"/>
+              <a:lumOff val="80000"/>
+            </a:schemeClr>
+          </a:solidFill>
+          <a:ln>
+            <a:solidFill>
+              <a:schemeClr val="tx1"/>
+            </a:solidFill>
+          </a:ln>
+        </p:spPr>
+        <p:style>
+          <a:lnRef idx="2">
+            <a:schemeClr val="accent1">
+              <a:shade val="50000"/>
+            </a:schemeClr>
+          </a:lnRef>
+          <a:fillRef idx="1">
+            <a:schemeClr val="accent1"/>
+          </a:fillRef>
+          <a:effectRef idx="0">
+            <a:schemeClr val="accent1"/>
+          </a:effectRef>
+          <a:fontRef idx="minor">
+            <a:schemeClr val="lt1"/>
+          </a:fontRef>
+        </p:style>
+        <p:txBody>
+          <a:bodyPr rtlCol="0" anchor="ctr"/>
+          <a:lstStyle/>
+          <a:p>
+            <a:pPr algn="ctr"/>
+            <a:r>
+              <a:rPr lang="en-US" sz="1100" dirty="0" err="1">
+                <a:solidFill>
+                  <a:schemeClr val="tx1"/>
+                </a:solidFill>
+              </a:rPr>
+              <a:t>fig_responses_screenings_validation_line_graph.Rmd</a:t>
+            </a:r>
+            <a:endParaRPr lang="en-US" sz="1100" dirty="0">
+              <a:solidFill>
+                <a:schemeClr val="tx1"/>
+              </a:solidFill>
+            </a:endParaRPr>
+          </a:p>
+        </p:txBody>
+      </p:sp>
+      <p:cxnSp>
+        <p:nvCxnSpPr>
+          <p:cNvPr id="31" name="Straight Arrow Connector 30">
+            <a:extLst>
+              <a:ext uri="{FF2B5EF4-FFF2-40B4-BE49-F238E27FC236}">
+                <a16:creationId xmlns:a16="http://schemas.microsoft.com/office/drawing/2014/main" id="{2FE661E6-5302-FF46-B024-C46B97E56C9C}"/>
+              </a:ext>
+            </a:extLst>
+          </p:cNvPr>
+          <p:cNvCxnSpPr>
+            <a:cxnSpLocks/>
+            <a:stCxn id="14" idx="2"/>
+            <a:endCxn id="36" idx="0"/>
+          </p:cNvCxnSpPr>
+          <p:nvPr/>
+        </p:nvCxnSpPr>
+        <p:spPr>
+          <a:xfrm>
+            <a:off x="10549847" y="1218735"/>
+            <a:ext cx="0" cy="287562"/>
+          </a:xfrm>
+          <a:prstGeom prst="straightConnector1">
+            <a:avLst/>
+          </a:prstGeom>
+          <a:ln>
+            <a:tailEnd type="triangle"/>
+          </a:ln>
+        </p:spPr>
+        <p:style>
+          <a:lnRef idx="1">
+            <a:schemeClr val="accent1"/>
+          </a:lnRef>
+          <a:fillRef idx="0">
+            <a:schemeClr val="accent1"/>
+          </a:fillRef>
+          <a:effectRef idx="0">
+            <a:schemeClr val="accent1"/>
+          </a:effectRef>
+          <a:fontRef idx="minor">
+            <a:schemeClr val="tx1"/>
+          </a:fontRef>
+        </p:style>
+      </p:cxnSp>
+      <p:cxnSp>
+        <p:nvCxnSpPr>
+          <p:cNvPr id="47" name="Elbow Connector 46">
+            <a:extLst>
+              <a:ext uri="{FF2B5EF4-FFF2-40B4-BE49-F238E27FC236}">
+                <a16:creationId xmlns:a16="http://schemas.microsoft.com/office/drawing/2014/main" id="{E6E89683-4CFB-3A4C-8D3D-6E85DC3DCCD9}"/>
+              </a:ext>
+            </a:extLst>
+          </p:cNvPr>
+          <p:cNvCxnSpPr>
+            <a:stCxn id="9" idx="2"/>
+            <a:endCxn id="15" idx="0"/>
+          </p:cNvCxnSpPr>
+          <p:nvPr/>
+        </p:nvCxnSpPr>
+        <p:spPr>
+          <a:xfrm rot="5400000">
+            <a:off x="6921268" y="447888"/>
+            <a:ext cx="279179" cy="544356"/>
+          </a:xfrm>
+          <a:prstGeom prst="bentConnector3">
+            <a:avLst/>
+          </a:prstGeom>
+          <a:ln>
+            <a:tailEnd type="triangle"/>
+          </a:ln>
+        </p:spPr>
+        <p:style>
+          <a:lnRef idx="1">
+            <a:schemeClr val="accent1"/>
+          </a:lnRef>
+          <a:fillRef idx="0">
+            <a:schemeClr val="accent1"/>
+          </a:fillRef>
+          <a:effectRef idx="0">
+            <a:schemeClr val="accent1"/>
+          </a:effectRef>
+          <a:fontRef idx="minor">
+            <a:schemeClr val="tx1"/>
+          </a:fontRef>
+        </p:style>
+      </p:cxnSp>
+      <p:cxnSp>
+        <p:nvCxnSpPr>
+          <p:cNvPr id="49" name="Elbow Connector 48">
+            <a:extLst>
+              <a:ext uri="{FF2B5EF4-FFF2-40B4-BE49-F238E27FC236}">
+                <a16:creationId xmlns:a16="http://schemas.microsoft.com/office/drawing/2014/main" id="{9546376F-07BF-1347-B194-B3BB98DA4AE6}"/>
+              </a:ext>
+            </a:extLst>
+          </p:cNvPr>
+          <p:cNvCxnSpPr>
+            <a:stCxn id="15" idx="2"/>
+            <a:endCxn id="60" idx="0"/>
+          </p:cNvCxnSpPr>
+          <p:nvPr/>
+        </p:nvCxnSpPr>
+        <p:spPr>
+          <a:xfrm rot="16200000" flipH="1">
+            <a:off x="6700712" y="1307217"/>
+            <a:ext cx="278145" cy="102211"/>
+          </a:xfrm>
+          <a:prstGeom prst="bentConnector3">
+            <a:avLst/>
+          </a:prstGeom>
+          <a:ln>
+            <a:tailEnd type="triangle"/>
+          </a:ln>
+        </p:spPr>
+        <p:style>
+          <a:lnRef idx="1">
+            <a:schemeClr val="accent1"/>
+          </a:lnRef>
+          <a:fillRef idx="0">
+            <a:schemeClr val="accent1"/>
+          </a:fillRef>
+          <a:effectRef idx="0">
+            <a:schemeClr val="accent1"/>
+          </a:effectRef>
+          <a:fontRef idx="minor">
+            <a:schemeClr val="tx1"/>
+          </a:fontRef>
+        </p:style>
+      </p:cxnSp>
+      <p:sp>
+        <p:nvSpPr>
+          <p:cNvPr id="51" name="Rectangle 50">
+            <a:extLst>
+              <a:ext uri="{FF2B5EF4-FFF2-40B4-BE49-F238E27FC236}">
+                <a16:creationId xmlns:a16="http://schemas.microsoft.com/office/drawing/2014/main" id="{FD9E4922-B048-9A4D-B421-8D9809F5EC1D}"/>
+              </a:ext>
+            </a:extLst>
+          </p:cNvPr>
+          <p:cNvSpPr/>
+          <p:nvPr/>
+        </p:nvSpPr>
+        <p:spPr>
+          <a:xfrm>
+            <a:off x="8907694" y="2135651"/>
+            <a:ext cx="3284306" cy="359595"/>
           </a:xfrm>
           <a:prstGeom prst="rect">
             <a:avLst/>
@@ -7810,22 +8006,175 @@
           <a:p>
             <a:pPr algn="ctr"/>
             <a:r>
+              <a:rPr lang="en-US" sz="1100" dirty="0" err="1">
+                <a:solidFill>
+                  <a:schemeClr val="tx1"/>
+                </a:solidFill>
+              </a:rPr>
+              <a:t>fig_responses_screenings_validation_line_graph.jpeg</a:t>
+            </a:r>
+            <a:endParaRPr lang="en-US" sz="1100" dirty="0">
+              <a:solidFill>
+                <a:schemeClr val="tx1"/>
+              </a:solidFill>
+            </a:endParaRPr>
+          </a:p>
+        </p:txBody>
+      </p:sp>
+      <p:cxnSp>
+        <p:nvCxnSpPr>
+          <p:cNvPr id="52" name="Straight Arrow Connector 51">
+            <a:extLst>
+              <a:ext uri="{FF2B5EF4-FFF2-40B4-BE49-F238E27FC236}">
+                <a16:creationId xmlns:a16="http://schemas.microsoft.com/office/drawing/2014/main" id="{83D714BC-5F3B-CA49-BDA0-A6D6D80F8628}"/>
+              </a:ext>
+            </a:extLst>
+          </p:cNvPr>
+          <p:cNvCxnSpPr>
+            <a:stCxn id="36" idx="2"/>
+            <a:endCxn id="51" idx="0"/>
+          </p:cNvCxnSpPr>
+          <p:nvPr/>
+        </p:nvCxnSpPr>
+        <p:spPr>
+          <a:xfrm>
+            <a:off x="10549847" y="1865892"/>
+            <a:ext cx="0" cy="269759"/>
+          </a:xfrm>
+          <a:prstGeom prst="straightConnector1">
+            <a:avLst/>
+          </a:prstGeom>
+          <a:ln>
+            <a:tailEnd type="triangle"/>
+          </a:ln>
+        </p:spPr>
+        <p:style>
+          <a:lnRef idx="1">
+            <a:schemeClr val="accent1"/>
+          </a:lnRef>
+          <a:fillRef idx="0">
+            <a:schemeClr val="accent1"/>
+          </a:fillRef>
+          <a:effectRef idx="0">
+            <a:schemeClr val="accent1"/>
+          </a:effectRef>
+          <a:fontRef idx="minor">
+            <a:schemeClr val="tx1"/>
+          </a:fontRef>
+        </p:style>
+      </p:cxnSp>
+      <p:sp>
+        <p:nvSpPr>
+          <p:cNvPr id="56" name="Rectangle 55">
+            <a:extLst>
+              <a:ext uri="{FF2B5EF4-FFF2-40B4-BE49-F238E27FC236}">
+                <a16:creationId xmlns:a16="http://schemas.microsoft.com/office/drawing/2014/main" id="{1AF02504-A0B1-1144-92D1-651CDBED0A39}"/>
+              </a:ext>
+            </a:extLst>
+          </p:cNvPr>
+          <p:cNvSpPr/>
+          <p:nvPr/>
+        </p:nvSpPr>
+        <p:spPr>
+          <a:xfrm>
+            <a:off x="5257800" y="2135652"/>
+            <a:ext cx="1676400" cy="359595"/>
+          </a:xfrm>
+          <a:prstGeom prst="rect">
+            <a:avLst/>
+          </a:prstGeom>
+          <a:solidFill>
+            <a:schemeClr val="accent2">
+              <a:lumMod val="20000"/>
+              <a:lumOff val="80000"/>
+            </a:schemeClr>
+          </a:solidFill>
+          <a:ln>
+            <a:solidFill>
+              <a:schemeClr val="tx1"/>
+            </a:solidFill>
+          </a:ln>
+        </p:spPr>
+        <p:style>
+          <a:lnRef idx="2">
+            <a:schemeClr val="accent1">
+              <a:shade val="50000"/>
+            </a:schemeClr>
+          </a:lnRef>
+          <a:fillRef idx="1">
+            <a:schemeClr val="accent1"/>
+          </a:fillRef>
+          <a:effectRef idx="0">
+            <a:schemeClr val="accent1"/>
+          </a:effectRef>
+          <a:fontRef idx="minor">
+            <a:schemeClr val="lt1"/>
+          </a:fontRef>
+        </p:style>
+        <p:txBody>
+          <a:bodyPr rtlCol="0" anchor="ctr"/>
+          <a:lstStyle/>
+          <a:p>
+            <a:pPr algn="ctr"/>
+            <a:r>
               <a:rPr lang="en-US" sz="1100" dirty="0">
                 <a:solidFill>
                   <a:schemeClr val="tx1"/>
                 </a:solidFill>
               </a:rPr>
-              <a:t>fig_detect_5wk_screening_and_reporting_flow_diagram.jpg</a:t>
-            </a:r>
-          </a:p>
-        </p:txBody>
-      </p:sp>
-      <p:sp>
-        <p:nvSpPr>
-          <p:cNvPr id="36" name="Rectangle 35">
-            <a:extLst>
-              <a:ext uri="{FF2B5EF4-FFF2-40B4-BE49-F238E27FC236}">
-                <a16:creationId xmlns:a16="http://schemas.microsoft.com/office/drawing/2014/main" id="{5F16A66C-2F0D-BA4E-B941-DC699B089F7D}"/>
+              <a:t>detect_5wk.feather</a:t>
+            </a:r>
+          </a:p>
+        </p:txBody>
+      </p:sp>
+      <p:cxnSp>
+        <p:nvCxnSpPr>
+          <p:cNvPr id="59" name="Elbow Connector 58">
+            <a:extLst>
+              <a:ext uri="{FF2B5EF4-FFF2-40B4-BE49-F238E27FC236}">
+                <a16:creationId xmlns:a16="http://schemas.microsoft.com/office/drawing/2014/main" id="{294455CC-5983-BE4E-8A53-5AF219BF7FB4}"/>
+              </a:ext>
+            </a:extLst>
+          </p:cNvPr>
+          <p:cNvCxnSpPr>
+            <a:stCxn id="60" idx="2"/>
+            <a:endCxn id="56" idx="0"/>
+          </p:cNvCxnSpPr>
+          <p:nvPr/>
+        </p:nvCxnSpPr>
+        <p:spPr>
+          <a:xfrm rot="5400000">
+            <a:off x="6354115" y="1598876"/>
+            <a:ext cx="278661" cy="794890"/>
+          </a:xfrm>
+          <a:prstGeom prst="bentConnector3">
+            <a:avLst/>
+          </a:prstGeom>
+          <a:ln>
+            <a:tailEnd type="triangle"/>
+          </a:ln>
+        </p:spPr>
+        <p:style>
+          <a:lnRef idx="1">
+            <a:schemeClr val="accent1"/>
+          </a:lnRef>
+          <a:fillRef idx="0">
+            <a:schemeClr val="accent1"/>
+          </a:fillRef>
+          <a:effectRef idx="0">
+            <a:schemeClr val="accent1"/>
+          </a:effectRef>
+          <a:fontRef idx="minor">
+            <a:schemeClr val="tx1"/>
+          </a:fontRef>
+        </p:style>
+      </p:cxnSp>
+      <p:sp>
+        <p:nvSpPr>
+          <p:cNvPr id="63" name="Rectangle 62">
+            <a:extLst>
+              <a:ext uri="{FF2B5EF4-FFF2-40B4-BE49-F238E27FC236}">
+                <a16:creationId xmlns:a16="http://schemas.microsoft.com/office/drawing/2014/main" id="{EDD27890-3D0F-164A-8800-09C5C850899B}"/>
               </a:ext>
             </a:extLst>
           </p:cNvPr>
@@ -7834,8 +8183,8 @@
         </p:nvSpPr>
         <p:spPr>
           <a:xfrm>
-            <a:off x="8907694" y="1506297"/>
-            <a:ext cx="3284306" cy="359595"/>
+            <a:off x="4689008" y="2778360"/>
+            <a:ext cx="2613606" cy="359595"/>
           </a:xfrm>
           <a:prstGeom prst="rect">
             <a:avLst/>
@@ -7874,12 +8223,140 @@
           <a:p>
             <a:pPr algn="ctr"/>
             <a:r>
+              <a:rPr lang="en-US" sz="1100" dirty="0">
+                <a:solidFill>
+                  <a:schemeClr val="tx1"/>
+                </a:solidFill>
+              </a:rPr>
+              <a:t>fig_detect_5wk_screening_and_reporting_flow_diagram.Rmd</a:t>
+            </a:r>
+          </a:p>
+        </p:txBody>
+      </p:sp>
+      <p:sp>
+        <p:nvSpPr>
+          <p:cNvPr id="69" name="Rectangle 68">
+            <a:extLst>
+              <a:ext uri="{FF2B5EF4-FFF2-40B4-BE49-F238E27FC236}">
+                <a16:creationId xmlns:a16="http://schemas.microsoft.com/office/drawing/2014/main" id="{6C70DA3E-D16E-9D45-ACF6-50BCC7DE31B1}"/>
+              </a:ext>
+            </a:extLst>
+          </p:cNvPr>
+          <p:cNvSpPr/>
+          <p:nvPr/>
+        </p:nvSpPr>
+        <p:spPr>
+          <a:xfrm>
+            <a:off x="79996" y="2778360"/>
+            <a:ext cx="2550187" cy="359595"/>
+          </a:xfrm>
+          <a:prstGeom prst="rect">
+            <a:avLst/>
+          </a:prstGeom>
+          <a:solidFill>
+            <a:schemeClr val="accent1">
+              <a:lumMod val="20000"/>
+              <a:lumOff val="80000"/>
+            </a:schemeClr>
+          </a:solidFill>
+          <a:ln>
+            <a:solidFill>
+              <a:schemeClr val="tx1"/>
+            </a:solidFill>
+          </a:ln>
+        </p:spPr>
+        <p:style>
+          <a:lnRef idx="2">
+            <a:schemeClr val="accent1">
+              <a:shade val="50000"/>
+            </a:schemeClr>
+          </a:lnRef>
+          <a:fillRef idx="1">
+            <a:schemeClr val="accent1"/>
+          </a:fillRef>
+          <a:effectRef idx="0">
+            <a:schemeClr val="accent1"/>
+          </a:effectRef>
+          <a:fontRef idx="minor">
+            <a:schemeClr val="lt1"/>
+          </a:fontRef>
+        </p:style>
+        <p:txBody>
+          <a:bodyPr rtlCol="0" anchor="ctr"/>
+          <a:lstStyle/>
+          <a:p>
+            <a:pPr algn="ctr"/>
+            <a:r>
+              <a:rPr lang="en-US" sz="1100" dirty="0">
+                <a:solidFill>
+                  <a:schemeClr val="tx1"/>
+                </a:solidFill>
+              </a:rPr>
+              <a:t>analysis_detect_5wk_01_feasibility.Rmd  </a:t>
+            </a:r>
+          </a:p>
+        </p:txBody>
+      </p:sp>
+      <p:sp>
+        <p:nvSpPr>
+          <p:cNvPr id="32" name="Rectangle 31">
+            <a:extLst>
+              <a:ext uri="{FF2B5EF4-FFF2-40B4-BE49-F238E27FC236}">
+                <a16:creationId xmlns:a16="http://schemas.microsoft.com/office/drawing/2014/main" id="{20FE9A9C-FA42-9C46-8FDE-7EBCA2C4E8FA}"/>
+              </a:ext>
+            </a:extLst>
+          </p:cNvPr>
+          <p:cNvSpPr/>
+          <p:nvPr/>
+        </p:nvSpPr>
+        <p:spPr>
+          <a:xfrm>
+            <a:off x="9794652" y="2778360"/>
+            <a:ext cx="2313432" cy="359595"/>
+          </a:xfrm>
+          <a:prstGeom prst="rect">
+            <a:avLst/>
+          </a:prstGeom>
+          <a:solidFill>
+            <a:schemeClr val="accent1">
+              <a:lumMod val="20000"/>
+              <a:lumOff val="80000"/>
+            </a:schemeClr>
+          </a:solidFill>
+          <a:ln>
+            <a:solidFill>
+              <a:schemeClr val="tx1"/>
+            </a:solidFill>
+          </a:ln>
+        </p:spPr>
+        <p:style>
+          <a:lnRef idx="2">
+            <a:schemeClr val="accent1">
+              <a:shade val="50000"/>
+            </a:schemeClr>
+          </a:lnRef>
+          <a:fillRef idx="1">
+            <a:schemeClr val="accent1"/>
+          </a:fillRef>
+          <a:effectRef idx="0">
+            <a:schemeClr val="accent1"/>
+          </a:effectRef>
+          <a:fontRef idx="minor">
+            <a:schemeClr val="lt1"/>
+          </a:fontRef>
+        </p:style>
+        <p:txBody>
+          <a:bodyPr rtlCol="0" anchor="ctr"/>
+          <a:lstStyle/>
+          <a:p>
+            <a:pPr algn="ctr"/>
+            <a:r>
               <a:rPr lang="en-US" sz="1100" dirty="0" err="1">
                 <a:solidFill>
                   <a:schemeClr val="tx1"/>
                 </a:solidFill>
               </a:rPr>
-              <a:t>fig_responses_screenings_validation_line_graph.Rmd</a:t>
+              <a:t>table_item_response_patterns.Rmd</a:t>
             </a:r>
             <a:endParaRPr lang="en-US" sz="1100" dirty="0">
               <a:solidFill>
@@ -7889,139 +8366,12 @@
           </a:p>
         </p:txBody>
       </p:sp>
-      <p:cxnSp>
-        <p:nvCxnSpPr>
-          <p:cNvPr id="31" name="Straight Arrow Connector 30">
-            <a:extLst>
-              <a:ext uri="{FF2B5EF4-FFF2-40B4-BE49-F238E27FC236}">
-                <a16:creationId xmlns:a16="http://schemas.microsoft.com/office/drawing/2014/main" id="{2FE661E6-5302-FF46-B024-C46B97E56C9C}"/>
-              </a:ext>
-            </a:extLst>
-          </p:cNvPr>
-          <p:cNvCxnSpPr>
-            <a:cxnSpLocks/>
-            <a:stCxn id="14" idx="2"/>
-            <a:endCxn id="36" idx="0"/>
-          </p:cNvCxnSpPr>
-          <p:nvPr/>
-        </p:nvCxnSpPr>
-        <p:spPr>
-          <a:xfrm>
-            <a:off x="10549847" y="1218735"/>
-            <a:ext cx="0" cy="287562"/>
-          </a:xfrm>
-          <a:prstGeom prst="straightConnector1">
-            <a:avLst/>
-          </a:prstGeom>
-          <a:ln>
-            <a:tailEnd type="triangle"/>
-          </a:ln>
-        </p:spPr>
-        <p:style>
-          <a:lnRef idx="1">
-            <a:schemeClr val="accent1"/>
-          </a:lnRef>
-          <a:fillRef idx="0">
-            <a:schemeClr val="accent1"/>
-          </a:fillRef>
-          <a:effectRef idx="0">
-            <a:schemeClr val="accent1"/>
-          </a:effectRef>
-          <a:fontRef idx="minor">
-            <a:schemeClr val="tx1"/>
-          </a:fontRef>
-        </p:style>
-      </p:cxnSp>
-      <p:cxnSp>
-        <p:nvCxnSpPr>
-          <p:cNvPr id="47" name="Elbow Connector 46">
-            <a:extLst>
-              <a:ext uri="{FF2B5EF4-FFF2-40B4-BE49-F238E27FC236}">
-                <a16:creationId xmlns:a16="http://schemas.microsoft.com/office/drawing/2014/main" id="{E6E89683-4CFB-3A4C-8D3D-6E85DC3DCCD9}"/>
-              </a:ext>
-            </a:extLst>
-          </p:cNvPr>
-          <p:cNvCxnSpPr>
-            <a:stCxn id="9" idx="2"/>
-            <a:endCxn id="15" idx="0"/>
-          </p:cNvCxnSpPr>
-          <p:nvPr/>
-        </p:nvCxnSpPr>
-        <p:spPr>
-          <a:xfrm rot="5400000">
-            <a:off x="6921268" y="447888"/>
-            <a:ext cx="279179" cy="544356"/>
-          </a:xfrm>
-          <a:prstGeom prst="bentConnector3">
-            <a:avLst/>
-          </a:prstGeom>
-          <a:ln>
-            <a:tailEnd type="triangle"/>
-          </a:ln>
-        </p:spPr>
-        <p:style>
-          <a:lnRef idx="1">
-            <a:schemeClr val="accent1"/>
-          </a:lnRef>
-          <a:fillRef idx="0">
-            <a:schemeClr val="accent1"/>
-          </a:fillRef>
-          <a:effectRef idx="0">
-            <a:schemeClr val="accent1"/>
-          </a:effectRef>
-          <a:fontRef idx="minor">
-            <a:schemeClr val="tx1"/>
-          </a:fontRef>
-        </p:style>
-      </p:cxnSp>
-      <p:cxnSp>
-        <p:nvCxnSpPr>
-          <p:cNvPr id="49" name="Elbow Connector 48">
-            <a:extLst>
-              <a:ext uri="{FF2B5EF4-FFF2-40B4-BE49-F238E27FC236}">
-                <a16:creationId xmlns:a16="http://schemas.microsoft.com/office/drawing/2014/main" id="{9546376F-07BF-1347-B194-B3BB98DA4AE6}"/>
-              </a:ext>
-            </a:extLst>
-          </p:cNvPr>
-          <p:cNvCxnSpPr>
-            <a:stCxn id="15" idx="2"/>
-            <a:endCxn id="60" idx="0"/>
-          </p:cNvCxnSpPr>
-          <p:nvPr/>
-        </p:nvCxnSpPr>
-        <p:spPr>
-          <a:xfrm rot="16200000" flipH="1">
-            <a:off x="6700712" y="1307217"/>
-            <a:ext cx="278145" cy="102211"/>
-          </a:xfrm>
-          <a:prstGeom prst="bentConnector3">
-            <a:avLst/>
-          </a:prstGeom>
-          <a:ln>
-            <a:tailEnd type="triangle"/>
-          </a:ln>
-        </p:spPr>
-        <p:style>
-          <a:lnRef idx="1">
-            <a:schemeClr val="accent1"/>
-          </a:lnRef>
-          <a:fillRef idx="0">
-            <a:schemeClr val="accent1"/>
-          </a:fillRef>
-          <a:effectRef idx="0">
-            <a:schemeClr val="accent1"/>
-          </a:effectRef>
-          <a:fontRef idx="minor">
-            <a:schemeClr val="tx1"/>
-          </a:fontRef>
-        </p:style>
-      </p:cxnSp>
-      <p:sp>
-        <p:nvSpPr>
-          <p:cNvPr id="51" name="Rectangle 50">
-            <a:extLst>
-              <a:ext uri="{FF2B5EF4-FFF2-40B4-BE49-F238E27FC236}">
-                <a16:creationId xmlns:a16="http://schemas.microsoft.com/office/drawing/2014/main" id="{FD9E4922-B048-9A4D-B421-8D9809F5EC1D}"/>
+      <p:sp>
+        <p:nvSpPr>
+          <p:cNvPr id="35" name="Rectangle 34">
+            <a:extLst>
+              <a:ext uri="{FF2B5EF4-FFF2-40B4-BE49-F238E27FC236}">
+                <a16:creationId xmlns:a16="http://schemas.microsoft.com/office/drawing/2014/main" id="{E4471AE2-81CA-5D46-9293-78F35C44291C}"/>
               </a:ext>
             </a:extLst>
           </p:cNvPr>
@@ -8030,8 +8380,8 @@
         </p:nvSpPr>
         <p:spPr>
           <a:xfrm>
-            <a:off x="8907694" y="2135651"/>
-            <a:ext cx="3284306" cy="359595"/>
+            <a:off x="9832008" y="3410219"/>
+            <a:ext cx="2238721" cy="359595"/>
           </a:xfrm>
           <a:prstGeom prst="rect">
             <a:avLst/>
@@ -8075,7 +8425,7 @@
                   <a:schemeClr val="tx1"/>
                 </a:solidFill>
               </a:rPr>
-              <a:t>fig_responses_screenings_validation_line_graph.jpeg</a:t>
+              <a:t>table_item_response_patterns.docx</a:t>
             </a:r>
             <a:endParaRPr lang="en-US" sz="1100" dirty="0">
               <a:solidFill>
@@ -8085,54 +8435,12 @@
           </a:p>
         </p:txBody>
       </p:sp>
-      <p:cxnSp>
-        <p:nvCxnSpPr>
-          <p:cNvPr id="52" name="Straight Arrow Connector 51">
-            <a:extLst>
-              <a:ext uri="{FF2B5EF4-FFF2-40B4-BE49-F238E27FC236}">
-                <a16:creationId xmlns:a16="http://schemas.microsoft.com/office/drawing/2014/main" id="{83D714BC-5F3B-CA49-BDA0-A6D6D80F8628}"/>
-              </a:ext>
-            </a:extLst>
-          </p:cNvPr>
-          <p:cNvCxnSpPr>
-            <a:stCxn id="36" idx="2"/>
-            <a:endCxn id="51" idx="0"/>
-          </p:cNvCxnSpPr>
-          <p:nvPr/>
-        </p:nvCxnSpPr>
-        <p:spPr>
-          <a:xfrm>
-            <a:off x="10549847" y="1865892"/>
-            <a:ext cx="0" cy="269759"/>
-          </a:xfrm>
-          <a:prstGeom prst="straightConnector1">
-            <a:avLst/>
-          </a:prstGeom>
-          <a:ln>
-            <a:tailEnd type="triangle"/>
-          </a:ln>
-        </p:spPr>
-        <p:style>
-          <a:lnRef idx="1">
-            <a:schemeClr val="accent1"/>
-          </a:lnRef>
-          <a:fillRef idx="0">
-            <a:schemeClr val="accent1"/>
-          </a:fillRef>
-          <a:effectRef idx="0">
-            <a:schemeClr val="accent1"/>
-          </a:effectRef>
-          <a:fontRef idx="minor">
-            <a:schemeClr val="tx1"/>
-          </a:fontRef>
-        </p:style>
-      </p:cxnSp>
-      <p:sp>
-        <p:nvSpPr>
-          <p:cNvPr id="56" name="Rectangle 55">
-            <a:extLst>
-              <a:ext uri="{FF2B5EF4-FFF2-40B4-BE49-F238E27FC236}">
-                <a16:creationId xmlns:a16="http://schemas.microsoft.com/office/drawing/2014/main" id="{1AF02504-A0B1-1144-92D1-651CDBED0A39}"/>
+      <p:sp>
+        <p:nvSpPr>
+          <p:cNvPr id="38" name="Rectangle 37">
+            <a:extLst>
+              <a:ext uri="{FF2B5EF4-FFF2-40B4-BE49-F238E27FC236}">
+                <a16:creationId xmlns:a16="http://schemas.microsoft.com/office/drawing/2014/main" id="{BBE9DDF5-8D0B-FD48-8BDD-9AB4C7C97839}"/>
               </a:ext>
             </a:extLst>
           </p:cNvPr>
@@ -8141,114 +8449,8 @@
         </p:nvSpPr>
         <p:spPr>
           <a:xfrm>
-            <a:off x="5257800" y="2135652"/>
-            <a:ext cx="1676400" cy="359595"/>
-          </a:xfrm>
-          <a:prstGeom prst="rect">
-            <a:avLst/>
-          </a:prstGeom>
-          <a:solidFill>
-            <a:schemeClr val="accent2">
-              <a:lumMod val="20000"/>
-              <a:lumOff val="80000"/>
-            </a:schemeClr>
-          </a:solidFill>
-          <a:ln>
-            <a:solidFill>
-              <a:schemeClr val="tx1"/>
-            </a:solidFill>
-          </a:ln>
-        </p:spPr>
-        <p:style>
-          <a:lnRef idx="2">
-            <a:schemeClr val="accent1">
-              <a:shade val="50000"/>
-            </a:schemeClr>
-          </a:lnRef>
-          <a:fillRef idx="1">
-            <a:schemeClr val="accent1"/>
-          </a:fillRef>
-          <a:effectRef idx="0">
-            <a:schemeClr val="accent1"/>
-          </a:effectRef>
-          <a:fontRef idx="minor">
-            <a:schemeClr val="lt1"/>
-          </a:fontRef>
-        </p:style>
-        <p:txBody>
-          <a:bodyPr rtlCol="0" anchor="ctr"/>
-          <a:lstStyle/>
-          <a:p>
-            <a:pPr algn="ctr"/>
-            <a:r>
-              <a:rPr lang="en-US" sz="1100" dirty="0">
-                <a:solidFill>
-                  <a:schemeClr val="tx1"/>
-                </a:solidFill>
-              </a:rPr>
-              <a:t>detect_5wk.feather</a:t>
-            </a:r>
-          </a:p>
-        </p:txBody>
-      </p:sp>
-      <p:cxnSp>
-        <p:nvCxnSpPr>
-          <p:cNvPr id="59" name="Elbow Connector 58">
-            <a:extLst>
-              <a:ext uri="{FF2B5EF4-FFF2-40B4-BE49-F238E27FC236}">
-                <a16:creationId xmlns:a16="http://schemas.microsoft.com/office/drawing/2014/main" id="{294455CC-5983-BE4E-8A53-5AF219BF7FB4}"/>
-              </a:ext>
-            </a:extLst>
-          </p:cNvPr>
-          <p:cNvCxnSpPr>
-            <a:stCxn id="60" idx="2"/>
-            <a:endCxn id="56" idx="0"/>
-          </p:cNvCxnSpPr>
-          <p:nvPr/>
-        </p:nvCxnSpPr>
-        <p:spPr>
-          <a:xfrm rot="5400000">
-            <a:off x="6354115" y="1598876"/>
-            <a:ext cx="278661" cy="794890"/>
-          </a:xfrm>
-          <a:prstGeom prst="bentConnector3">
-            <a:avLst/>
-          </a:prstGeom>
-          <a:ln>
-            <a:tailEnd type="triangle"/>
-          </a:ln>
-        </p:spPr>
-        <p:style>
-          <a:lnRef idx="1">
-            <a:schemeClr val="accent1"/>
-          </a:lnRef>
-          <a:fillRef idx="0">
-            <a:schemeClr val="accent1"/>
-          </a:fillRef>
-          <a:effectRef idx="0">
-            <a:schemeClr val="accent1"/>
-          </a:effectRef>
-          <a:fontRef idx="minor">
-            <a:schemeClr val="tx1"/>
-          </a:fontRef>
-        </p:style>
-      </p:cxnSp>
-      <p:sp>
-        <p:nvSpPr>
-          <p:cNvPr id="63" name="Rectangle 62">
-            <a:extLst>
-              <a:ext uri="{FF2B5EF4-FFF2-40B4-BE49-F238E27FC236}">
-                <a16:creationId xmlns:a16="http://schemas.microsoft.com/office/drawing/2014/main" id="{EDD27890-3D0F-164A-8800-09C5C850899B}"/>
-              </a:ext>
-            </a:extLst>
-          </p:cNvPr>
-          <p:cNvSpPr/>
-          <p:nvPr/>
-        </p:nvSpPr>
-        <p:spPr>
-          <a:xfrm>
-            <a:off x="1995" y="2773908"/>
-            <a:ext cx="3742646" cy="359595"/>
+            <a:off x="2718832" y="2778360"/>
+            <a:ext cx="1881527" cy="359595"/>
           </a:xfrm>
           <a:prstGeom prst="rect">
             <a:avLst/>
@@ -8292,101 +8494,17 @@
                   <a:schemeClr val="tx1"/>
                 </a:solidFill>
               </a:rPr>
-              <a:t>fig_detect_5wk_screening_and_reporting_flow_diagram.Rmd</a:t>
-            </a:r>
-          </a:p>
-        </p:txBody>
-      </p:sp>
-      <p:cxnSp>
-        <p:nvCxnSpPr>
-          <p:cNvPr id="65" name="Straight Arrow Connector 64">
-            <a:extLst>
-              <a:ext uri="{FF2B5EF4-FFF2-40B4-BE49-F238E27FC236}">
-                <a16:creationId xmlns:a16="http://schemas.microsoft.com/office/drawing/2014/main" id="{E992FCB4-D8E0-DB41-9CF4-6AC63F43399A}"/>
-              </a:ext>
-            </a:extLst>
-          </p:cNvPr>
-          <p:cNvCxnSpPr>
-            <a:stCxn id="63" idx="2"/>
-            <a:endCxn id="29" idx="0"/>
-          </p:cNvCxnSpPr>
-          <p:nvPr/>
-        </p:nvCxnSpPr>
-        <p:spPr>
-          <a:xfrm>
-            <a:off x="1873318" y="3133503"/>
-            <a:ext cx="0" cy="271858"/>
-          </a:xfrm>
-          <a:prstGeom prst="straightConnector1">
-            <a:avLst/>
-          </a:prstGeom>
-          <a:ln>
-            <a:tailEnd type="triangle"/>
-          </a:ln>
-        </p:spPr>
-        <p:style>
-          <a:lnRef idx="1">
-            <a:schemeClr val="accent1"/>
-          </a:lnRef>
-          <a:fillRef idx="0">
-            <a:schemeClr val="accent1"/>
-          </a:fillRef>
-          <a:effectRef idx="0">
-            <a:schemeClr val="accent1"/>
-          </a:effectRef>
-          <a:fontRef idx="minor">
-            <a:schemeClr val="tx1"/>
-          </a:fontRef>
-        </p:style>
-      </p:cxnSp>
-      <p:cxnSp>
-        <p:nvCxnSpPr>
-          <p:cNvPr id="68" name="Elbow Connector 67">
-            <a:extLst>
-              <a:ext uri="{FF2B5EF4-FFF2-40B4-BE49-F238E27FC236}">
-                <a16:creationId xmlns:a16="http://schemas.microsoft.com/office/drawing/2014/main" id="{ECDD09C3-FD22-6949-B55A-5A5E19149450}"/>
-              </a:ext>
-            </a:extLst>
-          </p:cNvPr>
-          <p:cNvCxnSpPr>
-            <a:stCxn id="56" idx="2"/>
-            <a:endCxn id="63" idx="0"/>
-          </p:cNvCxnSpPr>
-          <p:nvPr/>
-        </p:nvCxnSpPr>
-        <p:spPr>
-          <a:xfrm rot="5400000">
-            <a:off x="3845329" y="523236"/>
-            <a:ext cx="278661" cy="4222682"/>
-          </a:xfrm>
-          <a:prstGeom prst="bentConnector3">
-            <a:avLst/>
-          </a:prstGeom>
-          <a:ln>
-            <a:tailEnd type="triangle"/>
-          </a:ln>
-        </p:spPr>
-        <p:style>
-          <a:lnRef idx="1">
-            <a:schemeClr val="accent1"/>
-          </a:lnRef>
-          <a:fillRef idx="0">
-            <a:schemeClr val="accent1"/>
-          </a:fillRef>
-          <a:effectRef idx="0">
-            <a:schemeClr val="accent1"/>
-          </a:effectRef>
-          <a:fontRef idx="minor">
-            <a:schemeClr val="tx1"/>
-          </a:fontRef>
-        </p:style>
-      </p:cxnSp>
-      <p:sp>
-        <p:nvSpPr>
-          <p:cNvPr id="69" name="Rectangle 68">
-            <a:extLst>
-              <a:ext uri="{FF2B5EF4-FFF2-40B4-BE49-F238E27FC236}">
-                <a16:creationId xmlns:a16="http://schemas.microsoft.com/office/drawing/2014/main" id="{6C70DA3E-D16E-9D45-ACF6-50BCC7DE31B1}"/>
+              <a:t>fig_2015_medic_reports_to_compliance.Rmd      </a:t>
+            </a:r>
+          </a:p>
+        </p:txBody>
+      </p:sp>
+      <p:sp>
+        <p:nvSpPr>
+          <p:cNvPr id="41" name="Rectangle 40">
+            <a:extLst>
+              <a:ext uri="{FF2B5EF4-FFF2-40B4-BE49-F238E27FC236}">
+                <a16:creationId xmlns:a16="http://schemas.microsoft.com/office/drawing/2014/main" id="{455A5C7C-7B29-E744-878B-AD76F541CA81}"/>
               </a:ext>
             </a:extLst>
           </p:cNvPr>
@@ -8395,8 +8513,8 @@
         </p:nvSpPr>
         <p:spPr>
           <a:xfrm>
-            <a:off x="3839367" y="2773907"/>
-            <a:ext cx="2530611" cy="359595"/>
+            <a:off x="7391263" y="2778360"/>
+            <a:ext cx="2314741" cy="359595"/>
           </a:xfrm>
           <a:prstGeom prst="rect">
             <a:avLst/>
@@ -8440,32 +8558,31 @@
                   <a:schemeClr val="tx1"/>
                 </a:solidFill>
               </a:rPr>
-              <a:t>analysis_detect_5wk_01_feasibility.Rmd</a:t>
+              <a:t>fig_responses_screenings_validation_line_graph.Rmd</a:t>
             </a:r>
           </a:p>
         </p:txBody>
       </p:sp>
       <p:cxnSp>
         <p:nvCxnSpPr>
-          <p:cNvPr id="71" name="Elbow Connector 70">
-            <a:extLst>
-              <a:ext uri="{FF2B5EF4-FFF2-40B4-BE49-F238E27FC236}">
-                <a16:creationId xmlns:a16="http://schemas.microsoft.com/office/drawing/2014/main" id="{8E6412AC-F6D3-674D-A017-BEE4A15FDC05}"/>
+          <p:cNvPr id="13" name="Straight Arrow Connector 12">
+            <a:extLst>
+              <a:ext uri="{FF2B5EF4-FFF2-40B4-BE49-F238E27FC236}">
+                <a16:creationId xmlns:a16="http://schemas.microsoft.com/office/drawing/2014/main" id="{41C4E77F-06C7-7E41-8B7A-943633BA9E29}"/>
               </a:ext>
             </a:extLst>
           </p:cNvPr>
           <p:cNvCxnSpPr>
-            <a:stCxn id="56" idx="2"/>
-            <a:endCxn id="69" idx="0"/>
+            <a:endCxn id="35" idx="0"/>
           </p:cNvCxnSpPr>
           <p:nvPr/>
         </p:nvCxnSpPr>
         <p:spPr>
-          <a:xfrm rot="5400000">
-            <a:off x="5461007" y="2138914"/>
-            <a:ext cx="278660" cy="991327"/>
-          </a:xfrm>
-          <a:prstGeom prst="bentConnector3">
+          <a:xfrm>
+            <a:off x="10951368" y="3137955"/>
+            <a:ext cx="1" cy="272264"/>
+          </a:xfrm>
+          <a:prstGeom prst="straightConnector1">
             <a:avLst/>
           </a:prstGeom>
           <a:ln>
@@ -8489,10 +8606,10 @@
       </p:cxnSp>
       <p:sp>
         <p:nvSpPr>
-          <p:cNvPr id="32" name="Rectangle 31">
-            <a:extLst>
-              <a:ext uri="{FF2B5EF4-FFF2-40B4-BE49-F238E27FC236}">
-                <a16:creationId xmlns:a16="http://schemas.microsoft.com/office/drawing/2014/main" id="{20FE9A9C-FA42-9C46-8FDE-7EBCA2C4E8FA}"/>
+          <p:cNvPr id="48" name="Rectangle 47">
+            <a:extLst>
+              <a:ext uri="{FF2B5EF4-FFF2-40B4-BE49-F238E27FC236}">
+                <a16:creationId xmlns:a16="http://schemas.microsoft.com/office/drawing/2014/main" id="{220C3A60-BF72-764F-B01F-AC7311DD2787}"/>
               </a:ext>
             </a:extLst>
           </p:cNvPr>
@@ -8501,230 +8618,8 @@
         </p:nvSpPr>
         <p:spPr>
           <a:xfrm>
-            <a:off x="6464704" y="2773907"/>
-            <a:ext cx="2238721" cy="359595"/>
-          </a:xfrm>
-          <a:prstGeom prst="rect">
-            <a:avLst/>
-          </a:prstGeom>
-          <a:solidFill>
-            <a:schemeClr val="accent1">
-              <a:lumMod val="20000"/>
-              <a:lumOff val="80000"/>
-            </a:schemeClr>
-          </a:solidFill>
-          <a:ln>
-            <a:solidFill>
-              <a:schemeClr val="tx1"/>
-            </a:solidFill>
-          </a:ln>
-        </p:spPr>
-        <p:style>
-          <a:lnRef idx="2">
-            <a:schemeClr val="accent1">
-              <a:shade val="50000"/>
-            </a:schemeClr>
-          </a:lnRef>
-          <a:fillRef idx="1">
-            <a:schemeClr val="accent1"/>
-          </a:fillRef>
-          <a:effectRef idx="0">
-            <a:schemeClr val="accent1"/>
-          </a:effectRef>
-          <a:fontRef idx="minor">
-            <a:schemeClr val="lt1"/>
-          </a:fontRef>
-        </p:style>
-        <p:txBody>
-          <a:bodyPr rtlCol="0" anchor="ctr"/>
-          <a:lstStyle/>
-          <a:p>
-            <a:pPr algn="ctr"/>
-            <a:r>
-              <a:rPr lang="en-US" sz="1100" dirty="0" err="1">
-                <a:solidFill>
-                  <a:schemeClr val="tx1"/>
-                </a:solidFill>
-              </a:rPr>
-              <a:t>table_item_response_patterns.Rmd</a:t>
-            </a:r>
-            <a:endParaRPr lang="en-US" sz="1100" dirty="0">
-              <a:solidFill>
-                <a:schemeClr val="tx1"/>
-              </a:solidFill>
-            </a:endParaRPr>
-          </a:p>
-        </p:txBody>
-      </p:sp>
-      <p:sp>
-        <p:nvSpPr>
-          <p:cNvPr id="33" name="Rectangle 32">
-            <a:extLst>
-              <a:ext uri="{FF2B5EF4-FFF2-40B4-BE49-F238E27FC236}">
-                <a16:creationId xmlns:a16="http://schemas.microsoft.com/office/drawing/2014/main" id="{634E61C0-4C61-9F42-A9A7-ED9F4CCFFFF0}"/>
-              </a:ext>
-            </a:extLst>
-          </p:cNvPr>
-          <p:cNvSpPr/>
-          <p:nvPr/>
-        </p:nvSpPr>
-        <p:spPr>
-          <a:xfrm>
-            <a:off x="8798152" y="2765005"/>
-            <a:ext cx="1933580" cy="359595"/>
-          </a:xfrm>
-          <a:prstGeom prst="rect">
-            <a:avLst/>
-          </a:prstGeom>
-          <a:solidFill>
-            <a:schemeClr val="accent1">
-              <a:lumMod val="20000"/>
-              <a:lumOff val="80000"/>
-            </a:schemeClr>
-          </a:solidFill>
-          <a:ln>
-            <a:solidFill>
-              <a:schemeClr val="tx1"/>
-            </a:solidFill>
-          </a:ln>
-        </p:spPr>
-        <p:style>
-          <a:lnRef idx="2">
-            <a:schemeClr val="accent1">
-              <a:shade val="50000"/>
-            </a:schemeClr>
-          </a:lnRef>
-          <a:fillRef idx="1">
-            <a:schemeClr val="accent1"/>
-          </a:fillRef>
-          <a:effectRef idx="0">
-            <a:schemeClr val="accent1"/>
-          </a:effectRef>
-          <a:fontRef idx="minor">
-            <a:schemeClr val="lt1"/>
-          </a:fontRef>
-        </p:style>
-        <p:txBody>
-          <a:bodyPr rtlCol="0" anchor="ctr"/>
-          <a:lstStyle/>
-          <a:p>
-            <a:pPr algn="ctr"/>
-            <a:r>
-              <a:rPr lang="en-US" sz="1100" dirty="0" err="1">
-                <a:solidFill>
-                  <a:schemeClr val="tx1"/>
-                </a:solidFill>
-              </a:rPr>
-              <a:t>table_reporting_patterns.Rmd</a:t>
-            </a:r>
-            <a:endParaRPr lang="en-US" sz="1100" dirty="0">
-              <a:solidFill>
-                <a:schemeClr val="tx1"/>
-              </a:solidFill>
-            </a:endParaRPr>
-          </a:p>
-        </p:txBody>
-      </p:sp>
-      <p:cxnSp>
-        <p:nvCxnSpPr>
-          <p:cNvPr id="4" name="Elbow Connector 3">
-            <a:extLst>
-              <a:ext uri="{FF2B5EF4-FFF2-40B4-BE49-F238E27FC236}">
-                <a16:creationId xmlns:a16="http://schemas.microsoft.com/office/drawing/2014/main" id="{0239B887-24D2-7C47-AFA2-BD913F0CCEF0}"/>
-              </a:ext>
-            </a:extLst>
-          </p:cNvPr>
-          <p:cNvCxnSpPr>
-            <a:stCxn id="56" idx="2"/>
-            <a:endCxn id="32" idx="0"/>
-          </p:cNvCxnSpPr>
-          <p:nvPr/>
-        </p:nvCxnSpPr>
-        <p:spPr>
-          <a:xfrm rot="16200000" flipH="1">
-            <a:off x="6700702" y="1890544"/>
-            <a:ext cx="278660" cy="1488065"/>
-          </a:xfrm>
-          <a:prstGeom prst="bentConnector3">
-            <a:avLst/>
-          </a:prstGeom>
-          <a:ln>
-            <a:tailEnd type="triangle"/>
-          </a:ln>
-        </p:spPr>
-        <p:style>
-          <a:lnRef idx="1">
-            <a:schemeClr val="accent1"/>
-          </a:lnRef>
-          <a:fillRef idx="0">
-            <a:schemeClr val="accent1"/>
-          </a:fillRef>
-          <a:effectRef idx="0">
-            <a:schemeClr val="accent1"/>
-          </a:effectRef>
-          <a:fontRef idx="minor">
-            <a:schemeClr val="tx1"/>
-          </a:fontRef>
-        </p:style>
-      </p:cxnSp>
-      <p:cxnSp>
-        <p:nvCxnSpPr>
-          <p:cNvPr id="7" name="Elbow Connector 6">
-            <a:extLst>
-              <a:ext uri="{FF2B5EF4-FFF2-40B4-BE49-F238E27FC236}">
-                <a16:creationId xmlns:a16="http://schemas.microsoft.com/office/drawing/2014/main" id="{BECC7DEF-8BDC-E845-95CE-6625D7CA7573}"/>
-              </a:ext>
-            </a:extLst>
-          </p:cNvPr>
-          <p:cNvCxnSpPr>
-            <a:stCxn id="56" idx="2"/>
-            <a:endCxn id="33" idx="0"/>
-          </p:cNvCxnSpPr>
-          <p:nvPr/>
-        </p:nvCxnSpPr>
-        <p:spPr>
-          <a:xfrm rot="16200000" flipH="1">
-            <a:off x="7795592" y="795655"/>
-            <a:ext cx="269758" cy="3668942"/>
-          </a:xfrm>
-          <a:prstGeom prst="bentConnector3">
-            <a:avLst/>
-          </a:prstGeom>
-          <a:ln>
-            <a:tailEnd type="triangle"/>
-          </a:ln>
-        </p:spPr>
-        <p:style>
-          <a:lnRef idx="1">
-            <a:schemeClr val="accent1"/>
-          </a:lnRef>
-          <a:fillRef idx="0">
-            <a:schemeClr val="accent1"/>
-          </a:fillRef>
-          <a:effectRef idx="0">
-            <a:schemeClr val="accent1"/>
-          </a:effectRef>
-          <a:fontRef idx="minor">
-            <a:schemeClr val="tx1"/>
-          </a:fontRef>
-        </p:style>
-      </p:cxnSp>
-      <p:sp>
-        <p:nvSpPr>
-          <p:cNvPr id="35" name="Rectangle 34">
-            <a:extLst>
-              <a:ext uri="{FF2B5EF4-FFF2-40B4-BE49-F238E27FC236}">
-                <a16:creationId xmlns:a16="http://schemas.microsoft.com/office/drawing/2014/main" id="{E4471AE2-81CA-5D46-9293-78F35C44291C}"/>
-              </a:ext>
-            </a:extLst>
-          </p:cNvPr>
-          <p:cNvSpPr/>
-          <p:nvPr/>
-        </p:nvSpPr>
-        <p:spPr>
-          <a:xfrm>
-            <a:off x="6464703" y="3403260"/>
-            <a:ext cx="2238721" cy="359595"/>
+            <a:off x="79996" y="3410218"/>
+            <a:ext cx="2550187" cy="359595"/>
           </a:xfrm>
           <a:prstGeom prst="rect">
             <a:avLst/>
@@ -8763,27 +8658,33 @@
           <a:p>
             <a:pPr algn="ctr"/>
             <a:r>
-              <a:rPr lang="en-US" sz="1100" dirty="0" err="1">
+              <a:rPr lang="en-US" sz="1100" dirty="0">
                 <a:solidFill>
                   <a:schemeClr val="tx1"/>
                 </a:solidFill>
               </a:rPr>
-              <a:t>table_item_response_patterns.docx</a:t>
-            </a:r>
-            <a:endParaRPr lang="en-US" sz="1100" dirty="0">
-              <a:solidFill>
-                <a:schemeClr val="tx1"/>
-              </a:solidFill>
-            </a:endParaRPr>
-          </a:p>
-        </p:txBody>
-      </p:sp>
-      <p:sp>
-        <p:nvSpPr>
-          <p:cNvPr id="37" name="Rectangle 36">
-            <a:extLst>
-              <a:ext uri="{FF2B5EF4-FFF2-40B4-BE49-F238E27FC236}">
-                <a16:creationId xmlns:a16="http://schemas.microsoft.com/office/drawing/2014/main" id="{18E15EAC-2BF2-7144-BED3-DB34EDCC4EAF}"/>
+              <a:t>analysis_detect_5wk_01_feasibility.nb.</a:t>
+            </a:r>
+          </a:p>
+          <a:p>
+            <a:pPr algn="ctr"/>
+            <a:r>
+              <a:rPr lang="en-US" sz="1100" dirty="0">
+                <a:solidFill>
+                  <a:schemeClr val="tx1"/>
+                </a:solidFill>
+              </a:rPr>
+              <a:t>html</a:t>
+            </a:r>
+          </a:p>
+        </p:txBody>
+      </p:sp>
+      <p:sp>
+        <p:nvSpPr>
+          <p:cNvPr id="50" name="Rectangle 49">
+            <a:extLst>
+              <a:ext uri="{FF2B5EF4-FFF2-40B4-BE49-F238E27FC236}">
+                <a16:creationId xmlns:a16="http://schemas.microsoft.com/office/drawing/2014/main" id="{C6899DAF-AB10-EC4C-BCEE-2CFAD5902879}"/>
               </a:ext>
             </a:extLst>
           </p:cNvPr>
@@ -8792,8 +8693,8 @@
         </p:nvSpPr>
         <p:spPr>
           <a:xfrm>
-            <a:off x="8798152" y="3410498"/>
-            <a:ext cx="1933580" cy="359595"/>
+            <a:off x="2723832" y="3410218"/>
+            <a:ext cx="1881527" cy="359595"/>
           </a:xfrm>
           <a:prstGeom prst="rect">
             <a:avLst/>
@@ -8832,12 +8733,140 @@
           <a:p>
             <a:pPr algn="ctr"/>
             <a:r>
+              <a:rPr lang="en-US" sz="1100" dirty="0">
+                <a:solidFill>
+                  <a:schemeClr val="tx1"/>
+                </a:solidFill>
+              </a:rPr>
+              <a:t>fig_2015_medic_reports_to_compliance.png      </a:t>
+            </a:r>
+          </a:p>
+        </p:txBody>
+      </p:sp>
+      <p:sp>
+        <p:nvSpPr>
+          <p:cNvPr id="53" name="Rectangle 52">
+            <a:extLst>
+              <a:ext uri="{FF2B5EF4-FFF2-40B4-BE49-F238E27FC236}">
+                <a16:creationId xmlns:a16="http://schemas.microsoft.com/office/drawing/2014/main" id="{5D3C8E0C-97FF-D84A-9801-566ADB694C5B}"/>
+              </a:ext>
+            </a:extLst>
+          </p:cNvPr>
+          <p:cNvSpPr/>
+          <p:nvPr/>
+        </p:nvSpPr>
+        <p:spPr>
+          <a:xfrm>
+            <a:off x="4687442" y="3406849"/>
+            <a:ext cx="2613606" cy="359595"/>
+          </a:xfrm>
+          <a:prstGeom prst="rect">
+            <a:avLst/>
+          </a:prstGeom>
+          <a:solidFill>
+            <a:schemeClr val="accent6">
+              <a:lumMod val="20000"/>
+              <a:lumOff val="80000"/>
+            </a:schemeClr>
+          </a:solidFill>
+          <a:ln>
+            <a:solidFill>
+              <a:schemeClr val="tx1"/>
+            </a:solidFill>
+          </a:ln>
+        </p:spPr>
+        <p:style>
+          <a:lnRef idx="2">
+            <a:schemeClr val="accent1">
+              <a:shade val="50000"/>
+            </a:schemeClr>
+          </a:lnRef>
+          <a:fillRef idx="1">
+            <a:schemeClr val="accent1"/>
+          </a:fillRef>
+          <a:effectRef idx="0">
+            <a:schemeClr val="accent1"/>
+          </a:effectRef>
+          <a:fontRef idx="minor">
+            <a:schemeClr val="lt1"/>
+          </a:fontRef>
+        </p:style>
+        <p:txBody>
+          <a:bodyPr rtlCol="0" anchor="ctr"/>
+          <a:lstStyle/>
+          <a:p>
+            <a:pPr algn="ctr"/>
+            <a:r>
+              <a:rPr lang="en-US" sz="1100" dirty="0">
+                <a:solidFill>
+                  <a:schemeClr val="tx1"/>
+                </a:solidFill>
+              </a:rPr>
+              <a:t>fig_detect_5wk_screening_and_reporting_flow_diagram.jpg</a:t>
+            </a:r>
+          </a:p>
+        </p:txBody>
+      </p:sp>
+      <p:sp>
+        <p:nvSpPr>
+          <p:cNvPr id="54" name="Rectangle 53">
+            <a:extLst>
+              <a:ext uri="{FF2B5EF4-FFF2-40B4-BE49-F238E27FC236}">
+                <a16:creationId xmlns:a16="http://schemas.microsoft.com/office/drawing/2014/main" id="{F5E26A8C-C69F-4446-8E80-E8AEB80BA4C9}"/>
+              </a:ext>
+            </a:extLst>
+          </p:cNvPr>
+          <p:cNvSpPr/>
+          <p:nvPr/>
+        </p:nvSpPr>
+        <p:spPr>
+          <a:xfrm>
+            <a:off x="7389041" y="3403480"/>
+            <a:ext cx="2314741" cy="359595"/>
+          </a:xfrm>
+          <a:prstGeom prst="rect">
+            <a:avLst/>
+          </a:prstGeom>
+          <a:solidFill>
+            <a:schemeClr val="accent6">
+              <a:lumMod val="20000"/>
+              <a:lumOff val="80000"/>
+            </a:schemeClr>
+          </a:solidFill>
+          <a:ln>
+            <a:solidFill>
+              <a:schemeClr val="tx1"/>
+            </a:solidFill>
+          </a:ln>
+        </p:spPr>
+        <p:style>
+          <a:lnRef idx="2">
+            <a:schemeClr val="accent1">
+              <a:shade val="50000"/>
+            </a:schemeClr>
+          </a:lnRef>
+          <a:fillRef idx="1">
+            <a:schemeClr val="accent1"/>
+          </a:fillRef>
+          <a:effectRef idx="0">
+            <a:schemeClr val="accent1"/>
+          </a:effectRef>
+          <a:fontRef idx="minor">
+            <a:schemeClr val="lt1"/>
+          </a:fontRef>
+        </p:style>
+        <p:txBody>
+          <a:bodyPr rtlCol="0" anchor="ctr"/>
+          <a:lstStyle/>
+          <a:p>
+            <a:pPr algn="ctr"/>
+            <a:r>
               <a:rPr lang="en-US" sz="1100" dirty="0" err="1">
                 <a:solidFill>
                   <a:schemeClr val="tx1"/>
                 </a:solidFill>
               </a:rPr>
-              <a:t>table_reporting_patterns.docx</a:t>
+              <a:t>fig_responses_screenings_validation_line_graph.jpeg</a:t>
             </a:r>
             <a:endParaRPr lang="en-US" sz="1100" dirty="0">
               <a:solidFill>
@@ -8849,24 +8878,25 @@
       </p:sp>
       <p:cxnSp>
         <p:nvCxnSpPr>
-          <p:cNvPr id="5" name="Straight Arrow Connector 4">
-            <a:extLst>
-              <a:ext uri="{FF2B5EF4-FFF2-40B4-BE49-F238E27FC236}">
-                <a16:creationId xmlns:a16="http://schemas.microsoft.com/office/drawing/2014/main" id="{90B3395E-0F02-9148-AF66-D1DEC198A4BE}"/>
+          <p:cNvPr id="21" name="Elbow Connector 20">
+            <a:extLst>
+              <a:ext uri="{FF2B5EF4-FFF2-40B4-BE49-F238E27FC236}">
+                <a16:creationId xmlns:a16="http://schemas.microsoft.com/office/drawing/2014/main" id="{126059CB-91B7-2B42-8322-4BC50945124F}"/>
               </a:ext>
             </a:extLst>
           </p:cNvPr>
           <p:cNvCxnSpPr>
-            <a:stCxn id="32" idx="2"/>
+            <a:stCxn id="56" idx="2"/>
+            <a:endCxn id="38" idx="0"/>
           </p:cNvCxnSpPr>
           <p:nvPr/>
         </p:nvCxnSpPr>
         <p:spPr>
-          <a:xfrm flipH="1">
-            <a:off x="7584063" y="3133502"/>
-            <a:ext cx="2" cy="269758"/>
-          </a:xfrm>
-          <a:prstGeom prst="straightConnector1">
+          <a:xfrm rot="5400000">
+            <a:off x="4736242" y="1418601"/>
+            <a:ext cx="283113" cy="2436404"/>
+          </a:xfrm>
+          <a:prstGeom prst="bentConnector3">
             <a:avLst/>
           </a:prstGeom>
           <a:ln>
@@ -8890,22 +8920,274 @@
       </p:cxnSp>
       <p:cxnSp>
         <p:nvCxnSpPr>
-          <p:cNvPr id="11" name="Straight Arrow Connector 10">
-            <a:extLst>
-              <a:ext uri="{FF2B5EF4-FFF2-40B4-BE49-F238E27FC236}">
-                <a16:creationId xmlns:a16="http://schemas.microsoft.com/office/drawing/2014/main" id="{DA6C22A1-501E-394E-985E-FAD7670F913C}"/>
+          <p:cNvPr id="23" name="Elbow Connector 22">
+            <a:extLst>
+              <a:ext uri="{FF2B5EF4-FFF2-40B4-BE49-F238E27FC236}">
+                <a16:creationId xmlns:a16="http://schemas.microsoft.com/office/drawing/2014/main" id="{E27CAFF2-1528-2140-95AE-1F086DAC6ACF}"/>
               </a:ext>
             </a:extLst>
           </p:cNvPr>
           <p:cNvCxnSpPr>
-            <a:stCxn id="33" idx="2"/>
+            <a:stCxn id="56" idx="2"/>
+            <a:endCxn id="41" idx="0"/>
           </p:cNvCxnSpPr>
           <p:nvPr/>
         </p:nvCxnSpPr>
         <p:spPr>
+          <a:xfrm rot="16200000" flipH="1">
+            <a:off x="7180761" y="1410486"/>
+            <a:ext cx="283113" cy="2452634"/>
+          </a:xfrm>
+          <a:prstGeom prst="bentConnector3">
+            <a:avLst/>
+          </a:prstGeom>
+          <a:ln>
+            <a:tailEnd type="triangle"/>
+          </a:ln>
+        </p:spPr>
+        <p:style>
+          <a:lnRef idx="1">
+            <a:schemeClr val="accent1"/>
+          </a:lnRef>
+          <a:fillRef idx="0">
+            <a:schemeClr val="accent1"/>
+          </a:fillRef>
+          <a:effectRef idx="0">
+            <a:schemeClr val="accent1"/>
+          </a:effectRef>
+          <a:fontRef idx="minor">
+            <a:schemeClr val="tx1"/>
+          </a:fontRef>
+        </p:style>
+      </p:cxnSp>
+      <p:cxnSp>
+        <p:nvCxnSpPr>
+          <p:cNvPr id="25" name="Elbow Connector 24">
+            <a:extLst>
+              <a:ext uri="{FF2B5EF4-FFF2-40B4-BE49-F238E27FC236}">
+                <a16:creationId xmlns:a16="http://schemas.microsoft.com/office/drawing/2014/main" id="{25A36005-2FB4-014A-97CA-DFFF2CD42025}"/>
+              </a:ext>
+            </a:extLst>
+          </p:cNvPr>
+          <p:cNvCxnSpPr>
+            <a:stCxn id="56" idx="2"/>
+            <a:endCxn id="69" idx="0"/>
+          </p:cNvCxnSpPr>
+          <p:nvPr/>
+        </p:nvCxnSpPr>
+        <p:spPr>
+          <a:xfrm rot="5400000">
+            <a:off x="3583989" y="266348"/>
+            <a:ext cx="283113" cy="4740910"/>
+          </a:xfrm>
+          <a:prstGeom prst="bentConnector3">
+            <a:avLst/>
+          </a:prstGeom>
+          <a:ln>
+            <a:tailEnd type="triangle"/>
+          </a:ln>
+        </p:spPr>
+        <p:style>
+          <a:lnRef idx="1">
+            <a:schemeClr val="accent1"/>
+          </a:lnRef>
+          <a:fillRef idx="0">
+            <a:schemeClr val="accent1"/>
+          </a:fillRef>
+          <a:effectRef idx="0">
+            <a:schemeClr val="accent1"/>
+          </a:effectRef>
+          <a:fontRef idx="minor">
+            <a:schemeClr val="tx1"/>
+          </a:fontRef>
+        </p:style>
+      </p:cxnSp>
+      <p:cxnSp>
+        <p:nvCxnSpPr>
+          <p:cNvPr id="27" name="Elbow Connector 26">
+            <a:extLst>
+              <a:ext uri="{FF2B5EF4-FFF2-40B4-BE49-F238E27FC236}">
+                <a16:creationId xmlns:a16="http://schemas.microsoft.com/office/drawing/2014/main" id="{FCE421CD-0424-F441-BD50-0AB44260EF4C}"/>
+              </a:ext>
+            </a:extLst>
+          </p:cNvPr>
+          <p:cNvCxnSpPr>
+            <a:stCxn id="56" idx="2"/>
+            <a:endCxn id="32" idx="0"/>
+          </p:cNvCxnSpPr>
+          <p:nvPr/>
+        </p:nvCxnSpPr>
+        <p:spPr>
+          <a:xfrm rot="16200000" flipH="1">
+            <a:off x="8382128" y="209119"/>
+            <a:ext cx="283113" cy="4855368"/>
+          </a:xfrm>
+          <a:prstGeom prst="bentConnector3">
+            <a:avLst/>
+          </a:prstGeom>
+          <a:ln>
+            <a:tailEnd type="triangle"/>
+          </a:ln>
+        </p:spPr>
+        <p:style>
+          <a:lnRef idx="1">
+            <a:schemeClr val="accent1"/>
+          </a:lnRef>
+          <a:fillRef idx="0">
+            <a:schemeClr val="accent1"/>
+          </a:fillRef>
+          <a:effectRef idx="0">
+            <a:schemeClr val="accent1"/>
+          </a:effectRef>
+          <a:fontRef idx="minor">
+            <a:schemeClr val="tx1"/>
+          </a:fontRef>
+        </p:style>
+      </p:cxnSp>
+      <p:cxnSp>
+        <p:nvCxnSpPr>
+          <p:cNvPr id="30" name="Straight Arrow Connector 29">
+            <a:extLst>
+              <a:ext uri="{FF2B5EF4-FFF2-40B4-BE49-F238E27FC236}">
+                <a16:creationId xmlns:a16="http://schemas.microsoft.com/office/drawing/2014/main" id="{B33A5E8F-FE53-264A-90AB-ED91905E11E6}"/>
+              </a:ext>
+            </a:extLst>
+          </p:cNvPr>
+          <p:cNvCxnSpPr>
+            <a:stCxn id="41" idx="2"/>
+            <a:endCxn id="54" idx="0"/>
+          </p:cNvCxnSpPr>
+          <p:nvPr/>
+        </p:nvCxnSpPr>
+        <p:spPr>
+          <a:xfrm flipH="1">
+            <a:off x="8546412" y="3137955"/>
+            <a:ext cx="2222" cy="265525"/>
+          </a:xfrm>
+          <a:prstGeom prst="straightConnector1">
+            <a:avLst/>
+          </a:prstGeom>
+          <a:ln>
+            <a:tailEnd type="triangle"/>
+          </a:ln>
+        </p:spPr>
+        <p:style>
+          <a:lnRef idx="1">
+            <a:schemeClr val="accent1"/>
+          </a:lnRef>
+          <a:fillRef idx="0">
+            <a:schemeClr val="accent1"/>
+          </a:fillRef>
+          <a:effectRef idx="0">
+            <a:schemeClr val="accent1"/>
+          </a:effectRef>
+          <a:fontRef idx="minor">
+            <a:schemeClr val="tx1"/>
+          </a:fontRef>
+        </p:style>
+      </p:cxnSp>
+      <p:cxnSp>
+        <p:nvCxnSpPr>
+          <p:cNvPr id="34" name="Straight Arrow Connector 33">
+            <a:extLst>
+              <a:ext uri="{FF2B5EF4-FFF2-40B4-BE49-F238E27FC236}">
+                <a16:creationId xmlns:a16="http://schemas.microsoft.com/office/drawing/2014/main" id="{94A71B96-7154-EE41-BAD2-D6F35FA0BE77}"/>
+              </a:ext>
+            </a:extLst>
+          </p:cNvPr>
+          <p:cNvCxnSpPr>
+            <a:stCxn id="63" idx="2"/>
+            <a:endCxn id="53" idx="0"/>
+          </p:cNvCxnSpPr>
+          <p:nvPr/>
+        </p:nvCxnSpPr>
+        <p:spPr>
+          <a:xfrm flipH="1">
+            <a:off x="5994245" y="3137955"/>
+            <a:ext cx="1566" cy="268894"/>
+          </a:xfrm>
+          <a:prstGeom prst="straightConnector1">
+            <a:avLst/>
+          </a:prstGeom>
+          <a:ln>
+            <a:tailEnd type="triangle"/>
+          </a:ln>
+        </p:spPr>
+        <p:style>
+          <a:lnRef idx="1">
+            <a:schemeClr val="accent1"/>
+          </a:lnRef>
+          <a:fillRef idx="0">
+            <a:schemeClr val="accent1"/>
+          </a:fillRef>
+          <a:effectRef idx="0">
+            <a:schemeClr val="accent1"/>
+          </a:effectRef>
+          <a:fontRef idx="minor">
+            <a:schemeClr val="tx1"/>
+          </a:fontRef>
+        </p:style>
+      </p:cxnSp>
+      <p:cxnSp>
+        <p:nvCxnSpPr>
+          <p:cNvPr id="55" name="Straight Arrow Connector 54">
+            <a:extLst>
+              <a:ext uri="{FF2B5EF4-FFF2-40B4-BE49-F238E27FC236}">
+                <a16:creationId xmlns:a16="http://schemas.microsoft.com/office/drawing/2014/main" id="{34A0317E-B4EA-1E4E-B964-52CCBA8B91B0}"/>
+              </a:ext>
+            </a:extLst>
+          </p:cNvPr>
+          <p:cNvCxnSpPr>
+            <a:stCxn id="38" idx="2"/>
+            <a:endCxn id="50" idx="0"/>
+          </p:cNvCxnSpPr>
+          <p:nvPr/>
+        </p:nvCxnSpPr>
+        <p:spPr>
           <a:xfrm>
-            <a:off x="9764942" y="3124600"/>
-            <a:ext cx="0" cy="269759"/>
+            <a:off x="3659596" y="3137955"/>
+            <a:ext cx="5000" cy="272263"/>
+          </a:xfrm>
+          <a:prstGeom prst="straightConnector1">
+            <a:avLst/>
+          </a:prstGeom>
+          <a:ln>
+            <a:tailEnd type="triangle"/>
+          </a:ln>
+        </p:spPr>
+        <p:style>
+          <a:lnRef idx="1">
+            <a:schemeClr val="accent1"/>
+          </a:lnRef>
+          <a:fillRef idx="0">
+            <a:schemeClr val="accent1"/>
+          </a:fillRef>
+          <a:effectRef idx="0">
+            <a:schemeClr val="accent1"/>
+          </a:effectRef>
+          <a:fontRef idx="minor">
+            <a:schemeClr val="tx1"/>
+          </a:fontRef>
+        </p:style>
+      </p:cxnSp>
+      <p:cxnSp>
+        <p:nvCxnSpPr>
+          <p:cNvPr id="58" name="Straight Arrow Connector 57">
+            <a:extLst>
+              <a:ext uri="{FF2B5EF4-FFF2-40B4-BE49-F238E27FC236}">
+                <a16:creationId xmlns:a16="http://schemas.microsoft.com/office/drawing/2014/main" id="{E47BF444-4B05-2642-8625-C6425AFB508D}"/>
+              </a:ext>
+            </a:extLst>
+          </p:cNvPr>
+          <p:cNvCxnSpPr>
+            <a:stCxn id="69" idx="2"/>
+          </p:cNvCxnSpPr>
+          <p:nvPr/>
+        </p:nvCxnSpPr>
+        <p:spPr>
+          <a:xfrm>
+            <a:off x="1355090" y="3137955"/>
+            <a:ext cx="0" cy="265525"/>
           </a:xfrm>
           <a:prstGeom prst="straightConnector1">
             <a:avLst/>

--- a/images/project_file_flow_diagram.pptx
+++ b/images/project_file_flow_diagram.pptx
@@ -3950,7 +3950,7 @@
         </p:nvSpPr>
         <p:spPr>
           <a:xfrm>
-            <a:off x="3024255" y="139082"/>
+            <a:off x="3640697" y="139082"/>
             <a:ext cx="1669512" cy="359595"/>
           </a:xfrm>
           <a:prstGeom prst="rect">
@@ -4384,8 +4384,8 @@
         </p:nvSpPr>
         <p:spPr>
           <a:xfrm>
-            <a:off x="2818772" y="2601411"/>
-            <a:ext cx="2080478" cy="359595"/>
+            <a:off x="3578886" y="2619748"/>
+            <a:ext cx="1792969" cy="359595"/>
           </a:xfrm>
           <a:prstGeom prst="rect">
             <a:avLst/>
@@ -4424,12 +4424,31 @@
           <a:p>
             <a:pPr algn="ctr"/>
             <a:r>
+              <a:rPr lang="en-US" sz="1100" dirty="0" err="1">
+                <a:solidFill>
+                  <a:schemeClr val="tx1"/>
+                </a:solidFill>
+              </a:rPr>
+              <a:t>data_medstar_detect</a:t>
+            </a:r>
+            <a:r>
               <a:rPr lang="en-US" sz="1100" dirty="0">
                 <a:solidFill>
                   <a:schemeClr val="tx1"/>
                 </a:solidFill>
               </a:rPr>
-              <a:t>data_medstar_detect_screenings_01_import.Rmd</a:t>
+              <a:t>_</a:t>
+            </a:r>
+          </a:p>
+          <a:p>
+            <a:pPr algn="ctr"/>
+            <a:r>
+              <a:rPr lang="en-US" sz="1100" dirty="0">
+                <a:solidFill>
+                  <a:schemeClr val="tx1"/>
+                </a:solidFill>
+              </a:rPr>
+              <a:t>screenings_01_import.Rmd</a:t>
             </a:r>
           </a:p>
         </p:txBody>
@@ -4490,7 +4509,7 @@
         </p:nvSpPr>
         <p:spPr>
           <a:xfrm>
-            <a:off x="4986899" y="131653"/>
+            <a:off x="5397861" y="131653"/>
             <a:ext cx="1863883" cy="359595"/>
           </a:xfrm>
           <a:prstGeom prst="rect">
@@ -4554,7 +4573,7 @@
         </p:nvSpPr>
         <p:spPr>
           <a:xfrm>
-            <a:off x="5087494" y="2605432"/>
+            <a:off x="5498456" y="2619748"/>
             <a:ext cx="1662691" cy="359595"/>
           </a:xfrm>
           <a:prstGeom prst="rect">
@@ -4801,7 +4820,7 @@
         </p:nvSpPr>
         <p:spPr>
           <a:xfrm>
-            <a:off x="1580023" y="1795024"/>
+            <a:off x="2359831" y="1795023"/>
             <a:ext cx="1387011" cy="359595"/>
           </a:xfrm>
           <a:prstGeom prst="rect">
@@ -4927,10 +4946,10 @@
       </p:sp>
       <p:sp>
         <p:nvSpPr>
-          <p:cNvPr id="86" name="Rectangle 85">
-            <a:extLst>
-              <a:ext uri="{FF2B5EF4-FFF2-40B4-BE49-F238E27FC236}">
-                <a16:creationId xmlns:a16="http://schemas.microsoft.com/office/drawing/2014/main" id="{1EF0F79A-0146-7D42-8EE4-67C6E64B2073}"/>
+          <p:cNvPr id="89" name="Rectangle 88">
+            <a:extLst>
+              <a:ext uri="{FF2B5EF4-FFF2-40B4-BE49-F238E27FC236}">
+                <a16:creationId xmlns:a16="http://schemas.microsoft.com/office/drawing/2014/main" id="{2CAC5257-A68E-C946-B322-984D414A1DAF}"/>
               </a:ext>
             </a:extLst>
           </p:cNvPr>
@@ -4939,8 +4958,683 @@
         </p:nvSpPr>
         <p:spPr>
           <a:xfrm>
-            <a:off x="4206" y="2605525"/>
-            <a:ext cx="1764624" cy="359595"/>
+            <a:off x="540105" y="3448586"/>
+            <a:ext cx="1387011" cy="359595"/>
+          </a:xfrm>
+          <a:prstGeom prst="rect">
+            <a:avLst/>
+          </a:prstGeom>
+          <a:solidFill>
+            <a:schemeClr val="accent2">
+              <a:lumMod val="20000"/>
+              <a:lumOff val="80000"/>
+            </a:schemeClr>
+          </a:solidFill>
+          <a:ln>
+            <a:solidFill>
+              <a:schemeClr val="tx1"/>
+            </a:solidFill>
+          </a:ln>
+        </p:spPr>
+        <p:style>
+          <a:lnRef idx="2">
+            <a:schemeClr val="accent1">
+              <a:shade val="50000"/>
+            </a:schemeClr>
+          </a:lnRef>
+          <a:fillRef idx="1">
+            <a:schemeClr val="accent1"/>
+          </a:fillRef>
+          <a:effectRef idx="0">
+            <a:schemeClr val="accent1"/>
+          </a:effectRef>
+          <a:fontRef idx="minor">
+            <a:schemeClr val="lt1"/>
+          </a:fontRef>
+        </p:style>
+        <p:txBody>
+          <a:bodyPr rtlCol="0" anchor="ctr"/>
+          <a:lstStyle/>
+          <a:p>
+            <a:pPr algn="ctr"/>
+            <a:r>
+              <a:rPr lang="en-US" sz="1100" dirty="0" err="1">
+                <a:solidFill>
+                  <a:schemeClr val="tx1"/>
+                </a:solidFill>
+              </a:rPr>
+              <a:t>medstar_compliance_deidentified.csv</a:t>
+            </a:r>
+            <a:endParaRPr lang="en-US" sz="1100" dirty="0">
+              <a:solidFill>
+                <a:schemeClr val="tx1"/>
+              </a:solidFill>
+            </a:endParaRPr>
+          </a:p>
+        </p:txBody>
+      </p:sp>
+      <p:cxnSp>
+        <p:nvCxnSpPr>
+          <p:cNvPr id="91" name="Elbow Connector 90">
+            <a:extLst>
+              <a:ext uri="{FF2B5EF4-FFF2-40B4-BE49-F238E27FC236}">
+                <a16:creationId xmlns:a16="http://schemas.microsoft.com/office/drawing/2014/main" id="{845010CE-2939-7747-B3A3-C7AE388E49B3}"/>
+              </a:ext>
+            </a:extLst>
+          </p:cNvPr>
+          <p:cNvCxnSpPr>
+            <a:cxnSpLocks/>
+            <a:stCxn id="86" idx="2"/>
+            <a:endCxn id="89" idx="0"/>
+          </p:cNvCxnSpPr>
+          <p:nvPr/>
+        </p:nvCxnSpPr>
+        <p:spPr>
+          <a:xfrm rot="5400000">
+            <a:off x="1664444" y="2548511"/>
+            <a:ext cx="469243" cy="1330907"/>
+          </a:xfrm>
+          <a:prstGeom prst="bentConnector3">
+            <a:avLst/>
+          </a:prstGeom>
+          <a:ln>
+            <a:tailEnd type="triangle"/>
+          </a:ln>
+        </p:spPr>
+        <p:style>
+          <a:lnRef idx="1">
+            <a:schemeClr val="accent1"/>
+          </a:lnRef>
+          <a:fillRef idx="0">
+            <a:schemeClr val="accent1"/>
+          </a:fillRef>
+          <a:effectRef idx="0">
+            <a:schemeClr val="accent1"/>
+          </a:effectRef>
+          <a:fontRef idx="minor">
+            <a:schemeClr val="tx1"/>
+          </a:fontRef>
+        </p:style>
+      </p:cxnSp>
+      <p:cxnSp>
+        <p:nvCxnSpPr>
+          <p:cNvPr id="94" name="Elbow Connector 93">
+            <a:extLst>
+              <a:ext uri="{FF2B5EF4-FFF2-40B4-BE49-F238E27FC236}">
+                <a16:creationId xmlns:a16="http://schemas.microsoft.com/office/drawing/2014/main" id="{18CFA234-0B01-A448-B730-3E7545240FE8}"/>
+              </a:ext>
+            </a:extLst>
+          </p:cNvPr>
+          <p:cNvCxnSpPr>
+            <a:cxnSpLocks/>
+            <a:stCxn id="86" idx="2"/>
+            <a:endCxn id="90" idx="0"/>
+          </p:cNvCxnSpPr>
+          <p:nvPr/>
+        </p:nvCxnSpPr>
+        <p:spPr>
+          <a:xfrm rot="16200000" flipH="1">
+            <a:off x="2419046" y="3124814"/>
+            <a:ext cx="469241" cy="178297"/>
+          </a:xfrm>
+          <a:prstGeom prst="bentConnector3">
+            <a:avLst/>
+          </a:prstGeom>
+          <a:ln>
+            <a:tailEnd type="triangle"/>
+          </a:ln>
+        </p:spPr>
+        <p:style>
+          <a:lnRef idx="1">
+            <a:schemeClr val="accent1"/>
+          </a:lnRef>
+          <a:fillRef idx="0">
+            <a:schemeClr val="accent1"/>
+          </a:fillRef>
+          <a:effectRef idx="0">
+            <a:schemeClr val="accent1"/>
+          </a:effectRef>
+          <a:fontRef idx="minor">
+            <a:schemeClr val="tx1"/>
+          </a:fontRef>
+        </p:style>
+      </p:cxnSp>
+      <p:sp>
+        <p:nvSpPr>
+          <p:cNvPr id="108" name="Rectangle 107">
+            <a:extLst>
+              <a:ext uri="{FF2B5EF4-FFF2-40B4-BE49-F238E27FC236}">
+                <a16:creationId xmlns:a16="http://schemas.microsoft.com/office/drawing/2014/main" id="{69C643E7-E7AF-474F-98EE-F06A0DF04FE8}"/>
+              </a:ext>
+            </a:extLst>
+          </p:cNvPr>
+          <p:cNvSpPr/>
+          <p:nvPr/>
+        </p:nvSpPr>
+        <p:spPr>
+          <a:xfrm>
+            <a:off x="3640697" y="3448583"/>
+            <a:ext cx="1669512" cy="359595"/>
+          </a:xfrm>
+          <a:prstGeom prst="rect">
+            <a:avLst/>
+          </a:prstGeom>
+          <a:solidFill>
+            <a:schemeClr val="accent2">
+              <a:lumMod val="20000"/>
+              <a:lumOff val="80000"/>
+            </a:schemeClr>
+          </a:solidFill>
+          <a:ln>
+            <a:solidFill>
+              <a:schemeClr val="tx1"/>
+            </a:solidFill>
+          </a:ln>
+        </p:spPr>
+        <p:style>
+          <a:lnRef idx="2">
+            <a:schemeClr val="accent1">
+              <a:shade val="50000"/>
+            </a:schemeClr>
+          </a:lnRef>
+          <a:fillRef idx="1">
+            <a:schemeClr val="accent1"/>
+          </a:fillRef>
+          <a:effectRef idx="0">
+            <a:schemeClr val="accent1"/>
+          </a:effectRef>
+          <a:fontRef idx="minor">
+            <a:schemeClr val="lt1"/>
+          </a:fontRef>
+        </p:style>
+        <p:txBody>
+          <a:bodyPr rtlCol="0" anchor="ctr"/>
+          <a:lstStyle/>
+          <a:p>
+            <a:pPr algn="ctr"/>
+            <a:r>
+              <a:rPr lang="en-US" sz="1100" dirty="0" err="1">
+                <a:solidFill>
+                  <a:schemeClr val="tx1"/>
+                </a:solidFill>
+              </a:rPr>
+              <a:t>medstar_detect.feather</a:t>
+            </a:r>
+            <a:endParaRPr lang="en-US" sz="1100" dirty="0">
+              <a:solidFill>
+                <a:schemeClr val="tx1"/>
+              </a:solidFill>
+            </a:endParaRPr>
+          </a:p>
+        </p:txBody>
+      </p:sp>
+      <p:cxnSp>
+        <p:nvCxnSpPr>
+          <p:cNvPr id="113" name="Straight Arrow Connector 112">
+            <a:extLst>
+              <a:ext uri="{FF2B5EF4-FFF2-40B4-BE49-F238E27FC236}">
+                <a16:creationId xmlns:a16="http://schemas.microsoft.com/office/drawing/2014/main" id="{B27F98B6-6374-664A-B4F6-0C719AC61FC7}"/>
+              </a:ext>
+            </a:extLst>
+          </p:cNvPr>
+          <p:cNvCxnSpPr>
+            <a:stCxn id="74" idx="2"/>
+            <a:endCxn id="79" idx="0"/>
+          </p:cNvCxnSpPr>
+          <p:nvPr/>
+        </p:nvCxnSpPr>
+        <p:spPr>
+          <a:xfrm flipH="1">
+            <a:off x="6329802" y="491248"/>
+            <a:ext cx="1" cy="2128500"/>
+          </a:xfrm>
+          <a:prstGeom prst="straightConnector1">
+            <a:avLst/>
+          </a:prstGeom>
+          <a:ln>
+            <a:tailEnd type="triangle"/>
+          </a:ln>
+        </p:spPr>
+        <p:style>
+          <a:lnRef idx="1">
+            <a:schemeClr val="accent1"/>
+          </a:lnRef>
+          <a:fillRef idx="0">
+            <a:schemeClr val="accent1"/>
+          </a:fillRef>
+          <a:effectRef idx="0">
+            <a:schemeClr val="accent1"/>
+          </a:effectRef>
+          <a:fontRef idx="minor">
+            <a:schemeClr val="tx1"/>
+          </a:fontRef>
+        </p:style>
+      </p:cxnSp>
+      <p:cxnSp>
+        <p:nvCxnSpPr>
+          <p:cNvPr id="123" name="Elbow Connector 122">
+            <a:extLst>
+              <a:ext uri="{FF2B5EF4-FFF2-40B4-BE49-F238E27FC236}">
+                <a16:creationId xmlns:a16="http://schemas.microsoft.com/office/drawing/2014/main" id="{AC129749-74FF-4F4E-822E-83FC6BD402EA}"/>
+              </a:ext>
+            </a:extLst>
+          </p:cNvPr>
+          <p:cNvCxnSpPr>
+            <a:stCxn id="72" idx="2"/>
+            <a:endCxn id="83" idx="0"/>
+          </p:cNvCxnSpPr>
+          <p:nvPr/>
+        </p:nvCxnSpPr>
+        <p:spPr>
+          <a:xfrm rot="5400000">
+            <a:off x="706526" y="1340570"/>
+            <a:ext cx="465854" cy="443055"/>
+          </a:xfrm>
+          <a:prstGeom prst="bentConnector3">
+            <a:avLst/>
+          </a:prstGeom>
+          <a:ln>
+            <a:tailEnd type="triangle"/>
+          </a:ln>
+        </p:spPr>
+        <p:style>
+          <a:lnRef idx="1">
+            <a:schemeClr val="accent1"/>
+          </a:lnRef>
+          <a:fillRef idx="0">
+            <a:schemeClr val="accent1"/>
+          </a:fillRef>
+          <a:effectRef idx="0">
+            <a:schemeClr val="accent1"/>
+          </a:effectRef>
+          <a:fontRef idx="minor">
+            <a:schemeClr val="tx1"/>
+          </a:fontRef>
+        </p:style>
+      </p:cxnSp>
+      <p:cxnSp>
+        <p:nvCxnSpPr>
+          <p:cNvPr id="129" name="Elbow Connector 128">
+            <a:extLst>
+              <a:ext uri="{FF2B5EF4-FFF2-40B4-BE49-F238E27FC236}">
+                <a16:creationId xmlns:a16="http://schemas.microsoft.com/office/drawing/2014/main" id="{64CA426E-7437-D94E-9E8F-10110C751DCA}"/>
+              </a:ext>
+            </a:extLst>
+          </p:cNvPr>
+          <p:cNvCxnSpPr>
+            <a:cxnSpLocks/>
+            <a:stCxn id="83" idx="2"/>
+            <a:endCxn id="86" idx="0"/>
+          </p:cNvCxnSpPr>
+          <p:nvPr/>
+        </p:nvCxnSpPr>
+        <p:spPr>
+          <a:xfrm rot="16200000" flipH="1">
+            <a:off x="1408657" y="1463886"/>
+            <a:ext cx="465129" cy="1846593"/>
+          </a:xfrm>
+          <a:prstGeom prst="bentConnector3">
+            <a:avLst/>
+          </a:prstGeom>
+          <a:ln>
+            <a:tailEnd type="triangle"/>
+          </a:ln>
+        </p:spPr>
+        <p:style>
+          <a:lnRef idx="1">
+            <a:schemeClr val="accent1"/>
+          </a:lnRef>
+          <a:fillRef idx="0">
+            <a:schemeClr val="accent1"/>
+          </a:fillRef>
+          <a:effectRef idx="0">
+            <a:schemeClr val="accent1"/>
+          </a:effectRef>
+          <a:fontRef idx="minor">
+            <a:schemeClr val="tx1"/>
+          </a:fontRef>
+        </p:style>
+      </p:cxnSp>
+      <p:cxnSp>
+        <p:nvCxnSpPr>
+          <p:cNvPr id="133" name="Elbow Connector 132">
+            <a:extLst>
+              <a:ext uri="{FF2B5EF4-FFF2-40B4-BE49-F238E27FC236}">
+                <a16:creationId xmlns:a16="http://schemas.microsoft.com/office/drawing/2014/main" id="{46CD9EDE-D943-1B4D-AA39-7E9D6674E8C6}"/>
+              </a:ext>
+            </a:extLst>
+          </p:cNvPr>
+          <p:cNvCxnSpPr>
+            <a:stCxn id="72" idx="2"/>
+            <a:endCxn id="82" idx="0"/>
+          </p:cNvCxnSpPr>
+          <p:nvPr/>
+        </p:nvCxnSpPr>
+        <p:spPr>
+          <a:xfrm rot="16200000" flipH="1">
+            <a:off x="1874232" y="615917"/>
+            <a:ext cx="465853" cy="1892357"/>
+          </a:xfrm>
+          <a:prstGeom prst="bentConnector3">
+            <a:avLst/>
+          </a:prstGeom>
+          <a:ln>
+            <a:tailEnd type="triangle"/>
+          </a:ln>
+        </p:spPr>
+        <p:style>
+          <a:lnRef idx="1">
+            <a:schemeClr val="accent1"/>
+          </a:lnRef>
+          <a:fillRef idx="0">
+            <a:schemeClr val="accent1"/>
+          </a:fillRef>
+          <a:effectRef idx="0">
+            <a:schemeClr val="accent1"/>
+          </a:effectRef>
+          <a:fontRef idx="minor">
+            <a:schemeClr val="tx1"/>
+          </a:fontRef>
+        </p:style>
+      </p:cxnSp>
+      <p:cxnSp>
+        <p:nvCxnSpPr>
+          <p:cNvPr id="140" name="Elbow Connector 139">
+            <a:extLst>
+              <a:ext uri="{FF2B5EF4-FFF2-40B4-BE49-F238E27FC236}">
+                <a16:creationId xmlns:a16="http://schemas.microsoft.com/office/drawing/2014/main" id="{3DD49759-4F3F-7842-9805-7BF6A2D4F972}"/>
+              </a:ext>
+            </a:extLst>
+          </p:cNvPr>
+          <p:cNvCxnSpPr>
+            <a:cxnSpLocks/>
+            <a:stCxn id="82" idx="2"/>
+            <a:endCxn id="73" idx="0"/>
+          </p:cNvCxnSpPr>
+          <p:nvPr/>
+        </p:nvCxnSpPr>
+        <p:spPr>
+          <a:xfrm rot="16200000" flipH="1">
+            <a:off x="3531789" y="1676166"/>
+            <a:ext cx="465130" cy="1422034"/>
+          </a:xfrm>
+          <a:prstGeom prst="bentConnector3">
+            <a:avLst/>
+          </a:prstGeom>
+          <a:ln>
+            <a:tailEnd type="triangle"/>
+          </a:ln>
+        </p:spPr>
+        <p:style>
+          <a:lnRef idx="1">
+            <a:schemeClr val="accent1"/>
+          </a:lnRef>
+          <a:fillRef idx="0">
+            <a:schemeClr val="accent1"/>
+          </a:fillRef>
+          <a:effectRef idx="0">
+            <a:schemeClr val="accent1"/>
+          </a:effectRef>
+          <a:fontRef idx="minor">
+            <a:schemeClr val="tx1"/>
+          </a:fontRef>
+        </p:style>
+      </p:cxnSp>
+      <p:cxnSp>
+        <p:nvCxnSpPr>
+          <p:cNvPr id="142" name="Straight Arrow Connector 141">
+            <a:extLst>
+              <a:ext uri="{FF2B5EF4-FFF2-40B4-BE49-F238E27FC236}">
+                <a16:creationId xmlns:a16="http://schemas.microsoft.com/office/drawing/2014/main" id="{14A689C8-E292-4945-81E5-C49660111868}"/>
+              </a:ext>
+            </a:extLst>
+          </p:cNvPr>
+          <p:cNvCxnSpPr>
+            <a:cxnSpLocks/>
+            <a:stCxn id="7" idx="2"/>
+            <a:endCxn id="73" idx="0"/>
+          </p:cNvCxnSpPr>
+          <p:nvPr/>
+        </p:nvCxnSpPr>
+        <p:spPr>
+          <a:xfrm flipH="1">
+            <a:off x="4475371" y="498677"/>
+            <a:ext cx="82" cy="2121071"/>
+          </a:xfrm>
+          <a:prstGeom prst="straightConnector1">
+            <a:avLst/>
+          </a:prstGeom>
+          <a:ln>
+            <a:tailEnd type="triangle"/>
+          </a:ln>
+        </p:spPr>
+        <p:style>
+          <a:lnRef idx="1">
+            <a:schemeClr val="accent1"/>
+          </a:lnRef>
+          <a:fillRef idx="0">
+            <a:schemeClr val="accent1"/>
+          </a:fillRef>
+          <a:effectRef idx="0">
+            <a:schemeClr val="accent1"/>
+          </a:effectRef>
+          <a:fontRef idx="minor">
+            <a:schemeClr val="tx1"/>
+          </a:fontRef>
+        </p:style>
+      </p:cxnSp>
+      <p:cxnSp>
+        <p:nvCxnSpPr>
+          <p:cNvPr id="144" name="Straight Arrow Connector 143">
+            <a:extLst>
+              <a:ext uri="{FF2B5EF4-FFF2-40B4-BE49-F238E27FC236}">
+                <a16:creationId xmlns:a16="http://schemas.microsoft.com/office/drawing/2014/main" id="{BC1A9A62-A138-E64B-B314-AAAC64B07B05}"/>
+              </a:ext>
+            </a:extLst>
+          </p:cNvPr>
+          <p:cNvCxnSpPr>
+            <a:cxnSpLocks/>
+            <a:stCxn id="73" idx="2"/>
+            <a:endCxn id="108" idx="0"/>
+          </p:cNvCxnSpPr>
+          <p:nvPr/>
+        </p:nvCxnSpPr>
+        <p:spPr>
+          <a:xfrm>
+            <a:off x="4475371" y="2979343"/>
+            <a:ext cx="82" cy="469240"/>
+          </a:xfrm>
+          <a:prstGeom prst="straightConnector1">
+            <a:avLst/>
+          </a:prstGeom>
+          <a:ln>
+            <a:tailEnd type="triangle"/>
+          </a:ln>
+        </p:spPr>
+        <p:style>
+          <a:lnRef idx="1">
+            <a:schemeClr val="accent1"/>
+          </a:lnRef>
+          <a:fillRef idx="0">
+            <a:schemeClr val="accent1"/>
+          </a:fillRef>
+          <a:effectRef idx="0">
+            <a:schemeClr val="accent1"/>
+          </a:effectRef>
+          <a:fontRef idx="minor">
+            <a:schemeClr val="tx1"/>
+          </a:fontRef>
+        </p:style>
+      </p:cxnSp>
+      <p:cxnSp>
+        <p:nvCxnSpPr>
+          <p:cNvPr id="146" name="Elbow Connector 145">
+            <a:extLst>
+              <a:ext uri="{FF2B5EF4-FFF2-40B4-BE49-F238E27FC236}">
+                <a16:creationId xmlns:a16="http://schemas.microsoft.com/office/drawing/2014/main" id="{B22A7AB4-026D-614F-8377-04AFB7453BC8}"/>
+              </a:ext>
+            </a:extLst>
+          </p:cNvPr>
+          <p:cNvCxnSpPr>
+            <a:stCxn id="82" idx="2"/>
+            <a:endCxn id="79" idx="0"/>
+          </p:cNvCxnSpPr>
+          <p:nvPr/>
+        </p:nvCxnSpPr>
+        <p:spPr>
+          <a:xfrm rot="16200000" flipH="1">
+            <a:off x="4459004" y="748950"/>
+            <a:ext cx="465130" cy="3276465"/>
+          </a:xfrm>
+          <a:prstGeom prst="bentConnector3">
+            <a:avLst/>
+          </a:prstGeom>
+          <a:ln>
+            <a:tailEnd type="triangle"/>
+          </a:ln>
+        </p:spPr>
+        <p:style>
+          <a:lnRef idx="1">
+            <a:schemeClr val="accent1"/>
+          </a:lnRef>
+          <a:fillRef idx="0">
+            <a:schemeClr val="accent1"/>
+          </a:fillRef>
+          <a:effectRef idx="0">
+            <a:schemeClr val="accent1"/>
+          </a:effectRef>
+          <a:fontRef idx="minor">
+            <a:schemeClr val="tx1"/>
+          </a:fontRef>
+        </p:style>
+      </p:cxnSp>
+      <p:sp>
+        <p:nvSpPr>
+          <p:cNvPr id="147" name="Rectangle 146">
+            <a:extLst>
+              <a:ext uri="{FF2B5EF4-FFF2-40B4-BE49-F238E27FC236}">
+                <a16:creationId xmlns:a16="http://schemas.microsoft.com/office/drawing/2014/main" id="{49E50B93-BA68-3946-ABD3-572EB7F8F2DC}"/>
+              </a:ext>
+            </a:extLst>
+          </p:cNvPr>
+          <p:cNvSpPr/>
+          <p:nvPr/>
+        </p:nvSpPr>
+        <p:spPr>
+          <a:xfrm>
+            <a:off x="5491635" y="3448582"/>
+            <a:ext cx="1669512" cy="359595"/>
+          </a:xfrm>
+          <a:prstGeom prst="rect">
+            <a:avLst/>
+          </a:prstGeom>
+          <a:solidFill>
+            <a:schemeClr val="accent2">
+              <a:lumMod val="20000"/>
+              <a:lumOff val="80000"/>
+            </a:schemeClr>
+          </a:solidFill>
+          <a:ln>
+            <a:solidFill>
+              <a:schemeClr val="tx1"/>
+            </a:solidFill>
+          </a:ln>
+        </p:spPr>
+        <p:style>
+          <a:lnRef idx="2">
+            <a:schemeClr val="accent1">
+              <a:shade val="50000"/>
+            </a:schemeClr>
+          </a:lnRef>
+          <a:fillRef idx="1">
+            <a:schemeClr val="accent1"/>
+          </a:fillRef>
+          <a:effectRef idx="0">
+            <a:schemeClr val="accent1"/>
+          </a:effectRef>
+          <a:fontRef idx="minor">
+            <a:schemeClr val="lt1"/>
+          </a:fontRef>
+        </p:style>
+        <p:txBody>
+          <a:bodyPr rtlCol="0" anchor="ctr"/>
+          <a:lstStyle/>
+          <a:p>
+            <a:pPr algn="ctr"/>
+            <a:r>
+              <a:rPr lang="en-US" sz="1100" dirty="0" err="1">
+                <a:solidFill>
+                  <a:schemeClr val="tx1"/>
+                </a:solidFill>
+              </a:rPr>
+              <a:t>medstar_health.feather</a:t>
+            </a:r>
+            <a:endParaRPr lang="en-US" sz="1100" dirty="0">
+              <a:solidFill>
+                <a:schemeClr val="tx1"/>
+              </a:solidFill>
+            </a:endParaRPr>
+          </a:p>
+        </p:txBody>
+      </p:sp>
+      <p:cxnSp>
+        <p:nvCxnSpPr>
+          <p:cNvPr id="149" name="Straight Arrow Connector 148">
+            <a:extLst>
+              <a:ext uri="{FF2B5EF4-FFF2-40B4-BE49-F238E27FC236}">
+                <a16:creationId xmlns:a16="http://schemas.microsoft.com/office/drawing/2014/main" id="{BD05C671-3F06-784E-AF3A-EBBB65FE1977}"/>
+              </a:ext>
+            </a:extLst>
+          </p:cNvPr>
+          <p:cNvCxnSpPr>
+            <a:stCxn id="79" idx="2"/>
+            <a:endCxn id="147" idx="0"/>
+          </p:cNvCxnSpPr>
+          <p:nvPr/>
+        </p:nvCxnSpPr>
+        <p:spPr>
+          <a:xfrm flipH="1">
+            <a:off x="6326391" y="2979343"/>
+            <a:ext cx="3411" cy="469239"/>
+          </a:xfrm>
+          <a:prstGeom prst="straightConnector1">
+            <a:avLst/>
+          </a:prstGeom>
+          <a:ln>
+            <a:tailEnd type="triangle"/>
+          </a:ln>
+        </p:spPr>
+        <p:style>
+          <a:lnRef idx="1">
+            <a:schemeClr val="accent1"/>
+          </a:lnRef>
+          <a:fillRef idx="0">
+            <a:schemeClr val="accent1"/>
+          </a:fillRef>
+          <a:effectRef idx="0">
+            <a:schemeClr val="accent1"/>
+          </a:effectRef>
+          <a:fontRef idx="minor">
+            <a:schemeClr val="tx1"/>
+          </a:fontRef>
+        </p:style>
+      </p:cxnSp>
+      <p:sp>
+        <p:nvSpPr>
+          <p:cNvPr id="150" name="Rectangle 149">
+            <a:extLst>
+              <a:ext uri="{FF2B5EF4-FFF2-40B4-BE49-F238E27FC236}">
+                <a16:creationId xmlns:a16="http://schemas.microsoft.com/office/drawing/2014/main" id="{F8C39AA5-26AC-5E4E-8931-8AF5E30CDA7A}"/>
+              </a:ext>
+            </a:extLst>
+          </p:cNvPr>
+          <p:cNvSpPr/>
+          <p:nvPr/>
+        </p:nvSpPr>
+        <p:spPr>
+          <a:xfrm>
+            <a:off x="4041391" y="4172160"/>
+            <a:ext cx="2554612" cy="359595"/>
           </a:xfrm>
           <a:prstGeom prst="rect">
             <a:avLst/>
@@ -4984,17 +5678,101 @@
                   <a:schemeClr val="tx1"/>
                 </a:solidFill>
               </a:rPr>
-              <a:t>data_medstar_compliance_02_deidentify.Rmd</a:t>
-            </a:r>
-          </a:p>
-        </p:txBody>
-      </p:sp>
-      <p:sp>
-        <p:nvSpPr>
-          <p:cNvPr id="89" name="Rectangle 88">
-            <a:extLst>
-              <a:ext uri="{FF2B5EF4-FFF2-40B4-BE49-F238E27FC236}">
-                <a16:creationId xmlns:a16="http://schemas.microsoft.com/office/drawing/2014/main" id="{2CAC5257-A68E-C946-B322-984D414A1DAF}"/>
+              <a:t>data_medstar_complete_01_merge.Rmd</a:t>
+            </a:r>
+          </a:p>
+        </p:txBody>
+      </p:sp>
+      <p:cxnSp>
+        <p:nvCxnSpPr>
+          <p:cNvPr id="152" name="Elbow Connector 151">
+            <a:extLst>
+              <a:ext uri="{FF2B5EF4-FFF2-40B4-BE49-F238E27FC236}">
+                <a16:creationId xmlns:a16="http://schemas.microsoft.com/office/drawing/2014/main" id="{40386164-9432-4344-810C-DEA30BCF1095}"/>
+              </a:ext>
+            </a:extLst>
+          </p:cNvPr>
+          <p:cNvCxnSpPr>
+            <a:stCxn id="108" idx="2"/>
+            <a:endCxn id="150" idx="0"/>
+          </p:cNvCxnSpPr>
+          <p:nvPr/>
+        </p:nvCxnSpPr>
+        <p:spPr>
+          <a:xfrm rot="16200000" flipH="1">
+            <a:off x="4715084" y="3568547"/>
+            <a:ext cx="363982" cy="843244"/>
+          </a:xfrm>
+          <a:prstGeom prst="bentConnector3">
+            <a:avLst/>
+          </a:prstGeom>
+          <a:ln>
+            <a:tailEnd type="triangle"/>
+          </a:ln>
+        </p:spPr>
+        <p:style>
+          <a:lnRef idx="1">
+            <a:schemeClr val="accent1"/>
+          </a:lnRef>
+          <a:fillRef idx="0">
+            <a:schemeClr val="accent1"/>
+          </a:fillRef>
+          <a:effectRef idx="0">
+            <a:schemeClr val="accent1"/>
+          </a:effectRef>
+          <a:fontRef idx="minor">
+            <a:schemeClr val="tx1"/>
+          </a:fontRef>
+        </p:style>
+      </p:cxnSp>
+      <p:cxnSp>
+        <p:nvCxnSpPr>
+          <p:cNvPr id="154" name="Elbow Connector 153">
+            <a:extLst>
+              <a:ext uri="{FF2B5EF4-FFF2-40B4-BE49-F238E27FC236}">
+                <a16:creationId xmlns:a16="http://schemas.microsoft.com/office/drawing/2014/main" id="{9B98925A-F6CE-9E40-8104-81B31938E344}"/>
+              </a:ext>
+            </a:extLst>
+          </p:cNvPr>
+          <p:cNvCxnSpPr>
+            <a:stCxn id="147" idx="2"/>
+            <a:endCxn id="150" idx="0"/>
+          </p:cNvCxnSpPr>
+          <p:nvPr/>
+        </p:nvCxnSpPr>
+        <p:spPr>
+          <a:xfrm rot="5400000">
+            <a:off x="5640553" y="3486321"/>
+            <a:ext cx="363983" cy="1007694"/>
+          </a:xfrm>
+          <a:prstGeom prst="bentConnector3">
+            <a:avLst/>
+          </a:prstGeom>
+          <a:ln>
+            <a:tailEnd type="triangle"/>
+          </a:ln>
+        </p:spPr>
+        <p:style>
+          <a:lnRef idx="1">
+            <a:schemeClr val="accent1"/>
+          </a:lnRef>
+          <a:fillRef idx="0">
+            <a:schemeClr val="accent1"/>
+          </a:fillRef>
+          <a:effectRef idx="0">
+            <a:schemeClr val="accent1"/>
+          </a:effectRef>
+          <a:fontRef idx="minor">
+            <a:schemeClr val="tx1"/>
+          </a:fontRef>
+        </p:style>
+      </p:cxnSp>
+      <p:sp>
+        <p:nvSpPr>
+          <p:cNvPr id="155" name="Rectangle 154">
+            <a:extLst>
+              <a:ext uri="{FF2B5EF4-FFF2-40B4-BE49-F238E27FC236}">
+                <a16:creationId xmlns:a16="http://schemas.microsoft.com/office/drawing/2014/main" id="{7F03C1E2-5164-9347-AE1F-F2A4BB75D0AF}"/>
               </a:ext>
             </a:extLst>
           </p:cNvPr>
@@ -5003,8 +5781,8 @@
         </p:nvSpPr>
         <p:spPr>
           <a:xfrm>
-            <a:off x="5846" y="3448586"/>
-            <a:ext cx="1387011" cy="359595"/>
+            <a:off x="4423190" y="4895392"/>
+            <a:ext cx="1791014" cy="359595"/>
           </a:xfrm>
           <a:prstGeom prst="rect">
             <a:avLst/>
@@ -5048,7 +5826,7 @@
                   <a:schemeClr val="tx1"/>
                 </a:solidFill>
               </a:rPr>
-              <a:t>medstar_compliance_deidentified.csv</a:t>
+              <a:t>medstar_complete.feather</a:t>
             </a:r>
             <a:endParaRPr lang="en-US" sz="1100" dirty="0">
               <a:solidFill>
@@ -5060,25 +5838,25 @@
       </p:sp>
       <p:cxnSp>
         <p:nvCxnSpPr>
-          <p:cNvPr id="91" name="Elbow Connector 90">
-            <a:extLst>
-              <a:ext uri="{FF2B5EF4-FFF2-40B4-BE49-F238E27FC236}">
-                <a16:creationId xmlns:a16="http://schemas.microsoft.com/office/drawing/2014/main" id="{845010CE-2939-7747-B3A3-C7AE388E49B3}"/>
+          <p:cNvPr id="157" name="Straight Arrow Connector 156">
+            <a:extLst>
+              <a:ext uri="{FF2B5EF4-FFF2-40B4-BE49-F238E27FC236}">
+                <a16:creationId xmlns:a16="http://schemas.microsoft.com/office/drawing/2014/main" id="{01A67BC9-F0E1-9A4B-82C8-14AF25EFF7B3}"/>
               </a:ext>
             </a:extLst>
           </p:cNvPr>
           <p:cNvCxnSpPr>
-            <a:stCxn id="86" idx="2"/>
-            <a:endCxn id="89" idx="0"/>
+            <a:stCxn id="150" idx="2"/>
+            <a:endCxn id="155" idx="0"/>
           </p:cNvCxnSpPr>
           <p:nvPr/>
         </p:nvCxnSpPr>
         <p:spPr>
-          <a:xfrm rot="5400000">
-            <a:off x="551202" y="3113270"/>
-            <a:ext cx="483466" cy="187166"/>
-          </a:xfrm>
-          <a:prstGeom prst="bentConnector3">
+          <a:xfrm>
+            <a:off x="5318697" y="4531755"/>
+            <a:ext cx="0" cy="363637"/>
+          </a:xfrm>
+          <a:prstGeom prst="straightConnector1">
             <a:avLst/>
           </a:prstGeom>
           <a:ln>
@@ -5100,54 +5878,12 @@
           </a:fontRef>
         </p:style>
       </p:cxnSp>
-      <p:cxnSp>
-        <p:nvCxnSpPr>
-          <p:cNvPr id="94" name="Elbow Connector 93">
-            <a:extLst>
-              <a:ext uri="{FF2B5EF4-FFF2-40B4-BE49-F238E27FC236}">
-                <a16:creationId xmlns:a16="http://schemas.microsoft.com/office/drawing/2014/main" id="{18CFA234-0B01-A448-B730-3E7545240FE8}"/>
-              </a:ext>
-            </a:extLst>
-          </p:cNvPr>
-          <p:cNvCxnSpPr>
-            <a:stCxn id="86" idx="2"/>
-            <a:endCxn id="90" idx="0"/>
-          </p:cNvCxnSpPr>
-          <p:nvPr/>
-        </p:nvCxnSpPr>
-        <p:spPr>
-          <a:xfrm rot="16200000" flipH="1">
-            <a:off x="1305805" y="2545833"/>
-            <a:ext cx="483464" cy="1322038"/>
-          </a:xfrm>
-          <a:prstGeom prst="bentConnector3">
-            <a:avLst/>
-          </a:prstGeom>
-          <a:ln>
-            <a:tailEnd type="triangle"/>
-          </a:ln>
-        </p:spPr>
-        <p:style>
-          <a:lnRef idx="1">
-            <a:schemeClr val="accent1"/>
-          </a:lnRef>
-          <a:fillRef idx="0">
-            <a:schemeClr val="accent1"/>
-          </a:fillRef>
-          <a:effectRef idx="0">
-            <a:schemeClr val="accent1"/>
-          </a:effectRef>
-          <a:fontRef idx="minor">
-            <a:schemeClr val="tx1"/>
-          </a:fontRef>
-        </p:style>
-      </p:cxnSp>
-      <p:sp>
-        <p:nvSpPr>
-          <p:cNvPr id="108" name="Rectangle 107">
-            <a:extLst>
-              <a:ext uri="{FF2B5EF4-FFF2-40B4-BE49-F238E27FC236}">
-                <a16:creationId xmlns:a16="http://schemas.microsoft.com/office/drawing/2014/main" id="{69C643E7-E7AF-474F-98EE-F06A0DF04FE8}"/>
+      <p:sp>
+        <p:nvSpPr>
+          <p:cNvPr id="158" name="Rectangle 157">
+            <a:extLst>
+              <a:ext uri="{FF2B5EF4-FFF2-40B4-BE49-F238E27FC236}">
+                <a16:creationId xmlns:a16="http://schemas.microsoft.com/office/drawing/2014/main" id="{44F03AFF-082E-DF41-A880-9384C50077F3}"/>
               </a:ext>
             </a:extLst>
           </p:cNvPr>
@@ -5156,8 +5892,8 @@
         </p:nvSpPr>
         <p:spPr>
           <a:xfrm>
-            <a:off x="3024255" y="3448583"/>
-            <a:ext cx="1669512" cy="359595"/>
+            <a:off x="6687404" y="1795022"/>
+            <a:ext cx="1291264" cy="359595"/>
           </a:xfrm>
           <a:prstGeom prst="rect">
             <a:avLst/>
@@ -5201,7 +5937,7 @@
                   <a:schemeClr val="tx1"/>
                 </a:solidFill>
               </a:rPr>
-              <a:t>medstar_detect.feather</a:t>
+              <a:t>client_data.feather</a:t>
             </a:r>
             <a:endParaRPr lang="en-US" sz="1100" dirty="0">
               <a:solidFill>
@@ -5211,348 +5947,12 @@
           </a:p>
         </p:txBody>
       </p:sp>
-      <p:cxnSp>
-        <p:nvCxnSpPr>
-          <p:cNvPr id="113" name="Straight Arrow Connector 112">
-            <a:extLst>
-              <a:ext uri="{FF2B5EF4-FFF2-40B4-BE49-F238E27FC236}">
-                <a16:creationId xmlns:a16="http://schemas.microsoft.com/office/drawing/2014/main" id="{B27F98B6-6374-664A-B4F6-0C719AC61FC7}"/>
-              </a:ext>
-            </a:extLst>
-          </p:cNvPr>
-          <p:cNvCxnSpPr>
-            <a:stCxn id="74" idx="2"/>
-            <a:endCxn id="79" idx="0"/>
-          </p:cNvCxnSpPr>
-          <p:nvPr/>
-        </p:nvCxnSpPr>
-        <p:spPr>
-          <a:xfrm flipH="1">
-            <a:off x="5918840" y="491248"/>
-            <a:ext cx="1" cy="2114184"/>
-          </a:xfrm>
-          <a:prstGeom prst="straightConnector1">
-            <a:avLst/>
-          </a:prstGeom>
-          <a:ln>
-            <a:tailEnd type="triangle"/>
-          </a:ln>
-        </p:spPr>
-        <p:style>
-          <a:lnRef idx="1">
-            <a:schemeClr val="accent1"/>
-          </a:lnRef>
-          <a:fillRef idx="0">
-            <a:schemeClr val="accent1"/>
-          </a:fillRef>
-          <a:effectRef idx="0">
-            <a:schemeClr val="accent1"/>
-          </a:effectRef>
-          <a:fontRef idx="minor">
-            <a:schemeClr val="tx1"/>
-          </a:fontRef>
-        </p:style>
-      </p:cxnSp>
-      <p:cxnSp>
-        <p:nvCxnSpPr>
-          <p:cNvPr id="123" name="Elbow Connector 122">
-            <a:extLst>
-              <a:ext uri="{FF2B5EF4-FFF2-40B4-BE49-F238E27FC236}">
-                <a16:creationId xmlns:a16="http://schemas.microsoft.com/office/drawing/2014/main" id="{AC129749-74FF-4F4E-822E-83FC6BD402EA}"/>
-              </a:ext>
-            </a:extLst>
-          </p:cNvPr>
-          <p:cNvCxnSpPr>
-            <a:stCxn id="72" idx="2"/>
-            <a:endCxn id="83" idx="0"/>
-          </p:cNvCxnSpPr>
-          <p:nvPr/>
-        </p:nvCxnSpPr>
-        <p:spPr>
-          <a:xfrm rot="5400000">
-            <a:off x="706526" y="1340570"/>
-            <a:ext cx="465854" cy="443055"/>
-          </a:xfrm>
-          <a:prstGeom prst="bentConnector3">
-            <a:avLst/>
-          </a:prstGeom>
-          <a:ln>
-            <a:tailEnd type="triangle"/>
-          </a:ln>
-        </p:spPr>
-        <p:style>
-          <a:lnRef idx="1">
-            <a:schemeClr val="accent1"/>
-          </a:lnRef>
-          <a:fillRef idx="0">
-            <a:schemeClr val="accent1"/>
-          </a:fillRef>
-          <a:effectRef idx="0">
-            <a:schemeClr val="accent1"/>
-          </a:effectRef>
-          <a:fontRef idx="minor">
-            <a:schemeClr val="tx1"/>
-          </a:fontRef>
-        </p:style>
-      </p:cxnSp>
-      <p:cxnSp>
-        <p:nvCxnSpPr>
-          <p:cNvPr id="129" name="Elbow Connector 128">
-            <a:extLst>
-              <a:ext uri="{FF2B5EF4-FFF2-40B4-BE49-F238E27FC236}">
-                <a16:creationId xmlns:a16="http://schemas.microsoft.com/office/drawing/2014/main" id="{64CA426E-7437-D94E-9E8F-10110C751DCA}"/>
-              </a:ext>
-            </a:extLst>
-          </p:cNvPr>
-          <p:cNvCxnSpPr>
-            <a:stCxn id="83" idx="2"/>
-            <a:endCxn id="86" idx="0"/>
-          </p:cNvCxnSpPr>
-          <p:nvPr/>
-        </p:nvCxnSpPr>
-        <p:spPr>
-          <a:xfrm rot="16200000" flipH="1">
-            <a:off x="576768" y="2295775"/>
-            <a:ext cx="450906" cy="168593"/>
-          </a:xfrm>
-          <a:prstGeom prst="bentConnector3">
-            <a:avLst/>
-          </a:prstGeom>
-          <a:ln>
-            <a:tailEnd type="triangle"/>
-          </a:ln>
-        </p:spPr>
-        <p:style>
-          <a:lnRef idx="1">
-            <a:schemeClr val="accent1"/>
-          </a:lnRef>
-          <a:fillRef idx="0">
-            <a:schemeClr val="accent1"/>
-          </a:fillRef>
-          <a:effectRef idx="0">
-            <a:schemeClr val="accent1"/>
-          </a:effectRef>
-          <a:fontRef idx="minor">
-            <a:schemeClr val="tx1"/>
-          </a:fontRef>
-        </p:style>
-      </p:cxnSp>
-      <p:cxnSp>
-        <p:nvCxnSpPr>
-          <p:cNvPr id="133" name="Elbow Connector 132">
-            <a:extLst>
-              <a:ext uri="{FF2B5EF4-FFF2-40B4-BE49-F238E27FC236}">
-                <a16:creationId xmlns:a16="http://schemas.microsoft.com/office/drawing/2014/main" id="{46CD9EDE-D943-1B4D-AA39-7E9D6674E8C6}"/>
-              </a:ext>
-            </a:extLst>
-          </p:cNvPr>
-          <p:cNvCxnSpPr>
-            <a:stCxn id="72" idx="2"/>
-            <a:endCxn id="82" idx="0"/>
-          </p:cNvCxnSpPr>
-          <p:nvPr/>
-        </p:nvCxnSpPr>
-        <p:spPr>
-          <a:xfrm rot="16200000" flipH="1">
-            <a:off x="1484327" y="1005822"/>
-            <a:ext cx="465854" cy="1112549"/>
-          </a:xfrm>
-          <a:prstGeom prst="bentConnector3">
-            <a:avLst/>
-          </a:prstGeom>
-          <a:ln>
-            <a:tailEnd type="triangle"/>
-          </a:ln>
-        </p:spPr>
-        <p:style>
-          <a:lnRef idx="1">
-            <a:schemeClr val="accent1"/>
-          </a:lnRef>
-          <a:fillRef idx="0">
-            <a:schemeClr val="accent1"/>
-          </a:fillRef>
-          <a:effectRef idx="0">
-            <a:schemeClr val="accent1"/>
-          </a:effectRef>
-          <a:fontRef idx="minor">
-            <a:schemeClr val="tx1"/>
-          </a:fontRef>
-        </p:style>
-      </p:cxnSp>
-      <p:cxnSp>
-        <p:nvCxnSpPr>
-          <p:cNvPr id="140" name="Elbow Connector 139">
-            <a:extLst>
-              <a:ext uri="{FF2B5EF4-FFF2-40B4-BE49-F238E27FC236}">
-                <a16:creationId xmlns:a16="http://schemas.microsoft.com/office/drawing/2014/main" id="{3DD49759-4F3F-7842-9805-7BF6A2D4F972}"/>
-              </a:ext>
-            </a:extLst>
-          </p:cNvPr>
-          <p:cNvCxnSpPr>
-            <a:stCxn id="82" idx="2"/>
-            <a:endCxn id="73" idx="0"/>
-          </p:cNvCxnSpPr>
-          <p:nvPr/>
-        </p:nvCxnSpPr>
-        <p:spPr>
-          <a:xfrm rot="16200000" flipH="1">
-            <a:off x="2842874" y="1585274"/>
-            <a:ext cx="446792" cy="1585482"/>
-          </a:xfrm>
-          <a:prstGeom prst="bentConnector3">
-            <a:avLst/>
-          </a:prstGeom>
-          <a:ln>
-            <a:tailEnd type="triangle"/>
-          </a:ln>
-        </p:spPr>
-        <p:style>
-          <a:lnRef idx="1">
-            <a:schemeClr val="accent1"/>
-          </a:lnRef>
-          <a:fillRef idx="0">
-            <a:schemeClr val="accent1"/>
-          </a:fillRef>
-          <a:effectRef idx="0">
-            <a:schemeClr val="accent1"/>
-          </a:effectRef>
-          <a:fontRef idx="minor">
-            <a:schemeClr val="tx1"/>
-          </a:fontRef>
-        </p:style>
-      </p:cxnSp>
-      <p:cxnSp>
-        <p:nvCxnSpPr>
-          <p:cNvPr id="142" name="Straight Arrow Connector 141">
-            <a:extLst>
-              <a:ext uri="{FF2B5EF4-FFF2-40B4-BE49-F238E27FC236}">
-                <a16:creationId xmlns:a16="http://schemas.microsoft.com/office/drawing/2014/main" id="{14A689C8-E292-4945-81E5-C49660111868}"/>
-              </a:ext>
-            </a:extLst>
-          </p:cNvPr>
-          <p:cNvCxnSpPr>
-            <a:stCxn id="7" idx="2"/>
-            <a:endCxn id="73" idx="0"/>
-          </p:cNvCxnSpPr>
-          <p:nvPr/>
-        </p:nvCxnSpPr>
-        <p:spPr>
-          <a:xfrm>
-            <a:off x="3859011" y="498677"/>
-            <a:ext cx="0" cy="2102734"/>
-          </a:xfrm>
-          <a:prstGeom prst="straightConnector1">
-            <a:avLst/>
-          </a:prstGeom>
-          <a:ln>
-            <a:tailEnd type="triangle"/>
-          </a:ln>
-        </p:spPr>
-        <p:style>
-          <a:lnRef idx="1">
-            <a:schemeClr val="accent1"/>
-          </a:lnRef>
-          <a:fillRef idx="0">
-            <a:schemeClr val="accent1"/>
-          </a:fillRef>
-          <a:effectRef idx="0">
-            <a:schemeClr val="accent1"/>
-          </a:effectRef>
-          <a:fontRef idx="minor">
-            <a:schemeClr val="tx1"/>
-          </a:fontRef>
-        </p:style>
-      </p:cxnSp>
-      <p:cxnSp>
-        <p:nvCxnSpPr>
-          <p:cNvPr id="144" name="Straight Arrow Connector 143">
-            <a:extLst>
-              <a:ext uri="{FF2B5EF4-FFF2-40B4-BE49-F238E27FC236}">
-                <a16:creationId xmlns:a16="http://schemas.microsoft.com/office/drawing/2014/main" id="{BC1A9A62-A138-E64B-B314-AAAC64B07B05}"/>
-              </a:ext>
-            </a:extLst>
-          </p:cNvPr>
-          <p:cNvCxnSpPr>
-            <a:stCxn id="73" idx="2"/>
-            <a:endCxn id="108" idx="0"/>
-          </p:cNvCxnSpPr>
-          <p:nvPr/>
-        </p:nvCxnSpPr>
-        <p:spPr>
-          <a:xfrm>
-            <a:off x="3859011" y="2961006"/>
-            <a:ext cx="0" cy="487577"/>
-          </a:xfrm>
-          <a:prstGeom prst="straightConnector1">
-            <a:avLst/>
-          </a:prstGeom>
-          <a:ln>
-            <a:tailEnd type="triangle"/>
-          </a:ln>
-        </p:spPr>
-        <p:style>
-          <a:lnRef idx="1">
-            <a:schemeClr val="accent1"/>
-          </a:lnRef>
-          <a:fillRef idx="0">
-            <a:schemeClr val="accent1"/>
-          </a:fillRef>
-          <a:effectRef idx="0">
-            <a:schemeClr val="accent1"/>
-          </a:effectRef>
-          <a:fontRef idx="minor">
-            <a:schemeClr val="tx1"/>
-          </a:fontRef>
-        </p:style>
-      </p:cxnSp>
-      <p:cxnSp>
-        <p:nvCxnSpPr>
-          <p:cNvPr id="146" name="Elbow Connector 145">
-            <a:extLst>
-              <a:ext uri="{FF2B5EF4-FFF2-40B4-BE49-F238E27FC236}">
-                <a16:creationId xmlns:a16="http://schemas.microsoft.com/office/drawing/2014/main" id="{B22A7AB4-026D-614F-8377-04AFB7453BC8}"/>
-              </a:ext>
-            </a:extLst>
-          </p:cNvPr>
-          <p:cNvCxnSpPr>
-            <a:stCxn id="82" idx="2"/>
-            <a:endCxn id="79" idx="0"/>
-          </p:cNvCxnSpPr>
-          <p:nvPr/>
-        </p:nvCxnSpPr>
-        <p:spPr>
-          <a:xfrm rot="16200000" flipH="1">
-            <a:off x="3870778" y="557369"/>
-            <a:ext cx="450813" cy="3645311"/>
-          </a:xfrm>
-          <a:prstGeom prst="bentConnector3">
-            <a:avLst/>
-          </a:prstGeom>
-          <a:ln>
-            <a:tailEnd type="triangle"/>
-          </a:ln>
-        </p:spPr>
-        <p:style>
-          <a:lnRef idx="1">
-            <a:schemeClr val="accent1"/>
-          </a:lnRef>
-          <a:fillRef idx="0">
-            <a:schemeClr val="accent1"/>
-          </a:fillRef>
-          <a:effectRef idx="0">
-            <a:schemeClr val="accent1"/>
-          </a:effectRef>
-          <a:fontRef idx="minor">
-            <a:schemeClr val="tx1"/>
-          </a:fontRef>
-        </p:style>
-      </p:cxnSp>
-      <p:sp>
-        <p:nvSpPr>
-          <p:cNvPr id="147" name="Rectangle 146">
-            <a:extLst>
-              <a:ext uri="{FF2B5EF4-FFF2-40B4-BE49-F238E27FC236}">
-                <a16:creationId xmlns:a16="http://schemas.microsoft.com/office/drawing/2014/main" id="{49E50B93-BA68-3946-ABD3-572EB7F8F2DC}"/>
+      <p:sp>
+        <p:nvSpPr>
+          <p:cNvPr id="159" name="Rectangle 158">
+            <a:extLst>
+              <a:ext uri="{FF2B5EF4-FFF2-40B4-BE49-F238E27FC236}">
+                <a16:creationId xmlns:a16="http://schemas.microsoft.com/office/drawing/2014/main" id="{522FC733-1B49-4643-88C9-9FEB5D8A368F}"/>
               </a:ext>
             </a:extLst>
           </p:cNvPr>
@@ -5561,8 +5961,8 @@
         </p:nvSpPr>
         <p:spPr>
           <a:xfrm>
-            <a:off x="5080673" y="3448582"/>
-            <a:ext cx="1669512" cy="359595"/>
+            <a:off x="8101599" y="1795021"/>
+            <a:ext cx="1291264" cy="359595"/>
           </a:xfrm>
           <a:prstGeom prst="rect">
             <a:avLst/>
@@ -5606,7 +6006,7 @@
                   <a:schemeClr val="tx1"/>
                 </a:solidFill>
               </a:rPr>
-              <a:t>medstar_health.feather</a:t>
+              <a:t>allegations.feather</a:t>
             </a:r>
             <a:endParaRPr lang="en-US" sz="1100" dirty="0">
               <a:solidFill>
@@ -5616,27 +6016,165 @@
           </a:p>
         </p:txBody>
       </p:sp>
+      <p:sp>
+        <p:nvSpPr>
+          <p:cNvPr id="160" name="Rectangle 159">
+            <a:extLst>
+              <a:ext uri="{FF2B5EF4-FFF2-40B4-BE49-F238E27FC236}">
+                <a16:creationId xmlns:a16="http://schemas.microsoft.com/office/drawing/2014/main" id="{303D8A20-9E57-4F4D-81FA-1BF3EBB1A23B}"/>
+              </a:ext>
+            </a:extLst>
+          </p:cNvPr>
+          <p:cNvSpPr/>
+          <p:nvPr/>
+        </p:nvSpPr>
+        <p:spPr>
+          <a:xfrm>
+            <a:off x="9515794" y="1792927"/>
+            <a:ext cx="1098652" cy="359595"/>
+          </a:xfrm>
+          <a:prstGeom prst="rect">
+            <a:avLst/>
+          </a:prstGeom>
+          <a:solidFill>
+            <a:schemeClr val="accent2">
+              <a:lumMod val="20000"/>
+              <a:lumOff val="80000"/>
+            </a:schemeClr>
+          </a:solidFill>
+          <a:ln>
+            <a:solidFill>
+              <a:schemeClr val="tx1"/>
+            </a:solidFill>
+          </a:ln>
+        </p:spPr>
+        <p:style>
+          <a:lnRef idx="2">
+            <a:schemeClr val="accent1">
+              <a:shade val="50000"/>
+            </a:schemeClr>
+          </a:lnRef>
+          <a:fillRef idx="1">
+            <a:schemeClr val="accent1"/>
+          </a:fillRef>
+          <a:effectRef idx="0">
+            <a:schemeClr val="accent1"/>
+          </a:effectRef>
+          <a:fontRef idx="minor">
+            <a:schemeClr val="lt1"/>
+          </a:fontRef>
+        </p:style>
+        <p:txBody>
+          <a:bodyPr rtlCol="0" anchor="ctr"/>
+          <a:lstStyle/>
+          <a:p>
+            <a:pPr algn="ctr"/>
+            <a:r>
+              <a:rPr lang="en-US" sz="1100" dirty="0" err="1">
+                <a:solidFill>
+                  <a:schemeClr val="tx1"/>
+                </a:solidFill>
+              </a:rPr>
+              <a:t>closure.feather</a:t>
+            </a:r>
+            <a:endParaRPr lang="en-US" sz="1100" dirty="0">
+              <a:solidFill>
+                <a:schemeClr val="tx1"/>
+              </a:solidFill>
+            </a:endParaRPr>
+          </a:p>
+        </p:txBody>
+      </p:sp>
+      <p:sp>
+        <p:nvSpPr>
+          <p:cNvPr id="161" name="Rectangle 160">
+            <a:extLst>
+              <a:ext uri="{FF2B5EF4-FFF2-40B4-BE49-F238E27FC236}">
+                <a16:creationId xmlns:a16="http://schemas.microsoft.com/office/drawing/2014/main" id="{673D0193-BE63-6E41-AA5B-D266097DF22D}"/>
+              </a:ext>
+            </a:extLst>
+          </p:cNvPr>
+          <p:cNvSpPr/>
+          <p:nvPr/>
+        </p:nvSpPr>
+        <p:spPr>
+          <a:xfrm>
+            <a:off x="10737376" y="1792926"/>
+            <a:ext cx="1262839" cy="359595"/>
+          </a:xfrm>
+          <a:prstGeom prst="rect">
+            <a:avLst/>
+          </a:prstGeom>
+          <a:solidFill>
+            <a:schemeClr val="accent2">
+              <a:lumMod val="20000"/>
+              <a:lumOff val="80000"/>
+            </a:schemeClr>
+          </a:solidFill>
+          <a:ln>
+            <a:solidFill>
+              <a:schemeClr val="tx1"/>
+            </a:solidFill>
+          </a:ln>
+        </p:spPr>
+        <p:style>
+          <a:lnRef idx="2">
+            <a:schemeClr val="accent1">
+              <a:shade val="50000"/>
+            </a:schemeClr>
+          </a:lnRef>
+          <a:fillRef idx="1">
+            <a:schemeClr val="accent1"/>
+          </a:fillRef>
+          <a:effectRef idx="0">
+            <a:schemeClr val="accent1"/>
+          </a:effectRef>
+          <a:fontRef idx="minor">
+            <a:schemeClr val="lt1"/>
+          </a:fontRef>
+        </p:style>
+        <p:txBody>
+          <a:bodyPr rtlCol="0" anchor="ctr"/>
+          <a:lstStyle/>
+          <a:p>
+            <a:pPr algn="ctr"/>
+            <a:r>
+              <a:rPr lang="en-US" sz="1100" dirty="0" err="1">
+                <a:solidFill>
+                  <a:schemeClr val="tx1"/>
+                </a:solidFill>
+              </a:rPr>
+              <a:t>disposition.feather</a:t>
+            </a:r>
+            <a:endParaRPr lang="en-US" sz="1100" dirty="0">
+              <a:solidFill>
+                <a:schemeClr val="tx1"/>
+              </a:solidFill>
+            </a:endParaRPr>
+          </a:p>
+        </p:txBody>
+      </p:sp>
       <p:cxnSp>
         <p:nvCxnSpPr>
-          <p:cNvPr id="149" name="Straight Arrow Connector 148">
-            <a:extLst>
-              <a:ext uri="{FF2B5EF4-FFF2-40B4-BE49-F238E27FC236}">
-                <a16:creationId xmlns:a16="http://schemas.microsoft.com/office/drawing/2014/main" id="{BD05C671-3F06-784E-AF3A-EBBB65FE1977}"/>
+          <p:cNvPr id="163" name="Elbow Connector 162">
+            <a:extLst>
+              <a:ext uri="{FF2B5EF4-FFF2-40B4-BE49-F238E27FC236}">
+                <a16:creationId xmlns:a16="http://schemas.microsoft.com/office/drawing/2014/main" id="{EA2BB82C-59E4-FD4A-BB5B-04A8D117585A}"/>
               </a:ext>
             </a:extLst>
           </p:cNvPr>
           <p:cNvCxnSpPr>
-            <a:stCxn id="79" idx="2"/>
-            <a:endCxn id="147" idx="0"/>
+            <a:stCxn id="81" idx="2"/>
+            <a:endCxn id="158" idx="0"/>
           </p:cNvCxnSpPr>
           <p:nvPr/>
         </p:nvCxnSpPr>
         <p:spPr>
-          <a:xfrm flipH="1">
-            <a:off x="5915429" y="2965027"/>
-            <a:ext cx="3411" cy="483555"/>
-          </a:xfrm>
-          <a:prstGeom prst="straightConnector1">
+          <a:xfrm rot="5400000">
+            <a:off x="8033571" y="640330"/>
+            <a:ext cx="454157" cy="1855226"/>
+          </a:xfrm>
+          <a:prstGeom prst="bentConnector3">
             <a:avLst/>
           </a:prstGeom>
           <a:ln>
@@ -5658,12 +6196,138 @@
           </a:fontRef>
         </p:style>
       </p:cxnSp>
-      <p:sp>
-        <p:nvSpPr>
-          <p:cNvPr id="150" name="Rectangle 149">
-            <a:extLst>
-              <a:ext uri="{FF2B5EF4-FFF2-40B4-BE49-F238E27FC236}">
-                <a16:creationId xmlns:a16="http://schemas.microsoft.com/office/drawing/2014/main" id="{F8C39AA5-26AC-5E4E-8931-8AF5E30CDA7A}"/>
+      <p:cxnSp>
+        <p:nvCxnSpPr>
+          <p:cNvPr id="165" name="Elbow Connector 164">
+            <a:extLst>
+              <a:ext uri="{FF2B5EF4-FFF2-40B4-BE49-F238E27FC236}">
+                <a16:creationId xmlns:a16="http://schemas.microsoft.com/office/drawing/2014/main" id="{908549B4-1C54-714A-A5A7-11CA7C0407CE}"/>
+              </a:ext>
+            </a:extLst>
+          </p:cNvPr>
+          <p:cNvCxnSpPr>
+            <a:stCxn id="81" idx="2"/>
+            <a:endCxn id="159" idx="0"/>
+          </p:cNvCxnSpPr>
+          <p:nvPr/>
+        </p:nvCxnSpPr>
+        <p:spPr>
+          <a:xfrm rot="5400000">
+            <a:off x="8740669" y="1347428"/>
+            <a:ext cx="454156" cy="441031"/>
+          </a:xfrm>
+          <a:prstGeom prst="bentConnector3">
+            <a:avLst/>
+          </a:prstGeom>
+          <a:ln>
+            <a:tailEnd type="triangle"/>
+          </a:ln>
+        </p:spPr>
+        <p:style>
+          <a:lnRef idx="1">
+            <a:schemeClr val="accent1"/>
+          </a:lnRef>
+          <a:fillRef idx="0">
+            <a:schemeClr val="accent1"/>
+          </a:fillRef>
+          <a:effectRef idx="0">
+            <a:schemeClr val="accent1"/>
+          </a:effectRef>
+          <a:fontRef idx="minor">
+            <a:schemeClr val="tx1"/>
+          </a:fontRef>
+        </p:style>
+      </p:cxnSp>
+      <p:cxnSp>
+        <p:nvCxnSpPr>
+          <p:cNvPr id="167" name="Elbow Connector 166">
+            <a:extLst>
+              <a:ext uri="{FF2B5EF4-FFF2-40B4-BE49-F238E27FC236}">
+                <a16:creationId xmlns:a16="http://schemas.microsoft.com/office/drawing/2014/main" id="{B7842AC4-D5DA-1248-9A84-226E67CD1DFE}"/>
+              </a:ext>
+            </a:extLst>
+          </p:cNvPr>
+          <p:cNvCxnSpPr>
+            <a:stCxn id="81" idx="2"/>
+            <a:endCxn id="160" idx="0"/>
+          </p:cNvCxnSpPr>
+          <p:nvPr/>
+        </p:nvCxnSpPr>
+        <p:spPr>
+          <a:xfrm rot="16200000" flipH="1">
+            <a:off x="9400660" y="1128467"/>
+            <a:ext cx="452062" cy="876858"/>
+          </a:xfrm>
+          <a:prstGeom prst="bentConnector3">
+            <a:avLst/>
+          </a:prstGeom>
+          <a:ln>
+            <a:tailEnd type="triangle"/>
+          </a:ln>
+        </p:spPr>
+        <p:style>
+          <a:lnRef idx="1">
+            <a:schemeClr val="accent1"/>
+          </a:lnRef>
+          <a:fillRef idx="0">
+            <a:schemeClr val="accent1"/>
+          </a:fillRef>
+          <a:effectRef idx="0">
+            <a:schemeClr val="accent1"/>
+          </a:effectRef>
+          <a:fontRef idx="minor">
+            <a:schemeClr val="tx1"/>
+          </a:fontRef>
+        </p:style>
+      </p:cxnSp>
+      <p:cxnSp>
+        <p:nvCxnSpPr>
+          <p:cNvPr id="169" name="Elbow Connector 168">
+            <a:extLst>
+              <a:ext uri="{FF2B5EF4-FFF2-40B4-BE49-F238E27FC236}">
+                <a16:creationId xmlns:a16="http://schemas.microsoft.com/office/drawing/2014/main" id="{D0C10965-986C-824A-A434-4503EBF45968}"/>
+              </a:ext>
+            </a:extLst>
+          </p:cNvPr>
+          <p:cNvCxnSpPr>
+            <a:stCxn id="81" idx="2"/>
+            <a:endCxn id="161" idx="0"/>
+          </p:cNvCxnSpPr>
+          <p:nvPr/>
+        </p:nvCxnSpPr>
+        <p:spPr>
+          <a:xfrm rot="16200000" flipH="1">
+            <a:off x="10052499" y="476628"/>
+            <a:ext cx="452061" cy="2180534"/>
+          </a:xfrm>
+          <a:prstGeom prst="bentConnector3">
+            <a:avLst/>
+          </a:prstGeom>
+          <a:ln>
+            <a:tailEnd type="triangle"/>
+          </a:ln>
+        </p:spPr>
+        <p:style>
+          <a:lnRef idx="1">
+            <a:schemeClr val="accent1"/>
+          </a:lnRef>
+          <a:fillRef idx="0">
+            <a:schemeClr val="accent1"/>
+          </a:fillRef>
+          <a:effectRef idx="0">
+            <a:schemeClr val="accent1"/>
+          </a:effectRef>
+          <a:fontRef idx="minor">
+            <a:schemeClr val="tx1"/>
+          </a:fontRef>
+        </p:style>
+      </p:cxnSp>
+      <p:sp>
+        <p:nvSpPr>
+          <p:cNvPr id="170" name="Rectangle 169">
+            <a:extLst>
+              <a:ext uri="{FF2B5EF4-FFF2-40B4-BE49-F238E27FC236}">
+                <a16:creationId xmlns:a16="http://schemas.microsoft.com/office/drawing/2014/main" id="{8824FD08-8F57-5244-8D81-31D180365A6C}"/>
               </a:ext>
             </a:extLst>
           </p:cNvPr>
@@ -5672,8 +6336,8 @@
         </p:nvSpPr>
         <p:spPr>
           <a:xfrm>
-            <a:off x="3537963" y="4172160"/>
-            <a:ext cx="2554612" cy="359595"/>
+            <a:off x="5986984" y="5607010"/>
+            <a:ext cx="2692103" cy="359595"/>
           </a:xfrm>
           <a:prstGeom prst="rect">
             <a:avLst/>
@@ -5717,33 +6381,36 @@
                   <a:schemeClr val="tx1"/>
                 </a:solidFill>
               </a:rPr>
-              <a:t>data_medstar_complete_01_merge.Rmd</a:t>
+              <a:t>data_medstar_aps_merged_01_merge.Rmd</a:t>
             </a:r>
           </a:p>
         </p:txBody>
       </p:sp>
       <p:cxnSp>
         <p:nvCxnSpPr>
-          <p:cNvPr id="152" name="Elbow Connector 151">
-            <a:extLst>
-              <a:ext uri="{FF2B5EF4-FFF2-40B4-BE49-F238E27FC236}">
-                <a16:creationId xmlns:a16="http://schemas.microsoft.com/office/drawing/2014/main" id="{40386164-9432-4344-810C-DEA30BCF1095}"/>
+          <p:cNvPr id="172" name="Elbow Connector 171">
+            <a:extLst>
+              <a:ext uri="{FF2B5EF4-FFF2-40B4-BE49-F238E27FC236}">
+                <a16:creationId xmlns:a16="http://schemas.microsoft.com/office/drawing/2014/main" id="{359C8F58-CB38-3246-80F1-BB8554718DFE}"/>
               </a:ext>
             </a:extLst>
           </p:cNvPr>
           <p:cNvCxnSpPr>
-            <a:stCxn id="108" idx="2"/>
-            <a:endCxn id="150" idx="0"/>
+            <a:cxnSpLocks/>
+            <a:stCxn id="155" idx="2"/>
+            <a:endCxn id="170" idx="0"/>
           </p:cNvCxnSpPr>
           <p:nvPr/>
         </p:nvCxnSpPr>
         <p:spPr>
           <a:xfrm rot="16200000" flipH="1">
-            <a:off x="4155149" y="3512040"/>
-            <a:ext cx="363982" cy="956258"/>
+            <a:off x="6149855" y="4423828"/>
+            <a:ext cx="352023" cy="2014339"/>
           </a:xfrm>
           <a:prstGeom prst="bentConnector3">
-            <a:avLst/>
+            <a:avLst>
+              <a:gd name="adj1" fmla="val 50000"/>
+            </a:avLst>
           </a:prstGeom>
           <a:ln>
             <a:tailEnd type="triangle"/>
@@ -5766,23 +6433,67 @@
       </p:cxnSp>
       <p:cxnSp>
         <p:nvCxnSpPr>
-          <p:cNvPr id="154" name="Elbow Connector 153">
-            <a:extLst>
-              <a:ext uri="{FF2B5EF4-FFF2-40B4-BE49-F238E27FC236}">
-                <a16:creationId xmlns:a16="http://schemas.microsoft.com/office/drawing/2014/main" id="{9B98925A-F6CE-9E40-8104-81B31938E344}"/>
+          <p:cNvPr id="183" name="Elbow Connector 182">
+            <a:extLst>
+              <a:ext uri="{FF2B5EF4-FFF2-40B4-BE49-F238E27FC236}">
+                <a16:creationId xmlns:a16="http://schemas.microsoft.com/office/drawing/2014/main" id="{15DAB329-12E9-054D-AFA1-F703C9FD877A}"/>
               </a:ext>
             </a:extLst>
           </p:cNvPr>
           <p:cNvCxnSpPr>
-            <a:stCxn id="147" idx="2"/>
-            <a:endCxn id="150" idx="0"/>
+            <a:cxnSpLocks/>
+            <a:stCxn id="159" idx="2"/>
+            <a:endCxn id="170" idx="0"/>
           </p:cNvCxnSpPr>
           <p:nvPr/>
         </p:nvCxnSpPr>
         <p:spPr>
           <a:xfrm rot="5400000">
-            <a:off x="5183358" y="3440088"/>
-            <a:ext cx="363983" cy="1100160"/>
+            <a:off x="6313937" y="3173716"/>
+            <a:ext cx="3452394" cy="1414195"/>
+          </a:xfrm>
+          <a:prstGeom prst="bentConnector3">
+            <a:avLst>
+              <a:gd name="adj1" fmla="val 50000"/>
+            </a:avLst>
+          </a:prstGeom>
+          <a:ln>
+            <a:tailEnd type="triangle"/>
+          </a:ln>
+        </p:spPr>
+        <p:style>
+          <a:lnRef idx="1">
+            <a:schemeClr val="accent1"/>
+          </a:lnRef>
+          <a:fillRef idx="0">
+            <a:schemeClr val="accent1"/>
+          </a:fillRef>
+          <a:effectRef idx="0">
+            <a:schemeClr val="accent1"/>
+          </a:effectRef>
+          <a:fontRef idx="minor">
+            <a:schemeClr val="tx1"/>
+          </a:fontRef>
+        </p:style>
+      </p:cxnSp>
+      <p:cxnSp>
+        <p:nvCxnSpPr>
+          <p:cNvPr id="186" name="Elbow Connector 185">
+            <a:extLst>
+              <a:ext uri="{FF2B5EF4-FFF2-40B4-BE49-F238E27FC236}">
+                <a16:creationId xmlns:a16="http://schemas.microsoft.com/office/drawing/2014/main" id="{175207CF-576F-0F4A-A22B-3AAC95CACEB1}"/>
+              </a:ext>
+            </a:extLst>
+          </p:cNvPr>
+          <p:cNvCxnSpPr>
+            <a:stCxn id="160" idx="2"/>
+          </p:cNvCxnSpPr>
+          <p:nvPr/>
+        </p:nvCxnSpPr>
+        <p:spPr>
+          <a:xfrm rot="5400000">
+            <a:off x="6967431" y="2520935"/>
+            <a:ext cx="3466102" cy="2729276"/>
           </a:xfrm>
           <a:prstGeom prst="bentConnector3">
             <a:avLst/>
@@ -5806,12 +6517,182 @@
           </a:fontRef>
         </p:style>
       </p:cxnSp>
-      <p:sp>
-        <p:nvSpPr>
-          <p:cNvPr id="155" name="Rectangle 154">
-            <a:extLst>
-              <a:ext uri="{FF2B5EF4-FFF2-40B4-BE49-F238E27FC236}">
-                <a16:creationId xmlns:a16="http://schemas.microsoft.com/office/drawing/2014/main" id="{7F03C1E2-5164-9347-AE1F-F2A4BB75D0AF}"/>
+      <p:cxnSp>
+        <p:nvCxnSpPr>
+          <p:cNvPr id="188" name="Elbow Connector 187">
+            <a:extLst>
+              <a:ext uri="{FF2B5EF4-FFF2-40B4-BE49-F238E27FC236}">
+                <a16:creationId xmlns:a16="http://schemas.microsoft.com/office/drawing/2014/main" id="{80F79231-989F-F74E-B30E-321B1A7FF9C2}"/>
+              </a:ext>
+            </a:extLst>
+          </p:cNvPr>
+          <p:cNvCxnSpPr>
+            <a:cxnSpLocks/>
+            <a:stCxn id="161" idx="2"/>
+            <a:endCxn id="170" idx="0"/>
+          </p:cNvCxnSpPr>
+          <p:nvPr/>
+        </p:nvCxnSpPr>
+        <p:spPr>
+          <a:xfrm rot="5400000">
+            <a:off x="7623672" y="1861885"/>
+            <a:ext cx="3454489" cy="4035760"/>
+          </a:xfrm>
+          <a:prstGeom prst="bentConnector3">
+            <a:avLst/>
+          </a:prstGeom>
+          <a:ln>
+            <a:tailEnd type="triangle"/>
+          </a:ln>
+        </p:spPr>
+        <p:style>
+          <a:lnRef idx="1">
+            <a:schemeClr val="accent1"/>
+          </a:lnRef>
+          <a:fillRef idx="0">
+            <a:schemeClr val="accent1"/>
+          </a:fillRef>
+          <a:effectRef idx="0">
+            <a:schemeClr val="accent1"/>
+          </a:effectRef>
+          <a:fontRef idx="minor">
+            <a:schemeClr val="tx1"/>
+          </a:fontRef>
+        </p:style>
+      </p:cxnSp>
+      <p:cxnSp>
+        <p:nvCxnSpPr>
+          <p:cNvPr id="15" name="Straight Arrow Connector 14">
+            <a:extLst>
+              <a:ext uri="{FF2B5EF4-FFF2-40B4-BE49-F238E27FC236}">
+                <a16:creationId xmlns:a16="http://schemas.microsoft.com/office/drawing/2014/main" id="{047C6E70-AEBC-444F-88EC-10D13CB87EF2}"/>
+              </a:ext>
+            </a:extLst>
+          </p:cNvPr>
+          <p:cNvCxnSpPr>
+            <a:stCxn id="158" idx="2"/>
+            <a:endCxn id="170" idx="0"/>
+          </p:cNvCxnSpPr>
+          <p:nvPr/>
+        </p:nvCxnSpPr>
+        <p:spPr>
+          <a:xfrm>
+            <a:off x="7333036" y="2154617"/>
+            <a:ext cx="0" cy="3452393"/>
+          </a:xfrm>
+          <a:prstGeom prst="straightConnector1">
+            <a:avLst/>
+          </a:prstGeom>
+          <a:ln>
+            <a:tailEnd type="triangle"/>
+          </a:ln>
+        </p:spPr>
+        <p:style>
+          <a:lnRef idx="1">
+            <a:schemeClr val="accent1"/>
+          </a:lnRef>
+          <a:fillRef idx="0">
+            <a:schemeClr val="accent1"/>
+          </a:fillRef>
+          <a:effectRef idx="0">
+            <a:schemeClr val="accent1"/>
+          </a:effectRef>
+          <a:fontRef idx="minor">
+            <a:schemeClr val="tx1"/>
+          </a:fontRef>
+        </p:style>
+      </p:cxnSp>
+      <p:cxnSp>
+        <p:nvCxnSpPr>
+          <p:cNvPr id="5" name="Straight Arrow Connector 4">
+            <a:extLst>
+              <a:ext uri="{FF2B5EF4-FFF2-40B4-BE49-F238E27FC236}">
+                <a16:creationId xmlns:a16="http://schemas.microsoft.com/office/drawing/2014/main" id="{A70E8735-9092-6D41-AA4B-8B04C2864CFC}"/>
+              </a:ext>
+            </a:extLst>
+          </p:cNvPr>
+          <p:cNvCxnSpPr>
+            <a:cxnSpLocks/>
+            <a:stCxn id="170" idx="2"/>
+          </p:cNvCxnSpPr>
+          <p:nvPr/>
+        </p:nvCxnSpPr>
+        <p:spPr>
+          <a:xfrm flipH="1">
+            <a:off x="7333035" y="5966605"/>
+            <a:ext cx="1" cy="317738"/>
+          </a:xfrm>
+          <a:prstGeom prst="straightConnector1">
+            <a:avLst/>
+          </a:prstGeom>
+          <a:ln>
+            <a:tailEnd type="triangle"/>
+          </a:ln>
+        </p:spPr>
+        <p:style>
+          <a:lnRef idx="1">
+            <a:schemeClr val="accent1"/>
+          </a:lnRef>
+          <a:fillRef idx="0">
+            <a:schemeClr val="accent1"/>
+          </a:fillRef>
+          <a:effectRef idx="0">
+            <a:schemeClr val="accent1"/>
+          </a:effectRef>
+          <a:fontRef idx="minor">
+            <a:schemeClr val="tx1"/>
+          </a:fontRef>
+        </p:style>
+      </p:cxnSp>
+      <p:cxnSp>
+        <p:nvCxnSpPr>
+          <p:cNvPr id="6" name="Elbow Connector 5">
+            <a:extLst>
+              <a:ext uri="{FF2B5EF4-FFF2-40B4-BE49-F238E27FC236}">
+                <a16:creationId xmlns:a16="http://schemas.microsoft.com/office/drawing/2014/main" id="{A130D16A-B8EF-0A45-84B0-377801D87115}"/>
+              </a:ext>
+            </a:extLst>
+          </p:cNvPr>
+          <p:cNvCxnSpPr>
+            <a:cxnSpLocks/>
+            <a:stCxn id="82" idx="2"/>
+            <a:endCxn id="170" idx="1"/>
+          </p:cNvCxnSpPr>
+          <p:nvPr/>
+        </p:nvCxnSpPr>
+        <p:spPr>
+          <a:xfrm rot="16200000" flipH="1">
+            <a:off x="2704065" y="2503889"/>
+            <a:ext cx="3632190" cy="2933647"/>
+          </a:xfrm>
+          <a:prstGeom prst="bentConnector2">
+            <a:avLst/>
+          </a:prstGeom>
+          <a:ln>
+            <a:tailEnd type="triangle"/>
+          </a:ln>
+        </p:spPr>
+        <p:style>
+          <a:lnRef idx="1">
+            <a:schemeClr val="accent1"/>
+          </a:lnRef>
+          <a:fillRef idx="0">
+            <a:schemeClr val="accent1"/>
+          </a:fillRef>
+          <a:effectRef idx="0">
+            <a:schemeClr val="accent1"/>
+          </a:effectRef>
+          <a:fontRef idx="minor">
+            <a:schemeClr val="tx1"/>
+          </a:fontRef>
+        </p:style>
+      </p:cxnSp>
+      <p:sp>
+        <p:nvSpPr>
+          <p:cNvPr id="90" name="Rectangle 89">
+            <a:extLst>
+              <a:ext uri="{FF2B5EF4-FFF2-40B4-BE49-F238E27FC236}">
+                <a16:creationId xmlns:a16="http://schemas.microsoft.com/office/drawing/2014/main" id="{22DB5B27-C281-AC43-B56B-D20BB9612022}"/>
               </a:ext>
             </a:extLst>
           </p:cNvPr>
@@ -5820,8 +6701,8 @@
         </p:nvSpPr>
         <p:spPr>
           <a:xfrm>
-            <a:off x="3919762" y="4895392"/>
-            <a:ext cx="1791014" cy="359595"/>
+            <a:off x="2029431" y="3448584"/>
+            <a:ext cx="1426768" cy="359595"/>
           </a:xfrm>
           <a:prstGeom prst="rect">
             <a:avLst/>
@@ -5865,7 +6746,7 @@
                   <a:schemeClr val="tx1"/>
                 </a:solidFill>
               </a:rPr>
-              <a:t>medstar_complete.feather</a:t>
+              <a:t>medstar_compliance_deidentified.feather</a:t>
             </a:r>
             <a:endParaRPr lang="en-US" sz="1100" dirty="0">
               <a:solidFill>
@@ -5875,54 +6756,12 @@
           </a:p>
         </p:txBody>
       </p:sp>
-      <p:cxnSp>
-        <p:nvCxnSpPr>
-          <p:cNvPr id="157" name="Straight Arrow Connector 156">
-            <a:extLst>
-              <a:ext uri="{FF2B5EF4-FFF2-40B4-BE49-F238E27FC236}">
-                <a16:creationId xmlns:a16="http://schemas.microsoft.com/office/drawing/2014/main" id="{01A67BC9-F0E1-9A4B-82C8-14AF25EFF7B3}"/>
-              </a:ext>
-            </a:extLst>
-          </p:cNvPr>
-          <p:cNvCxnSpPr>
-            <a:stCxn id="150" idx="2"/>
-            <a:endCxn id="155" idx="0"/>
-          </p:cNvCxnSpPr>
-          <p:nvPr/>
-        </p:nvCxnSpPr>
-        <p:spPr>
-          <a:xfrm>
-            <a:off x="4815269" y="4531755"/>
-            <a:ext cx="0" cy="363637"/>
-          </a:xfrm>
-          <a:prstGeom prst="straightConnector1">
-            <a:avLst/>
-          </a:prstGeom>
-          <a:ln>
-            <a:tailEnd type="triangle"/>
-          </a:ln>
-        </p:spPr>
-        <p:style>
-          <a:lnRef idx="1">
-            <a:schemeClr val="accent1"/>
-          </a:lnRef>
-          <a:fillRef idx="0">
-            <a:schemeClr val="accent1"/>
-          </a:fillRef>
-          <a:effectRef idx="0">
-            <a:schemeClr val="accent1"/>
-          </a:effectRef>
-          <a:fontRef idx="minor">
-            <a:schemeClr val="tx1"/>
-          </a:fontRef>
-        </p:style>
-      </p:cxnSp>
-      <p:sp>
-        <p:nvSpPr>
-          <p:cNvPr id="158" name="Rectangle 157">
-            <a:extLst>
-              <a:ext uri="{FF2B5EF4-FFF2-40B4-BE49-F238E27FC236}">
-                <a16:creationId xmlns:a16="http://schemas.microsoft.com/office/drawing/2014/main" id="{44F03AFF-082E-DF41-A880-9384C50077F3}"/>
+      <p:sp>
+        <p:nvSpPr>
+          <p:cNvPr id="61" name="Rectangle 60">
+            <a:extLst>
+              <a:ext uri="{FF2B5EF4-FFF2-40B4-BE49-F238E27FC236}">
+                <a16:creationId xmlns:a16="http://schemas.microsoft.com/office/drawing/2014/main" id="{EFFE9886-351D-ED42-83F3-809847FB1A1D}"/>
               </a:ext>
             </a:extLst>
           </p:cNvPr>
@@ -5931,8 +6770,8 @@
         </p:nvSpPr>
         <p:spPr>
           <a:xfrm>
-            <a:off x="6687404" y="1795022"/>
-            <a:ext cx="1291264" cy="359595"/>
+            <a:off x="6372930" y="6284343"/>
+            <a:ext cx="1920209" cy="359595"/>
           </a:xfrm>
           <a:prstGeom prst="rect">
             <a:avLst/>
@@ -5976,7 +6815,7 @@
                   <a:schemeClr val="tx1"/>
                 </a:solidFill>
               </a:rPr>
-              <a:t>client_data.feather</a:t>
+              <a:t>medstar_aps_merged.feather</a:t>
             </a:r>
             <a:endParaRPr lang="en-US" sz="1100" dirty="0">
               <a:solidFill>
@@ -5986,234 +6825,26 @@
           </a:p>
         </p:txBody>
       </p:sp>
-      <p:sp>
-        <p:nvSpPr>
-          <p:cNvPr id="159" name="Rectangle 158">
-            <a:extLst>
-              <a:ext uri="{FF2B5EF4-FFF2-40B4-BE49-F238E27FC236}">
-                <a16:creationId xmlns:a16="http://schemas.microsoft.com/office/drawing/2014/main" id="{522FC733-1B49-4643-88C9-9FEB5D8A368F}"/>
-              </a:ext>
-            </a:extLst>
-          </p:cNvPr>
-          <p:cNvSpPr/>
-          <p:nvPr/>
-        </p:nvSpPr>
-        <p:spPr>
-          <a:xfrm>
-            <a:off x="8101599" y="1795021"/>
-            <a:ext cx="1291264" cy="359595"/>
-          </a:xfrm>
-          <a:prstGeom prst="rect">
-            <a:avLst/>
-          </a:prstGeom>
-          <a:solidFill>
-            <a:schemeClr val="accent2">
-              <a:lumMod val="20000"/>
-              <a:lumOff val="80000"/>
-            </a:schemeClr>
-          </a:solidFill>
-          <a:ln>
-            <a:solidFill>
-              <a:schemeClr val="tx1"/>
-            </a:solidFill>
-          </a:ln>
-        </p:spPr>
-        <p:style>
-          <a:lnRef idx="2">
-            <a:schemeClr val="accent1">
-              <a:shade val="50000"/>
-            </a:schemeClr>
-          </a:lnRef>
-          <a:fillRef idx="1">
-            <a:schemeClr val="accent1"/>
-          </a:fillRef>
-          <a:effectRef idx="0">
-            <a:schemeClr val="accent1"/>
-          </a:effectRef>
-          <a:fontRef idx="minor">
-            <a:schemeClr val="lt1"/>
-          </a:fontRef>
-        </p:style>
-        <p:txBody>
-          <a:bodyPr rtlCol="0" anchor="ctr"/>
-          <a:lstStyle/>
-          <a:p>
-            <a:pPr algn="ctr"/>
-            <a:r>
-              <a:rPr lang="en-US" sz="1100" dirty="0" err="1">
-                <a:solidFill>
-                  <a:schemeClr val="tx1"/>
-                </a:solidFill>
-              </a:rPr>
-              <a:t>allegations.feather</a:t>
-            </a:r>
-            <a:endParaRPr lang="en-US" sz="1100" dirty="0">
-              <a:solidFill>
-                <a:schemeClr val="tx1"/>
-              </a:solidFill>
-            </a:endParaRPr>
-          </a:p>
-        </p:txBody>
-      </p:sp>
-      <p:sp>
-        <p:nvSpPr>
-          <p:cNvPr id="160" name="Rectangle 159">
-            <a:extLst>
-              <a:ext uri="{FF2B5EF4-FFF2-40B4-BE49-F238E27FC236}">
-                <a16:creationId xmlns:a16="http://schemas.microsoft.com/office/drawing/2014/main" id="{303D8A20-9E57-4F4D-81FA-1BF3EBB1A23B}"/>
-              </a:ext>
-            </a:extLst>
-          </p:cNvPr>
-          <p:cNvSpPr/>
-          <p:nvPr/>
-        </p:nvSpPr>
-        <p:spPr>
-          <a:xfrm>
-            <a:off x="9515794" y="1792927"/>
-            <a:ext cx="1098652" cy="359595"/>
-          </a:xfrm>
-          <a:prstGeom prst="rect">
-            <a:avLst/>
-          </a:prstGeom>
-          <a:solidFill>
-            <a:schemeClr val="accent2">
-              <a:lumMod val="20000"/>
-              <a:lumOff val="80000"/>
-            </a:schemeClr>
-          </a:solidFill>
-          <a:ln>
-            <a:solidFill>
-              <a:schemeClr val="tx1"/>
-            </a:solidFill>
-          </a:ln>
-        </p:spPr>
-        <p:style>
-          <a:lnRef idx="2">
-            <a:schemeClr val="accent1">
-              <a:shade val="50000"/>
-            </a:schemeClr>
-          </a:lnRef>
-          <a:fillRef idx="1">
-            <a:schemeClr val="accent1"/>
-          </a:fillRef>
-          <a:effectRef idx="0">
-            <a:schemeClr val="accent1"/>
-          </a:effectRef>
-          <a:fontRef idx="minor">
-            <a:schemeClr val="lt1"/>
-          </a:fontRef>
-        </p:style>
-        <p:txBody>
-          <a:bodyPr rtlCol="0" anchor="ctr"/>
-          <a:lstStyle/>
-          <a:p>
-            <a:pPr algn="ctr"/>
-            <a:r>
-              <a:rPr lang="en-US" sz="1100" dirty="0" err="1">
-                <a:solidFill>
-                  <a:schemeClr val="tx1"/>
-                </a:solidFill>
-              </a:rPr>
-              <a:t>closure.feather</a:t>
-            </a:r>
-            <a:endParaRPr lang="en-US" sz="1100" dirty="0">
-              <a:solidFill>
-                <a:schemeClr val="tx1"/>
-              </a:solidFill>
-            </a:endParaRPr>
-          </a:p>
-        </p:txBody>
-      </p:sp>
-      <p:sp>
-        <p:nvSpPr>
-          <p:cNvPr id="161" name="Rectangle 160">
-            <a:extLst>
-              <a:ext uri="{FF2B5EF4-FFF2-40B4-BE49-F238E27FC236}">
-                <a16:creationId xmlns:a16="http://schemas.microsoft.com/office/drawing/2014/main" id="{673D0193-BE63-6E41-AA5B-D266097DF22D}"/>
-              </a:ext>
-            </a:extLst>
-          </p:cNvPr>
-          <p:cNvSpPr/>
-          <p:nvPr/>
-        </p:nvSpPr>
-        <p:spPr>
-          <a:xfrm>
-            <a:off x="10737376" y="1792926"/>
-            <a:ext cx="1262839" cy="359595"/>
-          </a:xfrm>
-          <a:prstGeom prst="rect">
-            <a:avLst/>
-          </a:prstGeom>
-          <a:solidFill>
-            <a:schemeClr val="accent2">
-              <a:lumMod val="20000"/>
-              <a:lumOff val="80000"/>
-            </a:schemeClr>
-          </a:solidFill>
-          <a:ln>
-            <a:solidFill>
-              <a:schemeClr val="tx1"/>
-            </a:solidFill>
-          </a:ln>
-        </p:spPr>
-        <p:style>
-          <a:lnRef idx="2">
-            <a:schemeClr val="accent1">
-              <a:shade val="50000"/>
-            </a:schemeClr>
-          </a:lnRef>
-          <a:fillRef idx="1">
-            <a:schemeClr val="accent1"/>
-          </a:fillRef>
-          <a:effectRef idx="0">
-            <a:schemeClr val="accent1"/>
-          </a:effectRef>
-          <a:fontRef idx="minor">
-            <a:schemeClr val="lt1"/>
-          </a:fontRef>
-        </p:style>
-        <p:txBody>
-          <a:bodyPr rtlCol="0" anchor="ctr"/>
-          <a:lstStyle/>
-          <a:p>
-            <a:pPr algn="ctr"/>
-            <a:r>
-              <a:rPr lang="en-US" sz="1100" dirty="0" err="1">
-                <a:solidFill>
-                  <a:schemeClr val="tx1"/>
-                </a:solidFill>
-              </a:rPr>
-              <a:t>disposition.feather</a:t>
-            </a:r>
-            <a:endParaRPr lang="en-US" sz="1100" dirty="0">
-              <a:solidFill>
-                <a:schemeClr val="tx1"/>
-              </a:solidFill>
-            </a:endParaRPr>
-          </a:p>
-        </p:txBody>
-      </p:sp>
       <p:cxnSp>
         <p:nvCxnSpPr>
-          <p:cNvPr id="163" name="Elbow Connector 162">
-            <a:extLst>
-              <a:ext uri="{FF2B5EF4-FFF2-40B4-BE49-F238E27FC236}">
-                <a16:creationId xmlns:a16="http://schemas.microsoft.com/office/drawing/2014/main" id="{EA2BB82C-59E4-FD4A-BB5B-04A8D117585A}"/>
+          <p:cNvPr id="9" name="Straight Arrow Connector 8">
+            <a:extLst>
+              <a:ext uri="{FF2B5EF4-FFF2-40B4-BE49-F238E27FC236}">
+                <a16:creationId xmlns:a16="http://schemas.microsoft.com/office/drawing/2014/main" id="{A24351A2-1DEF-B24B-90A4-F868BC049037}"/>
               </a:ext>
             </a:extLst>
           </p:cNvPr>
           <p:cNvCxnSpPr>
-            <a:stCxn id="81" idx="2"/>
-            <a:endCxn id="158" idx="0"/>
+            <a:stCxn id="61" idx="2"/>
           </p:cNvCxnSpPr>
           <p:nvPr/>
         </p:nvCxnSpPr>
         <p:spPr>
-          <a:xfrm rot="5400000">
-            <a:off x="8033571" y="640330"/>
-            <a:ext cx="454157" cy="1855226"/>
-          </a:xfrm>
-          <a:prstGeom prst="bentConnector3">
+          <a:xfrm flipH="1">
+            <a:off x="7333034" y="6643938"/>
+            <a:ext cx="1" cy="214062"/>
+          </a:xfrm>
+          <a:prstGeom prst="straightConnector1">
             <a:avLst/>
           </a:prstGeom>
           <a:ln>
@@ -6235,138 +6866,12 @@
           </a:fontRef>
         </p:style>
       </p:cxnSp>
-      <p:cxnSp>
-        <p:nvCxnSpPr>
-          <p:cNvPr id="165" name="Elbow Connector 164">
-            <a:extLst>
-              <a:ext uri="{FF2B5EF4-FFF2-40B4-BE49-F238E27FC236}">
-                <a16:creationId xmlns:a16="http://schemas.microsoft.com/office/drawing/2014/main" id="{908549B4-1C54-714A-A5A7-11CA7C0407CE}"/>
-              </a:ext>
-            </a:extLst>
-          </p:cNvPr>
-          <p:cNvCxnSpPr>
-            <a:stCxn id="81" idx="2"/>
-            <a:endCxn id="159" idx="0"/>
-          </p:cNvCxnSpPr>
-          <p:nvPr/>
-        </p:nvCxnSpPr>
-        <p:spPr>
-          <a:xfrm rot="5400000">
-            <a:off x="8740669" y="1347428"/>
-            <a:ext cx="454156" cy="441031"/>
-          </a:xfrm>
-          <a:prstGeom prst="bentConnector3">
-            <a:avLst/>
-          </a:prstGeom>
-          <a:ln>
-            <a:tailEnd type="triangle"/>
-          </a:ln>
-        </p:spPr>
-        <p:style>
-          <a:lnRef idx="1">
-            <a:schemeClr val="accent1"/>
-          </a:lnRef>
-          <a:fillRef idx="0">
-            <a:schemeClr val="accent1"/>
-          </a:fillRef>
-          <a:effectRef idx="0">
-            <a:schemeClr val="accent1"/>
-          </a:effectRef>
-          <a:fontRef idx="minor">
-            <a:schemeClr val="tx1"/>
-          </a:fontRef>
-        </p:style>
-      </p:cxnSp>
-      <p:cxnSp>
-        <p:nvCxnSpPr>
-          <p:cNvPr id="167" name="Elbow Connector 166">
-            <a:extLst>
-              <a:ext uri="{FF2B5EF4-FFF2-40B4-BE49-F238E27FC236}">
-                <a16:creationId xmlns:a16="http://schemas.microsoft.com/office/drawing/2014/main" id="{B7842AC4-D5DA-1248-9A84-226E67CD1DFE}"/>
-              </a:ext>
-            </a:extLst>
-          </p:cNvPr>
-          <p:cNvCxnSpPr>
-            <a:stCxn id="81" idx="2"/>
-            <a:endCxn id="160" idx="0"/>
-          </p:cNvCxnSpPr>
-          <p:nvPr/>
-        </p:nvCxnSpPr>
-        <p:spPr>
-          <a:xfrm rot="16200000" flipH="1">
-            <a:off x="9400660" y="1128467"/>
-            <a:ext cx="452062" cy="876858"/>
-          </a:xfrm>
-          <a:prstGeom prst="bentConnector3">
-            <a:avLst/>
-          </a:prstGeom>
-          <a:ln>
-            <a:tailEnd type="triangle"/>
-          </a:ln>
-        </p:spPr>
-        <p:style>
-          <a:lnRef idx="1">
-            <a:schemeClr val="accent1"/>
-          </a:lnRef>
-          <a:fillRef idx="0">
-            <a:schemeClr val="accent1"/>
-          </a:fillRef>
-          <a:effectRef idx="0">
-            <a:schemeClr val="accent1"/>
-          </a:effectRef>
-          <a:fontRef idx="minor">
-            <a:schemeClr val="tx1"/>
-          </a:fontRef>
-        </p:style>
-      </p:cxnSp>
-      <p:cxnSp>
-        <p:nvCxnSpPr>
-          <p:cNvPr id="169" name="Elbow Connector 168">
-            <a:extLst>
-              <a:ext uri="{FF2B5EF4-FFF2-40B4-BE49-F238E27FC236}">
-                <a16:creationId xmlns:a16="http://schemas.microsoft.com/office/drawing/2014/main" id="{D0C10965-986C-824A-A434-4503EBF45968}"/>
-              </a:ext>
-            </a:extLst>
-          </p:cNvPr>
-          <p:cNvCxnSpPr>
-            <a:stCxn id="81" idx="2"/>
-            <a:endCxn id="161" idx="0"/>
-          </p:cNvCxnSpPr>
-          <p:nvPr/>
-        </p:nvCxnSpPr>
-        <p:spPr>
-          <a:xfrm rot="16200000" flipH="1">
-            <a:off x="10052499" y="476628"/>
-            <a:ext cx="452061" cy="2180534"/>
-          </a:xfrm>
-          <a:prstGeom prst="bentConnector3">
-            <a:avLst/>
-          </a:prstGeom>
-          <a:ln>
-            <a:tailEnd type="triangle"/>
-          </a:ln>
-        </p:spPr>
-        <p:style>
-          <a:lnRef idx="1">
-            <a:schemeClr val="accent1"/>
-          </a:lnRef>
-          <a:fillRef idx="0">
-            <a:schemeClr val="accent1"/>
-          </a:fillRef>
-          <a:effectRef idx="0">
-            <a:schemeClr val="accent1"/>
-          </a:effectRef>
-          <a:fontRef idx="minor">
-            <a:schemeClr val="tx1"/>
-          </a:fontRef>
-        </p:style>
-      </p:cxnSp>
-      <p:sp>
-        <p:nvSpPr>
-          <p:cNvPr id="170" name="Rectangle 169">
-            <a:extLst>
-              <a:ext uri="{FF2B5EF4-FFF2-40B4-BE49-F238E27FC236}">
-                <a16:creationId xmlns:a16="http://schemas.microsoft.com/office/drawing/2014/main" id="{8824FD08-8F57-5244-8D81-31D180365A6C}"/>
+      <p:sp>
+        <p:nvSpPr>
+          <p:cNvPr id="86" name="Rectangle 85">
+            <a:extLst>
+              <a:ext uri="{FF2B5EF4-FFF2-40B4-BE49-F238E27FC236}">
+                <a16:creationId xmlns:a16="http://schemas.microsoft.com/office/drawing/2014/main" id="{1EF0F79A-0146-7D42-8EE4-67C6E64B2073}"/>
               </a:ext>
             </a:extLst>
           </p:cNvPr>
@@ -6375,8 +6880,8 @@
         </p:nvSpPr>
         <p:spPr>
           <a:xfrm>
-            <a:off x="5986984" y="5607010"/>
-            <a:ext cx="2692103" cy="359595"/>
+            <a:off x="1698620" y="2619748"/>
+            <a:ext cx="1731795" cy="359595"/>
           </a:xfrm>
           <a:prstGeom prst="rect">
             <a:avLst/>
@@ -6420,317 +6925,17 @@
                   <a:schemeClr val="tx1"/>
                 </a:solidFill>
               </a:rPr>
-              <a:t>data_medstar_aps_merged_01_merge.Rmd</a:t>
-            </a:r>
-          </a:p>
-        </p:txBody>
-      </p:sp>
-      <p:cxnSp>
-        <p:nvCxnSpPr>
-          <p:cNvPr id="172" name="Elbow Connector 171">
-            <a:extLst>
-              <a:ext uri="{FF2B5EF4-FFF2-40B4-BE49-F238E27FC236}">
-                <a16:creationId xmlns:a16="http://schemas.microsoft.com/office/drawing/2014/main" id="{359C8F58-CB38-3246-80F1-BB8554718DFE}"/>
-              </a:ext>
-            </a:extLst>
-          </p:cNvPr>
-          <p:cNvCxnSpPr>
-            <a:cxnSpLocks/>
-            <a:stCxn id="155" idx="2"/>
-            <a:endCxn id="170" idx="0"/>
-          </p:cNvCxnSpPr>
-          <p:nvPr/>
-        </p:nvCxnSpPr>
-        <p:spPr>
-          <a:xfrm rot="16200000" flipH="1">
-            <a:off x="5898141" y="4172114"/>
-            <a:ext cx="352023" cy="2517767"/>
-          </a:xfrm>
-          <a:prstGeom prst="bentConnector3">
-            <a:avLst>
-              <a:gd name="adj1" fmla="val 50000"/>
-            </a:avLst>
-          </a:prstGeom>
-          <a:ln>
-            <a:tailEnd type="triangle"/>
-          </a:ln>
-        </p:spPr>
-        <p:style>
-          <a:lnRef idx="1">
-            <a:schemeClr val="accent1"/>
-          </a:lnRef>
-          <a:fillRef idx="0">
-            <a:schemeClr val="accent1"/>
-          </a:fillRef>
-          <a:effectRef idx="0">
-            <a:schemeClr val="accent1"/>
-          </a:effectRef>
-          <a:fontRef idx="minor">
-            <a:schemeClr val="tx1"/>
-          </a:fontRef>
-        </p:style>
-      </p:cxnSp>
-      <p:cxnSp>
-        <p:nvCxnSpPr>
-          <p:cNvPr id="183" name="Elbow Connector 182">
-            <a:extLst>
-              <a:ext uri="{FF2B5EF4-FFF2-40B4-BE49-F238E27FC236}">
-                <a16:creationId xmlns:a16="http://schemas.microsoft.com/office/drawing/2014/main" id="{15DAB329-12E9-054D-AFA1-F703C9FD877A}"/>
-              </a:ext>
-            </a:extLst>
-          </p:cNvPr>
-          <p:cNvCxnSpPr>
-            <a:cxnSpLocks/>
-            <a:stCxn id="159" idx="2"/>
-            <a:endCxn id="170" idx="0"/>
-          </p:cNvCxnSpPr>
-          <p:nvPr/>
-        </p:nvCxnSpPr>
-        <p:spPr>
-          <a:xfrm rot="5400000">
-            <a:off x="6313937" y="3173716"/>
-            <a:ext cx="3452394" cy="1414195"/>
-          </a:xfrm>
-          <a:prstGeom prst="bentConnector3">
-            <a:avLst>
-              <a:gd name="adj1" fmla="val 50000"/>
-            </a:avLst>
-          </a:prstGeom>
-          <a:ln>
-            <a:tailEnd type="triangle"/>
-          </a:ln>
-        </p:spPr>
-        <p:style>
-          <a:lnRef idx="1">
-            <a:schemeClr val="accent1"/>
-          </a:lnRef>
-          <a:fillRef idx="0">
-            <a:schemeClr val="accent1"/>
-          </a:fillRef>
-          <a:effectRef idx="0">
-            <a:schemeClr val="accent1"/>
-          </a:effectRef>
-          <a:fontRef idx="minor">
-            <a:schemeClr val="tx1"/>
-          </a:fontRef>
-        </p:style>
-      </p:cxnSp>
-      <p:cxnSp>
-        <p:nvCxnSpPr>
-          <p:cNvPr id="186" name="Elbow Connector 185">
-            <a:extLst>
-              <a:ext uri="{FF2B5EF4-FFF2-40B4-BE49-F238E27FC236}">
-                <a16:creationId xmlns:a16="http://schemas.microsoft.com/office/drawing/2014/main" id="{175207CF-576F-0F4A-A22B-3AAC95CACEB1}"/>
-              </a:ext>
-            </a:extLst>
-          </p:cNvPr>
-          <p:cNvCxnSpPr>
-            <a:stCxn id="160" idx="2"/>
-          </p:cNvCxnSpPr>
-          <p:nvPr/>
-        </p:nvCxnSpPr>
-        <p:spPr>
-          <a:xfrm rot="5400000">
-            <a:off x="6967431" y="2520935"/>
-            <a:ext cx="3466102" cy="2729276"/>
-          </a:xfrm>
-          <a:prstGeom prst="bentConnector3">
-            <a:avLst/>
-          </a:prstGeom>
-          <a:ln>
-            <a:tailEnd type="triangle"/>
-          </a:ln>
-        </p:spPr>
-        <p:style>
-          <a:lnRef idx="1">
-            <a:schemeClr val="accent1"/>
-          </a:lnRef>
-          <a:fillRef idx="0">
-            <a:schemeClr val="accent1"/>
-          </a:fillRef>
-          <a:effectRef idx="0">
-            <a:schemeClr val="accent1"/>
-          </a:effectRef>
-          <a:fontRef idx="minor">
-            <a:schemeClr val="tx1"/>
-          </a:fontRef>
-        </p:style>
-      </p:cxnSp>
-      <p:cxnSp>
-        <p:nvCxnSpPr>
-          <p:cNvPr id="188" name="Elbow Connector 187">
-            <a:extLst>
-              <a:ext uri="{FF2B5EF4-FFF2-40B4-BE49-F238E27FC236}">
-                <a16:creationId xmlns:a16="http://schemas.microsoft.com/office/drawing/2014/main" id="{80F79231-989F-F74E-B30E-321B1A7FF9C2}"/>
-              </a:ext>
-            </a:extLst>
-          </p:cNvPr>
-          <p:cNvCxnSpPr>
-            <a:cxnSpLocks/>
-            <a:stCxn id="161" idx="2"/>
-            <a:endCxn id="170" idx="0"/>
-          </p:cNvCxnSpPr>
-          <p:nvPr/>
-        </p:nvCxnSpPr>
-        <p:spPr>
-          <a:xfrm rot="5400000">
-            <a:off x="7623672" y="1861885"/>
-            <a:ext cx="3454489" cy="4035760"/>
-          </a:xfrm>
-          <a:prstGeom prst="bentConnector3">
-            <a:avLst/>
-          </a:prstGeom>
-          <a:ln>
-            <a:tailEnd type="triangle"/>
-          </a:ln>
-        </p:spPr>
-        <p:style>
-          <a:lnRef idx="1">
-            <a:schemeClr val="accent1"/>
-          </a:lnRef>
-          <a:fillRef idx="0">
-            <a:schemeClr val="accent1"/>
-          </a:fillRef>
-          <a:effectRef idx="0">
-            <a:schemeClr val="accent1"/>
-          </a:effectRef>
-          <a:fontRef idx="minor">
-            <a:schemeClr val="tx1"/>
-          </a:fontRef>
-        </p:style>
-      </p:cxnSp>
-      <p:cxnSp>
-        <p:nvCxnSpPr>
-          <p:cNvPr id="15" name="Straight Arrow Connector 14">
-            <a:extLst>
-              <a:ext uri="{FF2B5EF4-FFF2-40B4-BE49-F238E27FC236}">
-                <a16:creationId xmlns:a16="http://schemas.microsoft.com/office/drawing/2014/main" id="{047C6E70-AEBC-444F-88EC-10D13CB87EF2}"/>
-              </a:ext>
-            </a:extLst>
-          </p:cNvPr>
-          <p:cNvCxnSpPr>
-            <a:stCxn id="158" idx="2"/>
-            <a:endCxn id="170" idx="0"/>
-          </p:cNvCxnSpPr>
-          <p:nvPr/>
-        </p:nvCxnSpPr>
-        <p:spPr>
-          <a:xfrm>
-            <a:off x="7333036" y="2154617"/>
-            <a:ext cx="0" cy="3452393"/>
-          </a:xfrm>
-          <a:prstGeom prst="straightConnector1">
-            <a:avLst/>
-          </a:prstGeom>
-          <a:ln>
-            <a:tailEnd type="triangle"/>
-          </a:ln>
-        </p:spPr>
-        <p:style>
-          <a:lnRef idx="1">
-            <a:schemeClr val="accent1"/>
-          </a:lnRef>
-          <a:fillRef idx="0">
-            <a:schemeClr val="accent1"/>
-          </a:fillRef>
-          <a:effectRef idx="0">
-            <a:schemeClr val="accent1"/>
-          </a:effectRef>
-          <a:fontRef idx="minor">
-            <a:schemeClr val="tx1"/>
-          </a:fontRef>
-        </p:style>
-      </p:cxnSp>
-      <p:cxnSp>
-        <p:nvCxnSpPr>
-          <p:cNvPr id="5" name="Straight Arrow Connector 4">
-            <a:extLst>
-              <a:ext uri="{FF2B5EF4-FFF2-40B4-BE49-F238E27FC236}">
-                <a16:creationId xmlns:a16="http://schemas.microsoft.com/office/drawing/2014/main" id="{A70E8735-9092-6D41-AA4B-8B04C2864CFC}"/>
-              </a:ext>
-            </a:extLst>
-          </p:cNvPr>
-          <p:cNvCxnSpPr>
-            <a:cxnSpLocks/>
-            <a:stCxn id="170" idx="2"/>
-          </p:cNvCxnSpPr>
-          <p:nvPr/>
-        </p:nvCxnSpPr>
-        <p:spPr>
-          <a:xfrm flipH="1">
-            <a:off x="7333035" y="5966605"/>
-            <a:ext cx="1" cy="317738"/>
-          </a:xfrm>
-          <a:prstGeom prst="straightConnector1">
-            <a:avLst/>
-          </a:prstGeom>
-          <a:ln>
-            <a:tailEnd type="triangle"/>
-          </a:ln>
-        </p:spPr>
-        <p:style>
-          <a:lnRef idx="1">
-            <a:schemeClr val="accent1"/>
-          </a:lnRef>
-          <a:fillRef idx="0">
-            <a:schemeClr val="accent1"/>
-          </a:fillRef>
-          <a:effectRef idx="0">
-            <a:schemeClr val="accent1"/>
-          </a:effectRef>
-          <a:fontRef idx="minor">
-            <a:schemeClr val="tx1"/>
-          </a:fontRef>
-        </p:style>
-      </p:cxnSp>
-      <p:cxnSp>
-        <p:nvCxnSpPr>
-          <p:cNvPr id="6" name="Elbow Connector 5">
-            <a:extLst>
-              <a:ext uri="{FF2B5EF4-FFF2-40B4-BE49-F238E27FC236}">
-                <a16:creationId xmlns:a16="http://schemas.microsoft.com/office/drawing/2014/main" id="{A130D16A-B8EF-0A45-84B0-377801D87115}"/>
-              </a:ext>
-            </a:extLst>
-          </p:cNvPr>
-          <p:cNvCxnSpPr>
-            <a:stCxn id="82" idx="2"/>
-            <a:endCxn id="170" idx="1"/>
-          </p:cNvCxnSpPr>
-          <p:nvPr/>
-        </p:nvCxnSpPr>
-        <p:spPr>
-          <a:xfrm rot="16200000" flipH="1">
-            <a:off x="2314162" y="2113985"/>
-            <a:ext cx="3632189" cy="3713455"/>
-          </a:xfrm>
-          <a:prstGeom prst="bentConnector2">
-            <a:avLst/>
-          </a:prstGeom>
-          <a:ln>
-            <a:tailEnd type="triangle"/>
-          </a:ln>
-        </p:spPr>
-        <p:style>
-          <a:lnRef idx="1">
-            <a:schemeClr val="accent1"/>
-          </a:lnRef>
-          <a:fillRef idx="0">
-            <a:schemeClr val="accent1"/>
-          </a:fillRef>
-          <a:effectRef idx="0">
-            <a:schemeClr val="accent1"/>
-          </a:effectRef>
-          <a:fontRef idx="minor">
-            <a:schemeClr val="tx1"/>
-          </a:fontRef>
-        </p:style>
-      </p:cxnSp>
-      <p:sp>
-        <p:nvSpPr>
-          <p:cNvPr id="90" name="Rectangle 89">
-            <a:extLst>
-              <a:ext uri="{FF2B5EF4-FFF2-40B4-BE49-F238E27FC236}">
-                <a16:creationId xmlns:a16="http://schemas.microsoft.com/office/drawing/2014/main" id="{22DB5B27-C281-AC43-B56B-D20BB9612022}"/>
+              <a:t>data_medstar_compliance_02_deidentify.Rmd</a:t>
+            </a:r>
+          </a:p>
+        </p:txBody>
+      </p:sp>
+      <p:sp>
+        <p:nvSpPr>
+          <p:cNvPr id="64" name="Rectangle 63">
+            <a:extLst>
+              <a:ext uri="{FF2B5EF4-FFF2-40B4-BE49-F238E27FC236}">
+                <a16:creationId xmlns:a16="http://schemas.microsoft.com/office/drawing/2014/main" id="{AEFC919B-5255-4B47-88D9-B55D6F167E92}"/>
               </a:ext>
             </a:extLst>
           </p:cNvPr>
@@ -6739,14 +6944,14 @@
         </p:nvSpPr>
         <p:spPr>
           <a:xfrm>
-            <a:off x="1495172" y="3448584"/>
-            <a:ext cx="1426768" cy="359595"/>
+            <a:off x="24418" y="2619748"/>
+            <a:ext cx="1620356" cy="359595"/>
           </a:xfrm>
           <a:prstGeom prst="rect">
             <a:avLst/>
           </a:prstGeom>
           <a:solidFill>
-            <a:schemeClr val="accent2">
+            <a:schemeClr val="accent1">
               <a:lumMod val="20000"/>
               <a:lumOff val="80000"/>
             </a:schemeClr>
@@ -6779,27 +6984,67 @@
           <a:p>
             <a:pPr algn="ctr"/>
             <a:r>
-              <a:rPr lang="en-US" sz="1100" dirty="0" err="1">
+              <a:rPr lang="en-US" sz="1100" dirty="0">
                 <a:solidFill>
                   <a:schemeClr val="tx1"/>
                 </a:solidFill>
               </a:rPr>
-              <a:t>medstar_compliance_deidentified.feather</a:t>
-            </a:r>
-            <a:endParaRPr lang="en-US" sz="1100" dirty="0">
-              <a:solidFill>
-                <a:schemeClr val="tx1"/>
-              </a:solidFill>
-            </a:endParaRPr>
-          </a:p>
-        </p:txBody>
-      </p:sp>
-      <p:sp>
-        <p:nvSpPr>
-          <p:cNvPr id="61" name="Rectangle 60">
-            <a:extLst>
-              <a:ext uri="{FF2B5EF4-FFF2-40B4-BE49-F238E27FC236}">
-                <a16:creationId xmlns:a16="http://schemas.microsoft.com/office/drawing/2014/main" id="{EFFE9886-351D-ED42-83F3-809847FB1A1D}"/>
+              <a:t>fig_2015_medic_reports_to_compliance.Rmd</a:t>
+            </a:r>
+          </a:p>
+        </p:txBody>
+      </p:sp>
+      <p:cxnSp>
+        <p:nvCxnSpPr>
+          <p:cNvPr id="14" name="Elbow Connector 13">
+            <a:extLst>
+              <a:ext uri="{FF2B5EF4-FFF2-40B4-BE49-F238E27FC236}">
+                <a16:creationId xmlns:a16="http://schemas.microsoft.com/office/drawing/2014/main" id="{75601D74-B6B0-CD4E-A185-BAC9376AA23D}"/>
+              </a:ext>
+            </a:extLst>
+          </p:cNvPr>
+          <p:cNvCxnSpPr>
+            <a:cxnSpLocks/>
+            <a:stCxn id="83" idx="2"/>
+            <a:endCxn id="64" idx="0"/>
+          </p:cNvCxnSpPr>
+          <p:nvPr/>
+        </p:nvCxnSpPr>
+        <p:spPr>
+          <a:xfrm rot="16200000" flipH="1">
+            <a:off x="543696" y="2328847"/>
+            <a:ext cx="465129" cy="116671"/>
+          </a:xfrm>
+          <a:prstGeom prst="bentConnector3">
+            <a:avLst>
+              <a:gd name="adj1" fmla="val 50000"/>
+            </a:avLst>
+          </a:prstGeom>
+          <a:ln>
+            <a:tailEnd type="triangle"/>
+          </a:ln>
+        </p:spPr>
+        <p:style>
+          <a:lnRef idx="1">
+            <a:schemeClr val="accent1"/>
+          </a:lnRef>
+          <a:fillRef idx="0">
+            <a:schemeClr val="accent1"/>
+          </a:fillRef>
+          <a:effectRef idx="0">
+            <a:schemeClr val="accent1"/>
+          </a:effectRef>
+          <a:fontRef idx="minor">
+            <a:schemeClr val="tx1"/>
+          </a:fontRef>
+        </p:style>
+      </p:cxnSp>
+      <p:sp>
+        <p:nvSpPr>
+          <p:cNvPr id="92" name="Rectangle 91">
+            <a:extLst>
+              <a:ext uri="{FF2B5EF4-FFF2-40B4-BE49-F238E27FC236}">
+                <a16:creationId xmlns:a16="http://schemas.microsoft.com/office/drawing/2014/main" id="{C0BA3F00-29C1-9341-9F1C-C3D89B68B39D}"/>
               </a:ext>
             </a:extLst>
           </p:cNvPr>
@@ -6808,14 +7053,14 @@
         </p:nvSpPr>
         <p:spPr>
           <a:xfrm>
-            <a:off x="6372930" y="6284343"/>
-            <a:ext cx="1920209" cy="359595"/>
+            <a:off x="-13363" y="4142506"/>
+            <a:ext cx="1881527" cy="359595"/>
           </a:xfrm>
           <a:prstGeom prst="rect">
             <a:avLst/>
           </a:prstGeom>
           <a:solidFill>
-            <a:schemeClr val="accent2">
+            <a:schemeClr val="accent6">
               <a:lumMod val="20000"/>
               <a:lumOff val="80000"/>
             </a:schemeClr>
@@ -6848,41 +7093,77 @@
           <a:p>
             <a:pPr algn="ctr"/>
             <a:r>
-              <a:rPr lang="en-US" sz="1100" dirty="0" err="1">
+              <a:rPr lang="en-US" sz="1100" dirty="0">
                 <a:solidFill>
                   <a:schemeClr val="tx1"/>
                 </a:solidFill>
               </a:rPr>
-              <a:t>medstar_aps_merged.feather</a:t>
-            </a:r>
-            <a:endParaRPr lang="en-US" sz="1100" dirty="0">
-              <a:solidFill>
-                <a:schemeClr val="tx1"/>
-              </a:solidFill>
-            </a:endParaRPr>
+              <a:t>fig_2015_medic_reports_to_compliance.png      </a:t>
+            </a:r>
           </a:p>
         </p:txBody>
       </p:sp>
       <p:cxnSp>
         <p:nvCxnSpPr>
-          <p:cNvPr id="9" name="Straight Arrow Connector 8">
-            <a:extLst>
-              <a:ext uri="{FF2B5EF4-FFF2-40B4-BE49-F238E27FC236}">
-                <a16:creationId xmlns:a16="http://schemas.microsoft.com/office/drawing/2014/main" id="{A24351A2-1DEF-B24B-90A4-F868BC049037}"/>
+          <p:cNvPr id="48" name="Elbow Connector 47">
+            <a:extLst>
+              <a:ext uri="{FF2B5EF4-FFF2-40B4-BE49-F238E27FC236}">
+                <a16:creationId xmlns:a16="http://schemas.microsoft.com/office/drawing/2014/main" id="{DC99F9E4-F59D-1942-99BF-17169144A8BC}"/>
               </a:ext>
             </a:extLst>
           </p:cNvPr>
           <p:cNvCxnSpPr>
-            <a:stCxn id="61" idx="2"/>
+            <a:cxnSpLocks/>
+            <a:stCxn id="64" idx="2"/>
           </p:cNvCxnSpPr>
           <p:nvPr/>
         </p:nvCxnSpPr>
         <p:spPr>
-          <a:xfrm flipH="1">
-            <a:off x="7333034" y="6643938"/>
-            <a:ext cx="1" cy="214062"/>
-          </a:xfrm>
-          <a:prstGeom prst="straightConnector1">
+          <a:xfrm rot="5400000">
+            <a:off x="-15046" y="3140527"/>
+            <a:ext cx="1010827" cy="688459"/>
+          </a:xfrm>
+          <a:prstGeom prst="bentConnector3">
+            <a:avLst>
+              <a:gd name="adj1" fmla="val 23573"/>
+            </a:avLst>
+          </a:prstGeom>
+        </p:spPr>
+        <p:style>
+          <a:lnRef idx="1">
+            <a:schemeClr val="accent1"/>
+          </a:lnRef>
+          <a:fillRef idx="0">
+            <a:schemeClr val="accent1"/>
+          </a:fillRef>
+          <a:effectRef idx="0">
+            <a:schemeClr val="accent1"/>
+          </a:effectRef>
+          <a:fontRef idx="minor">
+            <a:schemeClr val="tx1"/>
+          </a:fontRef>
+        </p:style>
+      </p:cxnSp>
+      <p:cxnSp>
+        <p:nvCxnSpPr>
+          <p:cNvPr id="57" name="Elbow Connector 56">
+            <a:extLst>
+              <a:ext uri="{FF2B5EF4-FFF2-40B4-BE49-F238E27FC236}">
+                <a16:creationId xmlns:a16="http://schemas.microsoft.com/office/drawing/2014/main" id="{22A4AD49-E85A-004B-966F-B5E598F3ACE7}"/>
+              </a:ext>
+            </a:extLst>
+          </p:cNvPr>
+          <p:cNvCxnSpPr>
+            <a:endCxn id="92" idx="0"/>
+          </p:cNvCxnSpPr>
+          <p:nvPr/>
+        </p:nvCxnSpPr>
+        <p:spPr>
+          <a:xfrm>
+            <a:off x="144718" y="3990168"/>
+            <a:ext cx="782683" cy="152338"/>
+          </a:xfrm>
+          <a:prstGeom prst="bentConnector2">
             <a:avLst/>
           </a:prstGeom>
           <a:ln>
@@ -8247,7 +8528,7 @@
         </p:nvSpPr>
         <p:spPr>
           <a:xfrm>
-            <a:off x="79996" y="2778360"/>
+            <a:off x="1068034" y="2774991"/>
             <a:ext cx="2550187" cy="359595"/>
           </a:xfrm>
           <a:prstGeom prst="rect">
@@ -8311,7 +8592,7 @@
         </p:nvSpPr>
         <p:spPr>
           <a:xfrm>
-            <a:off x="9794652" y="2778360"/>
+            <a:off x="8469024" y="2768252"/>
             <a:ext cx="2313432" cy="359595"/>
           </a:xfrm>
           <a:prstGeom prst="rect">
@@ -8380,7 +8661,7 @@
         </p:nvSpPr>
         <p:spPr>
           <a:xfrm>
-            <a:off x="9832008" y="3410219"/>
+            <a:off x="8506380" y="3400111"/>
             <a:ext cx="2238721" cy="359595"/>
           </a:xfrm>
           <a:prstGeom prst="rect">
@@ -8435,134 +8716,6 @@
           </a:p>
         </p:txBody>
       </p:sp>
-      <p:sp>
-        <p:nvSpPr>
-          <p:cNvPr id="38" name="Rectangle 37">
-            <a:extLst>
-              <a:ext uri="{FF2B5EF4-FFF2-40B4-BE49-F238E27FC236}">
-                <a16:creationId xmlns:a16="http://schemas.microsoft.com/office/drawing/2014/main" id="{BBE9DDF5-8D0B-FD48-8BDD-9AB4C7C97839}"/>
-              </a:ext>
-            </a:extLst>
-          </p:cNvPr>
-          <p:cNvSpPr/>
-          <p:nvPr/>
-        </p:nvSpPr>
-        <p:spPr>
-          <a:xfrm>
-            <a:off x="2718832" y="2778360"/>
-            <a:ext cx="1881527" cy="359595"/>
-          </a:xfrm>
-          <a:prstGeom prst="rect">
-            <a:avLst/>
-          </a:prstGeom>
-          <a:solidFill>
-            <a:schemeClr val="accent1">
-              <a:lumMod val="20000"/>
-              <a:lumOff val="80000"/>
-            </a:schemeClr>
-          </a:solidFill>
-          <a:ln>
-            <a:solidFill>
-              <a:schemeClr val="tx1"/>
-            </a:solidFill>
-          </a:ln>
-        </p:spPr>
-        <p:style>
-          <a:lnRef idx="2">
-            <a:schemeClr val="accent1">
-              <a:shade val="50000"/>
-            </a:schemeClr>
-          </a:lnRef>
-          <a:fillRef idx="1">
-            <a:schemeClr val="accent1"/>
-          </a:fillRef>
-          <a:effectRef idx="0">
-            <a:schemeClr val="accent1"/>
-          </a:effectRef>
-          <a:fontRef idx="minor">
-            <a:schemeClr val="lt1"/>
-          </a:fontRef>
-        </p:style>
-        <p:txBody>
-          <a:bodyPr rtlCol="0" anchor="ctr"/>
-          <a:lstStyle/>
-          <a:p>
-            <a:pPr algn="ctr"/>
-            <a:r>
-              <a:rPr lang="en-US" sz="1100" dirty="0">
-                <a:solidFill>
-                  <a:schemeClr val="tx1"/>
-                </a:solidFill>
-              </a:rPr>
-              <a:t>fig_2015_medic_reports_to_compliance.Rmd      </a:t>
-            </a:r>
-          </a:p>
-        </p:txBody>
-      </p:sp>
-      <p:sp>
-        <p:nvSpPr>
-          <p:cNvPr id="41" name="Rectangle 40">
-            <a:extLst>
-              <a:ext uri="{FF2B5EF4-FFF2-40B4-BE49-F238E27FC236}">
-                <a16:creationId xmlns:a16="http://schemas.microsoft.com/office/drawing/2014/main" id="{455A5C7C-7B29-E744-878B-AD76F541CA81}"/>
-              </a:ext>
-            </a:extLst>
-          </p:cNvPr>
-          <p:cNvSpPr/>
-          <p:nvPr/>
-        </p:nvSpPr>
-        <p:spPr>
-          <a:xfrm>
-            <a:off x="7391263" y="2778360"/>
-            <a:ext cx="2314741" cy="359595"/>
-          </a:xfrm>
-          <a:prstGeom prst="rect">
-            <a:avLst/>
-          </a:prstGeom>
-          <a:solidFill>
-            <a:schemeClr val="accent1">
-              <a:lumMod val="20000"/>
-              <a:lumOff val="80000"/>
-            </a:schemeClr>
-          </a:solidFill>
-          <a:ln>
-            <a:solidFill>
-              <a:schemeClr val="tx1"/>
-            </a:solidFill>
-          </a:ln>
-        </p:spPr>
-        <p:style>
-          <a:lnRef idx="2">
-            <a:schemeClr val="accent1">
-              <a:shade val="50000"/>
-            </a:schemeClr>
-          </a:lnRef>
-          <a:fillRef idx="1">
-            <a:schemeClr val="accent1"/>
-          </a:fillRef>
-          <a:effectRef idx="0">
-            <a:schemeClr val="accent1"/>
-          </a:effectRef>
-          <a:fontRef idx="minor">
-            <a:schemeClr val="lt1"/>
-          </a:fontRef>
-        </p:style>
-        <p:txBody>
-          <a:bodyPr rtlCol="0" anchor="ctr"/>
-          <a:lstStyle/>
-          <a:p>
-            <a:pPr algn="ctr"/>
-            <a:r>
-              <a:rPr lang="en-US" sz="1100" dirty="0">
-                <a:solidFill>
-                  <a:schemeClr val="tx1"/>
-                </a:solidFill>
-              </a:rPr>
-              <a:t>fig_responses_screenings_validation_line_graph.Rmd</a:t>
-            </a:r>
-          </a:p>
-        </p:txBody>
-      </p:sp>
       <p:cxnSp>
         <p:nvCxnSpPr>
           <p:cNvPr id="13" name="Straight Arrow Connector 12">
@@ -8579,7 +8732,7 @@
         </p:nvCxnSpPr>
         <p:spPr>
           <a:xfrm>
-            <a:off x="10951368" y="3137955"/>
+            <a:off x="9625740" y="3127847"/>
             <a:ext cx="1" cy="272264"/>
           </a:xfrm>
           <a:prstGeom prst="straightConnector1">
@@ -8618,7 +8771,7 @@
         </p:nvSpPr>
         <p:spPr>
           <a:xfrm>
-            <a:off x="79996" y="3410218"/>
+            <a:off x="1068034" y="3406849"/>
             <a:ext cx="2550187" cy="359595"/>
           </a:xfrm>
           <a:prstGeom prst="rect">
@@ -8681,10 +8834,10 @@
       </p:sp>
       <p:sp>
         <p:nvSpPr>
-          <p:cNvPr id="50" name="Rectangle 49">
-            <a:extLst>
-              <a:ext uri="{FF2B5EF4-FFF2-40B4-BE49-F238E27FC236}">
-                <a16:creationId xmlns:a16="http://schemas.microsoft.com/office/drawing/2014/main" id="{C6899DAF-AB10-EC4C-BCEE-2CFAD5902879}"/>
+          <p:cNvPr id="53" name="Rectangle 52">
+            <a:extLst>
+              <a:ext uri="{FF2B5EF4-FFF2-40B4-BE49-F238E27FC236}">
+                <a16:creationId xmlns:a16="http://schemas.microsoft.com/office/drawing/2014/main" id="{5D3C8E0C-97FF-D84A-9801-566ADB694C5B}"/>
               </a:ext>
             </a:extLst>
           </p:cNvPr>
@@ -8693,8 +8846,8 @@
         </p:nvSpPr>
         <p:spPr>
           <a:xfrm>
-            <a:off x="2723832" y="3410218"/>
-            <a:ext cx="1881527" cy="359595"/>
+            <a:off x="4687442" y="3406849"/>
+            <a:ext cx="2613606" cy="359595"/>
           </a:xfrm>
           <a:prstGeom prst="rect">
             <a:avLst/>
@@ -8738,228 +8891,11 @@
                   <a:schemeClr val="tx1"/>
                 </a:solidFill>
               </a:rPr>
-              <a:t>fig_2015_medic_reports_to_compliance.png      </a:t>
-            </a:r>
-          </a:p>
-        </p:txBody>
-      </p:sp>
-      <p:sp>
-        <p:nvSpPr>
-          <p:cNvPr id="53" name="Rectangle 52">
-            <a:extLst>
-              <a:ext uri="{FF2B5EF4-FFF2-40B4-BE49-F238E27FC236}">
-                <a16:creationId xmlns:a16="http://schemas.microsoft.com/office/drawing/2014/main" id="{5D3C8E0C-97FF-D84A-9801-566ADB694C5B}"/>
-              </a:ext>
-            </a:extLst>
-          </p:cNvPr>
-          <p:cNvSpPr/>
-          <p:nvPr/>
-        </p:nvSpPr>
-        <p:spPr>
-          <a:xfrm>
-            <a:off x="4687442" y="3406849"/>
-            <a:ext cx="2613606" cy="359595"/>
-          </a:xfrm>
-          <a:prstGeom prst="rect">
-            <a:avLst/>
-          </a:prstGeom>
-          <a:solidFill>
-            <a:schemeClr val="accent6">
-              <a:lumMod val="20000"/>
-              <a:lumOff val="80000"/>
-            </a:schemeClr>
-          </a:solidFill>
-          <a:ln>
-            <a:solidFill>
-              <a:schemeClr val="tx1"/>
-            </a:solidFill>
-          </a:ln>
-        </p:spPr>
-        <p:style>
-          <a:lnRef idx="2">
-            <a:schemeClr val="accent1">
-              <a:shade val="50000"/>
-            </a:schemeClr>
-          </a:lnRef>
-          <a:fillRef idx="1">
-            <a:schemeClr val="accent1"/>
-          </a:fillRef>
-          <a:effectRef idx="0">
-            <a:schemeClr val="accent1"/>
-          </a:effectRef>
-          <a:fontRef idx="minor">
-            <a:schemeClr val="lt1"/>
-          </a:fontRef>
-        </p:style>
-        <p:txBody>
-          <a:bodyPr rtlCol="0" anchor="ctr"/>
-          <a:lstStyle/>
-          <a:p>
-            <a:pPr algn="ctr"/>
-            <a:r>
-              <a:rPr lang="en-US" sz="1100" dirty="0">
-                <a:solidFill>
-                  <a:schemeClr val="tx1"/>
-                </a:solidFill>
-              </a:rPr>
               <a:t>fig_detect_5wk_screening_and_reporting_flow_diagram.jpg</a:t>
             </a:r>
           </a:p>
         </p:txBody>
       </p:sp>
-      <p:sp>
-        <p:nvSpPr>
-          <p:cNvPr id="54" name="Rectangle 53">
-            <a:extLst>
-              <a:ext uri="{FF2B5EF4-FFF2-40B4-BE49-F238E27FC236}">
-                <a16:creationId xmlns:a16="http://schemas.microsoft.com/office/drawing/2014/main" id="{F5E26A8C-C69F-4446-8E80-E8AEB80BA4C9}"/>
-              </a:ext>
-            </a:extLst>
-          </p:cNvPr>
-          <p:cNvSpPr/>
-          <p:nvPr/>
-        </p:nvSpPr>
-        <p:spPr>
-          <a:xfrm>
-            <a:off x="7389041" y="3403480"/>
-            <a:ext cx="2314741" cy="359595"/>
-          </a:xfrm>
-          <a:prstGeom prst="rect">
-            <a:avLst/>
-          </a:prstGeom>
-          <a:solidFill>
-            <a:schemeClr val="accent6">
-              <a:lumMod val="20000"/>
-              <a:lumOff val="80000"/>
-            </a:schemeClr>
-          </a:solidFill>
-          <a:ln>
-            <a:solidFill>
-              <a:schemeClr val="tx1"/>
-            </a:solidFill>
-          </a:ln>
-        </p:spPr>
-        <p:style>
-          <a:lnRef idx="2">
-            <a:schemeClr val="accent1">
-              <a:shade val="50000"/>
-            </a:schemeClr>
-          </a:lnRef>
-          <a:fillRef idx="1">
-            <a:schemeClr val="accent1"/>
-          </a:fillRef>
-          <a:effectRef idx="0">
-            <a:schemeClr val="accent1"/>
-          </a:effectRef>
-          <a:fontRef idx="minor">
-            <a:schemeClr val="lt1"/>
-          </a:fontRef>
-        </p:style>
-        <p:txBody>
-          <a:bodyPr rtlCol="0" anchor="ctr"/>
-          <a:lstStyle/>
-          <a:p>
-            <a:pPr algn="ctr"/>
-            <a:r>
-              <a:rPr lang="en-US" sz="1100" dirty="0" err="1">
-                <a:solidFill>
-                  <a:schemeClr val="tx1"/>
-                </a:solidFill>
-              </a:rPr>
-              <a:t>fig_responses_screenings_validation_line_graph.jpeg</a:t>
-            </a:r>
-            <a:endParaRPr lang="en-US" sz="1100" dirty="0">
-              <a:solidFill>
-                <a:schemeClr val="tx1"/>
-              </a:solidFill>
-            </a:endParaRPr>
-          </a:p>
-        </p:txBody>
-      </p:sp>
-      <p:cxnSp>
-        <p:nvCxnSpPr>
-          <p:cNvPr id="21" name="Elbow Connector 20">
-            <a:extLst>
-              <a:ext uri="{FF2B5EF4-FFF2-40B4-BE49-F238E27FC236}">
-                <a16:creationId xmlns:a16="http://schemas.microsoft.com/office/drawing/2014/main" id="{126059CB-91B7-2B42-8322-4BC50945124F}"/>
-              </a:ext>
-            </a:extLst>
-          </p:cNvPr>
-          <p:cNvCxnSpPr>
-            <a:stCxn id="56" idx="2"/>
-            <a:endCxn id="38" idx="0"/>
-          </p:cNvCxnSpPr>
-          <p:nvPr/>
-        </p:nvCxnSpPr>
-        <p:spPr>
-          <a:xfrm rot="5400000">
-            <a:off x="4736242" y="1418601"/>
-            <a:ext cx="283113" cy="2436404"/>
-          </a:xfrm>
-          <a:prstGeom prst="bentConnector3">
-            <a:avLst/>
-          </a:prstGeom>
-          <a:ln>
-            <a:tailEnd type="triangle"/>
-          </a:ln>
-        </p:spPr>
-        <p:style>
-          <a:lnRef idx="1">
-            <a:schemeClr val="accent1"/>
-          </a:lnRef>
-          <a:fillRef idx="0">
-            <a:schemeClr val="accent1"/>
-          </a:fillRef>
-          <a:effectRef idx="0">
-            <a:schemeClr val="accent1"/>
-          </a:effectRef>
-          <a:fontRef idx="minor">
-            <a:schemeClr val="tx1"/>
-          </a:fontRef>
-        </p:style>
-      </p:cxnSp>
-      <p:cxnSp>
-        <p:nvCxnSpPr>
-          <p:cNvPr id="23" name="Elbow Connector 22">
-            <a:extLst>
-              <a:ext uri="{FF2B5EF4-FFF2-40B4-BE49-F238E27FC236}">
-                <a16:creationId xmlns:a16="http://schemas.microsoft.com/office/drawing/2014/main" id="{E27CAFF2-1528-2140-95AE-1F086DAC6ACF}"/>
-              </a:ext>
-            </a:extLst>
-          </p:cNvPr>
-          <p:cNvCxnSpPr>
-            <a:stCxn id="56" idx="2"/>
-            <a:endCxn id="41" idx="0"/>
-          </p:cNvCxnSpPr>
-          <p:nvPr/>
-        </p:nvCxnSpPr>
-        <p:spPr>
-          <a:xfrm rot="16200000" flipH="1">
-            <a:off x="7180761" y="1410486"/>
-            <a:ext cx="283113" cy="2452634"/>
-          </a:xfrm>
-          <a:prstGeom prst="bentConnector3">
-            <a:avLst/>
-          </a:prstGeom>
-          <a:ln>
-            <a:tailEnd type="triangle"/>
-          </a:ln>
-        </p:spPr>
-        <p:style>
-          <a:lnRef idx="1">
-            <a:schemeClr val="accent1"/>
-          </a:lnRef>
-          <a:fillRef idx="0">
-            <a:schemeClr val="accent1"/>
-          </a:fillRef>
-          <a:effectRef idx="0">
-            <a:schemeClr val="accent1"/>
-          </a:effectRef>
-          <a:fontRef idx="minor">
-            <a:schemeClr val="tx1"/>
-          </a:fontRef>
-        </p:style>
-      </p:cxnSp>
       <p:cxnSp>
         <p:nvCxnSpPr>
           <p:cNvPr id="25" name="Elbow Connector 24">
@@ -8977,8 +8913,8 @@
         </p:nvCxnSpPr>
         <p:spPr>
           <a:xfrm rot="5400000">
-            <a:off x="3583989" y="266348"/>
-            <a:ext cx="283113" cy="4740910"/>
+            <a:off x="4079692" y="758683"/>
+            <a:ext cx="279744" cy="3752872"/>
           </a:xfrm>
           <a:prstGeom prst="bentConnector3">
             <a:avLst/>
@@ -9019,52 +8955,10 @@
         </p:nvCxnSpPr>
         <p:spPr>
           <a:xfrm rot="16200000" flipH="1">
-            <a:off x="8382128" y="209119"/>
-            <a:ext cx="283113" cy="4855368"/>
+            <a:off x="7724368" y="866879"/>
+            <a:ext cx="273005" cy="3529740"/>
           </a:xfrm>
           <a:prstGeom prst="bentConnector3">
-            <a:avLst/>
-          </a:prstGeom>
-          <a:ln>
-            <a:tailEnd type="triangle"/>
-          </a:ln>
-        </p:spPr>
-        <p:style>
-          <a:lnRef idx="1">
-            <a:schemeClr val="accent1"/>
-          </a:lnRef>
-          <a:fillRef idx="0">
-            <a:schemeClr val="accent1"/>
-          </a:fillRef>
-          <a:effectRef idx="0">
-            <a:schemeClr val="accent1"/>
-          </a:effectRef>
-          <a:fontRef idx="minor">
-            <a:schemeClr val="tx1"/>
-          </a:fontRef>
-        </p:style>
-      </p:cxnSp>
-      <p:cxnSp>
-        <p:nvCxnSpPr>
-          <p:cNvPr id="30" name="Straight Arrow Connector 29">
-            <a:extLst>
-              <a:ext uri="{FF2B5EF4-FFF2-40B4-BE49-F238E27FC236}">
-                <a16:creationId xmlns:a16="http://schemas.microsoft.com/office/drawing/2014/main" id="{B33A5E8F-FE53-264A-90AB-ED91905E11E6}"/>
-              </a:ext>
-            </a:extLst>
-          </p:cNvPr>
-          <p:cNvCxnSpPr>
-            <a:stCxn id="41" idx="2"/>
-            <a:endCxn id="54" idx="0"/>
-          </p:cNvCxnSpPr>
-          <p:nvPr/>
-        </p:nvCxnSpPr>
-        <p:spPr>
-          <a:xfrm flipH="1">
-            <a:off x="8546412" y="3137955"/>
-            <a:ext cx="2222" cy="265525"/>
-          </a:xfrm>
-          <a:prstGeom prst="straightConnector1">
             <a:avLst/>
           </a:prstGeom>
           <a:ln>
@@ -9130,48 +9024,6 @@
       </p:cxnSp>
       <p:cxnSp>
         <p:nvCxnSpPr>
-          <p:cNvPr id="55" name="Straight Arrow Connector 54">
-            <a:extLst>
-              <a:ext uri="{FF2B5EF4-FFF2-40B4-BE49-F238E27FC236}">
-                <a16:creationId xmlns:a16="http://schemas.microsoft.com/office/drawing/2014/main" id="{34A0317E-B4EA-1E4E-B964-52CCBA8B91B0}"/>
-              </a:ext>
-            </a:extLst>
-          </p:cNvPr>
-          <p:cNvCxnSpPr>
-            <a:stCxn id="38" idx="2"/>
-            <a:endCxn id="50" idx="0"/>
-          </p:cNvCxnSpPr>
-          <p:nvPr/>
-        </p:nvCxnSpPr>
-        <p:spPr>
-          <a:xfrm>
-            <a:off x="3659596" y="3137955"/>
-            <a:ext cx="5000" cy="272263"/>
-          </a:xfrm>
-          <a:prstGeom prst="straightConnector1">
-            <a:avLst/>
-          </a:prstGeom>
-          <a:ln>
-            <a:tailEnd type="triangle"/>
-          </a:ln>
-        </p:spPr>
-        <p:style>
-          <a:lnRef idx="1">
-            <a:schemeClr val="accent1"/>
-          </a:lnRef>
-          <a:fillRef idx="0">
-            <a:schemeClr val="accent1"/>
-          </a:fillRef>
-          <a:effectRef idx="0">
-            <a:schemeClr val="accent1"/>
-          </a:effectRef>
-          <a:fontRef idx="minor">
-            <a:schemeClr val="tx1"/>
-          </a:fontRef>
-        </p:style>
-      </p:cxnSp>
-      <p:cxnSp>
-        <p:nvCxnSpPr>
           <p:cNvPr id="58" name="Straight Arrow Connector 57">
             <a:extLst>
               <a:ext uri="{FF2B5EF4-FFF2-40B4-BE49-F238E27FC236}">
@@ -9186,7 +9038,7 @@
         </p:nvCxnSpPr>
         <p:spPr>
           <a:xfrm>
-            <a:off x="1355090" y="3137955"/>
+            <a:off x="2343128" y="3134586"/>
             <a:ext cx="0" cy="265525"/>
           </a:xfrm>
           <a:prstGeom prst="straightConnector1">

--- a/images/project_file_flow_diagram.pptx
+++ b/images/project_file_flow_diagram.pptx
@@ -210,7 +210,7 @@
           <a:p>
             <a:fld id="{8FE2B474-E812-5843-ACE1-440DA6EE3C7C}" type="datetimeFigureOut">
               <a:rPr lang="en-US" smtClean="0"/>
-              <a:t>11/19/18</a:t>
+              <a:t>12/9/18</a:t>
             </a:fld>
             <a:endParaRPr lang="en-US"/>
           </a:p>
@@ -792,7 +792,7 @@
           <a:p>
             <a:fld id="{50C38AD0-C4FF-AF45-A138-96117B098541}" type="datetimeFigureOut">
               <a:rPr lang="en-US" smtClean="0"/>
-              <a:t>11/19/18</a:t>
+              <a:t>12/9/18</a:t>
             </a:fld>
             <a:endParaRPr lang="en-US"/>
           </a:p>
@@ -990,7 +990,7 @@
           <a:p>
             <a:fld id="{50C38AD0-C4FF-AF45-A138-96117B098541}" type="datetimeFigureOut">
               <a:rPr lang="en-US" smtClean="0"/>
-              <a:t>11/19/18</a:t>
+              <a:t>12/9/18</a:t>
             </a:fld>
             <a:endParaRPr lang="en-US"/>
           </a:p>
@@ -1198,7 +1198,7 @@
           <a:p>
             <a:fld id="{50C38AD0-C4FF-AF45-A138-96117B098541}" type="datetimeFigureOut">
               <a:rPr lang="en-US" smtClean="0"/>
-              <a:t>11/19/18</a:t>
+              <a:t>12/9/18</a:t>
             </a:fld>
             <a:endParaRPr lang="en-US"/>
           </a:p>
@@ -1396,7 +1396,7 @@
           <a:p>
             <a:fld id="{50C38AD0-C4FF-AF45-A138-96117B098541}" type="datetimeFigureOut">
               <a:rPr lang="en-US" smtClean="0"/>
-              <a:t>11/19/18</a:t>
+              <a:t>12/9/18</a:t>
             </a:fld>
             <a:endParaRPr lang="en-US"/>
           </a:p>
@@ -1671,7 +1671,7 @@
           <a:p>
             <a:fld id="{50C38AD0-C4FF-AF45-A138-96117B098541}" type="datetimeFigureOut">
               <a:rPr lang="en-US" smtClean="0"/>
-              <a:t>11/19/18</a:t>
+              <a:t>12/9/18</a:t>
             </a:fld>
             <a:endParaRPr lang="en-US"/>
           </a:p>
@@ -1936,7 +1936,7 @@
           <a:p>
             <a:fld id="{50C38AD0-C4FF-AF45-A138-96117B098541}" type="datetimeFigureOut">
               <a:rPr lang="en-US" smtClean="0"/>
-              <a:t>11/19/18</a:t>
+              <a:t>12/9/18</a:t>
             </a:fld>
             <a:endParaRPr lang="en-US"/>
           </a:p>
@@ -2348,7 +2348,7 @@
           <a:p>
             <a:fld id="{50C38AD0-C4FF-AF45-A138-96117B098541}" type="datetimeFigureOut">
               <a:rPr lang="en-US" smtClean="0"/>
-              <a:t>11/19/18</a:t>
+              <a:t>12/9/18</a:t>
             </a:fld>
             <a:endParaRPr lang="en-US"/>
           </a:p>
@@ -2489,7 +2489,7 @@
           <a:p>
             <a:fld id="{50C38AD0-C4FF-AF45-A138-96117B098541}" type="datetimeFigureOut">
               <a:rPr lang="en-US" smtClean="0"/>
-              <a:t>11/19/18</a:t>
+              <a:t>12/9/18</a:t>
             </a:fld>
             <a:endParaRPr lang="en-US"/>
           </a:p>
@@ -2602,7 +2602,7 @@
           <a:p>
             <a:fld id="{50C38AD0-C4FF-AF45-A138-96117B098541}" type="datetimeFigureOut">
               <a:rPr lang="en-US" smtClean="0"/>
-              <a:t>11/19/18</a:t>
+              <a:t>12/9/18</a:t>
             </a:fld>
             <a:endParaRPr lang="en-US"/>
           </a:p>
@@ -2913,7 +2913,7 @@
           <a:p>
             <a:fld id="{50C38AD0-C4FF-AF45-A138-96117B098541}" type="datetimeFigureOut">
               <a:rPr lang="en-US" smtClean="0"/>
-              <a:t>11/19/18</a:t>
+              <a:t>12/9/18</a:t>
             </a:fld>
             <a:endParaRPr lang="en-US"/>
           </a:p>
@@ -3201,7 +3201,7 @@
           <a:p>
             <a:fld id="{50C38AD0-C4FF-AF45-A138-96117B098541}" type="datetimeFigureOut">
               <a:rPr lang="en-US" smtClean="0"/>
-              <a:t>11/19/18</a:t>
+              <a:t>12/9/18</a:t>
             </a:fld>
             <a:endParaRPr lang="en-US"/>
           </a:p>
@@ -3442,7 +3442,7 @@
           <a:p>
             <a:fld id="{50C38AD0-C4FF-AF45-A138-96117B098541}" type="datetimeFigureOut">
               <a:rPr lang="en-US" smtClean="0"/>
-              <a:t>11/19/18</a:t>
+              <a:t>12/9/18</a:t>
             </a:fld>
             <a:endParaRPr lang="en-US"/>
           </a:p>
@@ -4002,47 +4002,6 @@
                 <a:schemeClr val="tx1"/>
               </a:solidFill>
             </a:endParaRPr>
-          </a:p>
-        </p:txBody>
-      </p:sp>
-      <p:sp>
-        <p:nvSpPr>
-          <p:cNvPr id="52" name="TextBox 51">
-            <a:extLst>
-              <a:ext uri="{FF2B5EF4-FFF2-40B4-BE49-F238E27FC236}">
-                <a16:creationId xmlns:a16="http://schemas.microsoft.com/office/drawing/2014/main" id="{243B2E37-9861-2F40-B61A-3C73ACEEB57D}"/>
-              </a:ext>
-            </a:extLst>
-          </p:cNvPr>
-          <p:cNvSpPr txBox="1"/>
-          <p:nvPr/>
-        </p:nvSpPr>
-        <p:spPr>
-          <a:xfrm>
-            <a:off x="0" y="190453"/>
-            <a:ext cx="297950" cy="261610"/>
-          </a:xfrm>
-          <a:prstGeom prst="rect">
-            <a:avLst/>
-          </a:prstGeom>
-          <a:noFill/>
-          <a:ln>
-            <a:solidFill>
-              <a:schemeClr val="tx1"/>
-            </a:solidFill>
-          </a:ln>
-        </p:spPr>
-        <p:txBody>
-          <a:bodyPr wrap="square" rtlCol="0">
-            <a:spAutoFit/>
-          </a:bodyPr>
-          <a:lstStyle/>
-          <a:p>
-            <a:pPr algn="ctr"/>
-            <a:r>
-              <a:rPr lang="en-US" sz="1100" dirty="0"/>
-              <a:t>1</a:t>
-            </a:r>
           </a:p>
         </p:txBody>
       </p:sp>
